--- a/Анализ оценок из Сетевого Города.pptx
+++ b/Анализ оценок из Сетевого Города.pptx
@@ -5,21 +5,33 @@
     <p:sldMasterId id="2147483648" r:id="rId1"/>
   </p:sldMasterIdLst>
   <p:notesMasterIdLst>
-    <p:notesMasterId r:id="rId14"/>
+    <p:notesMasterId r:id="rId26"/>
   </p:notesMasterIdLst>
   <p:sldIdLst>
     <p:sldId id="258" r:id="rId2"/>
     <p:sldId id="259" r:id="rId3"/>
     <p:sldId id="260" r:id="rId4"/>
     <p:sldId id="261" r:id="rId5"/>
-    <p:sldId id="262" r:id="rId6"/>
-    <p:sldId id="263" r:id="rId7"/>
-    <p:sldId id="264" r:id="rId8"/>
-    <p:sldId id="265" r:id="rId9"/>
-    <p:sldId id="266" r:id="rId10"/>
-    <p:sldId id="267" r:id="rId11"/>
-    <p:sldId id="268" r:id="rId12"/>
-    <p:sldId id="269" r:id="rId13"/>
+    <p:sldId id="263" r:id="rId6"/>
+    <p:sldId id="264" r:id="rId7"/>
+    <p:sldId id="265" r:id="rId8"/>
+    <p:sldId id="266" r:id="rId9"/>
+    <p:sldId id="267" r:id="rId10"/>
+    <p:sldId id="268" r:id="rId11"/>
+    <p:sldId id="269" r:id="rId12"/>
+    <p:sldId id="270" r:id="rId13"/>
+    <p:sldId id="271" r:id="rId14"/>
+    <p:sldId id="272" r:id="rId15"/>
+    <p:sldId id="273" r:id="rId16"/>
+    <p:sldId id="274" r:id="rId17"/>
+    <p:sldId id="275" r:id="rId18"/>
+    <p:sldId id="276" r:id="rId19"/>
+    <p:sldId id="277" r:id="rId20"/>
+    <p:sldId id="278" r:id="rId21"/>
+    <p:sldId id="279" r:id="rId22"/>
+    <p:sldId id="280" r:id="rId23"/>
+    <p:sldId id="282" r:id="rId24"/>
+    <p:sldId id="281" r:id="rId25"/>
   </p:sldIdLst>
   <p:sldSz cx="12192000" cy="6858000"/>
   <p:notesSz cx="6858000" cy="9144000"/>
@@ -118,7 +130,38 @@
       </a:defRPr>
     </a:lvl9pPr>
   </p:defaultTextStyle>
+  <p:extLst>
+    <p:ext uri="{EFAFB233-063F-42B5-8137-9DF3F51BA10A}">
+      <p15:sldGuideLst xmlns:p15="http://schemas.microsoft.com/office/powerpoint/2012/main"/>
+    </p:ext>
+  </p:extLst>
 </p:presentation>
+</file>
+
+<file path=ppt/commentAuthors.xml><?xml version="1.0" encoding="utf-8"?>
+<p:cmAuthorLst xmlns:a="http://schemas.openxmlformats.org/drawingml/2006/main" xmlns:r="http://schemas.openxmlformats.org/officeDocument/2006/relationships" xmlns:p="http://schemas.openxmlformats.org/presentationml/2006/main">
+  <p:cmAuthor id="1" name="28" initials="2" lastIdx="1" clrIdx="0">
+    <p:extLst>
+      <p:ext uri="{19B8F6BF-5375-455C-9EA6-DF929625EA0E}">
+        <p15:presenceInfo xmlns:p15="http://schemas.microsoft.com/office/powerpoint/2012/main" userId="477c119eb59ed87e" providerId="Windows Live"/>
+      </p:ext>
+    </p:extLst>
+  </p:cmAuthor>
+</p:cmAuthorLst>
+</file>
+
+<file path=ppt/comments/comment1.xml><?xml version="1.0" encoding="utf-8"?>
+<p:cmLst xmlns:a="http://schemas.openxmlformats.org/drawingml/2006/main" xmlns:r="http://schemas.openxmlformats.org/officeDocument/2006/relationships" xmlns:p="http://schemas.openxmlformats.org/presentationml/2006/main">
+  <p:cm authorId="1" dt="2024-04-09T15:02:51.928" idx="1">
+    <p:pos x="10" y="10"/>
+    <p:text/>
+    <p:extLst>
+      <p:ext uri="{C676402C-5697-4E1C-873F-D02D1690AC5C}">
+        <p15:threadingInfo xmlns:p15="http://schemas.microsoft.com/office/powerpoint/2012/main" timeZoneBias="-600"/>
+      </p:ext>
+    </p:extLst>
+  </p:cm>
+</p:cmLst>
 </file>
 
 <file path=ppt/notesMasters/notesMaster1.xml><?xml version="1.0" encoding="utf-8"?>
@@ -203,7 +246,7 @@
           <a:p>
             <a:fld id="{D6CD03B5-A1B7-4F55-B135-3220239301C0}" type="datetimeFigureOut">
               <a:rPr lang="ru-RU" smtClean="0"/>
-              <a:t>08.04.2024</a:t>
+              <a:t>11.04.2024</a:t>
             </a:fld>
             <a:endParaRPr lang="ru-RU"/>
           </a:p>
@@ -617,7 +660,7 @@
           <a:p>
             <a:fld id="{9FBB5711-22C3-4E79-861B-F135E2354D34}" type="datetimeFigureOut">
               <a:rPr lang="ru-RU" smtClean="0"/>
-              <a:t>08.04.2024</a:t>
+              <a:t>11.04.2024</a:t>
             </a:fld>
             <a:endParaRPr lang="ru-RU"/>
           </a:p>
@@ -815,7 +858,7 @@
           <a:p>
             <a:fld id="{9FBB5711-22C3-4E79-861B-F135E2354D34}" type="datetimeFigureOut">
               <a:rPr lang="ru-RU" smtClean="0"/>
-              <a:t>08.04.2024</a:t>
+              <a:t>11.04.2024</a:t>
             </a:fld>
             <a:endParaRPr lang="ru-RU"/>
           </a:p>
@@ -1023,7 +1066,7 @@
           <a:p>
             <a:fld id="{9FBB5711-22C3-4E79-861B-F135E2354D34}" type="datetimeFigureOut">
               <a:rPr lang="ru-RU" smtClean="0"/>
-              <a:t>08.04.2024</a:t>
+              <a:t>11.04.2024</a:t>
             </a:fld>
             <a:endParaRPr lang="ru-RU"/>
           </a:p>
@@ -1221,7 +1264,7 @@
           <a:p>
             <a:fld id="{9FBB5711-22C3-4E79-861B-F135E2354D34}" type="datetimeFigureOut">
               <a:rPr lang="ru-RU" smtClean="0"/>
-              <a:t>08.04.2024</a:t>
+              <a:t>11.04.2024</a:t>
             </a:fld>
             <a:endParaRPr lang="ru-RU"/>
           </a:p>
@@ -1496,7 +1539,7 @@
           <a:p>
             <a:fld id="{9FBB5711-22C3-4E79-861B-F135E2354D34}" type="datetimeFigureOut">
               <a:rPr lang="ru-RU" smtClean="0"/>
-              <a:t>08.04.2024</a:t>
+              <a:t>11.04.2024</a:t>
             </a:fld>
             <a:endParaRPr lang="ru-RU"/>
           </a:p>
@@ -1761,7 +1804,7 @@
           <a:p>
             <a:fld id="{9FBB5711-22C3-4E79-861B-F135E2354D34}" type="datetimeFigureOut">
               <a:rPr lang="ru-RU" smtClean="0"/>
-              <a:t>08.04.2024</a:t>
+              <a:t>11.04.2024</a:t>
             </a:fld>
             <a:endParaRPr lang="ru-RU"/>
           </a:p>
@@ -2173,7 +2216,7 @@
           <a:p>
             <a:fld id="{9FBB5711-22C3-4E79-861B-F135E2354D34}" type="datetimeFigureOut">
               <a:rPr lang="ru-RU" smtClean="0"/>
-              <a:t>08.04.2024</a:t>
+              <a:t>11.04.2024</a:t>
             </a:fld>
             <a:endParaRPr lang="ru-RU"/>
           </a:p>
@@ -2314,7 +2357,7 @@
           <a:p>
             <a:fld id="{9FBB5711-22C3-4E79-861B-F135E2354D34}" type="datetimeFigureOut">
               <a:rPr lang="ru-RU" smtClean="0"/>
-              <a:t>08.04.2024</a:t>
+              <a:t>11.04.2024</a:t>
             </a:fld>
             <a:endParaRPr lang="ru-RU"/>
           </a:p>
@@ -2427,7 +2470,7 @@
           <a:p>
             <a:fld id="{9FBB5711-22C3-4E79-861B-F135E2354D34}" type="datetimeFigureOut">
               <a:rPr lang="ru-RU" smtClean="0"/>
-              <a:t>08.04.2024</a:t>
+              <a:t>11.04.2024</a:t>
             </a:fld>
             <a:endParaRPr lang="ru-RU"/>
           </a:p>
@@ -2738,7 +2781,7 @@
           <a:p>
             <a:fld id="{9FBB5711-22C3-4E79-861B-F135E2354D34}" type="datetimeFigureOut">
               <a:rPr lang="ru-RU" smtClean="0"/>
-              <a:t>08.04.2024</a:t>
+              <a:t>11.04.2024</a:t>
             </a:fld>
             <a:endParaRPr lang="ru-RU"/>
           </a:p>
@@ -3026,7 +3069,7 @@
           <a:p>
             <a:fld id="{9FBB5711-22C3-4E79-861B-F135E2354D34}" type="datetimeFigureOut">
               <a:rPr lang="ru-RU" smtClean="0"/>
-              <a:t>08.04.2024</a:t>
+              <a:t>11.04.2024</a:t>
             </a:fld>
             <a:endParaRPr lang="ru-RU"/>
           </a:p>
@@ -3267,7 +3310,7 @@
           <a:p>
             <a:fld id="{9FBB5711-22C3-4E79-861B-F135E2354D34}" type="datetimeFigureOut">
               <a:rPr lang="ru-RU" smtClean="0"/>
-              <a:t>08.04.2024</a:t>
+              <a:t>11.04.2024</a:t>
             </a:fld>
             <a:endParaRPr lang="ru-RU"/>
           </a:p>
@@ -3670,6 +3713,20 @@
 <file path=ppt/slides/slide1.xml><?xml version="1.0" encoding="utf-8"?>
 <p:sld xmlns:a="http://schemas.openxmlformats.org/drawingml/2006/main" xmlns:r="http://schemas.openxmlformats.org/officeDocument/2006/relationships" xmlns:p="http://schemas.openxmlformats.org/presentationml/2006/main">
   <p:cSld>
+    <p:bg>
+      <p:bgPr>
+        <a:blipFill dpi="0" rotWithShape="1">
+          <a:blip r:embed="rId2">
+            <a:lum/>
+          </a:blip>
+          <a:srcRect/>
+          <a:stretch>
+            <a:fillRect t="-1000" b="-1000"/>
+          </a:stretch>
+        </a:blipFill>
+        <a:effectLst/>
+      </p:bgPr>
+    </p:bg>
     <p:spTree>
       <p:nvGrpSpPr>
         <p:cNvPr id="1" name=""/>
@@ -3686,34 +3743,89 @@
       </p:grpSpPr>
       <p:sp>
         <p:nvSpPr>
-          <p:cNvPr id="2" name="TextBox 1">
-            <a:extLst>
-              <a:ext uri="{FF2B5EF4-FFF2-40B4-BE49-F238E27FC236}">
-                <a16:creationId xmlns:a16="http://schemas.microsoft.com/office/drawing/2014/main" id="{CA8E7C8F-35C4-4919-84C4-A91CF406AB8D}"/>
-              </a:ext>
-            </a:extLst>
-          </p:cNvPr>
-          <p:cNvSpPr txBox="1"/>
+          <p:cNvPr id="4" name="Прямоугольник 3">
+            <a:extLst>
+              <a:ext uri="{FF2B5EF4-FFF2-40B4-BE49-F238E27FC236}">
+                <a16:creationId xmlns:a16="http://schemas.microsoft.com/office/drawing/2014/main" id="{52F234C7-CB2E-43F3-8317-71BE96707FA4}"/>
+              </a:ext>
+            </a:extLst>
+          </p:cNvPr>
+          <p:cNvSpPr/>
           <p:nvPr/>
         </p:nvSpPr>
         <p:spPr>
           <a:xfrm>
-            <a:off x="1514475" y="381000"/>
-            <a:ext cx="9296400" cy="2123658"/>
-          </a:xfrm>
-          <a:prstGeom prst="rect">
-            <a:avLst/>
-          </a:prstGeom>
-          <a:noFill/>
-        </p:spPr>
-        <p:txBody>
-          <a:bodyPr wrap="square" rtlCol="0">
+            <a:off x="0" y="0"/>
+            <a:ext cx="12192000" cy="6858000"/>
+          </a:xfrm>
+          <a:prstGeom prst="rect">
+            <a:avLst/>
+          </a:prstGeom>
+          <a:solidFill>
+            <a:schemeClr val="dk1">
+              <a:alpha val="70000"/>
+            </a:schemeClr>
+          </a:solidFill>
+        </p:spPr>
+        <p:style>
+          <a:lnRef idx="2">
+            <a:schemeClr val="dk1">
+              <a:shade val="50000"/>
+            </a:schemeClr>
+          </a:lnRef>
+          <a:fillRef idx="1">
+            <a:schemeClr val="dk1"/>
+          </a:fillRef>
+          <a:effectRef idx="0">
+            <a:schemeClr val="dk1"/>
+          </a:effectRef>
+          <a:fontRef idx="minor">
+            <a:schemeClr val="lt1"/>
+          </a:fontRef>
+        </p:style>
+        <p:txBody>
+          <a:bodyPr rtlCol="0" anchor="ctr"/>
+          <a:lstStyle/>
+          <a:p>
+            <a:pPr algn="ctr"/>
+            <a:endParaRPr lang="ru-RU"/>
+          </a:p>
+        </p:txBody>
+      </p:sp>
+      <p:sp>
+        <p:nvSpPr>
+          <p:cNvPr id="5" name="Прямоугольник 4">
+            <a:extLst>
+              <a:ext uri="{FF2B5EF4-FFF2-40B4-BE49-F238E27FC236}">
+                <a16:creationId xmlns:a16="http://schemas.microsoft.com/office/drawing/2014/main" id="{E1C43F36-AE6A-4044-A2FB-2591B96CCE69}"/>
+              </a:ext>
+            </a:extLst>
+          </p:cNvPr>
+          <p:cNvSpPr/>
+          <p:nvPr/>
+        </p:nvSpPr>
+        <p:spPr>
+          <a:xfrm>
+            <a:off x="1533525" y="2233910"/>
+            <a:ext cx="10439400" cy="1938992"/>
+          </a:xfrm>
+          <a:prstGeom prst="rect">
+            <a:avLst/>
+          </a:prstGeom>
+        </p:spPr>
+        <p:txBody>
+          <a:bodyPr wrap="square">
             <a:spAutoFit/>
           </a:bodyPr>
           <a:lstStyle/>
           <a:p>
             <a:r>
-              <a:rPr lang="ru-RU" sz="4400" dirty="0"/>
+              <a:rPr lang="ru-RU" sz="4000" dirty="0">
+                <a:solidFill>
+                  <a:schemeClr val="bg1"/>
+                </a:solidFill>
+                <a:latin typeface="Arial Black" panose="020B0A04020102020204" pitchFamily="34" charset="0"/>
+              </a:rPr>
               <a:t>Анализ оценок и Визуализация данных из Сетевого Города при помощи программирования</a:t>
             </a:r>
           </a:p>
@@ -3749,55 +3861,40 @@
           <a:chExt cx="0" cy="0"/>
         </a:xfrm>
       </p:grpSpPr>
-      <p:sp>
-        <p:nvSpPr>
-          <p:cNvPr id="2" name="Прямоугольник 1">
-            <a:extLst>
-              <a:ext uri="{FF2B5EF4-FFF2-40B4-BE49-F238E27FC236}">
-                <a16:creationId xmlns:a16="http://schemas.microsoft.com/office/drawing/2014/main" id="{4AA60B42-27BE-4E33-86B4-B39FAD108533}"/>
-              </a:ext>
-            </a:extLst>
-          </p:cNvPr>
-          <p:cNvSpPr/>
+      <p:pic>
+        <p:nvPicPr>
+          <p:cNvPr id="2" name="image9.png">
+            <a:extLst>
+              <a:ext uri="{FF2B5EF4-FFF2-40B4-BE49-F238E27FC236}">
+                <a16:creationId xmlns:a16="http://schemas.microsoft.com/office/drawing/2014/main" id="{EBA8638D-491B-4A2D-8C4D-2F8F7D3B3CBB}"/>
+              </a:ext>
+            </a:extLst>
+          </p:cNvPr>
+          <p:cNvPicPr/>
           <p:nvPr/>
-        </p:nvSpPr>
-        <p:spPr>
-          <a:xfrm>
-            <a:off x="1524000" y="2689567"/>
-            <a:ext cx="10185400" cy="739433"/>
-          </a:xfrm>
-          <a:prstGeom prst="rect">
-            <a:avLst/>
-          </a:prstGeom>
-        </p:spPr>
-        <p:txBody>
-          <a:bodyPr wrap="square">
-            <a:spAutoFit/>
-          </a:bodyPr>
-          <a:lstStyle/>
-          <a:p>
-            <a:pPr>
-              <a:lnSpc>
-                <a:spcPct val="115000"/>
-              </a:lnSpc>
-              <a:spcAft>
-                <a:spcPts val="0"/>
-              </a:spcAft>
-            </a:pPr>
-            <a:r>
-              <a:rPr lang="ru-RU" sz="4000" b="1" dirty="0">
-                <a:latin typeface="Segoe UI Black" panose="020B0A02040204020203" pitchFamily="34" charset="0"/>
-                <a:ea typeface="Segoe UI Black" panose="020B0A02040204020203" pitchFamily="34" charset="0"/>
-              </a:rPr>
-              <a:t>Визуализация структуры проекта</a:t>
-            </a:r>
-          </a:p>
-        </p:txBody>
-      </p:sp>
+        </p:nvPicPr>
+        <p:blipFill>
+          <a:blip r:embed="rId2"/>
+          <a:srcRect/>
+          <a:stretch>
+            <a:fillRect/>
+          </a:stretch>
+        </p:blipFill>
+        <p:spPr>
+          <a:xfrm>
+            <a:off x="-104775" y="0"/>
+            <a:ext cx="12420600" cy="6858000"/>
+          </a:xfrm>
+          <a:prstGeom prst="rect">
+            <a:avLst/>
+          </a:prstGeom>
+          <a:ln/>
+        </p:spPr>
+      </p:pic>
     </p:spTree>
     <p:extLst>
       <p:ext uri="{BB962C8B-B14F-4D97-AF65-F5344CB8AC3E}">
-        <p14:creationId xmlns:p14="http://schemas.microsoft.com/office/powerpoint/2010/main" val="1338497060"/>
+        <p14:creationId xmlns:p14="http://schemas.microsoft.com/office/powerpoint/2010/main" val="1780553214"/>
       </p:ext>
     </p:extLst>
   </p:cSld>
@@ -3824,12 +3921,60 @@
           <a:chExt cx="0" cy="0"/>
         </a:xfrm>
       </p:grpSpPr>
+      <p:sp>
+        <p:nvSpPr>
+          <p:cNvPr id="2" name="Прямоугольник 1">
+            <a:extLst>
+              <a:ext uri="{FF2B5EF4-FFF2-40B4-BE49-F238E27FC236}">
+                <a16:creationId xmlns:a16="http://schemas.microsoft.com/office/drawing/2014/main" id="{FD986453-BAC2-421F-8285-D60ED8C4C6BA}"/>
+              </a:ext>
+            </a:extLst>
+          </p:cNvPr>
+          <p:cNvSpPr/>
+          <p:nvPr/>
+        </p:nvSpPr>
+        <p:spPr>
+          <a:xfrm>
+            <a:off x="461999" y="385319"/>
+            <a:ext cx="3424335" cy="523220"/>
+          </a:xfrm>
+          <a:prstGeom prst="rect">
+            <a:avLst/>
+          </a:prstGeom>
+        </p:spPr>
+        <p:txBody>
+          <a:bodyPr wrap="none">
+            <a:spAutoFit/>
+          </a:bodyPr>
+          <a:lstStyle/>
+          <a:p>
+            <a:r>
+              <a:rPr lang="ru-RU" sz="2800" b="1" dirty="0">
+                <a:latin typeface="Segoe UI Black" panose="020B0A02040204020203" pitchFamily="34" charset="0"/>
+                <a:ea typeface="Segoe UI Black" panose="020B0A02040204020203" pitchFamily="34" charset="0"/>
+              </a:rPr>
+              <a:t>Установка </a:t>
+            </a:r>
+            <a:r>
+              <a:rPr lang="ru-RU" sz="2800" b="1" dirty="0" err="1">
+                <a:latin typeface="Segoe UI Black" panose="020B0A02040204020203" pitchFamily="34" charset="0"/>
+                <a:ea typeface="Segoe UI Black" panose="020B0A02040204020203" pitchFamily="34" charset="0"/>
+              </a:rPr>
+              <a:t>Python</a:t>
+            </a:r>
+            <a:endParaRPr lang="ru-RU" sz="2800" dirty="0">
+              <a:latin typeface="Segoe UI Black" panose="020B0A02040204020203" pitchFamily="34" charset="0"/>
+              <a:ea typeface="Segoe UI Black" panose="020B0A02040204020203" pitchFamily="34" charset="0"/>
+            </a:endParaRPr>
+          </a:p>
+        </p:txBody>
+      </p:sp>
       <p:pic>
         <p:nvPicPr>
-          <p:cNvPr id="2" name="image9.png">
-            <a:extLst>
-              <a:ext uri="{FF2B5EF4-FFF2-40B4-BE49-F238E27FC236}">
-                <a16:creationId xmlns:a16="http://schemas.microsoft.com/office/drawing/2014/main" id="{EBA8638D-491B-4A2D-8C4D-2F8F7D3B3CBB}"/>
+          <p:cNvPr id="3" name="image26.png">
+            <a:extLst>
+              <a:ext uri="{FF2B5EF4-FFF2-40B4-BE49-F238E27FC236}">
+                <a16:creationId xmlns:a16="http://schemas.microsoft.com/office/drawing/2014/main" id="{969AC467-398F-4F01-A7C7-3E922D52A975}"/>
               </a:ext>
             </a:extLst>
           </p:cNvPr>
@@ -3845,8 +3990,8 @@
         </p:blipFill>
         <p:spPr>
           <a:xfrm>
-            <a:off x="-104775" y="0"/>
-            <a:ext cx="12420600" cy="6858000"/>
+            <a:off x="4432300" y="2818629"/>
+            <a:ext cx="7297701" cy="3667225"/>
           </a:xfrm>
           <a:prstGeom prst="rect">
             <a:avLst/>
@@ -3854,10 +3999,97 @@
           <a:ln/>
         </p:spPr>
       </p:pic>
+      <p:sp>
+        <p:nvSpPr>
+          <p:cNvPr id="4" name="Прямоугольник 3">
+            <a:extLst>
+              <a:ext uri="{FF2B5EF4-FFF2-40B4-BE49-F238E27FC236}">
+                <a16:creationId xmlns:a16="http://schemas.microsoft.com/office/drawing/2014/main" id="{6FBD3C50-2539-45A4-B8C0-A5F8A0BC0A5D}"/>
+              </a:ext>
+            </a:extLst>
+          </p:cNvPr>
+          <p:cNvSpPr/>
+          <p:nvPr/>
+        </p:nvSpPr>
+        <p:spPr>
+          <a:xfrm>
+            <a:off x="461999" y="1329088"/>
+            <a:ext cx="4997043" cy="1659557"/>
+          </a:xfrm>
+          <a:prstGeom prst="rect">
+            <a:avLst/>
+          </a:prstGeom>
+        </p:spPr>
+        <p:txBody>
+          <a:bodyPr wrap="square">
+            <a:spAutoFit/>
+          </a:bodyPr>
+          <a:lstStyle/>
+          <a:p>
+            <a:pPr lvl="0">
+              <a:lnSpc>
+                <a:spcPct val="115000"/>
+              </a:lnSpc>
+              <a:spcAft>
+                <a:spcPts val="0"/>
+              </a:spcAft>
+            </a:pPr>
+            <a:r>
+              <a:rPr lang="ru-RU" dirty="0">
+                <a:latin typeface="Times New Roman" panose="02020603050405020304" pitchFamily="18" charset="0"/>
+                <a:ea typeface="Times New Roman" panose="02020603050405020304" pitchFamily="18" charset="0"/>
+              </a:rPr>
+              <a:t>Скачивание установщика: Загрузить установщик </a:t>
+            </a:r>
+            <a:r>
+              <a:rPr lang="ru-RU" dirty="0" err="1">
+                <a:latin typeface="Times New Roman" panose="02020603050405020304" pitchFamily="18" charset="0"/>
+                <a:ea typeface="Times New Roman" panose="02020603050405020304" pitchFamily="18" charset="0"/>
+              </a:rPr>
+              <a:t>Python</a:t>
+            </a:r>
+            <a:r>
+              <a:rPr lang="ru-RU" dirty="0">
+                <a:latin typeface="Times New Roman" panose="02020603050405020304" pitchFamily="18" charset="0"/>
+                <a:ea typeface="Times New Roman" panose="02020603050405020304" pitchFamily="18" charset="0"/>
+              </a:rPr>
+              <a:t> с официального веб-сайта </a:t>
+            </a:r>
+            <a:r>
+              <a:rPr lang="ru-RU" dirty="0" err="1">
+                <a:latin typeface="Times New Roman" panose="02020603050405020304" pitchFamily="18" charset="0"/>
+                <a:ea typeface="Times New Roman" panose="02020603050405020304" pitchFamily="18" charset="0"/>
+              </a:rPr>
+              <a:t>Python</a:t>
+            </a:r>
+            <a:r>
+              <a:rPr lang="ru-RU" dirty="0">
+                <a:latin typeface="Times New Roman" panose="02020603050405020304" pitchFamily="18" charset="0"/>
+                <a:ea typeface="Times New Roman" panose="02020603050405020304" pitchFamily="18" charset="0"/>
+              </a:rPr>
+              <a:t> (https://www.python.org/). На сайте представлены версии </a:t>
+            </a:r>
+            <a:r>
+              <a:rPr lang="ru-RU" dirty="0" err="1">
+                <a:latin typeface="Times New Roman" panose="02020603050405020304" pitchFamily="18" charset="0"/>
+                <a:ea typeface="Times New Roman" panose="02020603050405020304" pitchFamily="18" charset="0"/>
+              </a:rPr>
+              <a:t>Python</a:t>
+            </a:r>
+            <a:r>
+              <a:rPr lang="ru-RU" dirty="0">
+                <a:latin typeface="Times New Roman" panose="02020603050405020304" pitchFamily="18" charset="0"/>
+                <a:ea typeface="Times New Roman" panose="02020603050405020304" pitchFamily="18" charset="0"/>
+              </a:rPr>
+              <a:t> для различных операционных систем.</a:t>
+            </a:r>
+          </a:p>
+        </p:txBody>
+      </p:sp>
     </p:spTree>
     <p:extLst>
       <p:ext uri="{BB962C8B-B14F-4D97-AF65-F5344CB8AC3E}">
-        <p14:creationId xmlns:p14="http://schemas.microsoft.com/office/powerpoint/2010/main" val="1780553214"/>
+        <p14:creationId xmlns:p14="http://schemas.microsoft.com/office/powerpoint/2010/main" val="575429342"/>
       </p:ext>
     </p:extLst>
   </p:cSld>
@@ -3884,10 +4116,210 @@
           <a:chExt cx="0" cy="0"/>
         </a:xfrm>
       </p:grpSpPr>
+      <p:sp>
+        <p:nvSpPr>
+          <p:cNvPr id="2" name="Прямоугольник 1">
+            <a:extLst>
+              <a:ext uri="{FF2B5EF4-FFF2-40B4-BE49-F238E27FC236}">
+                <a16:creationId xmlns:a16="http://schemas.microsoft.com/office/drawing/2014/main" id="{12196167-770F-454F-A9C2-7BB90BB50B11}"/>
+              </a:ext>
+            </a:extLst>
+          </p:cNvPr>
+          <p:cNvSpPr/>
+          <p:nvPr/>
+        </p:nvSpPr>
+        <p:spPr>
+          <a:xfrm>
+            <a:off x="331953" y="224672"/>
+            <a:ext cx="4137671" cy="545277"/>
+          </a:xfrm>
+          <a:prstGeom prst="rect">
+            <a:avLst/>
+          </a:prstGeom>
+        </p:spPr>
+        <p:txBody>
+          <a:bodyPr wrap="none">
+            <a:spAutoFit/>
+          </a:bodyPr>
+          <a:lstStyle/>
+          <a:p>
+            <a:pPr>
+              <a:lnSpc>
+                <a:spcPct val="115000"/>
+              </a:lnSpc>
+              <a:spcAft>
+                <a:spcPts val="0"/>
+              </a:spcAft>
+            </a:pPr>
+            <a:r>
+              <a:rPr lang="ru-RU" sz="2800" b="1" dirty="0">
+                <a:latin typeface="Segoe UI Black" panose="020B0A02040204020203" pitchFamily="34" charset="0"/>
+                <a:ea typeface="Segoe UI Black" panose="020B0A02040204020203" pitchFamily="34" charset="0"/>
+              </a:rPr>
+              <a:t>Установка библиотек</a:t>
+            </a:r>
+          </a:p>
+        </p:txBody>
+      </p:sp>
+      <p:sp>
+        <p:nvSpPr>
+          <p:cNvPr id="3" name="Прямоугольник 2">
+            <a:extLst>
+              <a:ext uri="{FF2B5EF4-FFF2-40B4-BE49-F238E27FC236}">
+                <a16:creationId xmlns:a16="http://schemas.microsoft.com/office/drawing/2014/main" id="{D5A8A7FF-7EBF-4E8C-96D7-B63BBCCA1058}"/>
+              </a:ext>
+            </a:extLst>
+          </p:cNvPr>
+          <p:cNvSpPr/>
+          <p:nvPr/>
+        </p:nvSpPr>
+        <p:spPr>
+          <a:xfrm>
+            <a:off x="739528" y="1440701"/>
+            <a:ext cx="3011850" cy="369332"/>
+          </a:xfrm>
+          <a:prstGeom prst="rect">
+            <a:avLst/>
+          </a:prstGeom>
+        </p:spPr>
+        <p:txBody>
+          <a:bodyPr wrap="none">
+            <a:spAutoFit/>
+          </a:bodyPr>
+          <a:lstStyle/>
+          <a:p>
+            <a:r>
+              <a:rPr lang="ru-RU" dirty="0">
+                <a:latin typeface="Times New Roman" panose="02020603050405020304" pitchFamily="18" charset="0"/>
+                <a:ea typeface="Times New Roman" panose="02020603050405020304" pitchFamily="18" charset="0"/>
+              </a:rPr>
+              <a:t>Открытие командной строки</a:t>
+            </a:r>
+            <a:endParaRPr lang="ru-RU" dirty="0"/>
+          </a:p>
+        </p:txBody>
+      </p:sp>
+      <p:pic>
+        <p:nvPicPr>
+          <p:cNvPr id="4" name="image10.png">
+            <a:extLst>
+              <a:ext uri="{FF2B5EF4-FFF2-40B4-BE49-F238E27FC236}">
+                <a16:creationId xmlns:a16="http://schemas.microsoft.com/office/drawing/2014/main" id="{01F83F45-7A64-492F-8618-13A2CD48D2A5}"/>
+              </a:ext>
+            </a:extLst>
+          </p:cNvPr>
+          <p:cNvPicPr/>
+          <p:nvPr/>
+        </p:nvPicPr>
+        <p:blipFill>
+          <a:blip r:embed="rId2"/>
+          <a:srcRect/>
+          <a:stretch>
+            <a:fillRect/>
+          </a:stretch>
+        </p:blipFill>
+        <p:spPr>
+          <a:xfrm>
+            <a:off x="331953" y="3429000"/>
+            <a:ext cx="4525273" cy="2379980"/>
+          </a:xfrm>
+          <a:prstGeom prst="rect">
+            <a:avLst/>
+          </a:prstGeom>
+          <a:ln/>
+        </p:spPr>
+      </p:pic>
+      <p:sp>
+        <p:nvSpPr>
+          <p:cNvPr id="5" name="Прямоугольник 4">
+            <a:extLst>
+              <a:ext uri="{FF2B5EF4-FFF2-40B4-BE49-F238E27FC236}">
+                <a16:creationId xmlns:a16="http://schemas.microsoft.com/office/drawing/2014/main" id="{2AFFBCF7-8805-4E1D-A41B-E57215DF6C97}"/>
+              </a:ext>
+            </a:extLst>
+          </p:cNvPr>
+          <p:cNvSpPr/>
+          <p:nvPr/>
+        </p:nvSpPr>
+        <p:spPr>
+          <a:xfrm>
+            <a:off x="331953" y="1919597"/>
+            <a:ext cx="4525273" cy="1202252"/>
+          </a:xfrm>
+          <a:prstGeom prst="rect">
+            <a:avLst/>
+          </a:prstGeom>
+        </p:spPr>
+        <p:txBody>
+          <a:bodyPr wrap="square">
+            <a:spAutoFit/>
+          </a:bodyPr>
+          <a:lstStyle/>
+          <a:p>
+            <a:pPr lvl="0">
+              <a:lnSpc>
+                <a:spcPct val="115000"/>
+              </a:lnSpc>
+              <a:spcAft>
+                <a:spcPts val="0"/>
+              </a:spcAft>
+            </a:pPr>
+            <a:r>
+              <a:rPr lang="ru-RU" sz="1600" dirty="0">
+                <a:latin typeface="Times New Roman" panose="02020603050405020304" pitchFamily="18" charset="0"/>
+                <a:ea typeface="Times New Roman" panose="02020603050405020304" pitchFamily="18" charset="0"/>
+              </a:rPr>
+              <a:t>Чтобы открыть командную оболочку(командную строку) в операционной системе </a:t>
+            </a:r>
+            <a:r>
+              <a:rPr lang="ru-RU" sz="1600" dirty="0" err="1">
+                <a:latin typeface="Times New Roman" panose="02020603050405020304" pitchFamily="18" charset="0"/>
+                <a:ea typeface="Times New Roman" panose="02020603050405020304" pitchFamily="18" charset="0"/>
+              </a:rPr>
+              <a:t>Windows</a:t>
+            </a:r>
+            <a:r>
+              <a:rPr lang="ru-RU" sz="1600" dirty="0">
+                <a:latin typeface="Times New Roman" panose="02020603050405020304" pitchFamily="18" charset="0"/>
+                <a:ea typeface="Times New Roman" panose="02020603050405020304" pitchFamily="18" charset="0"/>
+              </a:rPr>
+              <a:t>, требуется зажать сочетание клавиш </a:t>
+            </a:r>
+            <a:r>
+              <a:rPr lang="ru-RU" sz="1600" i="1" dirty="0" err="1">
+                <a:latin typeface="Times New Roman" panose="02020603050405020304" pitchFamily="18" charset="0"/>
+                <a:ea typeface="Times New Roman" panose="02020603050405020304" pitchFamily="18" charset="0"/>
+              </a:rPr>
+              <a:t>Win+R</a:t>
+            </a:r>
+            <a:r>
+              <a:rPr lang="ru-RU" sz="1600" dirty="0">
+                <a:latin typeface="Times New Roman" panose="02020603050405020304" pitchFamily="18" charset="0"/>
+                <a:ea typeface="Times New Roman" panose="02020603050405020304" pitchFamily="18" charset="0"/>
+              </a:rPr>
+              <a:t>, а в открывшемся окне прописать команду: </a:t>
+            </a:r>
+            <a:r>
+              <a:rPr lang="ru-RU" sz="1600" i="1" dirty="0" err="1">
+                <a:latin typeface="Times New Roman" panose="02020603050405020304" pitchFamily="18" charset="0"/>
+                <a:ea typeface="Times New Roman" panose="02020603050405020304" pitchFamily="18" charset="0"/>
+              </a:rPr>
+              <a:t>cmd</a:t>
+            </a:r>
+            <a:r>
+              <a:rPr lang="ru-RU" sz="1600" dirty="0">
+                <a:latin typeface="Times New Roman" panose="02020603050405020304" pitchFamily="18" charset="0"/>
+                <a:ea typeface="Times New Roman" panose="02020603050405020304" pitchFamily="18" charset="0"/>
+              </a:rPr>
+              <a:t>.</a:t>
+            </a:r>
+          </a:p>
+        </p:txBody>
+      </p:sp>
     </p:spTree>
     <p:extLst>
       <p:ext uri="{BB962C8B-B14F-4D97-AF65-F5344CB8AC3E}">
-        <p14:creationId xmlns:p14="http://schemas.microsoft.com/office/powerpoint/2010/main" val="575429342"/>
+        <p14:creationId xmlns:p14="http://schemas.microsoft.com/office/powerpoint/2010/main" val="370214862"/>
       </p:ext>
     </p:extLst>
   </p:cSld>
@@ -3897,7 +4329,7 @@
 </p:sld>
 </file>
 
-<file path=ppt/slides/slide2.xml><?xml version="1.0" encoding="utf-8"?>
+<file path=ppt/slides/slide13.xml><?xml version="1.0" encoding="utf-8"?>
 <p:sld xmlns:a="http://schemas.openxmlformats.org/drawingml/2006/main" xmlns:r="http://schemas.openxmlformats.org/officeDocument/2006/relationships" xmlns:p="http://schemas.openxmlformats.org/presentationml/2006/main">
   <p:cSld>
     <p:spTree>
@@ -3914,12 +4346,42 @@
           <a:chExt cx="0" cy="0"/>
         </a:xfrm>
       </p:grpSpPr>
-      <p:sp>
-        <p:nvSpPr>
-          <p:cNvPr id="2" name="TextBox 1">
-            <a:extLst>
-              <a:ext uri="{FF2B5EF4-FFF2-40B4-BE49-F238E27FC236}">
-                <a16:creationId xmlns:a16="http://schemas.microsoft.com/office/drawing/2014/main" id="{11390432-0764-44A9-8F68-E4A7AAD87D4C}"/>
+      <p:pic>
+        <p:nvPicPr>
+          <p:cNvPr id="2" name="image23.png">
+            <a:extLst>
+              <a:ext uri="{FF2B5EF4-FFF2-40B4-BE49-F238E27FC236}">
+                <a16:creationId xmlns:a16="http://schemas.microsoft.com/office/drawing/2014/main" id="{2D6435F9-0C14-4C33-A892-17EAF3FA2836}"/>
+              </a:ext>
+            </a:extLst>
+          </p:cNvPr>
+          <p:cNvPicPr/>
+          <p:nvPr/>
+        </p:nvPicPr>
+        <p:blipFill>
+          <a:blip r:embed="rId2"/>
+          <a:srcRect/>
+          <a:stretch>
+            <a:fillRect/>
+          </a:stretch>
+        </p:blipFill>
+        <p:spPr>
+          <a:xfrm>
+            <a:off x="417644" y="2469976"/>
+            <a:ext cx="5678356" cy="3327400"/>
+          </a:xfrm>
+          <a:prstGeom prst="rect">
+            <a:avLst/>
+          </a:prstGeom>
+          <a:ln/>
+        </p:spPr>
+      </p:pic>
+      <p:sp>
+        <p:nvSpPr>
+          <p:cNvPr id="5" name="TextBox 4">
+            <a:extLst>
+              <a:ext uri="{FF2B5EF4-FFF2-40B4-BE49-F238E27FC236}">
+                <a16:creationId xmlns:a16="http://schemas.microsoft.com/office/drawing/2014/main" id="{F73B6375-9329-4F4A-9747-C2CF870414D4}"/>
               </a:ext>
             </a:extLst>
           </p:cNvPr>
@@ -3928,8 +4390,8 @@
         </p:nvSpPr>
         <p:spPr>
           <a:xfrm>
-            <a:off x="628651" y="1028700"/>
-            <a:ext cx="2476500" cy="646331"/>
+            <a:off x="327171" y="327171"/>
+            <a:ext cx="5335398" cy="461665"/>
           </a:xfrm>
           <a:prstGeom prst="rect">
             <a:avLst/>
@@ -3943,61 +4405,29 @@
           <a:lstStyle/>
           <a:p>
             <a:r>
-              <a:rPr lang="ru-RU" b="1" dirty="0">
+              <a:rPr lang="ru-RU" sz="2400" dirty="0">
                 <a:latin typeface="Arial Black" panose="020B0A04020102020204" pitchFamily="34" charset="0"/>
               </a:rPr>
-              <a:t>Актуальность темы</a:t>
-            </a:r>
-          </a:p>
-        </p:txBody>
-      </p:sp>
-      <p:sp>
-        <p:nvSpPr>
-          <p:cNvPr id="4" name="TextBox 3">
-            <a:extLst>
-              <a:ext uri="{FF2B5EF4-FFF2-40B4-BE49-F238E27FC236}">
-                <a16:creationId xmlns:a16="http://schemas.microsoft.com/office/drawing/2014/main" id="{0BFB1EEE-8F7A-4882-8893-205C01FE112B}"/>
-              </a:ext>
-            </a:extLst>
-          </p:cNvPr>
-          <p:cNvSpPr txBox="1"/>
-          <p:nvPr/>
-        </p:nvSpPr>
-        <p:spPr>
-          <a:xfrm>
-            <a:off x="2857500" y="1933575"/>
-            <a:ext cx="9163050" cy="1200329"/>
-          </a:xfrm>
-          <a:prstGeom prst="rect">
-            <a:avLst/>
-          </a:prstGeom>
-          <a:noFill/>
-        </p:spPr>
-        <p:txBody>
-          <a:bodyPr wrap="square" rtlCol="0">
-            <a:spAutoFit/>
-          </a:bodyPr>
-          <a:lstStyle/>
-          <a:p>
-            <a:r>
-              <a:rPr lang="ru-RU" dirty="0"/>
-              <a:t>Активное внедрение информационно-коммуникационных технологий, является важным фактором создания системы образования, отвечающей требованиям информационного общества и процессу реформирования традиционной системы образования. </a:t>
-            </a:r>
-          </a:p>
-          <a:p>
-            <a:r>
-              <a:rPr lang="ru-RU" dirty="0"/>
-              <a:t>	</a:t>
-            </a:r>
-          </a:p>
-        </p:txBody>
-      </p:sp>
-      <p:sp>
-        <p:nvSpPr>
-          <p:cNvPr id="5" name="Прямоугольник 4">
-            <a:extLst>
-              <a:ext uri="{FF2B5EF4-FFF2-40B4-BE49-F238E27FC236}">
-                <a16:creationId xmlns:a16="http://schemas.microsoft.com/office/drawing/2014/main" id="{78C735A8-0F9E-40A4-9580-95A447288AAD}"/>
+              <a:t>Командная строка в </a:t>
+            </a:r>
+            <a:r>
+              <a:rPr lang="en-US" sz="2400" dirty="0">
+                <a:latin typeface="Arial Black" panose="020B0A04020102020204" pitchFamily="34" charset="0"/>
+              </a:rPr>
+              <a:t>Windows</a:t>
+            </a:r>
+            <a:endParaRPr lang="ru-RU" sz="2400" dirty="0">
+              <a:latin typeface="Arial Black" panose="020B0A04020102020204" pitchFamily="34" charset="0"/>
+            </a:endParaRPr>
+          </a:p>
+        </p:txBody>
+      </p:sp>
+      <p:sp>
+        <p:nvSpPr>
+          <p:cNvPr id="6" name="Прямоугольник 5">
+            <a:extLst>
+              <a:ext uri="{FF2B5EF4-FFF2-40B4-BE49-F238E27FC236}">
+                <a16:creationId xmlns:a16="http://schemas.microsoft.com/office/drawing/2014/main" id="{544E3993-01C8-49C6-A699-81DAA146BF1A}"/>
               </a:ext>
             </a:extLst>
           </p:cNvPr>
@@ -4006,8 +4436,8 @@
         </p:nvSpPr>
         <p:spPr>
           <a:xfrm>
-            <a:off x="2762250" y="3704869"/>
-            <a:ext cx="8458200" cy="1754326"/>
+            <a:off x="7835317" y="327171"/>
+            <a:ext cx="2777249" cy="461665"/>
           </a:xfrm>
           <a:prstGeom prst="rect">
             <a:avLst/>
@@ -4020,8 +4450,112 @@
           <a:lstStyle/>
           <a:p>
             <a:r>
-              <a:rPr lang="ru-RU" dirty="0"/>
-              <a:t>Автоматизация рутинных задач с помощью информационных технологий может облегчить и ускорить повседневные задачи. Философия программирования как раз таки основана на автоматизации всяческих процессов и задач, с которыми легко может справится современный компьютер. А внедрение такой философии в образовательный процесс, способствует развитию системы образования и упрощению повседневных задач</a:t>
+              <a:rPr lang="ru-RU" sz="2400" dirty="0">
+                <a:latin typeface="Segoe UI Black" panose="020B0A02040204020203" pitchFamily="34" charset="0"/>
+                <a:ea typeface="Segoe UI Black" panose="020B0A02040204020203" pitchFamily="34" charset="0"/>
+              </a:rPr>
+              <a:t>Ввод команды</a:t>
+            </a:r>
+          </a:p>
+        </p:txBody>
+      </p:sp>
+      <p:sp>
+        <p:nvSpPr>
+          <p:cNvPr id="7" name="Прямоугольник 6">
+            <a:extLst>
+              <a:ext uri="{FF2B5EF4-FFF2-40B4-BE49-F238E27FC236}">
+                <a16:creationId xmlns:a16="http://schemas.microsoft.com/office/drawing/2014/main" id="{9F9BE538-7DC4-4F23-AF8C-EA9E656C9DD0}"/>
+              </a:ext>
+            </a:extLst>
+          </p:cNvPr>
+          <p:cNvSpPr/>
+          <p:nvPr/>
+        </p:nvSpPr>
+        <p:spPr>
+          <a:xfrm>
+            <a:off x="6688824" y="2725089"/>
+            <a:ext cx="5323305" cy="703911"/>
+          </a:xfrm>
+          <a:prstGeom prst="rect">
+            <a:avLst/>
+          </a:prstGeom>
+        </p:spPr>
+        <p:txBody>
+          <a:bodyPr wrap="square">
+            <a:spAutoFit/>
+          </a:bodyPr>
+          <a:lstStyle/>
+          <a:p>
+            <a:pPr marL="457200">
+              <a:lnSpc>
+                <a:spcPct val="115000"/>
+              </a:lnSpc>
+              <a:spcAft>
+                <a:spcPts val="0"/>
+              </a:spcAft>
+            </a:pPr>
+            <a:r>
+              <a:rPr lang="ru-RU" b="1" dirty="0" err="1">
+                <a:latin typeface="Times New Roman" panose="02020603050405020304" pitchFamily="18" charset="0"/>
+                <a:ea typeface="Times New Roman" panose="02020603050405020304" pitchFamily="18" charset="0"/>
+              </a:rPr>
+              <a:t>py</a:t>
+            </a:r>
+            <a:r>
+              <a:rPr lang="ru-RU" b="1" dirty="0">
+                <a:latin typeface="Times New Roman" panose="02020603050405020304" pitchFamily="18" charset="0"/>
+                <a:ea typeface="Times New Roman" panose="02020603050405020304" pitchFamily="18" charset="0"/>
+              </a:rPr>
+              <a:t> -[версия ЯП </a:t>
+            </a:r>
+            <a:r>
+              <a:rPr lang="ru-RU" b="1" dirty="0" err="1">
+                <a:latin typeface="Times New Roman" panose="02020603050405020304" pitchFamily="18" charset="0"/>
+                <a:ea typeface="Times New Roman" panose="02020603050405020304" pitchFamily="18" charset="0"/>
+              </a:rPr>
+              <a:t>Python</a:t>
+            </a:r>
+            <a:r>
+              <a:rPr lang="ru-RU" b="1" dirty="0">
+                <a:latin typeface="Times New Roman" panose="02020603050405020304" pitchFamily="18" charset="0"/>
+                <a:ea typeface="Times New Roman" panose="02020603050405020304" pitchFamily="18" charset="0"/>
+              </a:rPr>
+              <a:t>] -m </a:t>
+            </a:r>
+            <a:r>
+              <a:rPr lang="ru-RU" b="1" dirty="0" err="1">
+                <a:latin typeface="Times New Roman" panose="02020603050405020304" pitchFamily="18" charset="0"/>
+                <a:ea typeface="Times New Roman" panose="02020603050405020304" pitchFamily="18" charset="0"/>
+              </a:rPr>
+              <a:t>pip</a:t>
+            </a:r>
+            <a:r>
+              <a:rPr lang="ru-RU" b="1" dirty="0">
+                <a:latin typeface="Times New Roman" panose="02020603050405020304" pitchFamily="18" charset="0"/>
+                <a:ea typeface="Times New Roman" panose="02020603050405020304" pitchFamily="18" charset="0"/>
+              </a:rPr>
+              <a:t> </a:t>
+            </a:r>
+            <a:r>
+              <a:rPr lang="ru-RU" b="1" dirty="0" err="1">
+                <a:latin typeface="Times New Roman" panose="02020603050405020304" pitchFamily="18" charset="0"/>
+                <a:ea typeface="Times New Roman" panose="02020603050405020304" pitchFamily="18" charset="0"/>
+              </a:rPr>
+              <a:t>install</a:t>
+            </a:r>
+            <a:r>
+              <a:rPr lang="ru-RU" b="1" dirty="0">
+                <a:latin typeface="Times New Roman" panose="02020603050405020304" pitchFamily="18" charset="0"/>
+                <a:ea typeface="Times New Roman" panose="02020603050405020304" pitchFamily="18" charset="0"/>
+              </a:rPr>
+              <a:t> [название библиотеки</a:t>
+            </a:r>
+            <a:r>
+              <a:rPr lang="ru-RU" dirty="0">
+                <a:latin typeface="Times New Roman" panose="02020603050405020304" pitchFamily="18" charset="0"/>
+                <a:ea typeface="Times New Roman" panose="02020603050405020304" pitchFamily="18" charset="0"/>
+              </a:rPr>
+              <a:t>]</a:t>
             </a:r>
           </a:p>
         </p:txBody>
@@ -4029,7 +4563,7 @@
     </p:spTree>
     <p:extLst>
       <p:ext uri="{BB962C8B-B14F-4D97-AF65-F5344CB8AC3E}">
-        <p14:creationId xmlns:p14="http://schemas.microsoft.com/office/powerpoint/2010/main" val="2898910437"/>
+        <p14:creationId xmlns:p14="http://schemas.microsoft.com/office/powerpoint/2010/main" val="1287900171"/>
       </p:ext>
     </p:extLst>
   </p:cSld>
@@ -4039,7 +4573,7 @@
 </p:sld>
 </file>
 
-<file path=ppt/slides/slide3.xml><?xml version="1.0" encoding="utf-8"?>
+<file path=ppt/slides/slide14.xml><?xml version="1.0" encoding="utf-8"?>
 <p:sld xmlns:a="http://schemas.openxmlformats.org/drawingml/2006/main" xmlns:r="http://schemas.openxmlformats.org/officeDocument/2006/relationships" xmlns:p="http://schemas.openxmlformats.org/presentationml/2006/main">
   <p:cSld>
     <p:spTree>
@@ -4058,10 +4592,1356 @@
       </p:grpSpPr>
       <p:sp>
         <p:nvSpPr>
-          <p:cNvPr id="2" name="TextBox 1">
-            <a:extLst>
-              <a:ext uri="{FF2B5EF4-FFF2-40B4-BE49-F238E27FC236}">
-                <a16:creationId xmlns:a16="http://schemas.microsoft.com/office/drawing/2014/main" id="{04BE1D40-C403-49CE-93FA-F2FBF041F8DA}"/>
+          <p:cNvPr id="2" name="Прямоугольник 1">
+            <a:extLst>
+              <a:ext uri="{FF2B5EF4-FFF2-40B4-BE49-F238E27FC236}">
+                <a16:creationId xmlns:a16="http://schemas.microsoft.com/office/drawing/2014/main" id="{49D4A930-1C7D-488B-9882-51CE9D35CCF8}"/>
+              </a:ext>
+            </a:extLst>
+          </p:cNvPr>
+          <p:cNvSpPr/>
+          <p:nvPr/>
+        </p:nvSpPr>
+        <p:spPr>
+          <a:xfrm>
+            <a:off x="673293" y="526675"/>
+            <a:ext cx="2875252" cy="905312"/>
+          </a:xfrm>
+          <a:prstGeom prst="rect">
+            <a:avLst/>
+          </a:prstGeom>
+        </p:spPr>
+        <p:txBody>
+          <a:bodyPr wrap="square">
+            <a:spAutoFit/>
+          </a:bodyPr>
+          <a:lstStyle/>
+          <a:p>
+            <a:pPr>
+              <a:lnSpc>
+                <a:spcPct val="115000"/>
+              </a:lnSpc>
+              <a:spcAft>
+                <a:spcPts val="0"/>
+              </a:spcAft>
+            </a:pPr>
+            <a:r>
+              <a:rPr lang="ru-RU" sz="2400" b="1" dirty="0">
+                <a:latin typeface="Segoe UI Black" panose="020B0A02040204020203" pitchFamily="34" charset="0"/>
+                <a:ea typeface="Segoe UI Black" panose="020B0A02040204020203" pitchFamily="34" charset="0"/>
+              </a:rPr>
+              <a:t>Создание </a:t>
+            </a:r>
+            <a:r>
+              <a:rPr lang="ru-RU" sz="2400" b="1" dirty="0" err="1">
+                <a:latin typeface="Segoe UI Black" panose="020B0A02040204020203" pitchFamily="34" charset="0"/>
+                <a:ea typeface="Segoe UI Black" panose="020B0A02040204020203" pitchFamily="34" charset="0"/>
+              </a:rPr>
+              <a:t>Github</a:t>
+            </a:r>
+            <a:r>
+              <a:rPr lang="ru-RU" sz="2400" b="1" dirty="0">
+                <a:latin typeface="Segoe UI Black" panose="020B0A02040204020203" pitchFamily="34" charset="0"/>
+                <a:ea typeface="Segoe UI Black" panose="020B0A02040204020203" pitchFamily="34" charset="0"/>
+              </a:rPr>
+              <a:t> репозитория</a:t>
+            </a:r>
+          </a:p>
+        </p:txBody>
+      </p:sp>
+      <p:sp>
+        <p:nvSpPr>
+          <p:cNvPr id="3" name="Прямоугольник 2">
+            <a:extLst>
+              <a:ext uri="{FF2B5EF4-FFF2-40B4-BE49-F238E27FC236}">
+                <a16:creationId xmlns:a16="http://schemas.microsoft.com/office/drawing/2014/main" id="{DD6B270D-0BA9-47AA-B1F5-3A13C09A2896}"/>
+              </a:ext>
+            </a:extLst>
+          </p:cNvPr>
+          <p:cNvSpPr/>
+          <p:nvPr/>
+        </p:nvSpPr>
+        <p:spPr>
+          <a:xfrm>
+            <a:off x="1011953" y="2262822"/>
+            <a:ext cx="1984133" cy="461665"/>
+          </a:xfrm>
+          <a:prstGeom prst="rect">
+            <a:avLst/>
+          </a:prstGeom>
+        </p:spPr>
+        <p:txBody>
+          <a:bodyPr wrap="none">
+            <a:spAutoFit/>
+          </a:bodyPr>
+          <a:lstStyle/>
+          <a:p>
+            <a:r>
+              <a:rPr lang="ru-RU" sz="2400" dirty="0">
+                <a:latin typeface="Arial" panose="020B0604020202020204" pitchFamily="34" charset="0"/>
+                <a:ea typeface="Segoe UI Black" panose="020B0A02040204020203" pitchFamily="34" charset="0"/>
+                <a:cs typeface="Arial" panose="020B0604020202020204" pitchFamily="34" charset="0"/>
+              </a:rPr>
+              <a:t>Регистрация</a:t>
+            </a:r>
+          </a:p>
+        </p:txBody>
+      </p:sp>
+      <p:sp>
+        <p:nvSpPr>
+          <p:cNvPr id="4" name="Прямоугольник 3">
+            <a:extLst>
+              <a:ext uri="{FF2B5EF4-FFF2-40B4-BE49-F238E27FC236}">
+                <a16:creationId xmlns:a16="http://schemas.microsoft.com/office/drawing/2014/main" id="{F4B896DB-AB53-4C73-915B-32B8C2CA1C43}"/>
+              </a:ext>
+            </a:extLst>
+          </p:cNvPr>
+          <p:cNvSpPr/>
+          <p:nvPr/>
+        </p:nvSpPr>
+        <p:spPr>
+          <a:xfrm>
+            <a:off x="6272972" y="794665"/>
+            <a:ext cx="2637325" cy="369332"/>
+          </a:xfrm>
+          <a:prstGeom prst="rect">
+            <a:avLst/>
+          </a:prstGeom>
+        </p:spPr>
+        <p:txBody>
+          <a:bodyPr wrap="none">
+            <a:spAutoFit/>
+          </a:bodyPr>
+          <a:lstStyle/>
+          <a:p>
+            <a:r>
+              <a:rPr lang="ru-RU" dirty="0">
+                <a:latin typeface="Arial" panose="020B0604020202020204" pitchFamily="34" charset="0"/>
+                <a:ea typeface="Times New Roman" panose="02020603050405020304" pitchFamily="18" charset="0"/>
+                <a:cs typeface="Arial" panose="020B0604020202020204" pitchFamily="34" charset="0"/>
+              </a:rPr>
+              <a:t>Создание</a:t>
+            </a:r>
+            <a:r>
+              <a:rPr lang="ru-RU" dirty="0">
+                <a:latin typeface="Times New Roman" panose="02020603050405020304" pitchFamily="18" charset="0"/>
+                <a:ea typeface="Times New Roman" panose="02020603050405020304" pitchFamily="18" charset="0"/>
+              </a:rPr>
+              <a:t> </a:t>
+            </a:r>
+            <a:r>
+              <a:rPr lang="ru-RU" dirty="0">
+                <a:latin typeface="Arial" panose="020B0604020202020204" pitchFamily="34" charset="0"/>
+                <a:ea typeface="Times New Roman" panose="02020603050405020304" pitchFamily="18" charset="0"/>
+                <a:cs typeface="Arial" panose="020B0604020202020204" pitchFamily="34" charset="0"/>
+              </a:rPr>
+              <a:t>репозитория</a:t>
+            </a:r>
+            <a:endParaRPr lang="ru-RU" dirty="0">
+              <a:latin typeface="Arial" panose="020B0604020202020204" pitchFamily="34" charset="0"/>
+              <a:cs typeface="Arial" panose="020B0604020202020204" pitchFamily="34" charset="0"/>
+            </a:endParaRPr>
+          </a:p>
+        </p:txBody>
+      </p:sp>
+      <p:sp>
+        <p:nvSpPr>
+          <p:cNvPr id="5" name="Прямоугольник 4">
+            <a:extLst>
+              <a:ext uri="{FF2B5EF4-FFF2-40B4-BE49-F238E27FC236}">
+                <a16:creationId xmlns:a16="http://schemas.microsoft.com/office/drawing/2014/main" id="{B19FFC25-00D2-48B0-8F9B-AEBB23C872E4}"/>
+              </a:ext>
+            </a:extLst>
+          </p:cNvPr>
+          <p:cNvSpPr/>
+          <p:nvPr/>
+        </p:nvSpPr>
+        <p:spPr>
+          <a:xfrm>
+            <a:off x="940492" y="3059668"/>
+            <a:ext cx="5445401" cy="369332"/>
+          </a:xfrm>
+          <a:prstGeom prst="rect">
+            <a:avLst/>
+          </a:prstGeom>
+        </p:spPr>
+        <p:txBody>
+          <a:bodyPr wrap="none">
+            <a:spAutoFit/>
+          </a:bodyPr>
+          <a:lstStyle/>
+          <a:p>
+            <a:r>
+              <a:rPr lang="ru-RU" dirty="0">
+                <a:latin typeface="Times New Roman" panose="02020603050405020304" pitchFamily="18" charset="0"/>
+                <a:ea typeface="Times New Roman" panose="02020603050405020304" pitchFamily="18" charset="0"/>
+              </a:rPr>
+              <a:t>нужно </a:t>
+            </a:r>
+            <a:r>
+              <a:rPr lang="ru-RU" dirty="0" err="1">
+                <a:latin typeface="Times New Roman" panose="02020603050405020304" pitchFamily="18" charset="0"/>
+                <a:ea typeface="Times New Roman" panose="02020603050405020304" pitchFamily="18" charset="0"/>
+              </a:rPr>
+              <a:t>зарегистрироватся</a:t>
+            </a:r>
+            <a:r>
+              <a:rPr lang="ru-RU" dirty="0">
+                <a:latin typeface="Times New Roman" panose="02020603050405020304" pitchFamily="18" charset="0"/>
+                <a:ea typeface="Times New Roman" panose="02020603050405020304" pitchFamily="18" charset="0"/>
+              </a:rPr>
+              <a:t> на сайте: </a:t>
+            </a:r>
+            <a:r>
+              <a:rPr lang="ru-RU" u="sng" dirty="0">
+                <a:solidFill>
+                  <a:srgbClr val="1155CC"/>
+                </a:solidFill>
+                <a:latin typeface="Times New Roman" panose="02020603050405020304" pitchFamily="18" charset="0"/>
+                <a:ea typeface="Times New Roman" panose="02020603050405020304" pitchFamily="18" charset="0"/>
+                <a:hlinkClick r:id="rId2"/>
+              </a:rPr>
+              <a:t>https://github.com/</a:t>
+            </a:r>
+            <a:endParaRPr lang="ru-RU" dirty="0"/>
+          </a:p>
+        </p:txBody>
+      </p:sp>
+      <p:pic>
+        <p:nvPicPr>
+          <p:cNvPr id="6" name="image18.png">
+            <a:extLst>
+              <a:ext uri="{FF2B5EF4-FFF2-40B4-BE49-F238E27FC236}">
+                <a16:creationId xmlns:a16="http://schemas.microsoft.com/office/drawing/2014/main" id="{01DE6C8F-24AF-41B8-A208-FD0949E88DAF}"/>
+              </a:ext>
+            </a:extLst>
+          </p:cNvPr>
+          <p:cNvPicPr/>
+          <p:nvPr/>
+        </p:nvPicPr>
+        <p:blipFill>
+          <a:blip r:embed="rId3"/>
+          <a:srcRect/>
+          <a:stretch>
+            <a:fillRect/>
+          </a:stretch>
+        </p:blipFill>
+        <p:spPr>
+          <a:xfrm>
+            <a:off x="626443" y="4129918"/>
+            <a:ext cx="5759450" cy="444500"/>
+          </a:xfrm>
+          <a:prstGeom prst="rect">
+            <a:avLst/>
+          </a:prstGeom>
+          <a:ln/>
+        </p:spPr>
+      </p:pic>
+      <p:pic>
+        <p:nvPicPr>
+          <p:cNvPr id="7" name="image14.png">
+            <a:extLst>
+              <a:ext uri="{FF2B5EF4-FFF2-40B4-BE49-F238E27FC236}">
+                <a16:creationId xmlns:a16="http://schemas.microsoft.com/office/drawing/2014/main" id="{0679B19C-07C9-4548-87AA-19BDA68273B3}"/>
+              </a:ext>
+            </a:extLst>
+          </p:cNvPr>
+          <p:cNvPicPr/>
+          <p:nvPr/>
+        </p:nvPicPr>
+        <p:blipFill>
+          <a:blip r:embed="rId4"/>
+          <a:srcRect/>
+          <a:stretch>
+            <a:fillRect/>
+          </a:stretch>
+        </p:blipFill>
+        <p:spPr>
+          <a:xfrm>
+            <a:off x="6385893" y="1294407"/>
+            <a:ext cx="5759450" cy="2705100"/>
+          </a:xfrm>
+          <a:prstGeom prst="rect">
+            <a:avLst/>
+          </a:prstGeom>
+          <a:ln/>
+        </p:spPr>
+      </p:pic>
+    </p:spTree>
+    <p:extLst>
+      <p:ext uri="{BB962C8B-B14F-4D97-AF65-F5344CB8AC3E}">
+        <p14:creationId xmlns:p14="http://schemas.microsoft.com/office/powerpoint/2010/main" val="1045346943"/>
+      </p:ext>
+    </p:extLst>
+  </p:cSld>
+  <p:clrMapOvr>
+    <a:masterClrMapping/>
+  </p:clrMapOvr>
+</p:sld>
+</file>
+
+<file path=ppt/slides/slide15.xml><?xml version="1.0" encoding="utf-8"?>
+<p:sld xmlns:a="http://schemas.openxmlformats.org/drawingml/2006/main" xmlns:r="http://schemas.openxmlformats.org/officeDocument/2006/relationships" xmlns:p="http://schemas.openxmlformats.org/presentationml/2006/main">
+  <p:cSld>
+    <p:bg>
+      <p:bgPr>
+        <a:solidFill>
+          <a:schemeClr val="tx1"/>
+        </a:solidFill>
+        <a:effectLst/>
+      </p:bgPr>
+    </p:bg>
+    <p:spTree>
+      <p:nvGrpSpPr>
+        <p:cNvPr id="1" name=""/>
+        <p:cNvGrpSpPr/>
+        <p:nvPr/>
+      </p:nvGrpSpPr>
+      <p:grpSpPr>
+        <a:xfrm>
+          <a:off x="0" y="0"/>
+          <a:ext cx="0" cy="0"/>
+          <a:chOff x="0" y="0"/>
+          <a:chExt cx="0" cy="0"/>
+        </a:xfrm>
+      </p:grpSpPr>
+      <p:sp>
+        <p:nvSpPr>
+          <p:cNvPr id="2" name="Прямоугольник 1">
+            <a:extLst>
+              <a:ext uri="{FF2B5EF4-FFF2-40B4-BE49-F238E27FC236}">
+                <a16:creationId xmlns:a16="http://schemas.microsoft.com/office/drawing/2014/main" id="{764053B4-B341-44BD-8D0B-2721D7FD65AB}"/>
+              </a:ext>
+            </a:extLst>
+          </p:cNvPr>
+          <p:cNvSpPr/>
+          <p:nvPr/>
+        </p:nvSpPr>
+        <p:spPr>
+          <a:xfrm>
+            <a:off x="4087277" y="2782669"/>
+            <a:ext cx="4017446" cy="646331"/>
+          </a:xfrm>
+          <a:prstGeom prst="rect">
+            <a:avLst/>
+          </a:prstGeom>
+        </p:spPr>
+        <p:txBody>
+          <a:bodyPr wrap="none">
+            <a:spAutoFit/>
+          </a:bodyPr>
+          <a:lstStyle/>
+          <a:p>
+            <a:r>
+              <a:rPr lang="ru-RU" sz="3600" b="1" dirty="0">
+                <a:solidFill>
+                  <a:schemeClr val="bg1"/>
+                </a:solidFill>
+                <a:latin typeface="Segoe UI Black" panose="020B0A02040204020203" pitchFamily="34" charset="0"/>
+                <a:ea typeface="Segoe UI Black" panose="020B0A02040204020203" pitchFamily="34" charset="0"/>
+              </a:rPr>
+              <a:t>Написание кода</a:t>
+            </a:r>
+            <a:endParaRPr lang="ru-RU" sz="3600" dirty="0">
+              <a:solidFill>
+                <a:schemeClr val="bg1"/>
+              </a:solidFill>
+              <a:latin typeface="Segoe UI Black" panose="020B0A02040204020203" pitchFamily="34" charset="0"/>
+              <a:ea typeface="Segoe UI Black" panose="020B0A02040204020203" pitchFamily="34" charset="0"/>
+            </a:endParaRPr>
+          </a:p>
+        </p:txBody>
+      </p:sp>
+      <p:sp>
+        <p:nvSpPr>
+          <p:cNvPr id="3" name="Прямоугольник 2">
+            <a:extLst>
+              <a:ext uri="{FF2B5EF4-FFF2-40B4-BE49-F238E27FC236}">
+                <a16:creationId xmlns:a16="http://schemas.microsoft.com/office/drawing/2014/main" id="{E5F7A50D-1725-4521-B731-7282D51FBB2E}"/>
+              </a:ext>
+            </a:extLst>
+          </p:cNvPr>
+          <p:cNvSpPr/>
+          <p:nvPr/>
+        </p:nvSpPr>
+        <p:spPr>
+          <a:xfrm>
+            <a:off x="4087277" y="2782669"/>
+            <a:ext cx="4017446" cy="646331"/>
+          </a:xfrm>
+          <a:prstGeom prst="rect">
+            <a:avLst/>
+          </a:prstGeom>
+          <a:noFill/>
+          <a:ln w="76200">
+            <a:solidFill>
+              <a:schemeClr val="bg1"/>
+            </a:solidFill>
+          </a:ln>
+        </p:spPr>
+        <p:style>
+          <a:lnRef idx="2">
+            <a:schemeClr val="accent1">
+              <a:shade val="50000"/>
+            </a:schemeClr>
+          </a:lnRef>
+          <a:fillRef idx="1">
+            <a:schemeClr val="accent1"/>
+          </a:fillRef>
+          <a:effectRef idx="0">
+            <a:schemeClr val="accent1"/>
+          </a:effectRef>
+          <a:fontRef idx="minor">
+            <a:schemeClr val="lt1"/>
+          </a:fontRef>
+        </p:style>
+        <p:txBody>
+          <a:bodyPr rtlCol="0" anchor="ctr"/>
+          <a:lstStyle/>
+          <a:p>
+            <a:pPr algn="ctr"/>
+            <a:endParaRPr lang="ru-RU"/>
+          </a:p>
+        </p:txBody>
+      </p:sp>
+    </p:spTree>
+    <p:extLst>
+      <p:ext uri="{BB962C8B-B14F-4D97-AF65-F5344CB8AC3E}">
+        <p14:creationId xmlns:p14="http://schemas.microsoft.com/office/powerpoint/2010/main" val="2342551705"/>
+      </p:ext>
+    </p:extLst>
+  </p:cSld>
+  <p:clrMapOvr>
+    <a:masterClrMapping/>
+  </p:clrMapOvr>
+</p:sld>
+</file>
+
+<file path=ppt/slides/slide16.xml><?xml version="1.0" encoding="utf-8"?>
+<p:sld xmlns:a="http://schemas.openxmlformats.org/drawingml/2006/main" xmlns:r="http://schemas.openxmlformats.org/officeDocument/2006/relationships" xmlns:p="http://schemas.openxmlformats.org/presentationml/2006/main">
+  <p:cSld>
+    <p:spTree>
+      <p:nvGrpSpPr>
+        <p:cNvPr id="1" name=""/>
+        <p:cNvGrpSpPr/>
+        <p:nvPr/>
+      </p:nvGrpSpPr>
+      <p:grpSpPr>
+        <a:xfrm>
+          <a:off x="0" y="0"/>
+          <a:ext cx="0" cy="0"/>
+          <a:chOff x="0" y="0"/>
+          <a:chExt cx="0" cy="0"/>
+        </a:xfrm>
+      </p:grpSpPr>
+      <p:sp>
+        <p:nvSpPr>
+          <p:cNvPr id="2" name="Прямоугольник 1">
+            <a:extLst>
+              <a:ext uri="{FF2B5EF4-FFF2-40B4-BE49-F238E27FC236}">
+                <a16:creationId xmlns:a16="http://schemas.microsoft.com/office/drawing/2014/main" id="{6C4C98B3-A0B9-4679-BFC4-0B59A28E877F}"/>
+              </a:ext>
+            </a:extLst>
+          </p:cNvPr>
+          <p:cNvSpPr/>
+          <p:nvPr/>
+        </p:nvSpPr>
+        <p:spPr>
+          <a:xfrm>
+            <a:off x="622696" y="551842"/>
+            <a:ext cx="7776488" cy="545277"/>
+          </a:xfrm>
+          <a:prstGeom prst="rect">
+            <a:avLst/>
+          </a:prstGeom>
+        </p:spPr>
+        <p:txBody>
+          <a:bodyPr wrap="none">
+            <a:spAutoFit/>
+          </a:bodyPr>
+          <a:lstStyle/>
+          <a:p>
+            <a:pPr>
+              <a:lnSpc>
+                <a:spcPct val="115000"/>
+              </a:lnSpc>
+              <a:spcAft>
+                <a:spcPts val="0"/>
+              </a:spcAft>
+            </a:pPr>
+            <a:r>
+              <a:rPr lang="ru-RU" sz="2800" b="1" dirty="0">
+                <a:latin typeface="Segoe UI Black" panose="020B0A02040204020203" pitchFamily="34" charset="0"/>
+                <a:ea typeface="Segoe UI Black" panose="020B0A02040204020203" pitchFamily="34" charset="0"/>
+              </a:rPr>
+              <a:t>Вход в сетевой город и </a:t>
+            </a:r>
+            <a:r>
+              <a:rPr lang="ru-RU" sz="2800" b="1" dirty="0" err="1">
+                <a:latin typeface="Segoe UI Black" panose="020B0A02040204020203" pitchFamily="34" charset="0"/>
+                <a:ea typeface="Segoe UI Black" panose="020B0A02040204020203" pitchFamily="34" charset="0"/>
+              </a:rPr>
+              <a:t>парсинг</a:t>
+            </a:r>
+            <a:r>
+              <a:rPr lang="ru-RU" sz="2800" b="1" dirty="0">
+                <a:latin typeface="Segoe UI Black" panose="020B0A02040204020203" pitchFamily="34" charset="0"/>
+                <a:ea typeface="Segoe UI Black" panose="020B0A02040204020203" pitchFamily="34" charset="0"/>
+              </a:rPr>
+              <a:t> таблицы</a:t>
+            </a:r>
+          </a:p>
+        </p:txBody>
+      </p:sp>
+      <p:sp>
+        <p:nvSpPr>
+          <p:cNvPr id="3" name="Прямоугольник 2">
+            <a:extLst>
+              <a:ext uri="{FF2B5EF4-FFF2-40B4-BE49-F238E27FC236}">
+                <a16:creationId xmlns:a16="http://schemas.microsoft.com/office/drawing/2014/main" id="{3705C1F0-7956-46CE-8D8A-7FB4FE76BC89}"/>
+              </a:ext>
+            </a:extLst>
+          </p:cNvPr>
+          <p:cNvSpPr/>
+          <p:nvPr/>
+        </p:nvSpPr>
+        <p:spPr>
+          <a:xfrm>
+            <a:off x="622696" y="1683657"/>
+            <a:ext cx="6096000" cy="1477328"/>
+          </a:xfrm>
+          <a:prstGeom prst="rect">
+            <a:avLst/>
+          </a:prstGeom>
+        </p:spPr>
+        <p:txBody>
+          <a:bodyPr>
+            <a:spAutoFit/>
+          </a:bodyPr>
+          <a:lstStyle/>
+          <a:p>
+            <a:br>
+              <a:rPr lang="ru-RU" dirty="0"/>
+            </a:br>
+            <a:r>
+              <a:rPr lang="ru-RU" dirty="0" err="1">
+                <a:solidFill>
+                  <a:srgbClr val="0D0D0D"/>
+                </a:solidFill>
+                <a:highlight>
+                  <a:srgbClr val="C0C0C0"/>
+                </a:highlight>
+                <a:latin typeface="Söhne"/>
+              </a:rPr>
+              <a:t>Парсинг</a:t>
+            </a:r>
+            <a:r>
+              <a:rPr lang="ru-RU" dirty="0">
+                <a:solidFill>
+                  <a:srgbClr val="0D0D0D"/>
+                </a:solidFill>
+                <a:highlight>
+                  <a:srgbClr val="C0C0C0"/>
+                </a:highlight>
+                <a:latin typeface="Söhne"/>
+              </a:rPr>
+              <a:t> (от английского "</a:t>
+            </a:r>
+            <a:r>
+              <a:rPr lang="ru-RU" dirty="0" err="1">
+                <a:solidFill>
+                  <a:srgbClr val="0D0D0D"/>
+                </a:solidFill>
+                <a:highlight>
+                  <a:srgbClr val="C0C0C0"/>
+                </a:highlight>
+                <a:latin typeface="Söhne"/>
+              </a:rPr>
+              <a:t>parsing</a:t>
+            </a:r>
+            <a:r>
+              <a:rPr lang="ru-RU" dirty="0">
+                <a:solidFill>
+                  <a:srgbClr val="0D0D0D"/>
+                </a:solidFill>
+                <a:highlight>
+                  <a:srgbClr val="C0C0C0"/>
+                </a:highlight>
+                <a:latin typeface="Söhne"/>
+              </a:rPr>
+              <a:t>") — это процесс анализа и разбора структурированных данных с целью извлечения нужной информации или выполнения определенных операций над этими данными.</a:t>
+            </a:r>
+            <a:endParaRPr lang="ru-RU" dirty="0">
+              <a:highlight>
+                <a:srgbClr val="C0C0C0"/>
+              </a:highlight>
+            </a:endParaRPr>
+          </a:p>
+        </p:txBody>
+      </p:sp>
+      <p:pic>
+        <p:nvPicPr>
+          <p:cNvPr id="4" name="image8.png">
+            <a:extLst>
+              <a:ext uri="{FF2B5EF4-FFF2-40B4-BE49-F238E27FC236}">
+                <a16:creationId xmlns:a16="http://schemas.microsoft.com/office/drawing/2014/main" id="{D0868D62-20C7-4C27-AB2E-9D148294C8A1}"/>
+              </a:ext>
+            </a:extLst>
+          </p:cNvPr>
+          <p:cNvPicPr/>
+          <p:nvPr/>
+        </p:nvPicPr>
+        <p:blipFill>
+          <a:blip r:embed="rId2"/>
+          <a:srcRect/>
+          <a:stretch>
+            <a:fillRect/>
+          </a:stretch>
+        </p:blipFill>
+        <p:spPr>
+          <a:xfrm>
+            <a:off x="162683" y="3806680"/>
+            <a:ext cx="5759450" cy="2247900"/>
+          </a:xfrm>
+          <a:prstGeom prst="rect">
+            <a:avLst/>
+          </a:prstGeom>
+          <a:ln/>
+        </p:spPr>
+      </p:pic>
+      <p:pic>
+        <p:nvPicPr>
+          <p:cNvPr id="5" name="image28.png">
+            <a:extLst>
+              <a:ext uri="{FF2B5EF4-FFF2-40B4-BE49-F238E27FC236}">
+                <a16:creationId xmlns:a16="http://schemas.microsoft.com/office/drawing/2014/main" id="{9C4967CD-D524-4113-99C5-7D36AE1AC608}"/>
+              </a:ext>
+            </a:extLst>
+          </p:cNvPr>
+          <p:cNvPicPr/>
+          <p:nvPr/>
+        </p:nvPicPr>
+        <p:blipFill>
+          <a:blip r:embed="rId3"/>
+          <a:srcRect/>
+          <a:stretch>
+            <a:fillRect/>
+          </a:stretch>
+        </p:blipFill>
+        <p:spPr>
+          <a:xfrm>
+            <a:off x="6269868" y="3806680"/>
+            <a:ext cx="5759450" cy="2247900"/>
+          </a:xfrm>
+          <a:prstGeom prst="rect">
+            <a:avLst/>
+          </a:prstGeom>
+          <a:ln/>
+        </p:spPr>
+      </p:pic>
+    </p:spTree>
+    <p:extLst>
+      <p:ext uri="{BB962C8B-B14F-4D97-AF65-F5344CB8AC3E}">
+        <p14:creationId xmlns:p14="http://schemas.microsoft.com/office/powerpoint/2010/main" val="3102431272"/>
+      </p:ext>
+    </p:extLst>
+  </p:cSld>
+  <p:clrMapOvr>
+    <a:masterClrMapping/>
+  </p:clrMapOvr>
+</p:sld>
+</file>
+
+<file path=ppt/slides/slide17.xml><?xml version="1.0" encoding="utf-8"?>
+<p:sld xmlns:a="http://schemas.openxmlformats.org/drawingml/2006/main" xmlns:r="http://schemas.openxmlformats.org/officeDocument/2006/relationships" xmlns:p="http://schemas.openxmlformats.org/presentationml/2006/main">
+  <p:cSld>
+    <p:spTree>
+      <p:nvGrpSpPr>
+        <p:cNvPr id="1" name=""/>
+        <p:cNvGrpSpPr/>
+        <p:nvPr/>
+      </p:nvGrpSpPr>
+      <p:grpSpPr>
+        <a:xfrm>
+          <a:off x="0" y="0"/>
+          <a:ext cx="0" cy="0"/>
+          <a:chOff x="0" y="0"/>
+          <a:chExt cx="0" cy="0"/>
+        </a:xfrm>
+      </p:grpSpPr>
+      <p:pic>
+        <p:nvPicPr>
+          <p:cNvPr id="4" name="image6.png">
+            <a:extLst>
+              <a:ext uri="{FF2B5EF4-FFF2-40B4-BE49-F238E27FC236}">
+                <a16:creationId xmlns:a16="http://schemas.microsoft.com/office/drawing/2014/main" id="{2D99DBDD-0141-4663-9A26-094417CE2CBF}"/>
+              </a:ext>
+            </a:extLst>
+          </p:cNvPr>
+          <p:cNvPicPr/>
+          <p:nvPr/>
+        </p:nvPicPr>
+        <p:blipFill>
+          <a:blip r:embed="rId2"/>
+          <a:srcRect/>
+          <a:stretch>
+            <a:fillRect/>
+          </a:stretch>
+        </p:blipFill>
+        <p:spPr>
+          <a:xfrm>
+            <a:off x="196239" y="3041650"/>
+            <a:ext cx="5759450" cy="2603500"/>
+          </a:xfrm>
+          <a:prstGeom prst="rect">
+            <a:avLst/>
+          </a:prstGeom>
+          <a:ln/>
+        </p:spPr>
+      </p:pic>
+      <p:pic>
+        <p:nvPicPr>
+          <p:cNvPr id="6" name="image5.png">
+            <a:extLst>
+              <a:ext uri="{FF2B5EF4-FFF2-40B4-BE49-F238E27FC236}">
+                <a16:creationId xmlns:a16="http://schemas.microsoft.com/office/drawing/2014/main" id="{26BDAB4A-29F0-44C7-B670-EABDA53098B0}"/>
+              </a:ext>
+            </a:extLst>
+          </p:cNvPr>
+          <p:cNvPicPr/>
+          <p:nvPr/>
+        </p:nvPicPr>
+        <p:blipFill>
+          <a:blip r:embed="rId3"/>
+          <a:srcRect/>
+          <a:stretch>
+            <a:fillRect/>
+          </a:stretch>
+        </p:blipFill>
+        <p:spPr>
+          <a:xfrm>
+            <a:off x="6236313" y="3683000"/>
+            <a:ext cx="5759450" cy="1320800"/>
+          </a:xfrm>
+          <a:prstGeom prst="rect">
+            <a:avLst/>
+          </a:prstGeom>
+          <a:ln/>
+        </p:spPr>
+      </p:pic>
+      <p:sp>
+        <p:nvSpPr>
+          <p:cNvPr id="7" name="Прямоугольник 6">
+            <a:extLst>
+              <a:ext uri="{FF2B5EF4-FFF2-40B4-BE49-F238E27FC236}">
+                <a16:creationId xmlns:a16="http://schemas.microsoft.com/office/drawing/2014/main" id="{914119C8-B7F7-4FFC-B2B5-56F058E2C8AA}"/>
+              </a:ext>
+            </a:extLst>
+          </p:cNvPr>
+          <p:cNvSpPr/>
+          <p:nvPr/>
+        </p:nvSpPr>
+        <p:spPr>
+          <a:xfrm>
+            <a:off x="536965" y="482900"/>
+            <a:ext cx="3680816" cy="461665"/>
+          </a:xfrm>
+          <a:prstGeom prst="rect">
+            <a:avLst/>
+          </a:prstGeom>
+        </p:spPr>
+        <p:txBody>
+          <a:bodyPr wrap="none">
+            <a:spAutoFit/>
+          </a:bodyPr>
+          <a:lstStyle/>
+          <a:p>
+            <a:r>
+              <a:rPr lang="ru-RU" sz="2400" b="1" dirty="0">
+                <a:latin typeface="Segoe UI Black" panose="020B0A02040204020203" pitchFamily="34" charset="0"/>
+                <a:ea typeface="Segoe UI Black" panose="020B0A02040204020203" pitchFamily="34" charset="0"/>
+              </a:rPr>
+              <a:t>Построение графиков</a:t>
+            </a:r>
+            <a:endParaRPr lang="ru-RU" sz="2400" dirty="0">
+              <a:latin typeface="Segoe UI Black" panose="020B0A02040204020203" pitchFamily="34" charset="0"/>
+              <a:ea typeface="Segoe UI Black" panose="020B0A02040204020203" pitchFamily="34" charset="0"/>
+            </a:endParaRPr>
+          </a:p>
+        </p:txBody>
+      </p:sp>
+      <p:sp>
+        <p:nvSpPr>
+          <p:cNvPr id="8" name="Прямоугольник 7">
+            <a:extLst>
+              <a:ext uri="{FF2B5EF4-FFF2-40B4-BE49-F238E27FC236}">
+                <a16:creationId xmlns:a16="http://schemas.microsoft.com/office/drawing/2014/main" id="{E5721F2A-6FCB-450F-860E-7783DC9841ED}"/>
+              </a:ext>
+            </a:extLst>
+          </p:cNvPr>
+          <p:cNvSpPr/>
+          <p:nvPr/>
+        </p:nvSpPr>
+        <p:spPr>
+          <a:xfrm>
+            <a:off x="1098958" y="1163329"/>
+            <a:ext cx="6909733" cy="1659557"/>
+          </a:xfrm>
+          <a:prstGeom prst="rect">
+            <a:avLst/>
+          </a:prstGeom>
+        </p:spPr>
+        <p:txBody>
+          <a:bodyPr wrap="square">
+            <a:spAutoFit/>
+          </a:bodyPr>
+          <a:lstStyle/>
+          <a:p>
+            <a:pPr>
+              <a:lnSpc>
+                <a:spcPct val="115000"/>
+              </a:lnSpc>
+              <a:spcAft>
+                <a:spcPts val="0"/>
+              </a:spcAft>
+            </a:pPr>
+            <a:r>
+              <a:rPr lang="ru-RU" dirty="0">
+                <a:latin typeface="Times New Roman" panose="02020603050405020304" pitchFamily="18" charset="0"/>
+                <a:ea typeface="Times New Roman" panose="02020603050405020304" pitchFamily="18" charset="0"/>
+              </a:rPr>
+              <a:t>По полученной таблице требуется построить график, поэтому создаём отдельный класс для этого. Первым делом фильтруем таблицу от “УП”, “Н” и других “</a:t>
+            </a:r>
+            <a:r>
+              <a:rPr lang="ru-RU" dirty="0" err="1">
+                <a:latin typeface="Times New Roman" panose="02020603050405020304" pitchFamily="18" charset="0"/>
+                <a:ea typeface="Times New Roman" panose="02020603050405020304" pitchFamily="18" charset="0"/>
+              </a:rPr>
+              <a:t>нечисел</a:t>
+            </a:r>
+            <a:r>
+              <a:rPr lang="ru-RU" dirty="0">
+                <a:latin typeface="Times New Roman" panose="02020603050405020304" pitchFamily="18" charset="0"/>
+                <a:ea typeface="Times New Roman" panose="02020603050405020304" pitchFamily="18" charset="0"/>
+              </a:rPr>
+              <a:t>”. А потом по отфильтрованной таблице выводим график, который позже сохраняем.</a:t>
+            </a:r>
+          </a:p>
+        </p:txBody>
+      </p:sp>
+    </p:spTree>
+    <p:extLst>
+      <p:ext uri="{BB962C8B-B14F-4D97-AF65-F5344CB8AC3E}">
+        <p14:creationId xmlns:p14="http://schemas.microsoft.com/office/powerpoint/2010/main" val="401546459"/>
+      </p:ext>
+    </p:extLst>
+  </p:cSld>
+  <p:clrMapOvr>
+    <a:masterClrMapping/>
+  </p:clrMapOvr>
+</p:sld>
+</file>
+
+<file path=ppt/slides/slide18.xml><?xml version="1.0" encoding="utf-8"?>
+<p:sld xmlns:a="http://schemas.openxmlformats.org/drawingml/2006/main" xmlns:r="http://schemas.openxmlformats.org/officeDocument/2006/relationships" xmlns:p="http://schemas.openxmlformats.org/presentationml/2006/main">
+  <p:cSld>
+    <p:spTree>
+      <p:nvGrpSpPr>
+        <p:cNvPr id="1" name=""/>
+        <p:cNvGrpSpPr/>
+        <p:nvPr/>
+      </p:nvGrpSpPr>
+      <p:grpSpPr>
+        <a:xfrm>
+          <a:off x="0" y="0"/>
+          <a:ext cx="0" cy="0"/>
+          <a:chOff x="0" y="0"/>
+          <a:chExt cx="0" cy="0"/>
+        </a:xfrm>
+      </p:grpSpPr>
+      <p:sp>
+        <p:nvSpPr>
+          <p:cNvPr id="2" name="Прямоугольник 1">
+            <a:extLst>
+              <a:ext uri="{FF2B5EF4-FFF2-40B4-BE49-F238E27FC236}">
+                <a16:creationId xmlns:a16="http://schemas.microsoft.com/office/drawing/2014/main" id="{EFD8EEB1-9761-4814-BA3C-6780793C8EAE}"/>
+              </a:ext>
+            </a:extLst>
+          </p:cNvPr>
+          <p:cNvSpPr/>
+          <p:nvPr/>
+        </p:nvSpPr>
+        <p:spPr>
+          <a:xfrm>
+            <a:off x="470857" y="450801"/>
+            <a:ext cx="4655442" cy="584775"/>
+          </a:xfrm>
+          <a:prstGeom prst="rect">
+            <a:avLst/>
+          </a:prstGeom>
+        </p:spPr>
+        <p:txBody>
+          <a:bodyPr wrap="none">
+            <a:spAutoFit/>
+          </a:bodyPr>
+          <a:lstStyle/>
+          <a:p>
+            <a:r>
+              <a:rPr lang="ru-RU" sz="3200" b="1" dirty="0">
+                <a:latin typeface="Segoe UI Black" panose="020B0A02040204020203" pitchFamily="34" charset="0"/>
+                <a:ea typeface="Segoe UI Black" panose="020B0A02040204020203" pitchFamily="34" charset="0"/>
+              </a:rPr>
+              <a:t>Создание СУБД и БД </a:t>
+            </a:r>
+            <a:endParaRPr lang="ru-RU" sz="3200" dirty="0">
+              <a:latin typeface="Segoe UI Black" panose="020B0A02040204020203" pitchFamily="34" charset="0"/>
+              <a:ea typeface="Segoe UI Black" panose="020B0A02040204020203" pitchFamily="34" charset="0"/>
+            </a:endParaRPr>
+          </a:p>
+        </p:txBody>
+      </p:sp>
+      <p:pic>
+        <p:nvPicPr>
+          <p:cNvPr id="3" name="image24.png">
+            <a:extLst>
+              <a:ext uri="{FF2B5EF4-FFF2-40B4-BE49-F238E27FC236}">
+                <a16:creationId xmlns:a16="http://schemas.microsoft.com/office/drawing/2014/main" id="{27498867-A64F-402A-9C8C-BD2EFBAAAA71}"/>
+              </a:ext>
+            </a:extLst>
+          </p:cNvPr>
+          <p:cNvPicPr/>
+          <p:nvPr/>
+        </p:nvPicPr>
+        <p:blipFill>
+          <a:blip r:embed="rId2"/>
+          <a:srcRect/>
+          <a:stretch>
+            <a:fillRect/>
+          </a:stretch>
+        </p:blipFill>
+        <p:spPr>
+          <a:xfrm>
+            <a:off x="221405" y="3620898"/>
+            <a:ext cx="5759450" cy="2971800"/>
+          </a:xfrm>
+          <a:prstGeom prst="rect">
+            <a:avLst/>
+          </a:prstGeom>
+          <a:ln/>
+        </p:spPr>
+      </p:pic>
+      <p:pic>
+        <p:nvPicPr>
+          <p:cNvPr id="4" name="image7.png">
+            <a:extLst>
+              <a:ext uri="{FF2B5EF4-FFF2-40B4-BE49-F238E27FC236}">
+                <a16:creationId xmlns:a16="http://schemas.microsoft.com/office/drawing/2014/main" id="{0B76F0DD-56CF-47D9-BE56-CBB7519BC451}"/>
+              </a:ext>
+            </a:extLst>
+          </p:cNvPr>
+          <p:cNvPicPr/>
+          <p:nvPr/>
+        </p:nvPicPr>
+        <p:blipFill>
+          <a:blip r:embed="rId3"/>
+          <a:srcRect/>
+          <a:stretch>
+            <a:fillRect/>
+          </a:stretch>
+        </p:blipFill>
+        <p:spPr>
+          <a:xfrm>
+            <a:off x="336550" y="1490037"/>
+            <a:ext cx="5759450" cy="1676400"/>
+          </a:xfrm>
+          <a:prstGeom prst="rect">
+            <a:avLst/>
+          </a:prstGeom>
+          <a:ln/>
+        </p:spPr>
+      </p:pic>
+      <p:sp>
+        <p:nvSpPr>
+          <p:cNvPr id="5" name="Прямоугольник 4">
+            <a:extLst>
+              <a:ext uri="{FF2B5EF4-FFF2-40B4-BE49-F238E27FC236}">
+                <a16:creationId xmlns:a16="http://schemas.microsoft.com/office/drawing/2014/main" id="{3C37A376-19C4-4C16-A691-E890221C31B7}"/>
+              </a:ext>
+            </a:extLst>
+          </p:cNvPr>
+          <p:cNvSpPr/>
+          <p:nvPr/>
+        </p:nvSpPr>
+        <p:spPr>
+          <a:xfrm>
+            <a:off x="6211147" y="1490037"/>
+            <a:ext cx="5759448" cy="1200329"/>
+          </a:xfrm>
+          <a:prstGeom prst="rect">
+            <a:avLst/>
+          </a:prstGeom>
+        </p:spPr>
+        <p:txBody>
+          <a:bodyPr wrap="square">
+            <a:spAutoFit/>
+          </a:bodyPr>
+          <a:lstStyle/>
+          <a:p>
+            <a:r>
+              <a:rPr lang="ru-RU" dirty="0">
+                <a:latin typeface="Times New Roman" panose="02020603050405020304" pitchFamily="18" charset="0"/>
+                <a:ea typeface="Times New Roman" panose="02020603050405020304" pitchFamily="18" charset="0"/>
+              </a:rPr>
+              <a:t>Для работы с пользовательскими данными требуется база данных, и система управления ею (СУБД). С помощью библиотеки sqlite3 и языка программирования </a:t>
+            </a:r>
+            <a:r>
+              <a:rPr lang="ru-RU" dirty="0" err="1">
+                <a:latin typeface="Times New Roman" panose="02020603050405020304" pitchFamily="18" charset="0"/>
+                <a:ea typeface="Times New Roman" panose="02020603050405020304" pitchFamily="18" charset="0"/>
+              </a:rPr>
+              <a:t>Python</a:t>
+            </a:r>
+            <a:r>
+              <a:rPr lang="ru-RU" dirty="0">
+                <a:latin typeface="Times New Roman" panose="02020603050405020304" pitchFamily="18" charset="0"/>
+                <a:ea typeface="Times New Roman" panose="02020603050405020304" pitchFamily="18" charset="0"/>
+              </a:rPr>
+              <a:t> мы можем создать БД, и работать с ней</a:t>
+            </a:r>
+            <a:endParaRPr lang="ru-RU" dirty="0"/>
+          </a:p>
+        </p:txBody>
+      </p:sp>
+    </p:spTree>
+    <p:extLst>
+      <p:ext uri="{BB962C8B-B14F-4D97-AF65-F5344CB8AC3E}">
+        <p14:creationId xmlns:p14="http://schemas.microsoft.com/office/powerpoint/2010/main" val="2766348516"/>
+      </p:ext>
+    </p:extLst>
+  </p:cSld>
+  <p:clrMapOvr>
+    <a:masterClrMapping/>
+  </p:clrMapOvr>
+</p:sld>
+</file>
+
+<file path=ppt/slides/slide19.xml><?xml version="1.0" encoding="utf-8"?>
+<p:sld xmlns:a="http://schemas.openxmlformats.org/drawingml/2006/main" xmlns:r="http://schemas.openxmlformats.org/officeDocument/2006/relationships" xmlns:p="http://schemas.openxmlformats.org/presentationml/2006/main">
+  <p:cSld>
+    <p:spTree>
+      <p:nvGrpSpPr>
+        <p:cNvPr id="1" name=""/>
+        <p:cNvGrpSpPr/>
+        <p:nvPr/>
+      </p:nvGrpSpPr>
+      <p:grpSpPr>
+        <a:xfrm>
+          <a:off x="0" y="0"/>
+          <a:ext cx="0" cy="0"/>
+          <a:chOff x="0" y="0"/>
+          <a:chExt cx="0" cy="0"/>
+        </a:xfrm>
+      </p:grpSpPr>
+      <p:sp>
+        <p:nvSpPr>
+          <p:cNvPr id="2" name="Прямоугольник 1">
+            <a:extLst>
+              <a:ext uri="{FF2B5EF4-FFF2-40B4-BE49-F238E27FC236}">
+                <a16:creationId xmlns:a16="http://schemas.microsoft.com/office/drawing/2014/main" id="{DE81D5D9-129A-4540-9AFB-DFC7EC906F24}"/>
+              </a:ext>
+            </a:extLst>
+          </p:cNvPr>
+          <p:cNvSpPr/>
+          <p:nvPr/>
+        </p:nvSpPr>
+        <p:spPr>
+          <a:xfrm>
+            <a:off x="590728" y="493119"/>
+            <a:ext cx="4676280" cy="480581"/>
+          </a:xfrm>
+          <a:prstGeom prst="rect">
+            <a:avLst/>
+          </a:prstGeom>
+        </p:spPr>
+        <p:txBody>
+          <a:bodyPr wrap="none">
+            <a:spAutoFit/>
+          </a:bodyPr>
+          <a:lstStyle/>
+          <a:p>
+            <a:pPr>
+              <a:lnSpc>
+                <a:spcPct val="115000"/>
+              </a:lnSpc>
+              <a:spcAft>
+                <a:spcPts val="0"/>
+              </a:spcAft>
+            </a:pPr>
+            <a:r>
+              <a:rPr lang="ru-RU" sz="2400" b="1" dirty="0">
+                <a:latin typeface="Segoe UI Black" panose="020B0A02040204020203" pitchFamily="34" charset="0"/>
+                <a:ea typeface="Segoe UI Black" panose="020B0A02040204020203" pitchFamily="34" charset="0"/>
+              </a:rPr>
+              <a:t>Создание UI (</a:t>
+            </a:r>
+            <a:r>
+              <a:rPr lang="ru-RU" sz="2400" b="1" dirty="0" err="1">
+                <a:latin typeface="Segoe UI Black" panose="020B0A02040204020203" pitchFamily="34" charset="0"/>
+                <a:ea typeface="Segoe UI Black" panose="020B0A02040204020203" pitchFamily="34" charset="0"/>
+              </a:rPr>
+              <a:t>Telegram</a:t>
+            </a:r>
+            <a:r>
+              <a:rPr lang="ru-RU" sz="2400" b="1" dirty="0">
+                <a:latin typeface="Segoe UI Black" panose="020B0A02040204020203" pitchFamily="34" charset="0"/>
+                <a:ea typeface="Segoe UI Black" panose="020B0A02040204020203" pitchFamily="34" charset="0"/>
+              </a:rPr>
+              <a:t> бота)</a:t>
+            </a:r>
+          </a:p>
+        </p:txBody>
+      </p:sp>
+      <p:sp>
+        <p:nvSpPr>
+          <p:cNvPr id="3" name="Прямоугольник 2">
+            <a:extLst>
+              <a:ext uri="{FF2B5EF4-FFF2-40B4-BE49-F238E27FC236}">
+                <a16:creationId xmlns:a16="http://schemas.microsoft.com/office/drawing/2014/main" id="{20A7DB87-65C4-468A-97A4-8C1CF02F61BE}"/>
+              </a:ext>
+            </a:extLst>
+          </p:cNvPr>
+          <p:cNvSpPr/>
+          <p:nvPr/>
+        </p:nvSpPr>
+        <p:spPr>
+          <a:xfrm>
+            <a:off x="707471" y="1439728"/>
+            <a:ext cx="6096000" cy="4370427"/>
+          </a:xfrm>
+          <a:prstGeom prst="rect">
+            <a:avLst/>
+          </a:prstGeom>
+        </p:spPr>
+        <p:txBody>
+          <a:bodyPr>
+            <a:spAutoFit/>
+          </a:bodyPr>
+          <a:lstStyle/>
+          <a:p>
+            <a:br>
+              <a:rPr lang="ru-RU" dirty="0"/>
+            </a:br>
+            <a:r>
+              <a:rPr lang="ru-RU" sz="2000" dirty="0">
+                <a:solidFill>
+                  <a:srgbClr val="0D0D0D"/>
+                </a:solidFill>
+                <a:latin typeface="Söhne"/>
+              </a:rPr>
+              <a:t>UI (</a:t>
+            </a:r>
+            <a:r>
+              <a:rPr lang="ru-RU" sz="2000" dirty="0" err="1">
+                <a:solidFill>
+                  <a:srgbClr val="0D0D0D"/>
+                </a:solidFill>
+                <a:latin typeface="Söhne"/>
+              </a:rPr>
+              <a:t>User</a:t>
+            </a:r>
+            <a:r>
+              <a:rPr lang="ru-RU" sz="2000" dirty="0">
+                <a:solidFill>
+                  <a:srgbClr val="0D0D0D"/>
+                </a:solidFill>
+                <a:latin typeface="Söhne"/>
+              </a:rPr>
+              <a:t> </a:t>
+            </a:r>
+            <a:r>
+              <a:rPr lang="ru-RU" sz="2000" dirty="0" err="1">
+                <a:solidFill>
+                  <a:srgbClr val="0D0D0D"/>
+                </a:solidFill>
+                <a:latin typeface="Söhne"/>
+              </a:rPr>
+              <a:t>Interface</a:t>
+            </a:r>
+            <a:r>
+              <a:rPr lang="ru-RU" sz="2000" dirty="0">
+                <a:solidFill>
+                  <a:srgbClr val="0D0D0D"/>
+                </a:solidFill>
+                <a:latin typeface="Söhne"/>
+              </a:rPr>
+              <a:t>) — это интерфейс, через который пользователь взаимодействует с программным обеспечением или устройством. Он представляет собой всю графическую и управляющую составляющую системы, которая делает возможным взаимодействие пользователя с приложением или устройством. UI включает элементы дизайна, такие как кнопки, поля ввода, меню, а также методы управления, например, клики мышью, нажатия на сенсорном экране или голосовые команды. Важной задачей UI является создание удобного и понятного интерфейса, который облегчает пользователю выполнение задач и взаимодействие с системой.</a:t>
+            </a:r>
+            <a:endParaRPr lang="ru-RU" sz="2000" dirty="0"/>
+          </a:p>
+        </p:txBody>
+      </p:sp>
+      <p:pic>
+        <p:nvPicPr>
+          <p:cNvPr id="4" name="image22.png">
+            <a:extLst>
+              <a:ext uri="{FF2B5EF4-FFF2-40B4-BE49-F238E27FC236}">
+                <a16:creationId xmlns:a16="http://schemas.microsoft.com/office/drawing/2014/main" id="{EF39E6CF-116D-4B28-B383-B4028D3507EF}"/>
+              </a:ext>
+            </a:extLst>
+          </p:cNvPr>
+          <p:cNvPicPr/>
+          <p:nvPr/>
+        </p:nvPicPr>
+        <p:blipFill>
+          <a:blip r:embed="rId2"/>
+          <a:srcRect/>
+          <a:stretch>
+            <a:fillRect/>
+          </a:stretch>
+        </p:blipFill>
+        <p:spPr>
+          <a:xfrm>
+            <a:off x="6803471" y="973700"/>
+            <a:ext cx="5368459" cy="3130253"/>
+          </a:xfrm>
+          <a:prstGeom prst="rect">
+            <a:avLst/>
+          </a:prstGeom>
+          <a:ln/>
+        </p:spPr>
+      </p:pic>
+      <p:pic>
+        <p:nvPicPr>
+          <p:cNvPr id="5" name="image17.png">
+            <a:extLst>
+              <a:ext uri="{FF2B5EF4-FFF2-40B4-BE49-F238E27FC236}">
+                <a16:creationId xmlns:a16="http://schemas.microsoft.com/office/drawing/2014/main" id="{5C7D2EAF-76B0-401D-8B30-37D3DDD57A67}"/>
+              </a:ext>
+            </a:extLst>
+          </p:cNvPr>
+          <p:cNvPicPr/>
+          <p:nvPr/>
+        </p:nvPicPr>
+        <p:blipFill>
+          <a:blip r:embed="rId3"/>
+          <a:srcRect/>
+          <a:stretch>
+            <a:fillRect/>
+          </a:stretch>
+        </p:blipFill>
+        <p:spPr>
+          <a:xfrm>
+            <a:off x="6412480" y="5113842"/>
+            <a:ext cx="5759450" cy="1193800"/>
+          </a:xfrm>
+          <a:prstGeom prst="rect">
+            <a:avLst/>
+          </a:prstGeom>
+          <a:ln/>
+        </p:spPr>
+      </p:pic>
+    </p:spTree>
+    <p:extLst>
+      <p:ext uri="{BB962C8B-B14F-4D97-AF65-F5344CB8AC3E}">
+        <p14:creationId xmlns:p14="http://schemas.microsoft.com/office/powerpoint/2010/main" val="3287331986"/>
+      </p:ext>
+    </p:extLst>
+  </p:cSld>
+  <p:clrMapOvr>
+    <a:masterClrMapping/>
+  </p:clrMapOvr>
+</p:sld>
+</file>
+
+<file path=ppt/slides/slide2.xml><?xml version="1.0" encoding="utf-8"?>
+<p:sld xmlns:a="http://schemas.openxmlformats.org/drawingml/2006/main" xmlns:r="http://schemas.openxmlformats.org/officeDocument/2006/relationships" xmlns:p="http://schemas.openxmlformats.org/presentationml/2006/main">
+  <p:cSld>
+    <p:bg>
+      <p:bgPr>
+        <a:gradFill flip="none" rotWithShape="1">
+          <a:gsLst>
+            <a:gs pos="0">
+              <a:srgbClr val="DA0000"/>
+            </a:gs>
+            <a:gs pos="100000">
+              <a:schemeClr val="accent1"/>
+            </a:gs>
+          </a:gsLst>
+          <a:lin ang="2700000" scaled="1"/>
+          <a:tileRect/>
+        </a:gradFill>
+        <a:effectLst/>
+      </p:bgPr>
+    </p:bg>
+    <p:spTree>
+      <p:nvGrpSpPr>
+        <p:cNvPr id="1" name=""/>
+        <p:cNvGrpSpPr/>
+        <p:nvPr/>
+      </p:nvGrpSpPr>
+      <p:grpSpPr>
+        <a:xfrm>
+          <a:off x="0" y="0"/>
+          <a:ext cx="0" cy="0"/>
+          <a:chOff x="0" y="0"/>
+          <a:chExt cx="0" cy="0"/>
+        </a:xfrm>
+      </p:grpSpPr>
+      <p:sp>
+        <p:nvSpPr>
+          <p:cNvPr id="6" name="Прямоугольник 5">
+            <a:extLst>
+              <a:ext uri="{FF2B5EF4-FFF2-40B4-BE49-F238E27FC236}">
+                <a16:creationId xmlns:a16="http://schemas.microsoft.com/office/drawing/2014/main" id="{3FB30B6E-60E8-423B-AB92-E51BE8FF2DEA}"/>
+              </a:ext>
+            </a:extLst>
+          </p:cNvPr>
+          <p:cNvSpPr/>
+          <p:nvPr/>
+        </p:nvSpPr>
+        <p:spPr>
+          <a:xfrm>
+            <a:off x="247650" y="264969"/>
+            <a:ext cx="11696700" cy="6328061"/>
+          </a:xfrm>
+          <a:prstGeom prst="rect">
+            <a:avLst/>
+          </a:prstGeom>
+          <a:solidFill>
+            <a:srgbClr val="1C1C1C"/>
+          </a:solidFill>
+        </p:spPr>
+        <p:style>
+          <a:lnRef idx="2">
+            <a:schemeClr val="dk1">
+              <a:shade val="50000"/>
+            </a:schemeClr>
+          </a:lnRef>
+          <a:fillRef idx="1">
+            <a:schemeClr val="dk1"/>
+          </a:fillRef>
+          <a:effectRef idx="0">
+            <a:schemeClr val="dk1"/>
+          </a:effectRef>
+          <a:fontRef idx="minor">
+            <a:schemeClr val="lt1"/>
+          </a:fontRef>
+        </p:style>
+        <p:txBody>
+          <a:bodyPr rtlCol="0" anchor="ctr"/>
+          <a:lstStyle/>
+          <a:p>
+            <a:pPr algn="ctr"/>
+            <a:endParaRPr lang="ru-RU"/>
+          </a:p>
+        </p:txBody>
+      </p:sp>
+      <p:sp>
+        <p:nvSpPr>
+          <p:cNvPr id="8" name="TextBox 7">
+            <a:extLst>
+              <a:ext uri="{FF2B5EF4-FFF2-40B4-BE49-F238E27FC236}">
+                <a16:creationId xmlns:a16="http://schemas.microsoft.com/office/drawing/2014/main" id="{88BCEBA6-43EA-4EFA-83DE-74A2822578A2}"/>
               </a:ext>
             </a:extLst>
           </p:cNvPr>
@@ -4070,8 +5950,8 @@
         </p:nvSpPr>
         <p:spPr>
           <a:xfrm>
-            <a:off x="533400" y="333375"/>
-            <a:ext cx="2066925" cy="769441"/>
+            <a:off x="447675" y="737541"/>
+            <a:ext cx="4133850" cy="523220"/>
           </a:xfrm>
           <a:prstGeom prst="rect">
             <a:avLst/>
@@ -4085,20 +5965,23 @@
           <a:lstStyle/>
           <a:p>
             <a:r>
-              <a:rPr lang="ru-RU" sz="4400" dirty="0">
+              <a:rPr lang="ru-RU" sz="2800" b="1" dirty="0">
+                <a:solidFill>
+                  <a:schemeClr val="bg1"/>
+                </a:solidFill>
                 <a:latin typeface="Arial Black" panose="020B0A04020102020204" pitchFamily="34" charset="0"/>
               </a:rPr>
-              <a:t>Цель</a:t>
-            </a:r>
-          </a:p>
-        </p:txBody>
-      </p:sp>
-      <p:sp>
-        <p:nvSpPr>
-          <p:cNvPr id="3" name="TextBox 2">
-            <a:extLst>
-              <a:ext uri="{FF2B5EF4-FFF2-40B4-BE49-F238E27FC236}">
-                <a16:creationId xmlns:a16="http://schemas.microsoft.com/office/drawing/2014/main" id="{91560450-2733-41F5-8610-3064CDEE82B5}"/>
+              <a:t>Актуальность темы</a:t>
+            </a:r>
+          </a:p>
+        </p:txBody>
+      </p:sp>
+      <p:sp>
+        <p:nvSpPr>
+          <p:cNvPr id="9" name="TextBox 8">
+            <a:extLst>
+              <a:ext uri="{FF2B5EF4-FFF2-40B4-BE49-F238E27FC236}">
+                <a16:creationId xmlns:a16="http://schemas.microsoft.com/office/drawing/2014/main" id="{E116E6D7-EF84-4273-B4DC-36BFB7EE271E}"/>
               </a:ext>
             </a:extLst>
           </p:cNvPr>
@@ -4107,8 +5990,8 @@
         </p:nvSpPr>
         <p:spPr>
           <a:xfrm>
-            <a:off x="1876425" y="1981200"/>
-            <a:ext cx="7800975" cy="1200329"/>
+            <a:off x="1819274" y="1718632"/>
+            <a:ext cx="9591675" cy="1477328"/>
           </a:xfrm>
           <a:prstGeom prst="rect">
             <a:avLst/>
@@ -4122,7 +6005,1082 @@
           <a:lstStyle/>
           <a:p>
             <a:r>
+              <a:rPr lang="ru-RU" dirty="0">
+                <a:solidFill>
+                  <a:schemeClr val="bg1"/>
+                </a:solidFill>
+                <a:latin typeface="Arial Black" panose="020B0A04020102020204" pitchFamily="34" charset="0"/>
+              </a:rPr>
+              <a:t>Активное внедрение информационно-коммуникационных технологий, является важным фактором создания системы образования, отвечающей требованиям информационного общества и процессу реформирования традиционной системы образования. </a:t>
+            </a:r>
+          </a:p>
+          <a:p>
+            <a:r>
               <a:rPr lang="ru-RU" dirty="0"/>
+              <a:t>	</a:t>
+            </a:r>
+          </a:p>
+        </p:txBody>
+      </p:sp>
+      <p:sp>
+        <p:nvSpPr>
+          <p:cNvPr id="11" name="Прямоугольник 10">
+            <a:extLst>
+              <a:ext uri="{FF2B5EF4-FFF2-40B4-BE49-F238E27FC236}">
+                <a16:creationId xmlns:a16="http://schemas.microsoft.com/office/drawing/2014/main" id="{839A8B9C-C82F-4405-8E0D-94E345756033}"/>
+              </a:ext>
+            </a:extLst>
+          </p:cNvPr>
+          <p:cNvSpPr/>
+          <p:nvPr/>
+        </p:nvSpPr>
+        <p:spPr>
+          <a:xfrm>
+            <a:off x="1819273" y="3309445"/>
+            <a:ext cx="9591675" cy="2554545"/>
+          </a:xfrm>
+          <a:prstGeom prst="rect">
+            <a:avLst/>
+          </a:prstGeom>
+        </p:spPr>
+        <p:txBody>
+          <a:bodyPr wrap="square">
+            <a:spAutoFit/>
+          </a:bodyPr>
+          <a:lstStyle/>
+          <a:p>
+            <a:r>
+              <a:rPr lang="ru-RU" sz="2000" dirty="0">
+                <a:solidFill>
+                  <a:schemeClr val="bg1"/>
+                </a:solidFill>
+                <a:latin typeface="Arial Black" panose="020B0A04020102020204" pitchFamily="34" charset="0"/>
+              </a:rPr>
+              <a:t>Автоматизация рутинных задач с помощью информационных технологий может облегчить и ускорить повседневные задачи. Философия программирования как раз таки основана на автоматизации всяческих процессов и задач, с которыми легко может справится современный компьютер. А внедрение такой философии в образовательный процесс, способствует развитию системы образования и упрощению повседневных задач</a:t>
+            </a:r>
+          </a:p>
+        </p:txBody>
+      </p:sp>
+      <p:sp>
+        <p:nvSpPr>
+          <p:cNvPr id="12" name="Прямоугольник 11">
+            <a:extLst>
+              <a:ext uri="{FF2B5EF4-FFF2-40B4-BE49-F238E27FC236}">
+                <a16:creationId xmlns:a16="http://schemas.microsoft.com/office/drawing/2014/main" id="{6E6714E8-C33F-44F4-AC2D-9579A31D251F}"/>
+              </a:ext>
+            </a:extLst>
+          </p:cNvPr>
+          <p:cNvSpPr/>
+          <p:nvPr/>
+        </p:nvSpPr>
+        <p:spPr>
+          <a:xfrm>
+            <a:off x="590550" y="1819275"/>
+            <a:ext cx="1057275" cy="1019175"/>
+          </a:xfrm>
+          <a:prstGeom prst="rect">
+            <a:avLst/>
+          </a:prstGeom>
+          <a:gradFill flip="none" rotWithShape="1">
+            <a:gsLst>
+              <a:gs pos="0">
+                <a:srgbClr val="FF0000"/>
+              </a:gs>
+              <a:gs pos="100000">
+                <a:schemeClr val="accent1">
+                  <a:lumMod val="75000"/>
+                </a:schemeClr>
+              </a:gs>
+            </a:gsLst>
+            <a:lin ang="2700000" scaled="1"/>
+            <a:tileRect/>
+          </a:gradFill>
+          <a:ln>
+            <a:noFill/>
+          </a:ln>
+        </p:spPr>
+        <p:style>
+          <a:lnRef idx="2">
+            <a:schemeClr val="accent1">
+              <a:shade val="50000"/>
+            </a:schemeClr>
+          </a:lnRef>
+          <a:fillRef idx="1">
+            <a:schemeClr val="accent1"/>
+          </a:fillRef>
+          <a:effectRef idx="0">
+            <a:schemeClr val="accent1"/>
+          </a:effectRef>
+          <a:fontRef idx="minor">
+            <a:schemeClr val="lt1"/>
+          </a:fontRef>
+        </p:style>
+        <p:txBody>
+          <a:bodyPr rtlCol="0" anchor="ctr"/>
+          <a:lstStyle/>
+          <a:p>
+            <a:pPr algn="ctr"/>
+            <a:r>
+              <a:rPr lang="ru-RU" sz="7200" dirty="0">
+                <a:latin typeface="Arial Black" panose="020B0A04020102020204" pitchFamily="34" charset="0"/>
+              </a:rPr>
+              <a:t>1</a:t>
+            </a:r>
+          </a:p>
+        </p:txBody>
+      </p:sp>
+      <p:sp>
+        <p:nvSpPr>
+          <p:cNvPr id="13" name="Прямоугольник 12">
+            <a:extLst>
+              <a:ext uri="{FF2B5EF4-FFF2-40B4-BE49-F238E27FC236}">
+                <a16:creationId xmlns:a16="http://schemas.microsoft.com/office/drawing/2014/main" id="{85C0607C-9064-44E7-8542-D669A6C1FC78}"/>
+              </a:ext>
+            </a:extLst>
+          </p:cNvPr>
+          <p:cNvSpPr/>
+          <p:nvPr/>
+        </p:nvSpPr>
+        <p:spPr>
+          <a:xfrm>
+            <a:off x="590550" y="3429000"/>
+            <a:ext cx="1057275" cy="1019175"/>
+          </a:xfrm>
+          <a:prstGeom prst="rect">
+            <a:avLst/>
+          </a:prstGeom>
+          <a:gradFill flip="none" rotWithShape="1">
+            <a:gsLst>
+              <a:gs pos="0">
+                <a:srgbClr val="FF0000"/>
+              </a:gs>
+              <a:gs pos="100000">
+                <a:schemeClr val="accent1">
+                  <a:shade val="67500"/>
+                  <a:satMod val="115000"/>
+                </a:schemeClr>
+              </a:gs>
+            </a:gsLst>
+            <a:lin ang="2700000" scaled="1"/>
+            <a:tileRect/>
+          </a:gradFill>
+          <a:ln>
+            <a:noFill/>
+          </a:ln>
+        </p:spPr>
+        <p:style>
+          <a:lnRef idx="2">
+            <a:schemeClr val="accent1">
+              <a:shade val="50000"/>
+            </a:schemeClr>
+          </a:lnRef>
+          <a:fillRef idx="1">
+            <a:schemeClr val="accent1"/>
+          </a:fillRef>
+          <a:effectRef idx="0">
+            <a:schemeClr val="accent1"/>
+          </a:effectRef>
+          <a:fontRef idx="minor">
+            <a:schemeClr val="lt1"/>
+          </a:fontRef>
+        </p:style>
+        <p:txBody>
+          <a:bodyPr rtlCol="0" anchor="ctr"/>
+          <a:lstStyle/>
+          <a:p>
+            <a:pPr algn="ctr"/>
+            <a:r>
+              <a:rPr lang="ru-RU" sz="7200" dirty="0">
+                <a:latin typeface="Arial Black" panose="020B0A04020102020204" pitchFamily="34" charset="0"/>
+              </a:rPr>
+              <a:t>2</a:t>
+            </a:r>
+          </a:p>
+        </p:txBody>
+      </p:sp>
+      <p:sp>
+        <p:nvSpPr>
+          <p:cNvPr id="14" name="Прямоугольник 13">
+            <a:extLst>
+              <a:ext uri="{FF2B5EF4-FFF2-40B4-BE49-F238E27FC236}">
+                <a16:creationId xmlns:a16="http://schemas.microsoft.com/office/drawing/2014/main" id="{60067F26-2441-4AB9-A1AB-415A5635642D}"/>
+              </a:ext>
+            </a:extLst>
+          </p:cNvPr>
+          <p:cNvSpPr/>
+          <p:nvPr/>
+        </p:nvSpPr>
+        <p:spPr>
+          <a:xfrm>
+            <a:off x="523875" y="1260761"/>
+            <a:ext cx="3933825" cy="45719"/>
+          </a:xfrm>
+          <a:prstGeom prst="rect">
+            <a:avLst/>
+          </a:prstGeom>
+          <a:solidFill>
+            <a:schemeClr val="bg1"/>
+          </a:solidFill>
+          <a:ln>
+            <a:noFill/>
+          </a:ln>
+        </p:spPr>
+        <p:style>
+          <a:lnRef idx="2">
+            <a:schemeClr val="accent1">
+              <a:shade val="50000"/>
+            </a:schemeClr>
+          </a:lnRef>
+          <a:fillRef idx="1">
+            <a:schemeClr val="accent1"/>
+          </a:fillRef>
+          <a:effectRef idx="0">
+            <a:schemeClr val="accent1"/>
+          </a:effectRef>
+          <a:fontRef idx="minor">
+            <a:schemeClr val="lt1"/>
+          </a:fontRef>
+        </p:style>
+        <p:txBody>
+          <a:bodyPr rtlCol="0" anchor="ctr"/>
+          <a:lstStyle/>
+          <a:p>
+            <a:pPr algn="ctr"/>
+            <a:endParaRPr lang="ru-RU"/>
+          </a:p>
+        </p:txBody>
+      </p:sp>
+    </p:spTree>
+    <p:extLst>
+      <p:ext uri="{BB962C8B-B14F-4D97-AF65-F5344CB8AC3E}">
+        <p14:creationId xmlns:p14="http://schemas.microsoft.com/office/powerpoint/2010/main" val="2898910437"/>
+      </p:ext>
+    </p:extLst>
+  </p:cSld>
+  <p:clrMapOvr>
+    <a:masterClrMapping/>
+  </p:clrMapOvr>
+</p:sld>
+</file>
+
+<file path=ppt/slides/slide20.xml><?xml version="1.0" encoding="utf-8"?>
+<p:sld xmlns:a="http://schemas.openxmlformats.org/drawingml/2006/main" xmlns:r="http://schemas.openxmlformats.org/officeDocument/2006/relationships" xmlns:p="http://schemas.openxmlformats.org/presentationml/2006/main">
+  <p:cSld>
+    <p:spTree>
+      <p:nvGrpSpPr>
+        <p:cNvPr id="1" name=""/>
+        <p:cNvGrpSpPr/>
+        <p:nvPr/>
+      </p:nvGrpSpPr>
+      <p:grpSpPr>
+        <a:xfrm>
+          <a:off x="0" y="0"/>
+          <a:ext cx="0" cy="0"/>
+          <a:chOff x="0" y="0"/>
+          <a:chExt cx="0" cy="0"/>
+        </a:xfrm>
+      </p:grpSpPr>
+      <p:pic>
+        <p:nvPicPr>
+          <p:cNvPr id="2" name="image19.png">
+            <a:extLst>
+              <a:ext uri="{FF2B5EF4-FFF2-40B4-BE49-F238E27FC236}">
+                <a16:creationId xmlns:a16="http://schemas.microsoft.com/office/drawing/2014/main" id="{A373453B-BA10-4F1E-B3E0-3301B911C123}"/>
+              </a:ext>
+            </a:extLst>
+          </p:cNvPr>
+          <p:cNvPicPr/>
+          <p:nvPr/>
+        </p:nvPicPr>
+        <p:blipFill>
+          <a:blip r:embed="rId2"/>
+          <a:srcRect/>
+          <a:stretch>
+            <a:fillRect/>
+          </a:stretch>
+        </p:blipFill>
+        <p:spPr>
+          <a:xfrm>
+            <a:off x="562062" y="2936147"/>
+            <a:ext cx="6568085" cy="3424339"/>
+          </a:xfrm>
+          <a:prstGeom prst="rect">
+            <a:avLst/>
+          </a:prstGeom>
+          <a:ln/>
+        </p:spPr>
+      </p:pic>
+      <p:pic>
+        <p:nvPicPr>
+          <p:cNvPr id="3" name="image3.png">
+            <a:extLst>
+              <a:ext uri="{FF2B5EF4-FFF2-40B4-BE49-F238E27FC236}">
+                <a16:creationId xmlns:a16="http://schemas.microsoft.com/office/drawing/2014/main" id="{084DB1D5-E0DA-4902-822B-FBFAF9BA9C11}"/>
+              </a:ext>
+            </a:extLst>
+          </p:cNvPr>
+          <p:cNvPicPr/>
+          <p:nvPr/>
+        </p:nvPicPr>
+        <p:blipFill>
+          <a:blip r:embed="rId3"/>
+          <a:srcRect/>
+          <a:stretch>
+            <a:fillRect/>
+          </a:stretch>
+        </p:blipFill>
+        <p:spPr>
+          <a:xfrm>
+            <a:off x="6320202" y="350998"/>
+            <a:ext cx="5759450" cy="1206500"/>
+          </a:xfrm>
+          <a:prstGeom prst="rect">
+            <a:avLst/>
+          </a:prstGeom>
+          <a:ln/>
+        </p:spPr>
+      </p:pic>
+      <p:sp>
+        <p:nvSpPr>
+          <p:cNvPr id="4" name="Прямоугольник 3">
+            <a:extLst>
+              <a:ext uri="{FF2B5EF4-FFF2-40B4-BE49-F238E27FC236}">
+                <a16:creationId xmlns:a16="http://schemas.microsoft.com/office/drawing/2014/main" id="{F0BE0875-A318-4B47-826E-F4A1691A2A67}"/>
+              </a:ext>
+            </a:extLst>
+          </p:cNvPr>
+          <p:cNvSpPr/>
+          <p:nvPr/>
+        </p:nvSpPr>
+        <p:spPr>
+          <a:xfrm>
+            <a:off x="224202" y="1323330"/>
+            <a:ext cx="6096000" cy="1200329"/>
+          </a:xfrm>
+          <a:prstGeom prst="rect">
+            <a:avLst/>
+          </a:prstGeom>
+        </p:spPr>
+        <p:txBody>
+          <a:bodyPr>
+            <a:spAutoFit/>
+          </a:bodyPr>
+          <a:lstStyle/>
+          <a:p>
+            <a:r>
+              <a:rPr lang="ru-RU" dirty="0">
+                <a:latin typeface="Times New Roman" panose="02020603050405020304" pitchFamily="18" charset="0"/>
+                <a:ea typeface="Segoe UI Emoji" panose="020B0502040204020203" pitchFamily="34" charset="0"/>
+              </a:rPr>
+              <a:t>Я выбрал  использовать </a:t>
+            </a:r>
+            <a:r>
+              <a:rPr lang="ru-RU" dirty="0" err="1">
+                <a:latin typeface="Times New Roman" panose="02020603050405020304" pitchFamily="18" charset="0"/>
+                <a:ea typeface="Segoe UI Emoji" panose="020B0502040204020203" pitchFamily="34" charset="0"/>
+              </a:rPr>
+              <a:t>Telegram</a:t>
+            </a:r>
+            <a:r>
+              <a:rPr lang="ru-RU" dirty="0">
+                <a:latin typeface="Times New Roman" panose="02020603050405020304" pitchFamily="18" charset="0"/>
+                <a:ea typeface="Segoe UI Emoji" panose="020B0502040204020203" pitchFamily="34" charset="0"/>
+              </a:rPr>
+              <a:t> бота в качестве UI, так как у меня достаточно знаний и навыков для этого. Также </a:t>
+            </a:r>
+            <a:r>
+              <a:rPr lang="ru-RU" dirty="0" err="1">
+                <a:latin typeface="Times New Roman" panose="02020603050405020304" pitchFamily="18" charset="0"/>
+                <a:ea typeface="Segoe UI Emoji" panose="020B0502040204020203" pitchFamily="34" charset="0"/>
+              </a:rPr>
+              <a:t>Telegram</a:t>
+            </a:r>
+            <a:r>
+              <a:rPr lang="ru-RU" dirty="0">
+                <a:latin typeface="Times New Roman" panose="02020603050405020304" pitchFamily="18" charset="0"/>
+                <a:ea typeface="Segoe UI Emoji" panose="020B0502040204020203" pitchFamily="34" charset="0"/>
+              </a:rPr>
+              <a:t> является популярным мессенджером, который используют ~900 млн. человек.</a:t>
+            </a:r>
+            <a:endParaRPr lang="ru-RU" dirty="0">
+              <a:ea typeface="Segoe UI Emoji" panose="020B0502040204020203" pitchFamily="34" charset="0"/>
+            </a:endParaRPr>
+          </a:p>
+        </p:txBody>
+      </p:sp>
+      <p:sp>
+        <p:nvSpPr>
+          <p:cNvPr id="6" name="Прямоугольник 5">
+            <a:extLst>
+              <a:ext uri="{FF2B5EF4-FFF2-40B4-BE49-F238E27FC236}">
+                <a16:creationId xmlns:a16="http://schemas.microsoft.com/office/drawing/2014/main" id="{2B90FF08-CEB7-4980-9B3C-4C98EC9CAB9D}"/>
+              </a:ext>
+            </a:extLst>
+          </p:cNvPr>
+          <p:cNvSpPr/>
+          <p:nvPr/>
+        </p:nvSpPr>
+        <p:spPr>
+          <a:xfrm>
+            <a:off x="7728038" y="2523659"/>
+            <a:ext cx="3971155" cy="3139321"/>
+          </a:xfrm>
+          <a:prstGeom prst="rect">
+            <a:avLst/>
+          </a:prstGeom>
+        </p:spPr>
+        <p:txBody>
+          <a:bodyPr wrap="square">
+            <a:spAutoFit/>
+          </a:bodyPr>
+          <a:lstStyle/>
+          <a:p>
+            <a:br>
+              <a:rPr lang="ru-RU" dirty="0"/>
+            </a:br>
+            <a:r>
+              <a:rPr lang="ru-RU" dirty="0">
+                <a:solidFill>
+                  <a:srgbClr val="0D0D0D"/>
+                </a:solidFill>
+                <a:latin typeface="Söhne"/>
+              </a:rPr>
+              <a:t>При запуске бота вызывается функция </a:t>
+            </a:r>
+            <a:r>
+              <a:rPr lang="ru-RU" dirty="0" err="1">
+                <a:solidFill>
+                  <a:srgbClr val="0D0D0D"/>
+                </a:solidFill>
+                <a:latin typeface="Söhne"/>
+              </a:rPr>
+              <a:t>cmd_start</a:t>
+            </a:r>
+            <a:r>
+              <a:rPr lang="ru-RU" dirty="0">
+                <a:solidFill>
+                  <a:srgbClr val="0D0D0D"/>
+                </a:solidFill>
+                <a:latin typeface="Söhne"/>
+              </a:rPr>
+              <a:t>(), которая информирует пользователя о функционале бота. Пользователю предлагается выбор между регистрацией и созданием графика (если он уже зарегистрирован), после чего он перенаправляется на соответствующее действие с помощью двух кнопок.</a:t>
+            </a:r>
+            <a:endParaRPr lang="ru-RU" dirty="0"/>
+          </a:p>
+        </p:txBody>
+      </p:sp>
+    </p:spTree>
+    <p:extLst>
+      <p:ext uri="{BB962C8B-B14F-4D97-AF65-F5344CB8AC3E}">
+        <p14:creationId xmlns:p14="http://schemas.microsoft.com/office/powerpoint/2010/main" val="1023274837"/>
+      </p:ext>
+    </p:extLst>
+  </p:cSld>
+  <p:clrMapOvr>
+    <a:masterClrMapping/>
+  </p:clrMapOvr>
+</p:sld>
+</file>
+
+<file path=ppt/slides/slide21.xml><?xml version="1.0" encoding="utf-8"?>
+<p:sld xmlns:a="http://schemas.openxmlformats.org/drawingml/2006/main" xmlns:r="http://schemas.openxmlformats.org/officeDocument/2006/relationships" xmlns:p="http://schemas.openxmlformats.org/presentationml/2006/main">
+  <p:cSld>
+    <p:spTree>
+      <p:nvGrpSpPr>
+        <p:cNvPr id="1" name=""/>
+        <p:cNvGrpSpPr/>
+        <p:nvPr/>
+      </p:nvGrpSpPr>
+      <p:grpSpPr>
+        <a:xfrm>
+          <a:off x="0" y="0"/>
+          <a:ext cx="0" cy="0"/>
+          <a:chOff x="0" y="0"/>
+          <a:chExt cx="0" cy="0"/>
+        </a:xfrm>
+      </p:grpSpPr>
+      <p:sp>
+        <p:nvSpPr>
+          <p:cNvPr id="2" name="Прямоугольник 1">
+            <a:extLst>
+              <a:ext uri="{FF2B5EF4-FFF2-40B4-BE49-F238E27FC236}">
+                <a16:creationId xmlns:a16="http://schemas.microsoft.com/office/drawing/2014/main" id="{932C1CE4-E32E-470E-8D69-A65A7987BC67}"/>
+              </a:ext>
+            </a:extLst>
+          </p:cNvPr>
+          <p:cNvSpPr/>
+          <p:nvPr/>
+        </p:nvSpPr>
+        <p:spPr>
+          <a:xfrm>
+            <a:off x="825613" y="577008"/>
+            <a:ext cx="2377574" cy="480581"/>
+          </a:xfrm>
+          <a:prstGeom prst="rect">
+            <a:avLst/>
+          </a:prstGeom>
+        </p:spPr>
+        <p:txBody>
+          <a:bodyPr wrap="none">
+            <a:spAutoFit/>
+          </a:bodyPr>
+          <a:lstStyle/>
+          <a:p>
+            <a:pPr>
+              <a:lnSpc>
+                <a:spcPct val="115000"/>
+              </a:lnSpc>
+              <a:spcAft>
+                <a:spcPts val="0"/>
+              </a:spcAft>
+            </a:pPr>
+            <a:r>
+              <a:rPr lang="ru-RU" sz="2400" b="1" dirty="0">
+                <a:latin typeface="Segoe UI Black" panose="020B0A02040204020203" pitchFamily="34" charset="0"/>
+                <a:ea typeface="Segoe UI Black" panose="020B0A02040204020203" pitchFamily="34" charset="0"/>
+              </a:rPr>
+              <a:t>Тестирование</a:t>
+            </a:r>
+          </a:p>
+        </p:txBody>
+      </p:sp>
+      <p:sp>
+        <p:nvSpPr>
+          <p:cNvPr id="3" name="Прямоугольник 2">
+            <a:extLst>
+              <a:ext uri="{FF2B5EF4-FFF2-40B4-BE49-F238E27FC236}">
+                <a16:creationId xmlns:a16="http://schemas.microsoft.com/office/drawing/2014/main" id="{0B50C649-9B43-4326-A0D4-FCEB524789A0}"/>
+              </a:ext>
+            </a:extLst>
+          </p:cNvPr>
+          <p:cNvSpPr/>
+          <p:nvPr/>
+        </p:nvSpPr>
+        <p:spPr>
+          <a:xfrm>
+            <a:off x="825613" y="1674674"/>
+            <a:ext cx="6096000" cy="1754326"/>
+          </a:xfrm>
+          <a:prstGeom prst="rect">
+            <a:avLst/>
+          </a:prstGeom>
+        </p:spPr>
+        <p:txBody>
+          <a:bodyPr>
+            <a:spAutoFit/>
+          </a:bodyPr>
+          <a:lstStyle/>
+          <a:p>
+            <a:r>
+              <a:rPr lang="ru-RU" dirty="0">
+                <a:latin typeface="Times New Roman" panose="02020603050405020304" pitchFamily="18" charset="0"/>
+                <a:ea typeface="Times New Roman" panose="02020603050405020304" pitchFamily="18" charset="0"/>
+              </a:rPr>
+              <a:t>Тестирование кода является неотъемлемой частью разработки программного обеспечения и играет важную роль в обеспечении его качества, надежности и производительности. Оно позволяет выявлять ошибки, улучшать качество кода и повышать доверие пользователей к программному продукту</a:t>
+            </a:r>
+            <a:endParaRPr lang="ru-RU" dirty="0"/>
+          </a:p>
+        </p:txBody>
+      </p:sp>
+      <p:pic>
+        <p:nvPicPr>
+          <p:cNvPr id="4" name="image1.png">
+            <a:extLst>
+              <a:ext uri="{FF2B5EF4-FFF2-40B4-BE49-F238E27FC236}">
+                <a16:creationId xmlns:a16="http://schemas.microsoft.com/office/drawing/2014/main" id="{49BF6BF8-B1FE-45A0-A205-3BF6B2B3E0F4}"/>
+              </a:ext>
+            </a:extLst>
+          </p:cNvPr>
+          <p:cNvPicPr/>
+          <p:nvPr/>
+        </p:nvPicPr>
+        <p:blipFill>
+          <a:blip r:embed="rId2"/>
+          <a:srcRect/>
+          <a:stretch>
+            <a:fillRect/>
+          </a:stretch>
+        </p:blipFill>
+        <p:spPr>
+          <a:xfrm>
+            <a:off x="615888" y="3833768"/>
+            <a:ext cx="4946013" cy="2245168"/>
+          </a:xfrm>
+          <a:prstGeom prst="rect">
+            <a:avLst/>
+          </a:prstGeom>
+          <a:ln/>
+        </p:spPr>
+      </p:pic>
+      <p:pic>
+        <p:nvPicPr>
+          <p:cNvPr id="5" name="image4.png">
+            <a:extLst>
+              <a:ext uri="{FF2B5EF4-FFF2-40B4-BE49-F238E27FC236}">
+                <a16:creationId xmlns:a16="http://schemas.microsoft.com/office/drawing/2014/main" id="{11ADF4BB-505D-498E-9C4E-8CDFD41E2A28}"/>
+              </a:ext>
+            </a:extLst>
+          </p:cNvPr>
+          <p:cNvPicPr/>
+          <p:nvPr/>
+        </p:nvPicPr>
+        <p:blipFill>
+          <a:blip r:embed="rId3"/>
+          <a:srcRect/>
+          <a:stretch>
+            <a:fillRect/>
+          </a:stretch>
+        </p:blipFill>
+        <p:spPr>
+          <a:xfrm>
+            <a:off x="6096000" y="4244659"/>
+            <a:ext cx="5552605" cy="1423386"/>
+          </a:xfrm>
+          <a:prstGeom prst="rect">
+            <a:avLst/>
+          </a:prstGeom>
+          <a:ln/>
+        </p:spPr>
+      </p:pic>
+    </p:spTree>
+    <p:extLst>
+      <p:ext uri="{BB962C8B-B14F-4D97-AF65-F5344CB8AC3E}">
+        <p14:creationId xmlns:p14="http://schemas.microsoft.com/office/powerpoint/2010/main" val="3388173205"/>
+      </p:ext>
+    </p:extLst>
+  </p:cSld>
+  <p:clrMapOvr>
+    <a:masterClrMapping/>
+  </p:clrMapOvr>
+</p:sld>
+</file>
+
+<file path=ppt/slides/slide22.xml><?xml version="1.0" encoding="utf-8"?>
+<p:sld xmlns:a="http://schemas.openxmlformats.org/drawingml/2006/main" xmlns:r="http://schemas.openxmlformats.org/officeDocument/2006/relationships" xmlns:p="http://schemas.openxmlformats.org/presentationml/2006/main">
+  <p:cSld>
+    <p:spTree>
+      <p:nvGrpSpPr>
+        <p:cNvPr id="1" name=""/>
+        <p:cNvGrpSpPr/>
+        <p:nvPr/>
+      </p:nvGrpSpPr>
+      <p:grpSpPr>
+        <a:xfrm>
+          <a:off x="0" y="0"/>
+          <a:ext cx="0" cy="0"/>
+          <a:chOff x="0" y="0"/>
+          <a:chExt cx="0" cy="0"/>
+        </a:xfrm>
+      </p:grpSpPr>
+      <p:pic>
+        <p:nvPicPr>
+          <p:cNvPr id="2" name="image2.png">
+            <a:extLst>
+              <a:ext uri="{FF2B5EF4-FFF2-40B4-BE49-F238E27FC236}">
+                <a16:creationId xmlns:a16="http://schemas.microsoft.com/office/drawing/2014/main" id="{41E34976-FF73-4313-AC0A-EB620653121D}"/>
+              </a:ext>
+            </a:extLst>
+          </p:cNvPr>
+          <p:cNvPicPr/>
+          <p:nvPr/>
+        </p:nvPicPr>
+        <p:blipFill>
+          <a:blip r:embed="rId2"/>
+          <a:srcRect/>
+          <a:stretch>
+            <a:fillRect/>
+          </a:stretch>
+        </p:blipFill>
+        <p:spPr>
+          <a:xfrm>
+            <a:off x="6593745" y="472215"/>
+            <a:ext cx="5164211" cy="5913567"/>
+          </a:xfrm>
+          <a:prstGeom prst="rect">
+            <a:avLst/>
+          </a:prstGeom>
+          <a:ln/>
+        </p:spPr>
+      </p:pic>
+      <p:pic>
+        <p:nvPicPr>
+          <p:cNvPr id="3" name="image12.png">
+            <a:extLst>
+              <a:ext uri="{FF2B5EF4-FFF2-40B4-BE49-F238E27FC236}">
+                <a16:creationId xmlns:a16="http://schemas.microsoft.com/office/drawing/2014/main" id="{44215DD7-C154-46C3-AD48-7FFD3A2A7712}"/>
+              </a:ext>
+            </a:extLst>
+          </p:cNvPr>
+          <p:cNvPicPr/>
+          <p:nvPr/>
+        </p:nvPicPr>
+        <p:blipFill>
+          <a:blip r:embed="rId3"/>
+          <a:srcRect/>
+          <a:stretch>
+            <a:fillRect/>
+          </a:stretch>
+        </p:blipFill>
+        <p:spPr>
+          <a:xfrm>
+            <a:off x="434044" y="405103"/>
+            <a:ext cx="5560911" cy="3023897"/>
+          </a:xfrm>
+          <a:prstGeom prst="rect">
+            <a:avLst/>
+          </a:prstGeom>
+          <a:ln/>
+        </p:spPr>
+      </p:pic>
+      <p:pic>
+        <p:nvPicPr>
+          <p:cNvPr id="4" name="image11.png">
+            <a:extLst>
+              <a:ext uri="{FF2B5EF4-FFF2-40B4-BE49-F238E27FC236}">
+                <a16:creationId xmlns:a16="http://schemas.microsoft.com/office/drawing/2014/main" id="{8F48E766-9FA3-49F6-9AA5-AF9D90A2F9B4}"/>
+              </a:ext>
+            </a:extLst>
+          </p:cNvPr>
+          <p:cNvPicPr/>
+          <p:nvPr/>
+        </p:nvPicPr>
+        <p:blipFill>
+          <a:blip r:embed="rId4"/>
+          <a:srcRect/>
+          <a:stretch>
+            <a:fillRect/>
+          </a:stretch>
+        </p:blipFill>
+        <p:spPr>
+          <a:xfrm>
+            <a:off x="434044" y="3738460"/>
+            <a:ext cx="5560911" cy="2976927"/>
+          </a:xfrm>
+          <a:prstGeom prst="rect">
+            <a:avLst/>
+          </a:prstGeom>
+          <a:ln/>
+        </p:spPr>
+      </p:pic>
+    </p:spTree>
+    <p:extLst>
+      <p:ext uri="{BB962C8B-B14F-4D97-AF65-F5344CB8AC3E}">
+        <p14:creationId xmlns:p14="http://schemas.microsoft.com/office/powerpoint/2010/main" val="3625824594"/>
+      </p:ext>
+    </p:extLst>
+  </p:cSld>
+  <p:clrMapOvr>
+    <a:masterClrMapping/>
+  </p:clrMapOvr>
+</p:sld>
+</file>
+
+<file path=ppt/slides/slide23.xml><?xml version="1.0" encoding="utf-8"?>
+<p:sld xmlns:a="http://schemas.openxmlformats.org/drawingml/2006/main" xmlns:r="http://schemas.openxmlformats.org/officeDocument/2006/relationships" xmlns:p="http://schemas.openxmlformats.org/presentationml/2006/main">
+  <p:cSld>
+    <p:spTree>
+      <p:nvGrpSpPr>
+        <p:cNvPr id="1" name=""/>
+        <p:cNvGrpSpPr/>
+        <p:nvPr/>
+      </p:nvGrpSpPr>
+      <p:grpSpPr>
+        <a:xfrm>
+          <a:off x="0" y="0"/>
+          <a:ext cx="0" cy="0"/>
+          <a:chOff x="0" y="0"/>
+          <a:chExt cx="0" cy="0"/>
+        </a:xfrm>
+      </p:grpSpPr>
+    </p:spTree>
+    <p:extLst>
+      <p:ext uri="{BB962C8B-B14F-4D97-AF65-F5344CB8AC3E}">
+        <p14:creationId xmlns:p14="http://schemas.microsoft.com/office/powerpoint/2010/main" val="2537541303"/>
+      </p:ext>
+    </p:extLst>
+  </p:cSld>
+  <p:clrMapOvr>
+    <a:masterClrMapping/>
+  </p:clrMapOvr>
+</p:sld>
+</file>
+
+<file path=ppt/slides/slide24.xml><?xml version="1.0" encoding="utf-8"?>
+<p:sld xmlns:a="http://schemas.openxmlformats.org/drawingml/2006/main" xmlns:r="http://schemas.openxmlformats.org/officeDocument/2006/relationships" xmlns:p="http://schemas.openxmlformats.org/presentationml/2006/main">
+  <p:cSld>
+    <p:spTree>
+      <p:nvGrpSpPr>
+        <p:cNvPr id="1" name=""/>
+        <p:cNvGrpSpPr/>
+        <p:nvPr/>
+      </p:nvGrpSpPr>
+      <p:grpSpPr>
+        <a:xfrm>
+          <a:off x="0" y="0"/>
+          <a:ext cx="0" cy="0"/>
+          <a:chOff x="0" y="0"/>
+          <a:chExt cx="0" cy="0"/>
+        </a:xfrm>
+      </p:grpSpPr>
+      <p:sp>
+        <p:nvSpPr>
+          <p:cNvPr id="2" name="TextBox 1">
+            <a:extLst>
+              <a:ext uri="{FF2B5EF4-FFF2-40B4-BE49-F238E27FC236}">
+                <a16:creationId xmlns:a16="http://schemas.microsoft.com/office/drawing/2014/main" id="{BDD52FBF-13D7-4FE8-A705-634402DD8A80}"/>
+              </a:ext>
+            </a:extLst>
+          </p:cNvPr>
+          <p:cNvSpPr txBox="1"/>
+          <p:nvPr/>
+        </p:nvSpPr>
+        <p:spPr>
+          <a:xfrm>
+            <a:off x="2018950" y="2598003"/>
+            <a:ext cx="8154099" cy="830997"/>
+          </a:xfrm>
+          <a:prstGeom prst="rect">
+            <a:avLst/>
+          </a:prstGeom>
+          <a:noFill/>
+        </p:spPr>
+        <p:txBody>
+          <a:bodyPr wrap="square" rtlCol="0">
+            <a:spAutoFit/>
+          </a:bodyPr>
+          <a:lstStyle/>
+          <a:p>
+            <a:r>
+              <a:rPr lang="ru-RU" sz="4800" dirty="0">
+                <a:latin typeface="Arial Black" panose="020B0A04020102020204" pitchFamily="34" charset="0"/>
+              </a:rPr>
+              <a:t>Спасибо за внимание!</a:t>
+            </a:r>
+          </a:p>
+        </p:txBody>
+      </p:sp>
+    </p:spTree>
+    <p:extLst>
+      <p:ext uri="{BB962C8B-B14F-4D97-AF65-F5344CB8AC3E}">
+        <p14:creationId xmlns:p14="http://schemas.microsoft.com/office/powerpoint/2010/main" val="3602403353"/>
+      </p:ext>
+    </p:extLst>
+  </p:cSld>
+  <p:clrMapOvr>
+    <a:masterClrMapping/>
+  </p:clrMapOvr>
+</p:sld>
+</file>
+
+<file path=ppt/slides/slide3.xml><?xml version="1.0" encoding="utf-8"?>
+<p:sld xmlns:a="http://schemas.openxmlformats.org/drawingml/2006/main" xmlns:r="http://schemas.openxmlformats.org/officeDocument/2006/relationships" xmlns:p="http://schemas.openxmlformats.org/presentationml/2006/main">
+  <p:cSld>
+    <p:bg>
+      <p:bgPr>
+        <a:blipFill dpi="0" rotWithShape="1">
+          <a:blip r:embed="rId2">
+            <a:lum/>
+          </a:blip>
+          <a:srcRect/>
+          <a:stretch>
+            <a:fillRect/>
+          </a:stretch>
+        </a:blipFill>
+        <a:effectLst/>
+      </p:bgPr>
+    </p:bg>
+    <p:spTree>
+      <p:nvGrpSpPr>
+        <p:cNvPr id="1" name=""/>
+        <p:cNvGrpSpPr/>
+        <p:nvPr/>
+      </p:nvGrpSpPr>
+      <p:grpSpPr>
+        <a:xfrm>
+          <a:off x="0" y="0"/>
+          <a:ext cx="0" cy="0"/>
+          <a:chOff x="0" y="0"/>
+          <a:chExt cx="0" cy="0"/>
+        </a:xfrm>
+      </p:grpSpPr>
+      <p:sp>
+        <p:nvSpPr>
+          <p:cNvPr id="4" name="Прямоугольник 3">
+            <a:extLst>
+              <a:ext uri="{FF2B5EF4-FFF2-40B4-BE49-F238E27FC236}">
+                <a16:creationId xmlns:a16="http://schemas.microsoft.com/office/drawing/2014/main" id="{D3EBAAA4-3D54-418D-B58B-AC4FF0C1DAA8}"/>
+              </a:ext>
+            </a:extLst>
+          </p:cNvPr>
+          <p:cNvSpPr/>
+          <p:nvPr/>
+        </p:nvSpPr>
+        <p:spPr>
+          <a:xfrm>
+            <a:off x="0" y="0"/>
+            <a:ext cx="12192000" cy="6858000"/>
+          </a:xfrm>
+          <a:prstGeom prst="rect">
+            <a:avLst/>
+          </a:prstGeom>
+          <a:solidFill>
+            <a:schemeClr val="dk1">
+              <a:alpha val="59000"/>
+            </a:schemeClr>
+          </a:solidFill>
+        </p:spPr>
+        <p:style>
+          <a:lnRef idx="2">
+            <a:schemeClr val="dk1">
+              <a:shade val="50000"/>
+            </a:schemeClr>
+          </a:lnRef>
+          <a:fillRef idx="1">
+            <a:schemeClr val="dk1"/>
+          </a:fillRef>
+          <a:effectRef idx="0">
+            <a:schemeClr val="dk1"/>
+          </a:effectRef>
+          <a:fontRef idx="minor">
+            <a:schemeClr val="lt1"/>
+          </a:fontRef>
+        </p:style>
+        <p:txBody>
+          <a:bodyPr rtlCol="0" anchor="ctr"/>
+          <a:lstStyle/>
+          <a:p>
+            <a:pPr algn="ctr"/>
+            <a:endParaRPr lang="ru-RU"/>
+          </a:p>
+        </p:txBody>
+      </p:sp>
+      <p:sp>
+        <p:nvSpPr>
+          <p:cNvPr id="5" name="TextBox 4">
+            <a:extLst>
+              <a:ext uri="{FF2B5EF4-FFF2-40B4-BE49-F238E27FC236}">
+                <a16:creationId xmlns:a16="http://schemas.microsoft.com/office/drawing/2014/main" id="{EF8AE9F4-7211-4F8B-A9CF-F03B47DB4465}"/>
+              </a:ext>
+            </a:extLst>
+          </p:cNvPr>
+          <p:cNvSpPr txBox="1"/>
+          <p:nvPr/>
+        </p:nvSpPr>
+        <p:spPr>
+          <a:xfrm>
+            <a:off x="5062537" y="1571625"/>
+            <a:ext cx="2066925" cy="769441"/>
+          </a:xfrm>
+          <a:prstGeom prst="rect">
+            <a:avLst/>
+          </a:prstGeom>
+          <a:noFill/>
+        </p:spPr>
+        <p:txBody>
+          <a:bodyPr wrap="square" rtlCol="0">
+            <a:spAutoFit/>
+          </a:bodyPr>
+          <a:lstStyle/>
+          <a:p>
+            <a:r>
+              <a:rPr lang="ru-RU" sz="4400" dirty="0">
+                <a:solidFill>
+                  <a:schemeClr val="bg1"/>
+                </a:solidFill>
+                <a:latin typeface="Arial Black" panose="020B0A04020102020204" pitchFamily="34" charset="0"/>
+              </a:rPr>
+              <a:t>Цель</a:t>
+            </a:r>
+          </a:p>
+        </p:txBody>
+      </p:sp>
+      <p:sp>
+        <p:nvSpPr>
+          <p:cNvPr id="6" name="Прямоугольник 5">
+            <a:extLst>
+              <a:ext uri="{FF2B5EF4-FFF2-40B4-BE49-F238E27FC236}">
+                <a16:creationId xmlns:a16="http://schemas.microsoft.com/office/drawing/2014/main" id="{FA3E12BE-7B3F-4953-BC92-3516DAC43922}"/>
+              </a:ext>
+            </a:extLst>
+          </p:cNvPr>
+          <p:cNvSpPr/>
+          <p:nvPr/>
+        </p:nvSpPr>
+        <p:spPr>
+          <a:xfrm>
+            <a:off x="3568700" y="2341066"/>
+            <a:ext cx="4851400" cy="45719"/>
+          </a:xfrm>
+          <a:prstGeom prst="rect">
+            <a:avLst/>
+          </a:prstGeom>
+          <a:solidFill>
+            <a:schemeClr val="bg1"/>
+          </a:solidFill>
+          <a:ln>
+            <a:noFill/>
+          </a:ln>
+        </p:spPr>
+        <p:style>
+          <a:lnRef idx="2">
+            <a:schemeClr val="accent1">
+              <a:shade val="50000"/>
+            </a:schemeClr>
+          </a:lnRef>
+          <a:fillRef idx="1">
+            <a:schemeClr val="accent1"/>
+          </a:fillRef>
+          <a:effectRef idx="0">
+            <a:schemeClr val="accent1"/>
+          </a:effectRef>
+          <a:fontRef idx="minor">
+            <a:schemeClr val="lt1"/>
+          </a:fontRef>
+        </p:style>
+        <p:txBody>
+          <a:bodyPr rtlCol="0" anchor="ctr"/>
+          <a:lstStyle/>
+          <a:p>
+            <a:pPr algn="ctr"/>
+            <a:endParaRPr lang="ru-RU"/>
+          </a:p>
+        </p:txBody>
+      </p:sp>
+      <p:sp>
+        <p:nvSpPr>
+          <p:cNvPr id="7" name="TextBox 6">
+            <a:extLst>
+              <a:ext uri="{FF2B5EF4-FFF2-40B4-BE49-F238E27FC236}">
+                <a16:creationId xmlns:a16="http://schemas.microsoft.com/office/drawing/2014/main" id="{66340D5F-0C0A-4575-AFEA-AE059754D03D}"/>
+              </a:ext>
+            </a:extLst>
+          </p:cNvPr>
+          <p:cNvSpPr txBox="1"/>
+          <p:nvPr/>
+        </p:nvSpPr>
+        <p:spPr>
+          <a:xfrm>
+            <a:off x="1003300" y="2650807"/>
+            <a:ext cx="10782300" cy="2092881"/>
+          </a:xfrm>
+          <a:prstGeom prst="rect">
+            <a:avLst/>
+          </a:prstGeom>
+          <a:noFill/>
+        </p:spPr>
+        <p:txBody>
+          <a:bodyPr wrap="square" rtlCol="0">
+            <a:spAutoFit/>
+          </a:bodyPr>
+          <a:lstStyle/>
+          <a:p>
+            <a:r>
+              <a:rPr lang="ru-RU" sz="2800" dirty="0">
+                <a:solidFill>
+                  <a:schemeClr val="bg1"/>
+                </a:solidFill>
+                <a:latin typeface="Bahnschrift SemiBold" panose="020B0502040204020203" pitchFamily="34" charset="0"/>
+              </a:rPr>
               <a:t>Целью данного проекта является - упрощение, с последующей автоматизацией одной из рутинных задач в образовательном процессе, при помощи программирования и информационных технологий.</a:t>
             </a:r>
           </a:p>
@@ -4147,6 +7105,23 @@
 <file path=ppt/slides/slide4.xml><?xml version="1.0" encoding="utf-8"?>
 <p:sld xmlns:a="http://schemas.openxmlformats.org/drawingml/2006/main" xmlns:r="http://schemas.openxmlformats.org/officeDocument/2006/relationships" xmlns:p="http://schemas.openxmlformats.org/presentationml/2006/main">
   <p:cSld>
+    <p:bg>
+      <p:bgPr>
+        <a:gradFill flip="none" rotWithShape="1">
+          <a:gsLst>
+            <a:gs pos="0">
+              <a:srgbClr val="DA0000"/>
+            </a:gs>
+            <a:gs pos="100000">
+              <a:schemeClr val="accent1"/>
+            </a:gs>
+          </a:gsLst>
+          <a:lin ang="10800000" scaled="1"/>
+          <a:tileRect/>
+        </a:gradFill>
+        <a:effectLst/>
+      </p:bgPr>
+    </p:bg>
     <p:spTree>
       <p:nvGrpSpPr>
         <p:cNvPr id="1" name=""/>
@@ -4163,47 +7138,10 @@
       </p:grpSpPr>
       <p:sp>
         <p:nvSpPr>
-          <p:cNvPr id="2" name="TextBox 1">
-            <a:extLst>
-              <a:ext uri="{FF2B5EF4-FFF2-40B4-BE49-F238E27FC236}">
-                <a16:creationId xmlns:a16="http://schemas.microsoft.com/office/drawing/2014/main" id="{CA7FDE03-57B6-44F6-9086-EAAC67B7B421}"/>
-              </a:ext>
-            </a:extLst>
-          </p:cNvPr>
-          <p:cNvSpPr txBox="1"/>
-          <p:nvPr/>
-        </p:nvSpPr>
-        <p:spPr>
-          <a:xfrm>
-            <a:off x="561975" y="323850"/>
-            <a:ext cx="2162175" cy="523220"/>
-          </a:xfrm>
-          <a:prstGeom prst="rect">
-            <a:avLst/>
-          </a:prstGeom>
-          <a:noFill/>
-        </p:spPr>
-        <p:txBody>
-          <a:bodyPr wrap="square" rtlCol="0">
-            <a:spAutoFit/>
-          </a:bodyPr>
-          <a:lstStyle/>
-          <a:p>
-            <a:r>
-              <a:rPr lang="ru-RU" sz="2800" dirty="0">
-                <a:latin typeface="Arial Black" panose="020B0A04020102020204" pitchFamily="34" charset="0"/>
-              </a:rPr>
-              <a:t>Задачи</a:t>
-            </a:r>
-          </a:p>
-        </p:txBody>
-      </p:sp>
-      <p:sp>
-        <p:nvSpPr>
-          <p:cNvPr id="3" name="Прямоугольник 2">
-            <a:extLst>
-              <a:ext uri="{FF2B5EF4-FFF2-40B4-BE49-F238E27FC236}">
-                <a16:creationId xmlns:a16="http://schemas.microsoft.com/office/drawing/2014/main" id="{578FA637-553B-4514-A30F-F2722ABE8388}"/>
+          <p:cNvPr id="4" name="Прямоугольник 3">
+            <a:extLst>
+              <a:ext uri="{FF2B5EF4-FFF2-40B4-BE49-F238E27FC236}">
+                <a16:creationId xmlns:a16="http://schemas.microsoft.com/office/drawing/2014/main" id="{2CCE615F-ECFE-4065-9C1C-F82AC43472FE}"/>
               </a:ext>
             </a:extLst>
           </p:cNvPr>
@@ -4212,8 +7150,116 @@
         </p:nvSpPr>
         <p:spPr>
           <a:xfrm>
-            <a:off x="981075" y="1325027"/>
-            <a:ext cx="8162925" cy="3252301"/>
+            <a:off x="800100" y="933450"/>
+            <a:ext cx="10591800" cy="6134100"/>
+          </a:xfrm>
+          <a:prstGeom prst="rect">
+            <a:avLst/>
+          </a:prstGeom>
+          <a:solidFill>
+            <a:srgbClr val="FF2D2D"/>
+          </a:solidFill>
+          <a:ln w="212725">
+            <a:solidFill>
+              <a:srgbClr val="1C1C1C"/>
+            </a:solidFill>
+          </a:ln>
+        </p:spPr>
+        <p:style>
+          <a:lnRef idx="2">
+            <a:schemeClr val="dk1">
+              <a:shade val="50000"/>
+            </a:schemeClr>
+          </a:lnRef>
+          <a:fillRef idx="1">
+            <a:schemeClr val="dk1"/>
+          </a:fillRef>
+          <a:effectRef idx="0">
+            <a:schemeClr val="dk1"/>
+          </a:effectRef>
+          <a:fontRef idx="minor">
+            <a:schemeClr val="lt1"/>
+          </a:fontRef>
+        </p:style>
+        <p:txBody>
+          <a:bodyPr rtlCol="0" anchor="ctr"/>
+          <a:lstStyle/>
+          <a:p>
+            <a:pPr algn="ctr"/>
+            <a:endParaRPr lang="ru-RU"/>
+          </a:p>
+        </p:txBody>
+      </p:sp>
+      <p:sp>
+        <p:nvSpPr>
+          <p:cNvPr id="5" name="Прямоугольник 4">
+            <a:extLst>
+              <a:ext uri="{FF2B5EF4-FFF2-40B4-BE49-F238E27FC236}">
+                <a16:creationId xmlns:a16="http://schemas.microsoft.com/office/drawing/2014/main" id="{935FAAB5-3C92-40E8-B61E-AF41BEC83C8A}"/>
+              </a:ext>
+            </a:extLst>
+          </p:cNvPr>
+          <p:cNvSpPr/>
+          <p:nvPr/>
+        </p:nvSpPr>
+        <p:spPr>
+          <a:xfrm>
+            <a:off x="4381500" y="514350"/>
+            <a:ext cx="3429000" cy="952500"/>
+          </a:xfrm>
+          <a:prstGeom prst="rect">
+            <a:avLst/>
+          </a:prstGeom>
+          <a:solidFill>
+            <a:srgbClr val="FF2D2D"/>
+          </a:solidFill>
+          <a:ln w="130175">
+            <a:solidFill>
+              <a:srgbClr val="1C1C1C"/>
+            </a:solidFill>
+          </a:ln>
+        </p:spPr>
+        <p:style>
+          <a:lnRef idx="2">
+            <a:schemeClr val="dk1">
+              <a:shade val="50000"/>
+            </a:schemeClr>
+          </a:lnRef>
+          <a:fillRef idx="1">
+            <a:schemeClr val="dk1"/>
+          </a:fillRef>
+          <a:effectRef idx="0">
+            <a:schemeClr val="dk1"/>
+          </a:effectRef>
+          <a:fontRef idx="minor">
+            <a:schemeClr val="lt1"/>
+          </a:fontRef>
+        </p:style>
+        <p:txBody>
+          <a:bodyPr rtlCol="0" anchor="ctr"/>
+          <a:lstStyle/>
+          <a:p>
+            <a:pPr algn="ctr"/>
+            <a:endParaRPr lang="ru-RU"/>
+          </a:p>
+        </p:txBody>
+      </p:sp>
+      <p:sp>
+        <p:nvSpPr>
+          <p:cNvPr id="6" name="Прямоугольник 5">
+            <a:extLst>
+              <a:ext uri="{FF2B5EF4-FFF2-40B4-BE49-F238E27FC236}">
+                <a16:creationId xmlns:a16="http://schemas.microsoft.com/office/drawing/2014/main" id="{6E1630C8-4FB2-45A5-A8BD-843360809FED}"/>
+              </a:ext>
+            </a:extLst>
+          </p:cNvPr>
+          <p:cNvSpPr/>
+          <p:nvPr/>
+        </p:nvSpPr>
+        <p:spPr>
+          <a:xfrm>
+            <a:off x="1322387" y="1910631"/>
+            <a:ext cx="10388599" cy="4013919"/>
           </a:xfrm>
           <a:prstGeom prst="rect">
             <a:avLst/>
@@ -4236,23 +7282,23 @@
               <a:buAutoNum type="arabicPeriod"/>
             </a:pPr>
             <a:r>
-              <a:rPr lang="ru-RU" dirty="0">
-                <a:latin typeface="Times New Roman" panose="02020603050405020304" pitchFamily="18" charset="0"/>
-                <a:ea typeface="Times New Roman" panose="02020603050405020304" pitchFamily="18" charset="0"/>
+              <a:rPr lang="ru-RU" sz="2800" dirty="0">
+                <a:latin typeface="Segoe UI Black" panose="020B0A02040204020203" pitchFamily="34" charset="0"/>
+                <a:ea typeface="Segoe UI Black" panose="020B0A02040204020203" pitchFamily="34" charset="0"/>
               </a:rPr>
               <a:t>Сбор и поиск информации о взаимодействии браузера с языком программирования </a:t>
             </a:r>
             <a:r>
-              <a:rPr lang="ru-RU" dirty="0" err="1">
-                <a:latin typeface="Times New Roman" panose="02020603050405020304" pitchFamily="18" charset="0"/>
-                <a:ea typeface="Times New Roman" panose="02020603050405020304" pitchFamily="18" charset="0"/>
+              <a:rPr lang="ru-RU" sz="2800" dirty="0" err="1">
+                <a:latin typeface="Segoe UI Black" panose="020B0A02040204020203" pitchFamily="34" charset="0"/>
+                <a:ea typeface="Segoe UI Black" panose="020B0A02040204020203" pitchFamily="34" charset="0"/>
               </a:rPr>
               <a:t>Python</a:t>
             </a:r>
             <a:r>
-              <a:rPr lang="ru-RU" dirty="0">
-                <a:latin typeface="Times New Roman" panose="02020603050405020304" pitchFamily="18" charset="0"/>
-                <a:ea typeface="Times New Roman" panose="02020603050405020304" pitchFamily="18" charset="0"/>
+              <a:rPr lang="ru-RU" sz="2800" dirty="0">
+                <a:latin typeface="Segoe UI Black" panose="020B0A02040204020203" pitchFamily="34" charset="0"/>
+                <a:ea typeface="Segoe UI Black" panose="020B0A02040204020203" pitchFamily="34" charset="0"/>
               </a:rPr>
               <a:t>.</a:t>
             </a:r>
@@ -4269,9 +7315,9 @@
               <a:buAutoNum type="arabicPeriod"/>
             </a:pPr>
             <a:r>
-              <a:rPr lang="ru-RU" dirty="0">
-                <a:latin typeface="Times New Roman" panose="02020603050405020304" pitchFamily="18" charset="0"/>
-                <a:ea typeface="Times New Roman" panose="02020603050405020304" pitchFamily="18" charset="0"/>
+              <a:rPr lang="ru-RU" sz="2800" dirty="0">
+                <a:latin typeface="Segoe UI Black" panose="020B0A02040204020203" pitchFamily="34" charset="0"/>
+                <a:ea typeface="Segoe UI Black" panose="020B0A02040204020203" pitchFamily="34" charset="0"/>
               </a:rPr>
               <a:t>Подготовка, выбор и создание структуры программного проекта.</a:t>
             </a:r>
@@ -4288,9 +7334,9 @@
               <a:buAutoNum type="arabicPeriod"/>
             </a:pPr>
             <a:r>
-              <a:rPr lang="ru-RU" dirty="0">
-                <a:latin typeface="Times New Roman" panose="02020603050405020304" pitchFamily="18" charset="0"/>
-                <a:ea typeface="Times New Roman" panose="02020603050405020304" pitchFamily="18" charset="0"/>
+              <a:rPr lang="ru-RU" sz="2800" dirty="0">
+                <a:latin typeface="Segoe UI Black" panose="020B0A02040204020203" pitchFamily="34" charset="0"/>
+                <a:ea typeface="Segoe UI Black" panose="020B0A02040204020203" pitchFamily="34" charset="0"/>
               </a:rPr>
               <a:t>Создание программы в соответствии со структурой программного проекта</a:t>
             </a:r>
@@ -4307,9 +7353,9 @@
               <a:buAutoNum type="arabicPeriod"/>
             </a:pPr>
             <a:r>
-              <a:rPr lang="ru-RU" dirty="0">
-                <a:latin typeface="Times New Roman" panose="02020603050405020304" pitchFamily="18" charset="0"/>
-                <a:ea typeface="Times New Roman" panose="02020603050405020304" pitchFamily="18" charset="0"/>
+              <a:rPr lang="ru-RU" sz="2800" dirty="0">
+                <a:latin typeface="Segoe UI Black" panose="020B0A02040204020203" pitchFamily="34" charset="0"/>
+                <a:ea typeface="Segoe UI Black" panose="020B0A02040204020203" pitchFamily="34" charset="0"/>
               </a:rPr>
               <a:t>Тестирование программы</a:t>
             </a:r>
@@ -4326,28 +7372,48 @@
               <a:buAutoNum type="arabicPeriod"/>
             </a:pPr>
             <a:r>
-              <a:rPr lang="ru-RU" dirty="0">
-                <a:latin typeface="Times New Roman" panose="02020603050405020304" pitchFamily="18" charset="0"/>
-                <a:ea typeface="Times New Roman" panose="02020603050405020304" pitchFamily="18" charset="0"/>
+              <a:rPr lang="ru-RU" sz="2800" dirty="0">
+                <a:latin typeface="Segoe UI Black" panose="020B0A02040204020203" pitchFamily="34" charset="0"/>
+                <a:ea typeface="Segoe UI Black" panose="020B0A02040204020203" pitchFamily="34" charset="0"/>
               </a:rPr>
               <a:t>Компиляция программы</a:t>
             </a:r>
           </a:p>
-          <a:p>
-            <a:pPr marL="457200">
-              <a:lnSpc>
-                <a:spcPct val="115000"/>
-              </a:lnSpc>
-              <a:spcAft>
-                <a:spcPts val="0"/>
-              </a:spcAft>
-            </a:pPr>
-            <a:r>
-              <a:rPr lang="ru-RU" dirty="0">
-                <a:latin typeface="Times New Roman" panose="02020603050405020304" pitchFamily="18" charset="0"/>
-                <a:ea typeface="Times New Roman" panose="02020603050405020304" pitchFamily="18" charset="0"/>
-              </a:rPr>
-              <a:t>Под программным проектом имеется в виду, практическая часть проекта, а именно код написанный на выбранном языке программирования. Структурой же данного проекта является компьютерная папка со специализированными файлами.</a:t>
+        </p:txBody>
+      </p:sp>
+      <p:sp>
+        <p:nvSpPr>
+          <p:cNvPr id="7" name="TextBox 6">
+            <a:extLst>
+              <a:ext uri="{FF2B5EF4-FFF2-40B4-BE49-F238E27FC236}">
+                <a16:creationId xmlns:a16="http://schemas.microsoft.com/office/drawing/2014/main" id="{216239E3-E825-4701-9704-366BB00C7E69}"/>
+              </a:ext>
+            </a:extLst>
+          </p:cNvPr>
+          <p:cNvSpPr txBox="1"/>
+          <p:nvPr/>
+        </p:nvSpPr>
+        <p:spPr>
+          <a:xfrm>
+            <a:off x="4529137" y="514350"/>
+            <a:ext cx="3429000" cy="923330"/>
+          </a:xfrm>
+          <a:prstGeom prst="rect">
+            <a:avLst/>
+          </a:prstGeom>
+          <a:noFill/>
+        </p:spPr>
+        <p:txBody>
+          <a:bodyPr wrap="square" rtlCol="0">
+            <a:spAutoFit/>
+          </a:bodyPr>
+          <a:lstStyle/>
+          <a:p>
+            <a:r>
+              <a:rPr lang="ru-RU" sz="5400" dirty="0">
+                <a:latin typeface="Arial Black" panose="020B0A04020102020204" pitchFamily="34" charset="0"/>
+              </a:rPr>
+              <a:t>Задачи</a:t>
             </a:r>
           </a:p>
         </p:txBody>
@@ -4368,6 +7434,23 @@
 <file path=ppt/slides/slide5.xml><?xml version="1.0" encoding="utf-8"?>
 <p:sld xmlns:a="http://schemas.openxmlformats.org/drawingml/2006/main" xmlns:r="http://schemas.openxmlformats.org/officeDocument/2006/relationships" xmlns:p="http://schemas.openxmlformats.org/presentationml/2006/main">
   <p:cSld>
+    <p:bg>
+      <p:bgPr>
+        <a:gradFill flip="none" rotWithShape="1">
+          <a:gsLst>
+            <a:gs pos="13000">
+              <a:schemeClr val="tx1"/>
+            </a:gs>
+            <a:gs pos="100000">
+              <a:srgbClr val="00B050"/>
+            </a:gs>
+          </a:gsLst>
+          <a:lin ang="13500000" scaled="1"/>
+          <a:tileRect/>
+        </a:gradFill>
+        <a:effectLst/>
+      </p:bgPr>
+    </p:bg>
     <p:spTree>
       <p:nvGrpSpPr>
         <p:cNvPr id="1" name=""/>
@@ -4387,7 +7470,7 @@
           <p:cNvPr id="2" name="TextBox 1">
             <a:extLst>
               <a:ext uri="{FF2B5EF4-FFF2-40B4-BE49-F238E27FC236}">
-                <a16:creationId xmlns:a16="http://schemas.microsoft.com/office/drawing/2014/main" id="{3E675D33-E9EC-4165-A100-4AE31A63B816}"/>
+                <a16:creationId xmlns:a16="http://schemas.microsoft.com/office/drawing/2014/main" id="{E062C4C2-EEC4-4C90-A20A-15219AAC8354}"/>
               </a:ext>
             </a:extLst>
           </p:cNvPr>
@@ -4396,8 +7479,8 @@
         </p:nvSpPr>
         <p:spPr>
           <a:xfrm>
-            <a:off x="419100" y="295275"/>
-            <a:ext cx="2486025" cy="707886"/>
+            <a:off x="1200150" y="-3476608"/>
+            <a:ext cx="4533900" cy="646331"/>
           </a:xfrm>
           <a:prstGeom prst="rect">
             <a:avLst/>
@@ -4411,11 +7494,23 @@
           <a:lstStyle/>
           <a:p>
             <a:r>
-              <a:rPr lang="ru-RU" sz="4000" dirty="0">
+              <a:rPr lang="ru-RU" b="1" dirty="0">
                 <a:latin typeface="Arial Black" panose="020B0A04020102020204" pitchFamily="34" charset="0"/>
               </a:rPr>
-              <a:t>Методы</a:t>
-            </a:r>
+              <a:t>Язык Программирования </a:t>
+            </a:r>
+            <a:r>
+              <a:rPr lang="ru-RU" b="1" dirty="0" err="1">
+                <a:latin typeface="Arial Black" panose="020B0A04020102020204" pitchFamily="34" charset="0"/>
+              </a:rPr>
+              <a:t>Python</a:t>
+            </a:r>
+            <a:endParaRPr lang="ru-RU" dirty="0">
+              <a:latin typeface="Arial Black" panose="020B0A04020102020204" pitchFamily="34" charset="0"/>
+            </a:endParaRPr>
+          </a:p>
+          <a:p>
+            <a:endParaRPr lang="ru-RU" dirty="0"/>
           </a:p>
         </p:txBody>
       </p:sp>
@@ -4424,7 +7519,7 @@
           <p:cNvPr id="3" name="Прямоугольник 2">
             <a:extLst>
               <a:ext uri="{FF2B5EF4-FFF2-40B4-BE49-F238E27FC236}">
-                <a16:creationId xmlns:a16="http://schemas.microsoft.com/office/drawing/2014/main" id="{8BA0BC77-3238-4123-A606-7D1785704A7D}"/>
+                <a16:creationId xmlns:a16="http://schemas.microsoft.com/office/drawing/2014/main" id="{B7D0D12F-2421-48A1-98CC-16BBD1D8F03C}"/>
               </a:ext>
             </a:extLst>
           </p:cNvPr>
@@ -4433,8 +7528,8 @@
         </p:nvSpPr>
         <p:spPr>
           <a:xfrm>
-            <a:off x="609600" y="1484301"/>
-            <a:ext cx="8534400" cy="3252301"/>
+            <a:off x="4178300" y="-2714545"/>
+            <a:ext cx="7553325" cy="1754326"/>
           </a:xfrm>
           <a:prstGeom prst="rect">
             <a:avLst/>
@@ -4446,22 +7541,19 @@
           </a:bodyPr>
           <a:lstStyle/>
           <a:p>
-            <a:pPr marL="342900" lvl="0" indent="-342900">
-              <a:lnSpc>
-                <a:spcPct val="115000"/>
-              </a:lnSpc>
-              <a:spcAft>
-                <a:spcPts val="0"/>
-              </a:spcAft>
-              <a:buFont typeface="+mj-lt"/>
-              <a:buAutoNum type="arabicPeriod"/>
-            </a:pPr>
+            <a:r>
+              <a:rPr lang="ru-RU" dirty="0" err="1">
+                <a:latin typeface="Times New Roman" panose="02020603050405020304" pitchFamily="18" charset="0"/>
+                <a:ea typeface="Times New Roman" panose="02020603050405020304" pitchFamily="18" charset="0"/>
+              </a:rPr>
+              <a:t>Python</a:t>
+            </a:r>
             <a:r>
               <a:rPr lang="ru-RU" dirty="0">
                 <a:latin typeface="Times New Roman" panose="02020603050405020304" pitchFamily="18" charset="0"/>
                 <a:ea typeface="Times New Roman" panose="02020603050405020304" pitchFamily="18" charset="0"/>
               </a:rPr>
-              <a:t>Программирование и написание скриптов на языке программирования </a:t>
+              <a:t> — это язык программирования, который широко используется в интернет-приложениях, разработке программного обеспечения, науке о данных и машинном обучении (ML). Разработчики используют </a:t>
             </a:r>
             <a:r>
               <a:rPr lang="ru-RU" dirty="0" err="1">
@@ -4470,258 +7562,397 @@
               </a:rPr>
               <a:t>Python</a:t>
             </a:r>
-            <a:endParaRPr lang="ru-RU" dirty="0">
-              <a:latin typeface="Times New Roman" panose="02020603050405020304" pitchFamily="18" charset="0"/>
-              <a:ea typeface="Times New Roman" panose="02020603050405020304" pitchFamily="18" charset="0"/>
-            </a:endParaRPr>
-          </a:p>
-          <a:p>
-            <a:pPr marL="342900" lvl="0" indent="-342900">
-              <a:lnSpc>
-                <a:spcPct val="115000"/>
-              </a:lnSpc>
-              <a:spcAft>
-                <a:spcPts val="0"/>
-              </a:spcAft>
-              <a:buFont typeface="+mj-lt"/>
-              <a:buAutoNum type="arabicPeriod"/>
-            </a:pPr>
             <a:r>
               <a:rPr lang="ru-RU" dirty="0">
                 <a:latin typeface="Times New Roman" panose="02020603050405020304" pitchFamily="18" charset="0"/>
                 <a:ea typeface="Times New Roman" panose="02020603050405020304" pitchFamily="18" charset="0"/>
               </a:rPr>
-              <a:t>Сохранение прогресса программирования на открытую интернет платформу </a:t>
+              <a:t>, потому что он эффективен, прост в изучении и работает на разных платформах. Программы на языке </a:t>
             </a:r>
             <a:r>
               <a:rPr lang="ru-RU" dirty="0" err="1">
                 <a:latin typeface="Times New Roman" panose="02020603050405020304" pitchFamily="18" charset="0"/>
                 <a:ea typeface="Times New Roman" panose="02020603050405020304" pitchFamily="18" charset="0"/>
               </a:rPr>
-              <a:t>Github</a:t>
-            </a:r>
-            <a:endParaRPr lang="ru-RU" dirty="0">
-              <a:latin typeface="Times New Roman" panose="02020603050405020304" pitchFamily="18" charset="0"/>
-              <a:ea typeface="Times New Roman" panose="02020603050405020304" pitchFamily="18" charset="0"/>
-            </a:endParaRPr>
-          </a:p>
-          <a:p>
-            <a:pPr marL="342900" lvl="0" indent="-342900">
-              <a:lnSpc>
-                <a:spcPct val="115000"/>
-              </a:lnSpc>
-              <a:spcAft>
-                <a:spcPts val="0"/>
-              </a:spcAft>
-              <a:buFont typeface="+mj-lt"/>
-              <a:buAutoNum type="arabicPeriod"/>
-            </a:pPr>
+              <a:t>Python</a:t>
+            </a:r>
             <a:r>
               <a:rPr lang="ru-RU" dirty="0">
                 <a:latin typeface="Times New Roman" panose="02020603050405020304" pitchFamily="18" charset="0"/>
                 <a:ea typeface="Times New Roman" panose="02020603050405020304" pitchFamily="18" charset="0"/>
               </a:rPr>
-              <a:t>Компьютер с установленной системой </a:t>
-            </a:r>
-            <a:r>
-              <a:rPr lang="ru-RU" dirty="0" err="1">
-                <a:latin typeface="Times New Roman" panose="02020603050405020304" pitchFamily="18" charset="0"/>
+              <a:t> можно скачать бесплатно, они совместимы со всеми типами систем и повышают скорость разработки.</a:t>
+            </a:r>
+            <a:endParaRPr lang="ru-RU" dirty="0"/>
+          </a:p>
+        </p:txBody>
+      </p:sp>
+      <p:pic>
+        <p:nvPicPr>
+          <p:cNvPr id="9" name="Рисунок 8">
+            <a:extLst>
+              <a:ext uri="{FF2B5EF4-FFF2-40B4-BE49-F238E27FC236}">
+                <a16:creationId xmlns:a16="http://schemas.microsoft.com/office/drawing/2014/main" id="{8B7225B0-B812-48F2-A979-E76506178922}"/>
+              </a:ext>
+            </a:extLst>
+          </p:cNvPr>
+          <p:cNvPicPr>
+            <a:picLocks noChangeAspect="1"/>
+          </p:cNvPicPr>
+          <p:nvPr/>
+        </p:nvPicPr>
+        <p:blipFill>
+          <a:blip r:embed="rId2">
+            <a:extLst>
+              <a:ext uri="{BEBA8EAE-BF5A-486C-A8C5-ECC9F3942E4B}">
+                <a14:imgProps xmlns:a14="http://schemas.microsoft.com/office/drawing/2010/main">
+                  <a14:imgLayer r:embed="rId3">
+                    <a14:imgEffect>
+                      <a14:backgroundRemoval t="10000" b="90000" l="10000" r="90000">
+                        <a14:foregroundMark x1="41699" y1="29492" x2="43750" y2="29492"/>
+                        <a14:foregroundMark x1="50195" y1="79980" x2="42773" y2="77441"/>
+                        <a14:foregroundMark x1="42773" y1="77441" x2="39453" y2="71191"/>
+                        <a14:foregroundMark x1="39453" y1="71191" x2="43848" y2="62402"/>
+                        <a14:foregroundMark x1="41895" y1="27246" x2="41895" y2="27246"/>
+                        <a14:foregroundMark x1="58301" y1="73926" x2="58301" y2="73926"/>
+                        <a14:foregroundMark x1="56836" y1="72363" x2="58691" y2="72363"/>
+                      </a14:backgroundRemoval>
+                    </a14:imgEffect>
+                  </a14:imgLayer>
+                </a14:imgProps>
+              </a:ext>
+              <a:ext uri="{28A0092B-C50C-407E-A947-70E740481C1C}">
+                <a14:useLocalDpi xmlns:a14="http://schemas.microsoft.com/office/drawing/2010/main" val="0"/>
+              </a:ext>
+            </a:extLst>
+          </a:blip>
+          <a:stretch>
+            <a:fillRect/>
+          </a:stretch>
+        </p:blipFill>
+        <p:spPr>
+          <a:xfrm>
+            <a:off x="-1663700" y="-3664965"/>
+            <a:ext cx="2755900" cy="2755900"/>
+          </a:xfrm>
+          <a:prstGeom prst="rect">
+            <a:avLst/>
+          </a:prstGeom>
+        </p:spPr>
+      </p:pic>
+      <p:sp>
+        <p:nvSpPr>
+          <p:cNvPr id="10" name="Прямоугольник 9">
+            <a:extLst>
+              <a:ext uri="{FF2B5EF4-FFF2-40B4-BE49-F238E27FC236}">
+                <a16:creationId xmlns:a16="http://schemas.microsoft.com/office/drawing/2014/main" id="{586A6848-0FCB-4CA6-B19A-BA22253EB590}"/>
+              </a:ext>
+            </a:extLst>
+          </p:cNvPr>
+          <p:cNvSpPr/>
+          <p:nvPr/>
+        </p:nvSpPr>
+        <p:spPr>
+          <a:xfrm>
+            <a:off x="838200" y="457200"/>
+            <a:ext cx="10515600" cy="6400800"/>
+          </a:xfrm>
+          <a:prstGeom prst="rect">
+            <a:avLst/>
+          </a:prstGeom>
+          <a:solidFill>
+            <a:schemeClr val="tx1">
+              <a:lumMod val="85000"/>
+              <a:lumOff val="15000"/>
+            </a:schemeClr>
+          </a:solidFill>
+        </p:spPr>
+        <p:style>
+          <a:lnRef idx="2">
+            <a:schemeClr val="dk1">
+              <a:shade val="50000"/>
+            </a:schemeClr>
+          </a:lnRef>
+          <a:fillRef idx="1">
+            <a:schemeClr val="dk1"/>
+          </a:fillRef>
+          <a:effectRef idx="0">
+            <a:schemeClr val="dk1"/>
+          </a:effectRef>
+          <a:fontRef idx="minor">
+            <a:schemeClr val="lt1"/>
+          </a:fontRef>
+        </p:style>
+        <p:txBody>
+          <a:bodyPr rtlCol="0" anchor="ctr"/>
+          <a:lstStyle/>
+          <a:p>
+            <a:pPr algn="ctr"/>
+            <a:endParaRPr lang="ru-RU"/>
+          </a:p>
+        </p:txBody>
+      </p:sp>
+      <p:sp>
+        <p:nvSpPr>
+          <p:cNvPr id="11" name="Овал 10">
+            <a:extLst>
+              <a:ext uri="{FF2B5EF4-FFF2-40B4-BE49-F238E27FC236}">
+                <a16:creationId xmlns:a16="http://schemas.microsoft.com/office/drawing/2014/main" id="{16FFBBE9-807C-48FF-95A9-7803CFB0DE2D}"/>
+              </a:ext>
+            </a:extLst>
+          </p:cNvPr>
+          <p:cNvSpPr/>
+          <p:nvPr/>
+        </p:nvSpPr>
+        <p:spPr>
+          <a:xfrm>
+            <a:off x="1371600" y="751028"/>
+            <a:ext cx="2197100" cy="2106472"/>
+          </a:xfrm>
+          <a:prstGeom prst="ellipse">
+            <a:avLst/>
+          </a:prstGeom>
+          <a:solidFill>
+            <a:schemeClr val="bg2">
+              <a:lumMod val="25000"/>
+            </a:schemeClr>
+          </a:solidFill>
+          <a:ln>
+            <a:noFill/>
+          </a:ln>
+        </p:spPr>
+        <p:style>
+          <a:lnRef idx="2">
+            <a:schemeClr val="dk1">
+              <a:shade val="50000"/>
+            </a:schemeClr>
+          </a:lnRef>
+          <a:fillRef idx="1">
+            <a:schemeClr val="dk1"/>
+          </a:fillRef>
+          <a:effectRef idx="0">
+            <a:schemeClr val="dk1"/>
+          </a:effectRef>
+          <a:fontRef idx="minor">
+            <a:schemeClr val="lt1"/>
+          </a:fontRef>
+        </p:style>
+        <p:txBody>
+          <a:bodyPr rtlCol="0" anchor="ctr"/>
+          <a:lstStyle/>
+          <a:p>
+            <a:pPr algn="ctr"/>
+            <a:endParaRPr lang="ru-RU"/>
+          </a:p>
+        </p:txBody>
+      </p:sp>
+      <p:pic>
+        <p:nvPicPr>
+          <p:cNvPr id="12" name="Рисунок 11">
+            <a:extLst>
+              <a:ext uri="{FF2B5EF4-FFF2-40B4-BE49-F238E27FC236}">
+                <a16:creationId xmlns:a16="http://schemas.microsoft.com/office/drawing/2014/main" id="{7AD2C615-B360-421A-BDB7-58D0177BF252}"/>
+              </a:ext>
+            </a:extLst>
+          </p:cNvPr>
+          <p:cNvPicPr>
+            <a:picLocks noChangeAspect="1"/>
+          </p:cNvPicPr>
+          <p:nvPr/>
+        </p:nvPicPr>
+        <p:blipFill>
+          <a:blip r:embed="rId2">
+            <a:extLst>
+              <a:ext uri="{BEBA8EAE-BF5A-486C-A8C5-ECC9F3942E4B}">
+                <a14:imgProps xmlns:a14="http://schemas.microsoft.com/office/drawing/2010/main">
+                  <a14:imgLayer r:embed="rId3">
+                    <a14:imgEffect>
+                      <a14:backgroundRemoval t="10000" b="90000" l="10000" r="90000">
+                        <a14:foregroundMark x1="41699" y1="29492" x2="43750" y2="29492"/>
+                        <a14:foregroundMark x1="50195" y1="79980" x2="42773" y2="77441"/>
+                        <a14:foregroundMark x1="42773" y1="77441" x2="39453" y2="71191"/>
+                        <a14:foregroundMark x1="39453" y1="71191" x2="43848" y2="62402"/>
+                        <a14:foregroundMark x1="41895" y1="27246" x2="41895" y2="27246"/>
+                        <a14:foregroundMark x1="58301" y1="73926" x2="58301" y2="73926"/>
+                        <a14:foregroundMark x1="56836" y1="72363" x2="58691" y2="72363"/>
+                      </a14:backgroundRemoval>
+                    </a14:imgEffect>
+                  </a14:imgLayer>
+                </a14:imgProps>
+              </a:ext>
+              <a:ext uri="{28A0092B-C50C-407E-A947-70E740481C1C}">
+                <a14:useLocalDpi xmlns:a14="http://schemas.microsoft.com/office/drawing/2010/main" val="0"/>
+              </a:ext>
+            </a:extLst>
+          </a:blip>
+          <a:stretch>
+            <a:fillRect/>
+          </a:stretch>
+        </p:blipFill>
+        <p:spPr>
+          <a:xfrm>
+            <a:off x="1092200" y="426314"/>
+            <a:ext cx="2755900" cy="2755900"/>
+          </a:xfrm>
+          <a:prstGeom prst="rect">
+            <a:avLst/>
+          </a:prstGeom>
+        </p:spPr>
+      </p:pic>
+      <p:sp>
+        <p:nvSpPr>
+          <p:cNvPr id="13" name="TextBox 12">
+            <a:extLst>
+              <a:ext uri="{FF2B5EF4-FFF2-40B4-BE49-F238E27FC236}">
+                <a16:creationId xmlns:a16="http://schemas.microsoft.com/office/drawing/2014/main" id="{3A990232-1BF6-4C37-8364-A2DDD350F31E}"/>
+              </a:ext>
+            </a:extLst>
+          </p:cNvPr>
+          <p:cNvSpPr txBox="1"/>
+          <p:nvPr/>
+        </p:nvSpPr>
+        <p:spPr>
+          <a:xfrm>
+            <a:off x="4127500" y="751028"/>
+            <a:ext cx="6667500" cy="1354217"/>
+          </a:xfrm>
+          <a:prstGeom prst="rect">
+            <a:avLst/>
+          </a:prstGeom>
+          <a:noFill/>
+        </p:spPr>
+        <p:txBody>
+          <a:bodyPr wrap="square" rtlCol="0">
+            <a:spAutoFit/>
+          </a:bodyPr>
+          <a:lstStyle/>
+          <a:p>
+            <a:r>
+              <a:rPr lang="ru-RU" sz="3200" b="1" dirty="0">
+                <a:solidFill>
+                  <a:schemeClr val="bg1"/>
+                </a:solidFill>
+                <a:latin typeface="Arial Black" panose="020B0A04020102020204" pitchFamily="34" charset="0"/>
+              </a:rPr>
+              <a:t>Язык Программирования </a:t>
+            </a:r>
+            <a:r>
+              <a:rPr lang="ru-RU" sz="3200" b="1" dirty="0" err="1">
+                <a:solidFill>
+                  <a:schemeClr val="bg1"/>
+                </a:solidFill>
+                <a:latin typeface="Arial Black" panose="020B0A04020102020204" pitchFamily="34" charset="0"/>
+              </a:rPr>
+              <a:t>Python</a:t>
+            </a:r>
+            <a:endParaRPr lang="ru-RU" sz="3200" dirty="0">
+              <a:solidFill>
+                <a:schemeClr val="bg1"/>
+              </a:solidFill>
+              <a:latin typeface="Arial Black" panose="020B0A04020102020204" pitchFamily="34" charset="0"/>
+            </a:endParaRPr>
+          </a:p>
+          <a:p>
+            <a:endParaRPr lang="ru-RU" dirty="0"/>
+          </a:p>
+        </p:txBody>
+      </p:sp>
+      <p:sp>
+        <p:nvSpPr>
+          <p:cNvPr id="15" name="Прямоугольник 14">
+            <a:extLst>
+              <a:ext uri="{FF2B5EF4-FFF2-40B4-BE49-F238E27FC236}">
+                <a16:creationId xmlns:a16="http://schemas.microsoft.com/office/drawing/2014/main" id="{A58DE400-D9DA-4396-9458-7FB7E6F0E065}"/>
+              </a:ext>
+            </a:extLst>
+          </p:cNvPr>
+          <p:cNvSpPr/>
+          <p:nvPr/>
+        </p:nvSpPr>
+        <p:spPr>
+          <a:xfrm>
+            <a:off x="1676400" y="2983041"/>
+            <a:ext cx="9423400" cy="3539430"/>
+          </a:xfrm>
+          <a:prstGeom prst="rect">
+            <a:avLst/>
+          </a:prstGeom>
+        </p:spPr>
+        <p:txBody>
+          <a:bodyPr wrap="square">
+            <a:spAutoFit/>
+          </a:bodyPr>
+          <a:lstStyle/>
+          <a:p>
+            <a:r>
+              <a:rPr lang="ru-RU" sz="3200" dirty="0" err="1">
+                <a:solidFill>
+                  <a:schemeClr val="bg1"/>
+                </a:solidFill>
+                <a:latin typeface="Bahnschrift Condensed" panose="020B0502040204020203" pitchFamily="34" charset="0"/>
                 <a:ea typeface="Times New Roman" panose="02020603050405020304" pitchFamily="18" charset="0"/>
               </a:rPr>
-              <a:t>Windows</a:t>
-            </a:r>
-            <a:r>
-              <a:rPr lang="ru-RU" dirty="0">
-                <a:latin typeface="Times New Roman" panose="02020603050405020304" pitchFamily="18" charset="0"/>
+              <a:t>Python</a:t>
+            </a:r>
+            <a:r>
+              <a:rPr lang="ru-RU" sz="3200" dirty="0">
+                <a:solidFill>
+                  <a:schemeClr val="bg1"/>
+                </a:solidFill>
+                <a:latin typeface="Bahnschrift Condensed" panose="020B0502040204020203" pitchFamily="34" charset="0"/>
                 <a:ea typeface="Times New Roman" panose="02020603050405020304" pitchFamily="18" charset="0"/>
               </a:rPr>
-              <a:t> для написания, тестирования создания структуры проекта</a:t>
-            </a:r>
-          </a:p>
-          <a:p>
-            <a:pPr marL="342900" lvl="0" indent="-342900">
-              <a:lnSpc>
-                <a:spcPct val="115000"/>
-              </a:lnSpc>
-              <a:spcAft>
-                <a:spcPts val="0"/>
-              </a:spcAft>
-              <a:buFont typeface="+mj-lt"/>
-              <a:buAutoNum type="arabicPeriod"/>
-            </a:pPr>
-            <a:r>
-              <a:rPr lang="ru-RU" dirty="0">
-                <a:latin typeface="Times New Roman" panose="02020603050405020304" pitchFamily="18" charset="0"/>
+              <a:t> — это язык программирования, который широко используется в интернет-приложениях, разработке программного обеспечения, науке о данных и машинном обучении (ML). Разработчики используют </a:t>
+            </a:r>
+            <a:r>
+              <a:rPr lang="ru-RU" sz="3200" dirty="0" err="1">
+                <a:solidFill>
+                  <a:schemeClr val="bg1"/>
+                </a:solidFill>
+                <a:latin typeface="Bahnschrift Condensed" panose="020B0502040204020203" pitchFamily="34" charset="0"/>
                 <a:ea typeface="Times New Roman" panose="02020603050405020304" pitchFamily="18" charset="0"/>
               </a:rPr>
-              <a:t>Интернет браузер </a:t>
-            </a:r>
-            <a:r>
-              <a:rPr lang="ru-RU" dirty="0" err="1">
-                <a:latin typeface="Times New Roman" panose="02020603050405020304" pitchFamily="18" charset="0"/>
+              <a:t>Python</a:t>
+            </a:r>
+            <a:r>
+              <a:rPr lang="ru-RU" sz="3200" dirty="0">
+                <a:solidFill>
+                  <a:schemeClr val="bg1"/>
+                </a:solidFill>
+                <a:latin typeface="Bahnschrift Condensed" panose="020B0502040204020203" pitchFamily="34" charset="0"/>
                 <a:ea typeface="Times New Roman" panose="02020603050405020304" pitchFamily="18" charset="0"/>
               </a:rPr>
-              <a:t>Mozilla</a:t>
-            </a:r>
-            <a:r>
-              <a:rPr lang="ru-RU" dirty="0">
-                <a:latin typeface="Times New Roman" panose="02020603050405020304" pitchFamily="18" charset="0"/>
+              <a:t>, потому что он эффективен, прост в изучении и работает на разных платформах. Программы на языке </a:t>
+            </a:r>
+            <a:r>
+              <a:rPr lang="ru-RU" sz="3200" dirty="0" err="1">
+                <a:solidFill>
+                  <a:schemeClr val="bg1"/>
+                </a:solidFill>
+                <a:latin typeface="Bahnschrift Condensed" panose="020B0502040204020203" pitchFamily="34" charset="0"/>
                 <a:ea typeface="Times New Roman" panose="02020603050405020304" pitchFamily="18" charset="0"/>
               </a:rPr>
-              <a:t> </a:t>
-            </a:r>
-            <a:r>
-              <a:rPr lang="ru-RU" dirty="0" err="1">
-                <a:latin typeface="Times New Roman" panose="02020603050405020304" pitchFamily="18" charset="0"/>
+              <a:t>Python</a:t>
+            </a:r>
+            <a:r>
+              <a:rPr lang="ru-RU" sz="3200" dirty="0">
+                <a:solidFill>
+                  <a:schemeClr val="bg1"/>
+                </a:solidFill>
+                <a:latin typeface="Bahnschrift Condensed" panose="020B0502040204020203" pitchFamily="34" charset="0"/>
                 <a:ea typeface="Times New Roman" panose="02020603050405020304" pitchFamily="18" charset="0"/>
               </a:rPr>
-              <a:t>Firefox</a:t>
-            </a:r>
-            <a:r>
-              <a:rPr lang="ru-RU" dirty="0">
-                <a:latin typeface="Times New Roman" panose="02020603050405020304" pitchFamily="18" charset="0"/>
+              <a:t> можно скачать бесплатно, они совместимы со всеми типами систем и повышают скорость разработки</a:t>
+            </a:r>
+            <a:r>
+              <a:rPr lang="ru-RU" sz="3200" dirty="0">
+                <a:latin typeface="Bahnschrift Condensed" panose="020B0502040204020203" pitchFamily="34" charset="0"/>
                 <a:ea typeface="Times New Roman" panose="02020603050405020304" pitchFamily="18" charset="0"/>
               </a:rPr>
-              <a:t> и </a:t>
-            </a:r>
-            <a:r>
-              <a:rPr lang="ru-RU" dirty="0" err="1">
-                <a:latin typeface="Times New Roman" panose="02020603050405020304" pitchFamily="18" charset="0"/>
-                <a:ea typeface="Times New Roman" panose="02020603050405020304" pitchFamily="18" charset="0"/>
-              </a:rPr>
-              <a:t>Geckodrive</a:t>
-            </a:r>
-            <a:r>
-              <a:rPr lang="ru-RU" dirty="0">
-                <a:latin typeface="Times New Roman" panose="02020603050405020304" pitchFamily="18" charset="0"/>
-                <a:ea typeface="Times New Roman" panose="02020603050405020304" pitchFamily="18" charset="0"/>
-              </a:rPr>
-              <a:t> для взаимодействия с языком программирования </a:t>
-            </a:r>
-            <a:r>
-              <a:rPr lang="ru-RU" dirty="0" err="1">
-                <a:latin typeface="Times New Roman" panose="02020603050405020304" pitchFamily="18" charset="0"/>
-                <a:ea typeface="Times New Roman" panose="02020603050405020304" pitchFamily="18" charset="0"/>
-              </a:rPr>
-              <a:t>Python</a:t>
-            </a:r>
-            <a:endParaRPr lang="ru-RU" dirty="0">
-              <a:latin typeface="Times New Roman" panose="02020603050405020304" pitchFamily="18" charset="0"/>
-              <a:ea typeface="Times New Roman" panose="02020603050405020304" pitchFamily="18" charset="0"/>
-            </a:endParaRPr>
-          </a:p>
-          <a:p>
-            <a:pPr marL="342900" lvl="0" indent="-342900">
-              <a:lnSpc>
-                <a:spcPct val="115000"/>
-              </a:lnSpc>
-              <a:spcAft>
-                <a:spcPts val="0"/>
-              </a:spcAft>
-              <a:buFont typeface="+mj-lt"/>
-              <a:buAutoNum type="arabicPeriod"/>
-            </a:pPr>
-            <a:r>
-              <a:rPr lang="ru-RU" dirty="0">
-                <a:latin typeface="Times New Roman" panose="02020603050405020304" pitchFamily="18" charset="0"/>
-                <a:ea typeface="Times New Roman" panose="02020603050405020304" pitchFamily="18" charset="0"/>
-              </a:rPr>
-              <a:t>Интегрированная среда разработки </a:t>
-            </a:r>
-            <a:r>
-              <a:rPr lang="ru-RU" dirty="0" err="1">
-                <a:latin typeface="Times New Roman" panose="02020603050405020304" pitchFamily="18" charset="0"/>
-                <a:ea typeface="Times New Roman" panose="02020603050405020304" pitchFamily="18" charset="0"/>
-              </a:rPr>
-              <a:t>Visual</a:t>
-            </a:r>
-            <a:r>
-              <a:rPr lang="ru-RU" dirty="0">
-                <a:latin typeface="Times New Roman" panose="02020603050405020304" pitchFamily="18" charset="0"/>
-                <a:ea typeface="Times New Roman" panose="02020603050405020304" pitchFamily="18" charset="0"/>
-              </a:rPr>
-              <a:t> </a:t>
-            </a:r>
-            <a:r>
-              <a:rPr lang="ru-RU" dirty="0" err="1">
-                <a:latin typeface="Times New Roman" panose="02020603050405020304" pitchFamily="18" charset="0"/>
-                <a:ea typeface="Times New Roman" panose="02020603050405020304" pitchFamily="18" charset="0"/>
-              </a:rPr>
-              <a:t>Studio</a:t>
-            </a:r>
-            <a:r>
-              <a:rPr lang="ru-RU" dirty="0">
-                <a:latin typeface="Times New Roman" panose="02020603050405020304" pitchFamily="18" charset="0"/>
-                <a:ea typeface="Times New Roman" panose="02020603050405020304" pitchFamily="18" charset="0"/>
-              </a:rPr>
-              <a:t> </a:t>
-            </a:r>
-            <a:r>
-              <a:rPr lang="ru-RU" dirty="0" err="1">
-                <a:latin typeface="Times New Roman" panose="02020603050405020304" pitchFamily="18" charset="0"/>
-                <a:ea typeface="Times New Roman" panose="02020603050405020304" pitchFamily="18" charset="0"/>
-              </a:rPr>
-              <a:t>Code</a:t>
-            </a:r>
-            <a:endParaRPr lang="ru-RU" dirty="0">
-              <a:latin typeface="Times New Roman" panose="02020603050405020304" pitchFamily="18" charset="0"/>
-              <a:ea typeface="Times New Roman" panose="02020603050405020304" pitchFamily="18" charset="0"/>
-            </a:endParaRPr>
-          </a:p>
-          <a:p>
-            <a:pPr marL="342900" lvl="0" indent="-342900">
-              <a:lnSpc>
-                <a:spcPct val="115000"/>
-              </a:lnSpc>
-              <a:spcAft>
-                <a:spcPts val="0"/>
-              </a:spcAft>
-              <a:buFont typeface="+mj-lt"/>
-              <a:buAutoNum type="arabicPeriod"/>
-            </a:pPr>
-            <a:r>
-              <a:rPr lang="ru-RU" dirty="0" err="1">
-                <a:latin typeface="Times New Roman" panose="02020603050405020304" pitchFamily="18" charset="0"/>
-                <a:ea typeface="Times New Roman" panose="02020603050405020304" pitchFamily="18" charset="0"/>
-              </a:rPr>
-              <a:t>Telegram</a:t>
-            </a:r>
-            <a:r>
-              <a:rPr lang="ru-RU" dirty="0">
-                <a:latin typeface="Times New Roman" panose="02020603050405020304" pitchFamily="18" charset="0"/>
-                <a:ea typeface="Times New Roman" panose="02020603050405020304" pitchFamily="18" charset="0"/>
-              </a:rPr>
-              <a:t> API. </a:t>
-            </a:r>
-          </a:p>
-          <a:p>
-            <a:pPr marL="342900" lvl="0" indent="-342900">
-              <a:lnSpc>
-                <a:spcPct val="115000"/>
-              </a:lnSpc>
-              <a:spcAft>
-                <a:spcPts val="0"/>
-              </a:spcAft>
-              <a:buFont typeface="+mj-lt"/>
-              <a:buAutoNum type="arabicPeriod"/>
-            </a:pPr>
-            <a:r>
-              <a:rPr lang="ru-RU" dirty="0">
-                <a:latin typeface="Times New Roman" panose="02020603050405020304" pitchFamily="18" charset="0"/>
-                <a:ea typeface="Times New Roman" panose="02020603050405020304" pitchFamily="18" charset="0"/>
-              </a:rPr>
-              <a:t>Свой опыт и знания в области программирования на </a:t>
-            </a:r>
-            <a:r>
-              <a:rPr lang="ru-RU" dirty="0" err="1">
-                <a:latin typeface="Times New Roman" panose="02020603050405020304" pitchFamily="18" charset="0"/>
-                <a:ea typeface="Times New Roman" panose="02020603050405020304" pitchFamily="18" charset="0"/>
-              </a:rPr>
-              <a:t>Python</a:t>
-            </a:r>
-            <a:endParaRPr lang="ru-RU" dirty="0">
-              <a:latin typeface="Times New Roman" panose="02020603050405020304" pitchFamily="18" charset="0"/>
-              <a:ea typeface="Times New Roman" panose="02020603050405020304" pitchFamily="18" charset="0"/>
+              <a:t>.</a:t>
+            </a:r>
+            <a:endParaRPr lang="ru-RU" sz="3200" dirty="0">
+              <a:latin typeface="Bahnschrift Condensed" panose="020B0502040204020203" pitchFamily="34" charset="0"/>
             </a:endParaRPr>
           </a:p>
         </p:txBody>
@@ -4729,7 +7960,7 @@
     </p:spTree>
     <p:extLst>
       <p:ext uri="{BB962C8B-B14F-4D97-AF65-F5344CB8AC3E}">
-        <p14:creationId xmlns:p14="http://schemas.microsoft.com/office/powerpoint/2010/main" val="681535395"/>
+        <p14:creationId xmlns:p14="http://schemas.microsoft.com/office/powerpoint/2010/main" val="1410870288"/>
       </p:ext>
     </p:extLst>
   </p:cSld>
@@ -4742,6 +7973,22 @@
 <file path=ppt/slides/slide6.xml><?xml version="1.0" encoding="utf-8"?>
 <p:sld xmlns:a="http://schemas.openxmlformats.org/drawingml/2006/main" xmlns:r="http://schemas.openxmlformats.org/officeDocument/2006/relationships" xmlns:p="http://schemas.openxmlformats.org/presentationml/2006/main">
   <p:cSld>
+    <p:bg>
+      <p:bgPr>
+        <a:gradFill>
+          <a:gsLst>
+            <a:gs pos="2000">
+              <a:schemeClr val="accent6"/>
+            </a:gs>
+            <a:gs pos="100000">
+              <a:schemeClr val="accent1"/>
+            </a:gs>
+          </a:gsLst>
+          <a:lin ang="13500000" scaled="1"/>
+        </a:gradFill>
+        <a:effectLst/>
+      </p:bgPr>
+    </p:bg>
     <p:spTree>
       <p:nvGrpSpPr>
         <p:cNvPr id="1" name=""/>
@@ -4758,10 +8005,152 @@
       </p:grpSpPr>
       <p:sp>
         <p:nvSpPr>
-          <p:cNvPr id="2" name="TextBox 1">
-            <a:extLst>
-              <a:ext uri="{FF2B5EF4-FFF2-40B4-BE49-F238E27FC236}">
-                <a16:creationId xmlns:a16="http://schemas.microsoft.com/office/drawing/2014/main" id="{E062C4C2-EEC4-4C90-A20A-15219AAC8354}"/>
+          <p:cNvPr id="16" name="Прямоугольник 15">
+            <a:extLst>
+              <a:ext uri="{FF2B5EF4-FFF2-40B4-BE49-F238E27FC236}">
+                <a16:creationId xmlns:a16="http://schemas.microsoft.com/office/drawing/2014/main" id="{5C6805C1-2B4F-42C7-B174-23EF273CB62A}"/>
+              </a:ext>
+            </a:extLst>
+          </p:cNvPr>
+          <p:cNvSpPr/>
+          <p:nvPr/>
+        </p:nvSpPr>
+        <p:spPr>
+          <a:xfrm>
+            <a:off x="400050" y="476198"/>
+            <a:ext cx="11353800" cy="6000802"/>
+          </a:xfrm>
+          <a:prstGeom prst="rect">
+            <a:avLst/>
+          </a:prstGeom>
+        </p:spPr>
+        <p:style>
+          <a:lnRef idx="2">
+            <a:schemeClr val="dk1">
+              <a:shade val="50000"/>
+            </a:schemeClr>
+          </a:lnRef>
+          <a:fillRef idx="1">
+            <a:schemeClr val="dk1"/>
+          </a:fillRef>
+          <a:effectRef idx="0">
+            <a:schemeClr val="dk1"/>
+          </a:effectRef>
+          <a:fontRef idx="minor">
+            <a:schemeClr val="lt1"/>
+          </a:fontRef>
+        </p:style>
+        <p:txBody>
+          <a:bodyPr rtlCol="0" anchor="ctr"/>
+          <a:lstStyle/>
+          <a:p>
+            <a:pPr algn="ctr"/>
+            <a:endParaRPr lang="ru-RU"/>
+          </a:p>
+        </p:txBody>
+      </p:sp>
+      <p:sp>
+        <p:nvSpPr>
+          <p:cNvPr id="17" name="Прямоугольник 16">
+            <a:extLst>
+              <a:ext uri="{FF2B5EF4-FFF2-40B4-BE49-F238E27FC236}">
+                <a16:creationId xmlns:a16="http://schemas.microsoft.com/office/drawing/2014/main" id="{615ED69C-3739-44D3-BC14-613ABBE4D573}"/>
+              </a:ext>
+            </a:extLst>
+          </p:cNvPr>
+          <p:cNvSpPr/>
+          <p:nvPr/>
+        </p:nvSpPr>
+        <p:spPr>
+          <a:xfrm>
+            <a:off x="776127" y="700484"/>
+            <a:ext cx="10639746" cy="609975"/>
+          </a:xfrm>
+          <a:prstGeom prst="rect">
+            <a:avLst/>
+          </a:prstGeom>
+        </p:spPr>
+        <p:txBody>
+          <a:bodyPr wrap="square">
+            <a:spAutoFit/>
+          </a:bodyPr>
+          <a:lstStyle/>
+          <a:p>
+            <a:pPr>
+              <a:lnSpc>
+                <a:spcPct val="115000"/>
+              </a:lnSpc>
+              <a:spcAft>
+                <a:spcPts val="0"/>
+              </a:spcAft>
+            </a:pPr>
+            <a:r>
+              <a:rPr lang="ru-RU" sz="3200" b="1" dirty="0">
+                <a:solidFill>
+                  <a:schemeClr val="bg1"/>
+                </a:solidFill>
+                <a:latin typeface="Segoe UI Black" panose="020B0A02040204020203" pitchFamily="34" charset="0"/>
+                <a:ea typeface="Segoe UI Black" panose="020B0A02040204020203" pitchFamily="34" charset="0"/>
+              </a:rPr>
+              <a:t>Объектно-ориентированное программирование </a:t>
+            </a:r>
+          </a:p>
+        </p:txBody>
+      </p:sp>
+      <p:sp>
+        <p:nvSpPr>
+          <p:cNvPr id="18" name="Прямоугольник 17">
+            <a:extLst>
+              <a:ext uri="{FF2B5EF4-FFF2-40B4-BE49-F238E27FC236}">
+                <a16:creationId xmlns:a16="http://schemas.microsoft.com/office/drawing/2014/main" id="{0CBAD66E-E62D-4F15-9A0A-ECE36F09B6EB}"/>
+              </a:ext>
+            </a:extLst>
+          </p:cNvPr>
+          <p:cNvSpPr/>
+          <p:nvPr/>
+        </p:nvSpPr>
+        <p:spPr>
+          <a:xfrm>
+            <a:off x="1209739" y="2319694"/>
+            <a:ext cx="4867211" cy="3019451"/>
+          </a:xfrm>
+          <a:prstGeom prst="rect">
+            <a:avLst/>
+          </a:prstGeom>
+        </p:spPr>
+        <p:txBody>
+          <a:bodyPr wrap="square">
+            <a:spAutoFit/>
+          </a:bodyPr>
+          <a:lstStyle/>
+          <a:p>
+            <a:pPr>
+              <a:lnSpc>
+                <a:spcPct val="115000"/>
+              </a:lnSpc>
+              <a:spcAft>
+                <a:spcPts val="0"/>
+              </a:spcAft>
+            </a:pPr>
+            <a:r>
+              <a:rPr lang="ru-RU" dirty="0">
+                <a:solidFill>
+                  <a:schemeClr val="bg1"/>
+                </a:solidFill>
+                <a:latin typeface="Segoe UI Black" panose="020B0A02040204020203" pitchFamily="34" charset="0"/>
+                <a:ea typeface="Segoe UI Black" panose="020B0A02040204020203" pitchFamily="34" charset="0"/>
+              </a:rPr>
+              <a:t>Объектно-ориентированное программирование (ООП) — это подход, при котором программа рассматривается как набор объектов, взаимодействующих друг с другом. У каждого есть свойства и поведение. Если постараться объяснить простыми словами, то ООП ускоряет написание кода и делает его более читаемым.</a:t>
+            </a:r>
+          </a:p>
+        </p:txBody>
+      </p:sp>
+      <p:sp>
+        <p:nvSpPr>
+          <p:cNvPr id="19" name="TextBox 18">
+            <a:extLst>
+              <a:ext uri="{FF2B5EF4-FFF2-40B4-BE49-F238E27FC236}">
+                <a16:creationId xmlns:a16="http://schemas.microsoft.com/office/drawing/2014/main" id="{92A72212-66E2-4FAE-8181-D5CE6E0237F9}"/>
               </a:ext>
             </a:extLst>
           </p:cNvPr>
@@ -4770,8 +8159,8 @@
         </p:nvSpPr>
         <p:spPr>
           <a:xfrm>
-            <a:off x="304800" y="371476"/>
-            <a:ext cx="2781300" cy="1200329"/>
+            <a:off x="6548663" y="2319694"/>
+            <a:ext cx="4867210" cy="3139321"/>
           </a:xfrm>
           <a:prstGeom prst="rect">
             <a:avLst/>
@@ -4785,20 +8174,15 @@
           <a:lstStyle/>
           <a:p>
             <a:r>
-              <a:rPr lang="ru-RU" b="1" dirty="0">
-                <a:latin typeface="Arial Black" panose="020B0A04020102020204" pitchFamily="34" charset="0"/>
-              </a:rPr>
-              <a:t>Язык Программирования </a:t>
-            </a:r>
-            <a:r>
-              <a:rPr lang="ru-RU" b="1" dirty="0" err="1">
-                <a:latin typeface="Arial Black" panose="020B0A04020102020204" pitchFamily="34" charset="0"/>
-              </a:rPr>
-              <a:t>Python</a:t>
-            </a:r>
-            <a:endParaRPr lang="ru-RU" dirty="0">
-              <a:latin typeface="Arial Black" panose="020B0A04020102020204" pitchFamily="34" charset="0"/>
-            </a:endParaRPr>
+              <a:rPr lang="ru-RU" dirty="0">
+                <a:solidFill>
+                  <a:schemeClr val="bg1"/>
+                </a:solidFill>
+                <a:latin typeface="Segoe UI Black" panose="020B0A02040204020203" pitchFamily="34" charset="0"/>
+                <a:ea typeface="Segoe UI Black" panose="020B0A02040204020203" pitchFamily="34" charset="0"/>
+              </a:rPr>
+              <a:t>Идеология объектно-ориентированного программирования (ООП) разрабатывалась, чтобы связать поведение определенного объекта с его классом. Людям проще воспринимать окружающий мир как объекты, которые поддаются определенной классификации (например, разделение на живую и неживую природу).</a:t>
+            </a:r>
           </a:p>
           <a:p>
             <a:endParaRPr lang="ru-RU" dirty="0"/>
@@ -4807,10 +8191,10 @@
       </p:sp>
       <p:sp>
         <p:nvSpPr>
-          <p:cNvPr id="3" name="Прямоугольник 2">
-            <a:extLst>
-              <a:ext uri="{FF2B5EF4-FFF2-40B4-BE49-F238E27FC236}">
-                <a16:creationId xmlns:a16="http://schemas.microsoft.com/office/drawing/2014/main" id="{B7D0D12F-2421-48A1-98CC-16BBD1D8F03C}"/>
+          <p:cNvPr id="20" name="Прямоугольник 19">
+            <a:extLst>
+              <a:ext uri="{FF2B5EF4-FFF2-40B4-BE49-F238E27FC236}">
+                <a16:creationId xmlns:a16="http://schemas.microsoft.com/office/drawing/2014/main" id="{E0BFE76D-0B62-49D4-88D4-07D90E04DB67}"/>
               </a:ext>
             </a:extLst>
           </p:cNvPr>
@@ -4819,69 +8203,100 @@
         </p:nvSpPr>
         <p:spPr>
           <a:xfrm>
-            <a:off x="3086100" y="2378155"/>
-            <a:ext cx="7553325" cy="1754326"/>
-          </a:xfrm>
-          <a:prstGeom prst="rect">
-            <a:avLst/>
-          </a:prstGeom>
-        </p:spPr>
-        <p:txBody>
-          <a:bodyPr wrap="square">
-            <a:spAutoFit/>
-          </a:bodyPr>
-          <a:lstStyle/>
-          <a:p>
-            <a:r>
-              <a:rPr lang="ru-RU" dirty="0" err="1">
-                <a:latin typeface="Times New Roman" panose="02020603050405020304" pitchFamily="18" charset="0"/>
-                <a:ea typeface="Times New Roman" panose="02020603050405020304" pitchFamily="18" charset="0"/>
-              </a:rPr>
-              <a:t>Python</a:t>
-            </a:r>
-            <a:r>
-              <a:rPr lang="ru-RU" dirty="0">
-                <a:latin typeface="Times New Roman" panose="02020603050405020304" pitchFamily="18" charset="0"/>
-                <a:ea typeface="Times New Roman" panose="02020603050405020304" pitchFamily="18" charset="0"/>
-              </a:rPr>
-              <a:t> — это язык программирования, который широко используется в интернет-приложениях, разработке программного обеспечения, науке о данных и машинном обучении (ML). Разработчики используют </a:t>
-            </a:r>
-            <a:r>
-              <a:rPr lang="ru-RU" dirty="0" err="1">
-                <a:latin typeface="Times New Roman" panose="02020603050405020304" pitchFamily="18" charset="0"/>
-                <a:ea typeface="Times New Roman" panose="02020603050405020304" pitchFamily="18" charset="0"/>
-              </a:rPr>
-              <a:t>Python</a:t>
-            </a:r>
-            <a:r>
-              <a:rPr lang="ru-RU" dirty="0">
-                <a:latin typeface="Times New Roman" panose="02020603050405020304" pitchFamily="18" charset="0"/>
-                <a:ea typeface="Times New Roman" panose="02020603050405020304" pitchFamily="18" charset="0"/>
-              </a:rPr>
-              <a:t>, потому что он эффективен, прост в изучении и работает на разных платформах. Программы на языке </a:t>
-            </a:r>
-            <a:r>
-              <a:rPr lang="ru-RU" dirty="0" err="1">
-                <a:latin typeface="Times New Roman" panose="02020603050405020304" pitchFamily="18" charset="0"/>
-                <a:ea typeface="Times New Roman" panose="02020603050405020304" pitchFamily="18" charset="0"/>
-              </a:rPr>
-              <a:t>Python</a:t>
-            </a:r>
-            <a:r>
-              <a:rPr lang="ru-RU" dirty="0">
-                <a:latin typeface="Times New Roman" panose="02020603050405020304" pitchFamily="18" charset="0"/>
-                <a:ea typeface="Times New Roman" panose="02020603050405020304" pitchFamily="18" charset="0"/>
-              </a:rPr>
-              <a:t> можно скачать бесплатно, они совместимы со всеми типами систем и повышают скорость разработки.</a:t>
-            </a:r>
-            <a:endParaRPr lang="ru-RU" dirty="0"/>
+            <a:off x="6502944" y="2319694"/>
+            <a:ext cx="45719" cy="2795231"/>
+          </a:xfrm>
+          <a:prstGeom prst="rect">
+            <a:avLst/>
+          </a:prstGeom>
+          <a:solidFill>
+            <a:schemeClr val="bg1"/>
+          </a:solidFill>
+          <a:ln>
+            <a:noFill/>
+          </a:ln>
+        </p:spPr>
+        <p:style>
+          <a:lnRef idx="2">
+            <a:schemeClr val="accent1">
+              <a:shade val="50000"/>
+            </a:schemeClr>
+          </a:lnRef>
+          <a:fillRef idx="1">
+            <a:schemeClr val="accent1"/>
+          </a:fillRef>
+          <a:effectRef idx="0">
+            <a:schemeClr val="accent1"/>
+          </a:effectRef>
+          <a:fontRef idx="minor">
+            <a:schemeClr val="lt1"/>
+          </a:fontRef>
+        </p:style>
+        <p:txBody>
+          <a:bodyPr rtlCol="0" anchor="ctr"/>
+          <a:lstStyle/>
+          <a:p>
+            <a:pPr algn="ctr"/>
+            <a:endParaRPr lang="ru-RU"/>
+          </a:p>
+        </p:txBody>
+      </p:sp>
+      <p:sp>
+        <p:nvSpPr>
+          <p:cNvPr id="21" name="Прямоугольник 20">
+            <a:extLst>
+              <a:ext uri="{FF2B5EF4-FFF2-40B4-BE49-F238E27FC236}">
+                <a16:creationId xmlns:a16="http://schemas.microsoft.com/office/drawing/2014/main" id="{565468E9-6B08-49FB-AD65-B26FF382A193}"/>
+              </a:ext>
+            </a:extLst>
+          </p:cNvPr>
+          <p:cNvSpPr/>
+          <p:nvPr/>
+        </p:nvSpPr>
+        <p:spPr>
+          <a:xfrm flipH="1">
+            <a:off x="1178511" y="2409825"/>
+            <a:ext cx="45719" cy="2705100"/>
+          </a:xfrm>
+          <a:prstGeom prst="rect">
+            <a:avLst/>
+          </a:prstGeom>
+          <a:solidFill>
+            <a:schemeClr val="bg1"/>
+          </a:solidFill>
+          <a:ln>
+            <a:noFill/>
+          </a:ln>
+        </p:spPr>
+        <p:style>
+          <a:lnRef idx="2">
+            <a:schemeClr val="accent1">
+              <a:shade val="50000"/>
+            </a:schemeClr>
+          </a:lnRef>
+          <a:fillRef idx="1">
+            <a:schemeClr val="accent1"/>
+          </a:fillRef>
+          <a:effectRef idx="0">
+            <a:schemeClr val="accent1"/>
+          </a:effectRef>
+          <a:fontRef idx="minor">
+            <a:schemeClr val="lt1"/>
+          </a:fontRef>
+        </p:style>
+        <p:txBody>
+          <a:bodyPr rtlCol="0" anchor="ctr"/>
+          <a:lstStyle/>
+          <a:p>
+            <a:pPr algn="ctr"/>
+            <a:endParaRPr lang="ru-RU"/>
           </a:p>
         </p:txBody>
       </p:sp>
     </p:spTree>
     <p:extLst>
       <p:ext uri="{BB962C8B-B14F-4D97-AF65-F5344CB8AC3E}">
-        <p14:creationId xmlns:p14="http://schemas.microsoft.com/office/powerpoint/2010/main" val="1410870288"/>
+        <p14:creationId xmlns:p14="http://schemas.microsoft.com/office/powerpoint/2010/main" val="1886733864"/>
       </p:ext>
     </p:extLst>
   </p:cSld>
@@ -4894,6 +8309,22 @@
 <file path=ppt/slides/slide7.xml><?xml version="1.0" encoding="utf-8"?>
 <p:sld xmlns:a="http://schemas.openxmlformats.org/drawingml/2006/main" xmlns:r="http://schemas.openxmlformats.org/officeDocument/2006/relationships" xmlns:p="http://schemas.openxmlformats.org/presentationml/2006/main">
   <p:cSld>
+    <p:bg>
+      <p:bgPr>
+        <a:gradFill>
+          <a:gsLst>
+            <a:gs pos="2000">
+              <a:srgbClr val="FFFF00"/>
+            </a:gs>
+            <a:gs pos="100000">
+              <a:schemeClr val="accent1"/>
+            </a:gs>
+          </a:gsLst>
+          <a:lin ang="13500000" scaled="1"/>
+        </a:gradFill>
+        <a:effectLst/>
+      </p:bgPr>
+    </p:bg>
     <p:spTree>
       <p:nvGrpSpPr>
         <p:cNvPr id="1" name=""/>
@@ -4910,10 +8341,10 @@
       </p:grpSpPr>
       <p:sp>
         <p:nvSpPr>
-          <p:cNvPr id="2" name="Прямоугольник 1">
-            <a:extLst>
-              <a:ext uri="{FF2B5EF4-FFF2-40B4-BE49-F238E27FC236}">
-                <a16:creationId xmlns:a16="http://schemas.microsoft.com/office/drawing/2014/main" id="{A96C9BB6-DF69-4895-BBA8-FD280F38A11F}"/>
+          <p:cNvPr id="6" name="Прямоугольник 5">
+            <a:extLst>
+              <a:ext uri="{FF2B5EF4-FFF2-40B4-BE49-F238E27FC236}">
+                <a16:creationId xmlns:a16="http://schemas.microsoft.com/office/drawing/2014/main" id="{F385FC98-597A-4C4D-89B9-32FC0F14741C}"/>
               </a:ext>
             </a:extLst>
           </p:cNvPr>
@@ -4922,8 +8353,164 @@
         </p:nvSpPr>
         <p:spPr>
           <a:xfrm>
-            <a:off x="342647" y="416919"/>
-            <a:ext cx="5753353" cy="1742593"/>
+            <a:off x="299959" y="1435100"/>
+            <a:ext cx="3444875" cy="5308600"/>
+          </a:xfrm>
+          <a:prstGeom prst="rect">
+            <a:avLst/>
+          </a:prstGeom>
+          <a:solidFill>
+            <a:schemeClr val="tx1">
+              <a:lumMod val="85000"/>
+              <a:lumOff val="15000"/>
+            </a:schemeClr>
+          </a:solidFill>
+        </p:spPr>
+        <p:style>
+          <a:lnRef idx="2">
+            <a:schemeClr val="dk1">
+              <a:shade val="50000"/>
+            </a:schemeClr>
+          </a:lnRef>
+          <a:fillRef idx="1">
+            <a:schemeClr val="dk1"/>
+          </a:fillRef>
+          <a:effectRef idx="0">
+            <a:schemeClr val="dk1"/>
+          </a:effectRef>
+          <a:fontRef idx="minor">
+            <a:schemeClr val="lt1"/>
+          </a:fontRef>
+        </p:style>
+        <p:txBody>
+          <a:bodyPr rtlCol="0" anchor="ctr"/>
+          <a:lstStyle/>
+          <a:p>
+            <a:pPr algn="ctr"/>
+            <a:endParaRPr lang="ru-RU"/>
+          </a:p>
+        </p:txBody>
+      </p:sp>
+      <p:sp>
+        <p:nvSpPr>
+          <p:cNvPr id="7" name="Прямоугольник 6">
+            <a:extLst>
+              <a:ext uri="{FF2B5EF4-FFF2-40B4-BE49-F238E27FC236}">
+                <a16:creationId xmlns:a16="http://schemas.microsoft.com/office/drawing/2014/main" id="{DD029FC0-5E8D-4E2E-8431-8797DB703D4B}"/>
+              </a:ext>
+            </a:extLst>
+          </p:cNvPr>
+          <p:cNvSpPr/>
+          <p:nvPr/>
+        </p:nvSpPr>
+        <p:spPr>
+          <a:xfrm>
+            <a:off x="4373562" y="1435100"/>
+            <a:ext cx="3444875" cy="5308600"/>
+          </a:xfrm>
+          <a:prstGeom prst="rect">
+            <a:avLst/>
+          </a:prstGeom>
+          <a:solidFill>
+            <a:schemeClr val="tx1">
+              <a:lumMod val="85000"/>
+              <a:lumOff val="15000"/>
+            </a:schemeClr>
+          </a:solidFill>
+        </p:spPr>
+        <p:style>
+          <a:lnRef idx="2">
+            <a:schemeClr val="dk1">
+              <a:shade val="50000"/>
+            </a:schemeClr>
+          </a:lnRef>
+          <a:fillRef idx="1">
+            <a:schemeClr val="dk1"/>
+          </a:fillRef>
+          <a:effectRef idx="0">
+            <a:schemeClr val="dk1"/>
+          </a:effectRef>
+          <a:fontRef idx="minor">
+            <a:schemeClr val="lt1"/>
+          </a:fontRef>
+        </p:style>
+        <p:txBody>
+          <a:bodyPr rtlCol="0" anchor="ctr"/>
+          <a:lstStyle/>
+          <a:p>
+            <a:pPr algn="ctr"/>
+            <a:endParaRPr lang="ru-RU" dirty="0"/>
+          </a:p>
+        </p:txBody>
+      </p:sp>
+      <p:sp>
+        <p:nvSpPr>
+          <p:cNvPr id="8" name="Прямоугольник 7">
+            <a:extLst>
+              <a:ext uri="{FF2B5EF4-FFF2-40B4-BE49-F238E27FC236}">
+                <a16:creationId xmlns:a16="http://schemas.microsoft.com/office/drawing/2014/main" id="{6D64EDA2-89CF-4605-8942-3D37B4D4002D}"/>
+              </a:ext>
+            </a:extLst>
+          </p:cNvPr>
+          <p:cNvSpPr/>
+          <p:nvPr/>
+        </p:nvSpPr>
+        <p:spPr>
+          <a:xfrm>
+            <a:off x="8447166" y="1435100"/>
+            <a:ext cx="3444875" cy="5308600"/>
+          </a:xfrm>
+          <a:prstGeom prst="rect">
+            <a:avLst/>
+          </a:prstGeom>
+          <a:solidFill>
+            <a:schemeClr val="tx1">
+              <a:lumMod val="85000"/>
+              <a:lumOff val="15000"/>
+            </a:schemeClr>
+          </a:solidFill>
+        </p:spPr>
+        <p:style>
+          <a:lnRef idx="2">
+            <a:schemeClr val="dk1">
+              <a:shade val="50000"/>
+            </a:schemeClr>
+          </a:lnRef>
+          <a:fillRef idx="1">
+            <a:schemeClr val="dk1"/>
+          </a:fillRef>
+          <a:effectRef idx="0">
+            <a:schemeClr val="dk1"/>
+          </a:effectRef>
+          <a:fontRef idx="minor">
+            <a:schemeClr val="lt1"/>
+          </a:fontRef>
+        </p:style>
+        <p:txBody>
+          <a:bodyPr rtlCol="0" anchor="ctr"/>
+          <a:lstStyle/>
+          <a:p>
+            <a:pPr algn="ctr"/>
+            <a:endParaRPr lang="ru-RU"/>
+          </a:p>
+        </p:txBody>
+      </p:sp>
+      <p:sp>
+        <p:nvSpPr>
+          <p:cNvPr id="10" name="Прямоугольник 9">
+            <a:extLst>
+              <a:ext uri="{FF2B5EF4-FFF2-40B4-BE49-F238E27FC236}">
+                <a16:creationId xmlns:a16="http://schemas.microsoft.com/office/drawing/2014/main" id="{6BA55F67-56E1-4F9B-9275-B60C2A73F847}"/>
+              </a:ext>
+            </a:extLst>
+          </p:cNvPr>
+          <p:cNvSpPr/>
+          <p:nvPr/>
+        </p:nvSpPr>
+        <p:spPr>
+          <a:xfrm>
+            <a:off x="299958" y="1490395"/>
+            <a:ext cx="3444875" cy="4850302"/>
           </a:xfrm>
           <a:prstGeom prst="rect">
             <a:avLst/>
@@ -4944,21 +8531,78 @@
               </a:spcAft>
             </a:pPr>
             <a:r>
-              <a:rPr lang="ru-RU" sz="3200" b="1" dirty="0">
-                <a:latin typeface="Segoe UI Black" panose="020B0A02040204020203" pitchFamily="34" charset="0"/>
+              <a:rPr lang="ru-RU" dirty="0">
+                <a:solidFill>
+                  <a:schemeClr val="bg1"/>
+                </a:solidFill>
+                <a:latin typeface="Arial Black" panose="020B0A04020102020204" pitchFamily="34" charset="0"/>
                 <a:ea typeface="Segoe UI Black" panose="020B0A02040204020203" pitchFamily="34" charset="0"/>
               </a:rPr>
-              <a:t>Объектно-ориентированное программирование </a:t>
-            </a:r>
-          </a:p>
-        </p:txBody>
-      </p:sp>
-      <p:sp>
-        <p:nvSpPr>
-          <p:cNvPr id="3" name="Прямоугольник 2">
-            <a:extLst>
-              <a:ext uri="{FF2B5EF4-FFF2-40B4-BE49-F238E27FC236}">
-                <a16:creationId xmlns:a16="http://schemas.microsoft.com/office/drawing/2014/main" id="{95D37095-268A-4DE5-9060-09E6499AC858}"/>
+              <a:t>Монолитная архитектура:</a:t>
+            </a:r>
+          </a:p>
+          <a:p>
+            <a:pPr marL="342900" lvl="0" indent="-342900">
+              <a:lnSpc>
+                <a:spcPct val="115000"/>
+              </a:lnSpc>
+              <a:spcAft>
+                <a:spcPts val="0"/>
+              </a:spcAft>
+              <a:buFont typeface="Arial" panose="020B0604020202020204" pitchFamily="34" charset="0"/>
+              <a:buChar char="●"/>
+            </a:pPr>
+            <a:r>
+              <a:rPr lang="ru-RU" dirty="0">
+                <a:solidFill>
+                  <a:schemeClr val="bg1"/>
+                </a:solidFill>
+                <a:latin typeface="Arial Black" panose="020B0A04020102020204" pitchFamily="34" charset="0"/>
+                <a:ea typeface="Segoe UI Black" panose="020B0A02040204020203" pitchFamily="34" charset="0"/>
+              </a:rPr>
+              <a:t>Программа разрабатывается как единое целое, где весь код обычно находится в одном приложении или кодовой базе.</a:t>
+            </a:r>
+          </a:p>
+          <a:p>
+            <a:pPr marL="342900" lvl="0" indent="-342900">
+              <a:lnSpc>
+                <a:spcPct val="115000"/>
+              </a:lnSpc>
+              <a:spcAft>
+                <a:spcPts val="0"/>
+              </a:spcAft>
+              <a:buFont typeface="Arial" panose="020B0604020202020204" pitchFamily="34" charset="0"/>
+              <a:buChar char="●"/>
+            </a:pPr>
+            <a:r>
+              <a:rPr lang="ru-RU" dirty="0">
+                <a:solidFill>
+                  <a:schemeClr val="bg1"/>
+                </a:solidFill>
+                <a:latin typeface="Arial Black" panose="020B0A04020102020204" pitchFamily="34" charset="0"/>
+                <a:ea typeface="Segoe UI Black" panose="020B0A02040204020203" pitchFamily="34" charset="0"/>
+              </a:rPr>
+              <a:t>Проста в начале разработки, но может быть сложной для масштабирования и поддержки по мере роста проекта</a:t>
+            </a:r>
+            <a:r>
+              <a:rPr lang="ru-RU" dirty="0">
+                <a:solidFill>
+                  <a:schemeClr val="bg1"/>
+                </a:solidFill>
+                <a:latin typeface="Times New Roman" panose="02020603050405020304" pitchFamily="18" charset="0"/>
+                <a:ea typeface="Times New Roman" panose="02020603050405020304" pitchFamily="18" charset="0"/>
+              </a:rPr>
+              <a:t>.</a:t>
+            </a:r>
+          </a:p>
+        </p:txBody>
+      </p:sp>
+      <p:sp>
+        <p:nvSpPr>
+          <p:cNvPr id="11" name="Прямоугольник 10">
+            <a:extLst>
+              <a:ext uri="{FF2B5EF4-FFF2-40B4-BE49-F238E27FC236}">
+                <a16:creationId xmlns:a16="http://schemas.microsoft.com/office/drawing/2014/main" id="{95D31DD3-46F4-4449-88A1-B6760DFC1CF1}"/>
               </a:ext>
             </a:extLst>
           </p:cNvPr>
@@ -4967,8 +8611,8 @@
         </p:nvSpPr>
         <p:spPr>
           <a:xfrm>
-            <a:off x="3409950" y="2435737"/>
-            <a:ext cx="8039100" cy="3252301"/>
+            <a:off x="4490283" y="1464995"/>
+            <a:ext cx="3444875" cy="5248809"/>
           </a:xfrm>
           <a:prstGeom prst="rect">
             <a:avLst/>
@@ -4989,15 +8633,97 @@
               </a:spcAft>
             </a:pPr>
             <a:r>
-              <a:rPr lang="ru-RU" dirty="0">
-                <a:latin typeface="Times New Roman" panose="02020603050405020304" pitchFamily="18" charset="0"/>
+              <a:rPr lang="ru-RU" sz="1720" dirty="0">
+                <a:solidFill>
+                  <a:schemeClr val="bg1"/>
+                </a:solidFill>
+                <a:latin typeface="Arial Black" panose="020B0A04020102020204" pitchFamily="34" charset="0"/>
                 <a:ea typeface="Times New Roman" panose="02020603050405020304" pitchFamily="18" charset="0"/>
               </a:rPr>
-              <a:t>Объектно-ориентированное программирование (ООП) — это подход, при котором программа рассматривается как набор объектов, взаимодействующих друг с другом. У каждого есть свойства и поведение. Если постараться объяснить простыми словами, то ООП ускоряет написание кода и делает его более читаемым.</a:t>
-            </a:r>
-          </a:p>
-          <a:p>
-            <a:pPr indent="457200">
+              <a:t>Многоуровневая архитектура:</a:t>
+            </a:r>
+          </a:p>
+          <a:p>
+            <a:pPr marL="342900" lvl="0" indent="-342900">
+              <a:lnSpc>
+                <a:spcPct val="115000"/>
+              </a:lnSpc>
+              <a:spcAft>
+                <a:spcPts val="0"/>
+              </a:spcAft>
+              <a:buFont typeface="Arial" panose="020B0604020202020204" pitchFamily="34" charset="0"/>
+              <a:buChar char="●"/>
+            </a:pPr>
+            <a:r>
+              <a:rPr lang="ru-RU" sz="1720" dirty="0">
+                <a:solidFill>
+                  <a:schemeClr val="bg1"/>
+                </a:solidFill>
+                <a:latin typeface="Arial Black" panose="020B0A04020102020204" pitchFamily="34" charset="0"/>
+                <a:ea typeface="Times New Roman" panose="02020603050405020304" pitchFamily="18" charset="0"/>
+              </a:rPr>
+              <a:t>Проект разделен на несколько уровней (например, представление, бизнес-логика, доступ к данным), каждый из которых выполняет определенные функции.</a:t>
+            </a:r>
+          </a:p>
+          <a:p>
+            <a:pPr marL="342900" lvl="0" indent="-342900">
+              <a:lnSpc>
+                <a:spcPct val="115000"/>
+              </a:lnSpc>
+              <a:spcAft>
+                <a:spcPts val="0"/>
+              </a:spcAft>
+              <a:buFont typeface="Arial" panose="020B0604020202020204" pitchFamily="34" charset="0"/>
+              <a:buChar char="●"/>
+            </a:pPr>
+            <a:r>
+              <a:rPr lang="ru-RU" sz="1720" dirty="0">
+                <a:solidFill>
+                  <a:schemeClr val="bg1"/>
+                </a:solidFill>
+                <a:latin typeface="Arial Black" panose="020B0A04020102020204" pitchFamily="34" charset="0"/>
+                <a:ea typeface="Times New Roman" panose="02020603050405020304" pitchFamily="18" charset="0"/>
+              </a:rPr>
+              <a:t>Обеспечивает легкость масштабирования и изменения различных частей проекта независимо друг от друга</a:t>
+            </a:r>
+            <a:r>
+              <a:rPr lang="ru-RU" sz="1720" dirty="0">
+                <a:latin typeface="Arial Black" panose="020B0A04020102020204" pitchFamily="34" charset="0"/>
+                <a:ea typeface="Times New Roman" panose="02020603050405020304" pitchFamily="18" charset="0"/>
+              </a:rPr>
+              <a:t>.</a:t>
+            </a:r>
+          </a:p>
+        </p:txBody>
+      </p:sp>
+      <p:sp>
+        <p:nvSpPr>
+          <p:cNvPr id="12" name="Прямоугольник 11">
+            <a:extLst>
+              <a:ext uri="{FF2B5EF4-FFF2-40B4-BE49-F238E27FC236}">
+                <a16:creationId xmlns:a16="http://schemas.microsoft.com/office/drawing/2014/main" id="{4AA200AE-8C05-46A5-9936-4D03F70AE90B}"/>
+              </a:ext>
+            </a:extLst>
+          </p:cNvPr>
+          <p:cNvSpPr/>
+          <p:nvPr/>
+        </p:nvSpPr>
+        <p:spPr>
+          <a:xfrm>
+            <a:off x="8447167" y="1435100"/>
+            <a:ext cx="3444874" cy="5248360"/>
+          </a:xfrm>
+          <a:prstGeom prst="rect">
+            <a:avLst/>
+          </a:prstGeom>
+        </p:spPr>
+        <p:txBody>
+          <a:bodyPr wrap="square">
+            <a:spAutoFit/>
+          </a:bodyPr>
+          <a:lstStyle/>
+          <a:p>
+            <a:pPr>
               <a:lnSpc>
                 <a:spcPct val="115000"/>
               </a:lnSpc>
@@ -5006,11 +8732,168 @@
               </a:spcAft>
             </a:pPr>
             <a:r>
-              <a:rPr lang="ru-RU" dirty="0">
-                <a:latin typeface="Times New Roman" panose="02020603050405020304" pitchFamily="18" charset="0"/>
+              <a:rPr lang="ru-RU" sz="1950" dirty="0" err="1">
+                <a:solidFill>
+                  <a:schemeClr val="bg1"/>
+                </a:solidFill>
+                <a:latin typeface="Arial Black" panose="020B0A04020102020204" pitchFamily="34" charset="0"/>
                 <a:ea typeface="Times New Roman" panose="02020603050405020304" pitchFamily="18" charset="0"/>
               </a:rPr>
-              <a:t>Идеология объектно-ориентированного программирования (ООП) разрабатывалась, чтобы связать поведение определенного объекта с его классом. Людям проще воспринимать окружающий мир как объекты, которые поддаются определенной классификации (например, разделение на живую и неживую природу).</a:t>
+              <a:t>Микросервисная</a:t>
+            </a:r>
+            <a:r>
+              <a:rPr lang="ru-RU" sz="1950" dirty="0">
+                <a:solidFill>
+                  <a:schemeClr val="bg1"/>
+                </a:solidFill>
+                <a:latin typeface="Arial Black" panose="020B0A04020102020204" pitchFamily="34" charset="0"/>
+                <a:ea typeface="Times New Roman" panose="02020603050405020304" pitchFamily="18" charset="0"/>
+              </a:rPr>
+              <a:t> архитектура:</a:t>
+            </a:r>
+          </a:p>
+          <a:p>
+            <a:pPr marL="342900" lvl="0" indent="-342900">
+              <a:lnSpc>
+                <a:spcPct val="115000"/>
+              </a:lnSpc>
+              <a:spcAft>
+                <a:spcPts val="0"/>
+              </a:spcAft>
+              <a:buFont typeface="Arial" panose="020B0604020202020204" pitchFamily="34" charset="0"/>
+              <a:buChar char="●"/>
+            </a:pPr>
+            <a:r>
+              <a:rPr lang="ru-RU" sz="1950" dirty="0">
+                <a:solidFill>
+                  <a:schemeClr val="bg1"/>
+                </a:solidFill>
+                <a:latin typeface="Arial Black" panose="020B0A04020102020204" pitchFamily="34" charset="0"/>
+                <a:ea typeface="Times New Roman" panose="02020603050405020304" pitchFamily="18" charset="0"/>
+              </a:rPr>
+              <a:t>Проект состоит из небольших, независимых сервисов, каждый из которых отвечает за определенную функциональность.</a:t>
+            </a:r>
+          </a:p>
+          <a:p>
+            <a:pPr marL="342900" lvl="0" indent="-342900">
+              <a:lnSpc>
+                <a:spcPct val="115000"/>
+              </a:lnSpc>
+              <a:spcAft>
+                <a:spcPts val="0"/>
+              </a:spcAft>
+              <a:buFont typeface="Arial" panose="020B0604020202020204" pitchFamily="34" charset="0"/>
+              <a:buChar char="●"/>
+            </a:pPr>
+            <a:r>
+              <a:rPr lang="ru-RU" sz="1950" dirty="0">
+                <a:solidFill>
+                  <a:schemeClr val="bg1"/>
+                </a:solidFill>
+                <a:latin typeface="Arial Black" panose="020B0A04020102020204" pitchFamily="34" charset="0"/>
+                <a:ea typeface="Times New Roman" panose="02020603050405020304" pitchFamily="18" charset="0"/>
+              </a:rPr>
+              <a:t>Обеспечивает высокую гибкость и масштабируемость, но требует сложной инфраструктуры и управления.</a:t>
+            </a:r>
+          </a:p>
+        </p:txBody>
+      </p:sp>
+      <p:sp>
+        <p:nvSpPr>
+          <p:cNvPr id="15" name="Прямоугольник: скругленные углы 14">
+            <a:extLst>
+              <a:ext uri="{FF2B5EF4-FFF2-40B4-BE49-F238E27FC236}">
+                <a16:creationId xmlns:a16="http://schemas.microsoft.com/office/drawing/2014/main" id="{23A9008E-8189-429B-8771-E1487B472C48}"/>
+              </a:ext>
+            </a:extLst>
+          </p:cNvPr>
+          <p:cNvSpPr/>
+          <p:nvPr/>
+        </p:nvSpPr>
+        <p:spPr>
+          <a:xfrm>
+            <a:off x="4333105" y="-87045"/>
+            <a:ext cx="3444875" cy="804595"/>
+          </a:xfrm>
+          <a:prstGeom prst="roundRect">
+            <a:avLst/>
+          </a:prstGeom>
+          <a:solidFill>
+            <a:schemeClr val="tx1">
+              <a:lumMod val="85000"/>
+              <a:lumOff val="15000"/>
+            </a:schemeClr>
+          </a:solidFill>
+        </p:spPr>
+        <p:style>
+          <a:lnRef idx="2">
+            <a:schemeClr val="dk1">
+              <a:shade val="50000"/>
+            </a:schemeClr>
+          </a:lnRef>
+          <a:fillRef idx="1">
+            <a:schemeClr val="dk1"/>
+          </a:fillRef>
+          <a:effectRef idx="0">
+            <a:schemeClr val="dk1"/>
+          </a:effectRef>
+          <a:fontRef idx="minor">
+            <a:schemeClr val="lt1"/>
+          </a:fontRef>
+        </p:style>
+        <p:txBody>
+          <a:bodyPr rtlCol="0" anchor="ctr"/>
+          <a:lstStyle/>
+          <a:p>
+            <a:pPr algn="ctr"/>
+            <a:endParaRPr lang="ru-RU"/>
+          </a:p>
+        </p:txBody>
+      </p:sp>
+      <p:sp>
+        <p:nvSpPr>
+          <p:cNvPr id="16" name="Прямоугольник 15">
+            <a:extLst>
+              <a:ext uri="{FF2B5EF4-FFF2-40B4-BE49-F238E27FC236}">
+                <a16:creationId xmlns:a16="http://schemas.microsoft.com/office/drawing/2014/main" id="{D829EC94-2CB3-4F1D-AD53-FFEF1B8EA638}"/>
+              </a:ext>
+            </a:extLst>
+          </p:cNvPr>
+          <p:cNvSpPr/>
+          <p:nvPr/>
+        </p:nvSpPr>
+        <p:spPr>
+          <a:xfrm>
+            <a:off x="4333105" y="0"/>
+            <a:ext cx="3602053" cy="512897"/>
+          </a:xfrm>
+          <a:prstGeom prst="rect">
+            <a:avLst/>
+          </a:prstGeom>
+        </p:spPr>
+        <p:txBody>
+          <a:bodyPr wrap="square">
+            <a:spAutoFit/>
+          </a:bodyPr>
+          <a:lstStyle/>
+          <a:p>
+            <a:pPr>
+              <a:lnSpc>
+                <a:spcPct val="115000"/>
+              </a:lnSpc>
+              <a:spcAft>
+                <a:spcPts val="0"/>
+              </a:spcAft>
+            </a:pPr>
+            <a:r>
+              <a:rPr lang="ru-RU" sz="2600" b="1" dirty="0">
+                <a:solidFill>
+                  <a:schemeClr val="bg1"/>
+                </a:solidFill>
+                <a:latin typeface="Segoe UI Black" panose="020B0A02040204020203" pitchFamily="34" charset="0"/>
+                <a:ea typeface="Segoe UI Black" panose="020B0A02040204020203" pitchFamily="34" charset="0"/>
+              </a:rPr>
+              <a:t>Структуры проекта</a:t>
             </a:r>
           </a:p>
         </p:txBody>
@@ -5018,7 +8901,7 @@
     </p:spTree>
     <p:extLst>
       <p:ext uri="{BB962C8B-B14F-4D97-AF65-F5344CB8AC3E}">
-        <p14:creationId xmlns:p14="http://schemas.microsoft.com/office/powerpoint/2010/main" val="1886733864"/>
+        <p14:creationId xmlns:p14="http://schemas.microsoft.com/office/powerpoint/2010/main" val="493746128"/>
       </p:ext>
     </p:extLst>
   </p:cSld>
@@ -5031,6 +8914,23 @@
 <file path=ppt/slides/slide8.xml><?xml version="1.0" encoding="utf-8"?>
 <p:sld xmlns:a="http://schemas.openxmlformats.org/drawingml/2006/main" xmlns:r="http://schemas.openxmlformats.org/officeDocument/2006/relationships" xmlns:p="http://schemas.openxmlformats.org/presentationml/2006/main">
   <p:cSld>
+    <p:bg>
+      <p:bgPr>
+        <a:gradFill flip="none" rotWithShape="1">
+          <a:gsLst>
+            <a:gs pos="2000">
+              <a:srgbClr val="FF0000"/>
+            </a:gs>
+            <a:gs pos="100000">
+              <a:srgbClr val="6A23E9"/>
+            </a:gs>
+          </a:gsLst>
+          <a:lin ang="18900000" scaled="1"/>
+          <a:tileRect/>
+        </a:gradFill>
+        <a:effectLst/>
+      </p:bgPr>
+    </p:bg>
     <p:spTree>
       <p:nvGrpSpPr>
         <p:cNvPr id="1" name=""/>
@@ -5047,10 +8947,10 @@
       </p:grpSpPr>
       <p:sp>
         <p:nvSpPr>
-          <p:cNvPr id="2" name="Прямоугольник 1">
-            <a:extLst>
-              <a:ext uri="{FF2B5EF4-FFF2-40B4-BE49-F238E27FC236}">
-                <a16:creationId xmlns:a16="http://schemas.microsoft.com/office/drawing/2014/main" id="{60C06E0E-53A3-4F46-8BBE-6270E1108BDE}"/>
+          <p:cNvPr id="12" name="Прямоугольник 11">
+            <a:extLst>
+              <a:ext uri="{FF2B5EF4-FFF2-40B4-BE49-F238E27FC236}">
+                <a16:creationId xmlns:a16="http://schemas.microsoft.com/office/drawing/2014/main" id="{F8730B38-9A7A-4B58-9AE0-B76A9D3E8FEE}"/>
               </a:ext>
             </a:extLst>
           </p:cNvPr>
@@ -5059,8 +8959,57 @@
         </p:nvSpPr>
         <p:spPr>
           <a:xfrm>
-            <a:off x="3882280" y="302619"/>
-            <a:ext cx="3738524" cy="545277"/>
+            <a:off x="438150" y="457200"/>
+            <a:ext cx="11334750" cy="6400800"/>
+          </a:xfrm>
+          <a:prstGeom prst="rect">
+            <a:avLst/>
+          </a:prstGeom>
+          <a:ln>
+            <a:noFill/>
+          </a:ln>
+        </p:spPr>
+        <p:style>
+          <a:lnRef idx="2">
+            <a:schemeClr val="dk1">
+              <a:shade val="50000"/>
+            </a:schemeClr>
+          </a:lnRef>
+          <a:fillRef idx="1">
+            <a:schemeClr val="dk1"/>
+          </a:fillRef>
+          <a:effectRef idx="0">
+            <a:schemeClr val="dk1"/>
+          </a:effectRef>
+          <a:fontRef idx="minor">
+            <a:schemeClr val="lt1"/>
+          </a:fontRef>
+        </p:style>
+        <p:txBody>
+          <a:bodyPr rtlCol="0" anchor="ctr"/>
+          <a:lstStyle/>
+          <a:p>
+            <a:pPr algn="ctr"/>
+            <a:endParaRPr lang="ru-RU"/>
+          </a:p>
+        </p:txBody>
+      </p:sp>
+      <p:sp>
+        <p:nvSpPr>
+          <p:cNvPr id="13" name="Прямоугольник 12">
+            <a:extLst>
+              <a:ext uri="{FF2B5EF4-FFF2-40B4-BE49-F238E27FC236}">
+                <a16:creationId xmlns:a16="http://schemas.microsoft.com/office/drawing/2014/main" id="{E59EEFBE-D5C0-4314-8D87-0B9D2AD6F02E}"/>
+              </a:ext>
+            </a:extLst>
+          </p:cNvPr>
+          <p:cNvSpPr/>
+          <p:nvPr/>
+        </p:nvSpPr>
+        <p:spPr>
+          <a:xfrm>
+            <a:off x="559776" y="786789"/>
+            <a:ext cx="11091498" cy="609975"/>
           </a:xfrm>
           <a:prstGeom prst="rect">
             <a:avLst/>
@@ -5081,21 +9030,24 @@
               </a:spcAft>
             </a:pPr>
             <a:r>
-              <a:rPr lang="ru-RU" sz="2800" b="1" dirty="0">
+              <a:rPr lang="ru-RU" sz="3200" b="1" dirty="0">
+                <a:solidFill>
+                  <a:schemeClr val="bg1"/>
+                </a:solidFill>
                 <a:latin typeface="Segoe UI Black" panose="020B0A02040204020203" pitchFamily="34" charset="0"/>
                 <a:ea typeface="Segoe UI Black" panose="020B0A02040204020203" pitchFamily="34" charset="0"/>
               </a:rPr>
-              <a:t>Структуры проекта</a:t>
-            </a:r>
-          </a:p>
-        </p:txBody>
-      </p:sp>
-      <p:sp>
-        <p:nvSpPr>
-          <p:cNvPr id="3" name="Прямоугольник 2">
-            <a:extLst>
-              <a:ext uri="{FF2B5EF4-FFF2-40B4-BE49-F238E27FC236}">
-                <a16:creationId xmlns:a16="http://schemas.microsoft.com/office/drawing/2014/main" id="{B882879A-C2FA-467B-A718-3456548345AD}"/>
+              <a:t>Плюсы выбора многоуровневая структура проекта</a:t>
+            </a:r>
+          </a:p>
+        </p:txBody>
+      </p:sp>
+      <p:sp>
+        <p:nvSpPr>
+          <p:cNvPr id="14" name="Прямоугольник 13">
+            <a:extLst>
+              <a:ext uri="{FF2B5EF4-FFF2-40B4-BE49-F238E27FC236}">
+                <a16:creationId xmlns:a16="http://schemas.microsoft.com/office/drawing/2014/main" id="{4423C46A-ED9B-4830-89E1-579D06EB409F}"/>
               </a:ext>
             </a:extLst>
           </p:cNvPr>
@@ -5104,8 +9056,8 @@
         </p:nvSpPr>
         <p:spPr>
           <a:xfrm>
-            <a:off x="352425" y="1458872"/>
-            <a:ext cx="3267075" cy="4207947"/>
+            <a:off x="2031205" y="1874826"/>
+            <a:ext cx="6558428" cy="916661"/>
           </a:xfrm>
           <a:prstGeom prst="rect">
             <a:avLst/>
@@ -5126,63 +9078,24 @@
               </a:spcAft>
             </a:pPr>
             <a:r>
-              <a:rPr lang="ru-RU" u="sng" dirty="0">
-                <a:latin typeface="Times New Roman" panose="02020603050405020304" pitchFamily="18" charset="0"/>
+              <a:rPr lang="ru-RU" sz="2400" dirty="0">
+                <a:solidFill>
+                  <a:schemeClr val="bg1"/>
+                </a:solidFill>
+                <a:latin typeface="Arial Black" panose="020B0A04020102020204" pitchFamily="34" charset="0"/>
                 <a:ea typeface="Times New Roman" panose="02020603050405020304" pitchFamily="18" charset="0"/>
               </a:rPr>
-              <a:t>Монолитная архитектура:</a:t>
-            </a:r>
-            <a:endParaRPr lang="ru-RU" dirty="0">
-              <a:latin typeface="Times New Roman" panose="02020603050405020304" pitchFamily="18" charset="0"/>
-              <a:ea typeface="Times New Roman" panose="02020603050405020304" pitchFamily="18" charset="0"/>
-            </a:endParaRPr>
-          </a:p>
-          <a:p>
-            <a:pPr marL="342900" lvl="0" indent="-342900">
-              <a:lnSpc>
-                <a:spcPct val="115000"/>
-              </a:lnSpc>
-              <a:spcAft>
-                <a:spcPts val="0"/>
-              </a:spcAft>
-              <a:buFont typeface="Arial" panose="020B0604020202020204" pitchFamily="34" charset="0"/>
-              <a:buChar char="●"/>
-            </a:pPr>
-            <a:r>
-              <a:rPr lang="ru-RU" dirty="0">
-                <a:latin typeface="Times New Roman" panose="02020603050405020304" pitchFamily="18" charset="0"/>
-                <a:ea typeface="Times New Roman" panose="02020603050405020304" pitchFamily="18" charset="0"/>
-              </a:rPr>
-              <a:t>Программа разрабатывается как единое целое, где весь код обычно находится в одном приложении или кодовой базе.</a:t>
-            </a:r>
-          </a:p>
-          <a:p>
-            <a:pPr marL="342900" lvl="0" indent="-342900">
-              <a:lnSpc>
-                <a:spcPct val="115000"/>
-              </a:lnSpc>
-              <a:spcAft>
-                <a:spcPts val="0"/>
-              </a:spcAft>
-              <a:buFont typeface="Arial" panose="020B0604020202020204" pitchFamily="34" charset="0"/>
-              <a:buChar char="●"/>
-            </a:pPr>
-            <a:r>
-              <a:rPr lang="ru-RU" dirty="0">
-                <a:latin typeface="Times New Roman" panose="02020603050405020304" pitchFamily="18" charset="0"/>
-                <a:ea typeface="Times New Roman" panose="02020603050405020304" pitchFamily="18" charset="0"/>
-              </a:rPr>
-              <a:t>Проста в начале разработки, но может быть сложной для масштабирования и поддержки по мере роста проекта.</a:t>
-            </a:r>
-          </a:p>
-        </p:txBody>
-      </p:sp>
-      <p:sp>
-        <p:nvSpPr>
-          <p:cNvPr id="4" name="Прямоугольник 3">
-            <a:extLst>
-              <a:ext uri="{FF2B5EF4-FFF2-40B4-BE49-F238E27FC236}">
-                <a16:creationId xmlns:a16="http://schemas.microsoft.com/office/drawing/2014/main" id="{7B070A2A-F4D7-4FEE-8E37-D7CA6BE1FAB5}"/>
+              <a:t>Снижение зависимости и повышение связности</a:t>
+            </a:r>
+          </a:p>
+        </p:txBody>
+      </p:sp>
+      <p:sp>
+        <p:nvSpPr>
+          <p:cNvPr id="15" name="Прямоугольник 14">
+            <a:extLst>
+              <a:ext uri="{FF2B5EF4-FFF2-40B4-BE49-F238E27FC236}">
+                <a16:creationId xmlns:a16="http://schemas.microsoft.com/office/drawing/2014/main" id="{B005C195-FFCB-4569-862A-FE4B3556FB1B}"/>
               </a:ext>
             </a:extLst>
           </p:cNvPr>
@@ -5191,8 +9104,8 @@
         </p:nvSpPr>
         <p:spPr>
           <a:xfrm>
-            <a:off x="4346604" y="1458872"/>
-            <a:ext cx="3130521" cy="4526496"/>
+            <a:off x="2056934" y="2970669"/>
+            <a:ext cx="5224928" cy="916661"/>
           </a:xfrm>
           <a:prstGeom prst="rect">
             <a:avLst/>
@@ -5213,63 +9126,24 @@
               </a:spcAft>
             </a:pPr>
             <a:r>
-              <a:rPr lang="ru-RU" u="sng" dirty="0">
-                <a:latin typeface="Times New Roman" panose="02020603050405020304" pitchFamily="18" charset="0"/>
+              <a:rPr lang="ru-RU" sz="2400" dirty="0">
+                <a:solidFill>
+                  <a:schemeClr val="bg1"/>
+                </a:solidFill>
+                <a:latin typeface="Arial Black" panose="020B0A04020102020204" pitchFamily="34" charset="0"/>
                 <a:ea typeface="Times New Roman" panose="02020603050405020304" pitchFamily="18" charset="0"/>
               </a:rPr>
-              <a:t>Многоуровневая архитектура:</a:t>
-            </a:r>
-            <a:endParaRPr lang="ru-RU" dirty="0">
-              <a:latin typeface="Times New Roman" panose="02020603050405020304" pitchFamily="18" charset="0"/>
-              <a:ea typeface="Times New Roman" panose="02020603050405020304" pitchFamily="18" charset="0"/>
-            </a:endParaRPr>
-          </a:p>
-          <a:p>
-            <a:pPr marL="342900" lvl="0" indent="-342900">
-              <a:lnSpc>
-                <a:spcPct val="115000"/>
-              </a:lnSpc>
-              <a:spcAft>
-                <a:spcPts val="0"/>
-              </a:spcAft>
-              <a:buFont typeface="Arial" panose="020B0604020202020204" pitchFamily="34" charset="0"/>
-              <a:buChar char="●"/>
-            </a:pPr>
-            <a:r>
-              <a:rPr lang="ru-RU" dirty="0">
-                <a:latin typeface="Times New Roman" panose="02020603050405020304" pitchFamily="18" charset="0"/>
-                <a:ea typeface="Times New Roman" panose="02020603050405020304" pitchFamily="18" charset="0"/>
-              </a:rPr>
-              <a:t>Проект разделен на несколько уровней (например, представление, бизнес-логика, доступ к данным), каждый из которых выполняет определенные функции.</a:t>
-            </a:r>
-          </a:p>
-          <a:p>
-            <a:pPr marL="342900" lvl="0" indent="-342900">
-              <a:lnSpc>
-                <a:spcPct val="115000"/>
-              </a:lnSpc>
-              <a:spcAft>
-                <a:spcPts val="0"/>
-              </a:spcAft>
-              <a:buFont typeface="Arial" panose="020B0604020202020204" pitchFamily="34" charset="0"/>
-              <a:buChar char="●"/>
-            </a:pPr>
-            <a:r>
-              <a:rPr lang="ru-RU" dirty="0">
-                <a:latin typeface="Times New Roman" panose="02020603050405020304" pitchFamily="18" charset="0"/>
-                <a:ea typeface="Times New Roman" panose="02020603050405020304" pitchFamily="18" charset="0"/>
-              </a:rPr>
-              <a:t>Обеспечивает легкость масштабирования и изменения различных частей проекта независимо друг от друга.</a:t>
-            </a:r>
-          </a:p>
-        </p:txBody>
-      </p:sp>
-      <p:sp>
-        <p:nvSpPr>
-          <p:cNvPr id="5" name="Прямоугольник 4">
-            <a:extLst>
-              <a:ext uri="{FF2B5EF4-FFF2-40B4-BE49-F238E27FC236}">
-                <a16:creationId xmlns:a16="http://schemas.microsoft.com/office/drawing/2014/main" id="{F4424A98-3BFB-49AE-A005-16DA38F90E3F}"/>
+              <a:t>Улучшение переиспользования кода</a:t>
+            </a:r>
+          </a:p>
+        </p:txBody>
+      </p:sp>
+      <p:sp>
+        <p:nvSpPr>
+          <p:cNvPr id="16" name="Прямоугольник 15">
+            <a:extLst>
+              <a:ext uri="{FF2B5EF4-FFF2-40B4-BE49-F238E27FC236}">
+                <a16:creationId xmlns:a16="http://schemas.microsoft.com/office/drawing/2014/main" id="{E7253175-4FAE-4906-ACA1-6A9729491724}"/>
               </a:ext>
             </a:extLst>
           </p:cNvPr>
@@ -5278,8 +9152,8 @@
         </p:nvSpPr>
         <p:spPr>
           <a:xfrm>
-            <a:off x="8658225" y="1458872"/>
-            <a:ext cx="3267075" cy="4207947"/>
+            <a:off x="2056934" y="4032870"/>
+            <a:ext cx="5453064" cy="916661"/>
           </a:xfrm>
           <a:prstGeom prst="rect">
             <a:avLst/>
@@ -5300,60 +9174,322 @@
               </a:spcAft>
             </a:pPr>
             <a:r>
-              <a:rPr lang="ru-RU" u="sng" dirty="0" err="1">
-                <a:latin typeface="Times New Roman" panose="02020603050405020304" pitchFamily="18" charset="0"/>
+              <a:rPr lang="ru-RU" sz="2400" dirty="0">
+                <a:solidFill>
+                  <a:schemeClr val="bg1"/>
+                </a:solidFill>
+                <a:latin typeface="Arial Black" panose="020B0A04020102020204" pitchFamily="34" charset="0"/>
                 <a:ea typeface="Times New Roman" panose="02020603050405020304" pitchFamily="18" charset="0"/>
               </a:rPr>
-              <a:t>Микросервисная</a:t>
-            </a:r>
-            <a:r>
-              <a:rPr lang="ru-RU" u="sng" dirty="0">
-                <a:latin typeface="Times New Roman" panose="02020603050405020304" pitchFamily="18" charset="0"/>
-                <a:ea typeface="Times New Roman" panose="02020603050405020304" pitchFamily="18" charset="0"/>
-              </a:rPr>
-              <a:t> архитектура:</a:t>
-            </a:r>
-            <a:endParaRPr lang="ru-RU" dirty="0">
-              <a:latin typeface="Times New Roman" panose="02020603050405020304" pitchFamily="18" charset="0"/>
-              <a:ea typeface="Times New Roman" panose="02020603050405020304" pitchFamily="18" charset="0"/>
-            </a:endParaRPr>
-          </a:p>
-          <a:p>
-            <a:pPr marL="342900" lvl="0" indent="-342900">
+              <a:t>Модульность и разделение ответственности</a:t>
+            </a:r>
+          </a:p>
+        </p:txBody>
+      </p:sp>
+      <p:sp>
+        <p:nvSpPr>
+          <p:cNvPr id="17" name="Прямоугольник 16">
+            <a:extLst>
+              <a:ext uri="{FF2B5EF4-FFF2-40B4-BE49-F238E27FC236}">
+                <a16:creationId xmlns:a16="http://schemas.microsoft.com/office/drawing/2014/main" id="{05054185-8297-4632-99B3-E7500950CCC5}"/>
+              </a:ext>
+            </a:extLst>
+          </p:cNvPr>
+          <p:cNvSpPr/>
+          <p:nvPr/>
+        </p:nvSpPr>
+        <p:spPr>
+          <a:xfrm>
+            <a:off x="2056934" y="5077620"/>
+            <a:ext cx="5133976" cy="916661"/>
+          </a:xfrm>
+          <a:prstGeom prst="rect">
+            <a:avLst/>
+          </a:prstGeom>
+        </p:spPr>
+        <p:txBody>
+          <a:bodyPr wrap="square">
+            <a:spAutoFit/>
+          </a:bodyPr>
+          <a:lstStyle/>
+          <a:p>
+            <a:pPr>
               <a:lnSpc>
                 <a:spcPct val="115000"/>
               </a:lnSpc>
               <a:spcAft>
                 <a:spcPts val="0"/>
               </a:spcAft>
-              <a:buFont typeface="Arial" panose="020B0604020202020204" pitchFamily="34" charset="0"/>
-              <a:buChar char="●"/>
             </a:pPr>
             <a:r>
-              <a:rPr lang="ru-RU" dirty="0">
-                <a:latin typeface="Times New Roman" panose="02020603050405020304" pitchFamily="18" charset="0"/>
+              <a:rPr lang="ru-RU" sz="2400" dirty="0">
+                <a:solidFill>
+                  <a:schemeClr val="bg1"/>
+                </a:solidFill>
+                <a:latin typeface="Arial Black" panose="020B0A04020102020204" pitchFamily="34" charset="0"/>
                 <a:ea typeface="Times New Roman" panose="02020603050405020304" pitchFamily="18" charset="0"/>
               </a:rPr>
-              <a:t>Проект состоит из небольших, независимых сервисов, каждый из которых отвечает за определенную функциональность.</a:t>
-            </a:r>
-          </a:p>
-          <a:p>
-            <a:pPr marL="342900" lvl="0" indent="-342900">
-              <a:lnSpc>
-                <a:spcPct val="115000"/>
-              </a:lnSpc>
-              <a:spcAft>
-                <a:spcPts val="0"/>
-              </a:spcAft>
-              <a:buFont typeface="Arial" panose="020B0604020202020204" pitchFamily="34" charset="0"/>
-              <a:buChar char="●"/>
-            </a:pPr>
-            <a:r>
-              <a:rPr lang="ru-RU" dirty="0">
-                <a:latin typeface="Times New Roman" panose="02020603050405020304" pitchFamily="18" charset="0"/>
-                <a:ea typeface="Times New Roman" panose="02020603050405020304" pitchFamily="18" charset="0"/>
-              </a:rPr>
-              <a:t>Обеспечивает высокую гибкость и масштабируемость, но требует сложной инфраструктуры и управления.</a:t>
+              <a:t>Упрощение тестирования и отладки</a:t>
+            </a:r>
+          </a:p>
+        </p:txBody>
+      </p:sp>
+      <p:sp>
+        <p:nvSpPr>
+          <p:cNvPr id="18" name="Прямоугольник 17">
+            <a:extLst>
+              <a:ext uri="{FF2B5EF4-FFF2-40B4-BE49-F238E27FC236}">
+                <a16:creationId xmlns:a16="http://schemas.microsoft.com/office/drawing/2014/main" id="{0EB9F80D-AB61-4646-8A0F-C585F3F75EB0}"/>
+              </a:ext>
+            </a:extLst>
+          </p:cNvPr>
+          <p:cNvSpPr/>
+          <p:nvPr/>
+        </p:nvSpPr>
+        <p:spPr>
+          <a:xfrm>
+            <a:off x="1403021" y="2021560"/>
+            <a:ext cx="628184" cy="609975"/>
+          </a:xfrm>
+          <a:prstGeom prst="rect">
+            <a:avLst/>
+          </a:prstGeom>
+          <a:gradFill>
+            <a:gsLst>
+              <a:gs pos="2000">
+                <a:srgbClr val="FF0000"/>
+              </a:gs>
+              <a:gs pos="100000">
+                <a:srgbClr val="6A23E9"/>
+              </a:gs>
+            </a:gsLst>
+            <a:lin ang="13500000" scaled="1"/>
+          </a:gradFill>
+          <a:ln>
+            <a:noFill/>
+          </a:ln>
+        </p:spPr>
+        <p:style>
+          <a:lnRef idx="2">
+            <a:schemeClr val="accent1">
+              <a:shade val="50000"/>
+            </a:schemeClr>
+          </a:lnRef>
+          <a:fillRef idx="1">
+            <a:schemeClr val="accent1"/>
+          </a:fillRef>
+          <a:effectRef idx="0">
+            <a:schemeClr val="accent1"/>
+          </a:effectRef>
+          <a:fontRef idx="minor">
+            <a:schemeClr val="lt1"/>
+          </a:fontRef>
+        </p:style>
+        <p:txBody>
+          <a:bodyPr rtlCol="0" anchor="ctr"/>
+          <a:lstStyle/>
+          <a:p>
+            <a:pPr algn="ctr"/>
+            <a:r>
+              <a:rPr lang="ru-RU" sz="4400" dirty="0">
+                <a:latin typeface="Arial Black" panose="020B0A04020102020204" pitchFamily="34" charset="0"/>
+              </a:rPr>
+              <a:t>1</a:t>
+            </a:r>
+          </a:p>
+        </p:txBody>
+      </p:sp>
+      <p:sp>
+        <p:nvSpPr>
+          <p:cNvPr id="19" name="Прямоугольник 18">
+            <a:extLst>
+              <a:ext uri="{FF2B5EF4-FFF2-40B4-BE49-F238E27FC236}">
+                <a16:creationId xmlns:a16="http://schemas.microsoft.com/office/drawing/2014/main" id="{5947CD5F-F693-4DB1-BF03-D088A68EB05D}"/>
+              </a:ext>
+            </a:extLst>
+          </p:cNvPr>
+          <p:cNvSpPr/>
+          <p:nvPr/>
+        </p:nvSpPr>
+        <p:spPr>
+          <a:xfrm>
+            <a:off x="1428750" y="3136761"/>
+            <a:ext cx="628184" cy="609975"/>
+          </a:xfrm>
+          <a:prstGeom prst="rect">
+            <a:avLst/>
+          </a:prstGeom>
+          <a:gradFill>
+            <a:gsLst>
+              <a:gs pos="2000">
+                <a:srgbClr val="FF0000"/>
+              </a:gs>
+              <a:gs pos="100000">
+                <a:srgbClr val="6A23E9"/>
+              </a:gs>
+            </a:gsLst>
+            <a:lin ang="13500000" scaled="1"/>
+          </a:gradFill>
+          <a:ln>
+            <a:noFill/>
+          </a:ln>
+        </p:spPr>
+        <p:style>
+          <a:lnRef idx="2">
+            <a:schemeClr val="accent1">
+              <a:shade val="50000"/>
+            </a:schemeClr>
+          </a:lnRef>
+          <a:fillRef idx="1">
+            <a:schemeClr val="accent1"/>
+          </a:fillRef>
+          <a:effectRef idx="0">
+            <a:schemeClr val="accent1"/>
+          </a:effectRef>
+          <a:fontRef idx="minor">
+            <a:schemeClr val="lt1"/>
+          </a:fontRef>
+        </p:style>
+        <p:txBody>
+          <a:bodyPr rtlCol="0" anchor="ctr"/>
+          <a:lstStyle/>
+          <a:p>
+            <a:pPr algn="ctr"/>
+            <a:r>
+              <a:rPr lang="ru-RU" sz="4400" dirty="0">
+                <a:latin typeface="Arial Black" panose="020B0A04020102020204" pitchFamily="34" charset="0"/>
+              </a:rPr>
+              <a:t>2</a:t>
+            </a:r>
+          </a:p>
+        </p:txBody>
+      </p:sp>
+      <p:sp>
+        <p:nvSpPr>
+          <p:cNvPr id="20" name="Прямоугольник 19">
+            <a:extLst>
+              <a:ext uri="{FF2B5EF4-FFF2-40B4-BE49-F238E27FC236}">
+                <a16:creationId xmlns:a16="http://schemas.microsoft.com/office/drawing/2014/main" id="{FA37D4ED-3695-4983-A58A-B7A79C21290A}"/>
+              </a:ext>
+            </a:extLst>
+          </p:cNvPr>
+          <p:cNvSpPr/>
+          <p:nvPr/>
+        </p:nvSpPr>
+        <p:spPr>
+          <a:xfrm>
+            <a:off x="1403021" y="4186212"/>
+            <a:ext cx="628184" cy="609975"/>
+          </a:xfrm>
+          <a:prstGeom prst="rect">
+            <a:avLst/>
+          </a:prstGeom>
+          <a:gradFill>
+            <a:gsLst>
+              <a:gs pos="2000">
+                <a:srgbClr val="FF0000"/>
+              </a:gs>
+              <a:gs pos="100000">
+                <a:srgbClr val="6A23E9"/>
+              </a:gs>
+            </a:gsLst>
+            <a:lin ang="13500000" scaled="1"/>
+          </a:gradFill>
+          <a:ln>
+            <a:noFill/>
+          </a:ln>
+        </p:spPr>
+        <p:style>
+          <a:lnRef idx="2">
+            <a:schemeClr val="accent1">
+              <a:shade val="50000"/>
+            </a:schemeClr>
+          </a:lnRef>
+          <a:fillRef idx="1">
+            <a:schemeClr val="accent1"/>
+          </a:fillRef>
+          <a:effectRef idx="0">
+            <a:schemeClr val="accent1"/>
+          </a:effectRef>
+          <a:fontRef idx="minor">
+            <a:schemeClr val="lt1"/>
+          </a:fontRef>
+        </p:style>
+        <p:txBody>
+          <a:bodyPr rtlCol="0" anchor="ctr"/>
+          <a:lstStyle/>
+          <a:p>
+            <a:pPr algn="ctr"/>
+            <a:r>
+              <a:rPr lang="ru-RU" sz="4400" dirty="0">
+                <a:latin typeface="Arial Black" panose="020B0A04020102020204" pitchFamily="34" charset="0"/>
+              </a:rPr>
+              <a:t>3</a:t>
+            </a:r>
+          </a:p>
+        </p:txBody>
+      </p:sp>
+      <p:sp>
+        <p:nvSpPr>
+          <p:cNvPr id="21" name="Прямоугольник 20">
+            <a:extLst>
+              <a:ext uri="{FF2B5EF4-FFF2-40B4-BE49-F238E27FC236}">
+                <a16:creationId xmlns:a16="http://schemas.microsoft.com/office/drawing/2014/main" id="{890B32EE-9814-41A2-94FE-4ACCFD522572}"/>
+              </a:ext>
+            </a:extLst>
+          </p:cNvPr>
+          <p:cNvSpPr/>
+          <p:nvPr/>
+        </p:nvSpPr>
+        <p:spPr>
+          <a:xfrm>
+            <a:off x="1403021" y="5228902"/>
+            <a:ext cx="628184" cy="609975"/>
+          </a:xfrm>
+          <a:prstGeom prst="rect">
+            <a:avLst/>
+          </a:prstGeom>
+          <a:gradFill>
+            <a:gsLst>
+              <a:gs pos="2000">
+                <a:srgbClr val="FF0000"/>
+              </a:gs>
+              <a:gs pos="100000">
+                <a:srgbClr val="6A23E9"/>
+              </a:gs>
+            </a:gsLst>
+            <a:lin ang="13500000" scaled="1"/>
+          </a:gradFill>
+          <a:ln>
+            <a:noFill/>
+          </a:ln>
+        </p:spPr>
+        <p:style>
+          <a:lnRef idx="2">
+            <a:schemeClr val="accent1">
+              <a:shade val="50000"/>
+            </a:schemeClr>
+          </a:lnRef>
+          <a:fillRef idx="1">
+            <a:schemeClr val="accent1"/>
+          </a:fillRef>
+          <a:effectRef idx="0">
+            <a:schemeClr val="accent1"/>
+          </a:effectRef>
+          <a:fontRef idx="minor">
+            <a:schemeClr val="lt1"/>
+          </a:fontRef>
+        </p:style>
+        <p:txBody>
+          <a:bodyPr rtlCol="0" anchor="ctr"/>
+          <a:lstStyle/>
+          <a:p>
+            <a:pPr algn="ctr"/>
+            <a:r>
+              <a:rPr lang="ru-RU" sz="4400" dirty="0">
+                <a:latin typeface="Arial Black" panose="020B0A04020102020204" pitchFamily="34" charset="0"/>
+              </a:rPr>
+              <a:t>4</a:t>
             </a:r>
           </a:p>
         </p:txBody>
@@ -5361,7 +9497,7 @@
     </p:spTree>
     <p:extLst>
       <p:ext uri="{BB962C8B-B14F-4D97-AF65-F5344CB8AC3E}">
-        <p14:creationId xmlns:p14="http://schemas.microsoft.com/office/powerpoint/2010/main" val="493746128"/>
+        <p14:creationId xmlns:p14="http://schemas.microsoft.com/office/powerpoint/2010/main" val="388671417"/>
       </p:ext>
     </p:extLst>
   </p:cSld>
@@ -5374,6 +9510,14 @@
 <file path=ppt/slides/slide9.xml><?xml version="1.0" encoding="utf-8"?>
 <p:sld xmlns:a="http://schemas.openxmlformats.org/drawingml/2006/main" xmlns:r="http://schemas.openxmlformats.org/officeDocument/2006/relationships" xmlns:p="http://schemas.openxmlformats.org/presentationml/2006/main">
   <p:cSld>
+    <p:bg>
+      <p:bgPr>
+        <a:solidFill>
+          <a:schemeClr val="tx1"/>
+        </a:solidFill>
+        <a:effectLst/>
+      </p:bgPr>
+    </p:bg>
     <p:spTree>
       <p:nvGrpSpPr>
         <p:cNvPr id="1" name=""/>
@@ -5393,7 +9537,7 @@
           <p:cNvPr id="2" name="Прямоугольник 1">
             <a:extLst>
               <a:ext uri="{FF2B5EF4-FFF2-40B4-BE49-F238E27FC236}">
-                <a16:creationId xmlns:a16="http://schemas.microsoft.com/office/drawing/2014/main" id="{0D675081-639D-40CB-A9C4-87EBC28553A3}"/>
+                <a16:creationId xmlns:a16="http://schemas.microsoft.com/office/drawing/2014/main" id="{4AA60B42-27BE-4E33-86B4-B39FAD108533}"/>
               </a:ext>
             </a:extLst>
           </p:cNvPr>
@@ -5402,15 +9546,15 @@
         </p:nvSpPr>
         <p:spPr>
           <a:xfrm>
-            <a:off x="224537" y="426444"/>
-            <a:ext cx="5043368" cy="545277"/>
-          </a:xfrm>
-          <a:prstGeom prst="rect">
-            <a:avLst/>
-          </a:prstGeom>
-        </p:spPr>
-        <p:txBody>
-          <a:bodyPr wrap="none">
+            <a:off x="1514375" y="2795445"/>
+            <a:ext cx="10185400" cy="739433"/>
+          </a:xfrm>
+          <a:prstGeom prst="rect">
+            <a:avLst/>
+          </a:prstGeom>
+        </p:spPr>
+        <p:txBody>
+          <a:bodyPr wrap="square">
             <a:spAutoFit/>
           </a:bodyPr>
           <a:lstStyle/>
@@ -5424,21 +9568,24 @@
               </a:spcAft>
             </a:pPr>
             <a:r>
-              <a:rPr lang="ru-RU" sz="2800" b="1" dirty="0">
+              <a:rPr lang="ru-RU" sz="4000" b="1" dirty="0">
+                <a:solidFill>
+                  <a:schemeClr val="bg1"/>
+                </a:solidFill>
                 <a:latin typeface="Segoe UI Black" panose="020B0A02040204020203" pitchFamily="34" charset="0"/>
                 <a:ea typeface="Segoe UI Black" panose="020B0A02040204020203" pitchFamily="34" charset="0"/>
               </a:rPr>
-              <a:t>Выбор структуры проекта</a:t>
-            </a:r>
-          </a:p>
-        </p:txBody>
-      </p:sp>
-      <p:sp>
-        <p:nvSpPr>
-          <p:cNvPr id="3" name="Прямоугольник 2">
-            <a:extLst>
-              <a:ext uri="{FF2B5EF4-FFF2-40B4-BE49-F238E27FC236}">
-                <a16:creationId xmlns:a16="http://schemas.microsoft.com/office/drawing/2014/main" id="{D3BAD605-0221-4F33-81E9-8D0D1373E400}"/>
+              <a:t>Визуализация структуры проекта</a:t>
+            </a:r>
+          </a:p>
+        </p:txBody>
+      </p:sp>
+      <p:sp>
+        <p:nvSpPr>
+          <p:cNvPr id="5" name="Прямоугольник 4">
+            <a:extLst>
+              <a:ext uri="{FF2B5EF4-FFF2-40B4-BE49-F238E27FC236}">
+                <a16:creationId xmlns:a16="http://schemas.microsoft.com/office/drawing/2014/main" id="{F7B93F9B-4427-4ECE-94A3-58F1BF1E592E}"/>
               </a:ext>
             </a:extLst>
           </p:cNvPr>
@@ -5447,300 +9594,48 @@
         </p:nvSpPr>
         <p:spPr>
           <a:xfrm>
-            <a:off x="390525" y="1623423"/>
-            <a:ext cx="2676524" cy="4883260"/>
-          </a:xfrm>
-          <a:prstGeom prst="rect">
-            <a:avLst/>
-          </a:prstGeom>
-        </p:spPr>
-        <p:txBody>
-          <a:bodyPr wrap="square">
-            <a:spAutoFit/>
-          </a:bodyPr>
-          <a:lstStyle/>
-          <a:p>
-            <a:pPr>
-              <a:lnSpc>
-                <a:spcPct val="115000"/>
-              </a:lnSpc>
-              <a:spcAft>
-                <a:spcPts val="0"/>
-              </a:spcAft>
-            </a:pPr>
-            <a:r>
-              <a:rPr lang="ru-RU" sz="1600" u="sng" dirty="0">
-                <a:latin typeface="Times New Roman" panose="02020603050405020304" pitchFamily="18" charset="0"/>
-                <a:ea typeface="Times New Roman" panose="02020603050405020304" pitchFamily="18" charset="0"/>
-              </a:rPr>
-              <a:t>Модульность и разделение ответственности</a:t>
-            </a:r>
-            <a:r>
-              <a:rPr lang="ru-RU" sz="1600" dirty="0">
-                <a:latin typeface="Times New Roman" panose="02020603050405020304" pitchFamily="18" charset="0"/>
-                <a:ea typeface="Times New Roman" panose="02020603050405020304" pitchFamily="18" charset="0"/>
-              </a:rPr>
-              <a:t>:</a:t>
-            </a:r>
-          </a:p>
-          <a:p>
-            <a:pPr>
-              <a:lnSpc>
-                <a:spcPct val="115000"/>
-              </a:lnSpc>
-              <a:spcAft>
-                <a:spcPts val="0"/>
-              </a:spcAft>
-            </a:pPr>
-            <a:r>
-              <a:rPr lang="ru-RU" sz="1600" dirty="0">
-                <a:latin typeface="Times New Roman" panose="02020603050405020304" pitchFamily="18" charset="0"/>
-                <a:ea typeface="Times New Roman" panose="02020603050405020304" pitchFamily="18" charset="0"/>
-              </a:rPr>
-              <a:t>Многоуровневая структура позволяет разделить проект на отдельные уровни, каждый из которых отвечает за конкретные аспекты приложения (например, представление, бизнес-логика, доступ к данным). Это способствует улучшению модульности кода и позволяет легко изменять или заменять отдельные компоненты без влияния на другие части проекта.</a:t>
-            </a:r>
-          </a:p>
-        </p:txBody>
-      </p:sp>
-      <p:sp>
-        <p:nvSpPr>
-          <p:cNvPr id="4" name="Прямоугольник 3">
-            <a:extLst>
-              <a:ext uri="{FF2B5EF4-FFF2-40B4-BE49-F238E27FC236}">
-                <a16:creationId xmlns:a16="http://schemas.microsoft.com/office/drawing/2014/main" id="{168D6FBC-DA26-45A5-98B0-0019F01CFDAE}"/>
-              </a:ext>
-            </a:extLst>
-          </p:cNvPr>
-          <p:cNvSpPr/>
-          <p:nvPr/>
-        </p:nvSpPr>
-        <p:spPr>
-          <a:xfrm>
-            <a:off x="3267080" y="1671048"/>
-            <a:ext cx="2124074" cy="4316951"/>
-          </a:xfrm>
-          <a:prstGeom prst="rect">
-            <a:avLst/>
-          </a:prstGeom>
-        </p:spPr>
-        <p:txBody>
-          <a:bodyPr wrap="square">
-            <a:spAutoFit/>
-          </a:bodyPr>
-          <a:lstStyle/>
-          <a:p>
-            <a:pPr>
-              <a:lnSpc>
-                <a:spcPct val="115000"/>
-              </a:lnSpc>
-              <a:spcAft>
-                <a:spcPts val="0"/>
-              </a:spcAft>
-            </a:pPr>
-            <a:r>
-              <a:rPr lang="ru-RU" sz="1600" u="sng" dirty="0">
-                <a:latin typeface="Times New Roman" panose="02020603050405020304" pitchFamily="18" charset="0"/>
-                <a:ea typeface="Times New Roman" panose="02020603050405020304" pitchFamily="18" charset="0"/>
-              </a:rPr>
-              <a:t>Упрощение тестирования и отладки</a:t>
-            </a:r>
-            <a:r>
-              <a:rPr lang="ru-RU" sz="1600" dirty="0">
-                <a:latin typeface="Times New Roman" panose="02020603050405020304" pitchFamily="18" charset="0"/>
-                <a:ea typeface="Times New Roman" panose="02020603050405020304" pitchFamily="18" charset="0"/>
-              </a:rPr>
-              <a:t>:</a:t>
-            </a:r>
-          </a:p>
-          <a:p>
-            <a:pPr>
-              <a:lnSpc>
-                <a:spcPct val="115000"/>
-              </a:lnSpc>
-              <a:spcAft>
-                <a:spcPts val="0"/>
-              </a:spcAft>
-            </a:pPr>
-            <a:r>
-              <a:rPr lang="ru-RU" sz="1600" dirty="0">
-                <a:latin typeface="Times New Roman" panose="02020603050405020304" pitchFamily="18" charset="0"/>
-                <a:ea typeface="Times New Roman" panose="02020603050405020304" pitchFamily="18" charset="0"/>
-              </a:rPr>
-              <a:t>Каждый уровень может быть протестирован и отлажен независимо от других уровней. Это облегчает обнаружение и исправление ошибок, а также обеспечивает более высокую степень надежности всего проекта.</a:t>
-            </a:r>
-          </a:p>
-        </p:txBody>
-      </p:sp>
-      <p:sp>
-        <p:nvSpPr>
-          <p:cNvPr id="5" name="Прямоугольник 4">
-            <a:extLst>
-              <a:ext uri="{FF2B5EF4-FFF2-40B4-BE49-F238E27FC236}">
-                <a16:creationId xmlns:a16="http://schemas.microsoft.com/office/drawing/2014/main" id="{C01BA989-9BAB-41B4-9AD3-34DBBAB94E0D}"/>
-              </a:ext>
-            </a:extLst>
-          </p:cNvPr>
-          <p:cNvSpPr/>
-          <p:nvPr/>
-        </p:nvSpPr>
-        <p:spPr>
-          <a:xfrm>
-            <a:off x="5591185" y="1737723"/>
-            <a:ext cx="2552698" cy="4316951"/>
-          </a:xfrm>
-          <a:prstGeom prst="rect">
-            <a:avLst/>
-          </a:prstGeom>
-        </p:spPr>
-        <p:txBody>
-          <a:bodyPr wrap="square">
-            <a:spAutoFit/>
-          </a:bodyPr>
-          <a:lstStyle/>
-          <a:p>
-            <a:pPr>
-              <a:lnSpc>
-                <a:spcPct val="115000"/>
-              </a:lnSpc>
-              <a:spcAft>
-                <a:spcPts val="0"/>
-              </a:spcAft>
-            </a:pPr>
-            <a:r>
-              <a:rPr lang="ru-RU" sz="1600" u="sng" dirty="0">
-                <a:latin typeface="Times New Roman" panose="02020603050405020304" pitchFamily="18" charset="0"/>
-                <a:ea typeface="Times New Roman" panose="02020603050405020304" pitchFamily="18" charset="0"/>
-              </a:rPr>
-              <a:t>Улучшение </a:t>
-            </a:r>
-            <a:r>
-              <a:rPr lang="ru-RU" sz="1600" u="sng" dirty="0" err="1">
-                <a:latin typeface="Times New Roman" panose="02020603050405020304" pitchFamily="18" charset="0"/>
-                <a:ea typeface="Times New Roman" panose="02020603050405020304" pitchFamily="18" charset="0"/>
-              </a:rPr>
-              <a:t>переиспользования</a:t>
-            </a:r>
-            <a:r>
-              <a:rPr lang="ru-RU" sz="1600" u="sng" dirty="0">
-                <a:latin typeface="Times New Roman" panose="02020603050405020304" pitchFamily="18" charset="0"/>
-                <a:ea typeface="Times New Roman" panose="02020603050405020304" pitchFamily="18" charset="0"/>
-              </a:rPr>
-              <a:t> кода</a:t>
-            </a:r>
-            <a:r>
-              <a:rPr lang="ru-RU" sz="1600" dirty="0">
-                <a:latin typeface="Times New Roman" panose="02020603050405020304" pitchFamily="18" charset="0"/>
-                <a:ea typeface="Times New Roman" panose="02020603050405020304" pitchFamily="18" charset="0"/>
-              </a:rPr>
-              <a:t>:</a:t>
-            </a:r>
-          </a:p>
-          <a:p>
-            <a:pPr>
-              <a:lnSpc>
-                <a:spcPct val="115000"/>
-              </a:lnSpc>
-              <a:spcAft>
-                <a:spcPts val="0"/>
-              </a:spcAft>
-            </a:pPr>
-            <a:r>
-              <a:rPr lang="ru-RU" sz="1600" dirty="0">
-                <a:latin typeface="Times New Roman" panose="02020603050405020304" pitchFamily="18" charset="0"/>
-                <a:ea typeface="Times New Roman" panose="02020603050405020304" pitchFamily="18" charset="0"/>
-              </a:rPr>
-              <a:t>Хорошо спроектированные компоненты на разных уровнях могут быть </a:t>
-            </a:r>
-            <a:r>
-              <a:rPr lang="ru-RU" sz="1600" dirty="0" err="1">
-                <a:latin typeface="Times New Roman" panose="02020603050405020304" pitchFamily="18" charset="0"/>
-                <a:ea typeface="Times New Roman" panose="02020603050405020304" pitchFamily="18" charset="0"/>
-              </a:rPr>
-              <a:t>переиспользованы</a:t>
-            </a:r>
-            <a:r>
-              <a:rPr lang="ru-RU" sz="1600" dirty="0">
-                <a:latin typeface="Times New Roman" panose="02020603050405020304" pitchFamily="18" charset="0"/>
-                <a:ea typeface="Times New Roman" panose="02020603050405020304" pitchFamily="18" charset="0"/>
-              </a:rPr>
-              <a:t> в различных частях проекта или даже в других проектах. Это способствует повышению производительности разработки и снижению затрат на создание нового функционала.</a:t>
-            </a:r>
-          </a:p>
-        </p:txBody>
-      </p:sp>
-      <p:sp>
-        <p:nvSpPr>
-          <p:cNvPr id="6" name="Прямоугольник 5">
-            <a:extLst>
-              <a:ext uri="{FF2B5EF4-FFF2-40B4-BE49-F238E27FC236}">
-                <a16:creationId xmlns:a16="http://schemas.microsoft.com/office/drawing/2014/main" id="{C1559B04-BB78-49C6-AF95-78BCF2B8BCC0}"/>
-              </a:ext>
-            </a:extLst>
-          </p:cNvPr>
-          <p:cNvSpPr/>
-          <p:nvPr/>
-        </p:nvSpPr>
-        <p:spPr>
-          <a:xfrm>
-            <a:off x="8572501" y="1665696"/>
-            <a:ext cx="2676524" cy="4526496"/>
-          </a:xfrm>
-          <a:prstGeom prst="rect">
-            <a:avLst/>
-          </a:prstGeom>
-        </p:spPr>
-        <p:txBody>
-          <a:bodyPr wrap="square">
-            <a:spAutoFit/>
-          </a:bodyPr>
-          <a:lstStyle/>
-          <a:p>
-            <a:pPr>
-              <a:lnSpc>
-                <a:spcPct val="115000"/>
-              </a:lnSpc>
-              <a:spcAft>
-                <a:spcPts val="0"/>
-              </a:spcAft>
-            </a:pPr>
-            <a:r>
-              <a:rPr lang="ru-RU" u="sng" dirty="0">
-                <a:latin typeface="Times New Roman" panose="02020603050405020304" pitchFamily="18" charset="0"/>
-                <a:ea typeface="Times New Roman" panose="02020603050405020304" pitchFamily="18" charset="0"/>
-              </a:rPr>
-              <a:t>Снижение зависимости и повышение связности</a:t>
-            </a:r>
-            <a:r>
-              <a:rPr lang="ru-RU" dirty="0">
-                <a:latin typeface="Times New Roman" panose="02020603050405020304" pitchFamily="18" charset="0"/>
-                <a:ea typeface="Times New Roman" panose="02020603050405020304" pitchFamily="18" charset="0"/>
-              </a:rPr>
-              <a:t>:</a:t>
-            </a:r>
-          </a:p>
-          <a:p>
-            <a:pPr>
-              <a:lnSpc>
-                <a:spcPct val="115000"/>
-              </a:lnSpc>
-              <a:spcAft>
-                <a:spcPts val="0"/>
-              </a:spcAft>
-            </a:pPr>
-            <a:r>
-              <a:rPr lang="ru-RU" dirty="0">
-                <a:latin typeface="Times New Roman" panose="02020603050405020304" pitchFamily="18" charset="0"/>
-                <a:ea typeface="Times New Roman" panose="02020603050405020304" pitchFamily="18" charset="0"/>
-              </a:rPr>
-              <a:t>Многоуровневая структура позволяет уменьшить зависимость между различными компонентами проекта и повысить связность (связь) внутри каждого уровня. Это способствует созданию более гибкой и расширяемой архитектуры.</a:t>
-            </a:r>
+            <a:off x="1424539" y="2795445"/>
+            <a:ext cx="9144000" cy="842904"/>
+          </a:xfrm>
+          <a:prstGeom prst="rect">
+            <a:avLst/>
+          </a:prstGeom>
+          <a:noFill/>
+          <a:ln w="76200">
+            <a:solidFill>
+              <a:schemeClr val="bg1"/>
+            </a:solidFill>
+          </a:ln>
+        </p:spPr>
+        <p:style>
+          <a:lnRef idx="2">
+            <a:schemeClr val="accent1">
+              <a:shade val="50000"/>
+            </a:schemeClr>
+          </a:lnRef>
+          <a:fillRef idx="1">
+            <a:schemeClr val="accent1"/>
+          </a:fillRef>
+          <a:effectRef idx="0">
+            <a:schemeClr val="accent1"/>
+          </a:effectRef>
+          <a:fontRef idx="minor">
+            <a:schemeClr val="lt1"/>
+          </a:fontRef>
+        </p:style>
+        <p:txBody>
+          <a:bodyPr rtlCol="0" anchor="ctr"/>
+          <a:lstStyle/>
+          <a:p>
+            <a:pPr algn="ctr"/>
+            <a:endParaRPr lang="ru-RU"/>
           </a:p>
         </p:txBody>
       </p:sp>
     </p:spTree>
     <p:extLst>
       <p:ext uri="{BB962C8B-B14F-4D97-AF65-F5344CB8AC3E}">
-        <p14:creationId xmlns:p14="http://schemas.microsoft.com/office/powerpoint/2010/main" val="388671417"/>
+        <p14:creationId xmlns:p14="http://schemas.microsoft.com/office/powerpoint/2010/main" val="1338497060"/>
       </p:ext>
     </p:extLst>
   </p:cSld>

--- a/Анализ оценок из Сетевого Города.pptx
+++ b/Анализ оценок из Сетевого Города.pptx
@@ -26,11 +26,11 @@
     <p:sldId id="274" r:id="rId17"/>
     <p:sldId id="275" r:id="rId18"/>
     <p:sldId id="276" r:id="rId19"/>
-    <p:sldId id="277" r:id="rId20"/>
-    <p:sldId id="278" r:id="rId21"/>
-    <p:sldId id="279" r:id="rId22"/>
-    <p:sldId id="280" r:id="rId23"/>
-    <p:sldId id="282" r:id="rId24"/>
+    <p:sldId id="282" r:id="rId20"/>
+    <p:sldId id="277" r:id="rId21"/>
+    <p:sldId id="278" r:id="rId22"/>
+    <p:sldId id="279" r:id="rId23"/>
+    <p:sldId id="280" r:id="rId24"/>
     <p:sldId id="281" r:id="rId25"/>
   </p:sldIdLst>
   <p:sldSz cx="12192000" cy="6858000"/>
@@ -246,7 +246,7 @@
           <a:p>
             <a:fld id="{D6CD03B5-A1B7-4F55-B135-3220239301C0}" type="datetimeFigureOut">
               <a:rPr lang="ru-RU" smtClean="0"/>
-              <a:t>11.04.2024</a:t>
+              <a:t>17.04.2024</a:t>
             </a:fld>
             <a:endParaRPr lang="ru-RU"/>
           </a:p>
@@ -660,7 +660,7 @@
           <a:p>
             <a:fld id="{9FBB5711-22C3-4E79-861B-F135E2354D34}" type="datetimeFigureOut">
               <a:rPr lang="ru-RU" smtClean="0"/>
-              <a:t>11.04.2024</a:t>
+              <a:t>17.04.2024</a:t>
             </a:fld>
             <a:endParaRPr lang="ru-RU"/>
           </a:p>
@@ -858,7 +858,7 @@
           <a:p>
             <a:fld id="{9FBB5711-22C3-4E79-861B-F135E2354D34}" type="datetimeFigureOut">
               <a:rPr lang="ru-RU" smtClean="0"/>
-              <a:t>11.04.2024</a:t>
+              <a:t>17.04.2024</a:t>
             </a:fld>
             <a:endParaRPr lang="ru-RU"/>
           </a:p>
@@ -1066,7 +1066,7 @@
           <a:p>
             <a:fld id="{9FBB5711-22C3-4E79-861B-F135E2354D34}" type="datetimeFigureOut">
               <a:rPr lang="ru-RU" smtClean="0"/>
-              <a:t>11.04.2024</a:t>
+              <a:t>17.04.2024</a:t>
             </a:fld>
             <a:endParaRPr lang="ru-RU"/>
           </a:p>
@@ -1264,7 +1264,7 @@
           <a:p>
             <a:fld id="{9FBB5711-22C3-4E79-861B-F135E2354D34}" type="datetimeFigureOut">
               <a:rPr lang="ru-RU" smtClean="0"/>
-              <a:t>11.04.2024</a:t>
+              <a:t>17.04.2024</a:t>
             </a:fld>
             <a:endParaRPr lang="ru-RU"/>
           </a:p>
@@ -1539,7 +1539,7 @@
           <a:p>
             <a:fld id="{9FBB5711-22C3-4E79-861B-F135E2354D34}" type="datetimeFigureOut">
               <a:rPr lang="ru-RU" smtClean="0"/>
-              <a:t>11.04.2024</a:t>
+              <a:t>17.04.2024</a:t>
             </a:fld>
             <a:endParaRPr lang="ru-RU"/>
           </a:p>
@@ -1804,7 +1804,7 @@
           <a:p>
             <a:fld id="{9FBB5711-22C3-4E79-861B-F135E2354D34}" type="datetimeFigureOut">
               <a:rPr lang="ru-RU" smtClean="0"/>
-              <a:t>11.04.2024</a:t>
+              <a:t>17.04.2024</a:t>
             </a:fld>
             <a:endParaRPr lang="ru-RU"/>
           </a:p>
@@ -2216,7 +2216,7 @@
           <a:p>
             <a:fld id="{9FBB5711-22C3-4E79-861B-F135E2354D34}" type="datetimeFigureOut">
               <a:rPr lang="ru-RU" smtClean="0"/>
-              <a:t>11.04.2024</a:t>
+              <a:t>17.04.2024</a:t>
             </a:fld>
             <a:endParaRPr lang="ru-RU"/>
           </a:p>
@@ -2357,7 +2357,7 @@
           <a:p>
             <a:fld id="{9FBB5711-22C3-4E79-861B-F135E2354D34}" type="datetimeFigureOut">
               <a:rPr lang="ru-RU" smtClean="0"/>
-              <a:t>11.04.2024</a:t>
+              <a:t>17.04.2024</a:t>
             </a:fld>
             <a:endParaRPr lang="ru-RU"/>
           </a:p>
@@ -2470,7 +2470,7 @@
           <a:p>
             <a:fld id="{9FBB5711-22C3-4E79-861B-F135E2354D34}" type="datetimeFigureOut">
               <a:rPr lang="ru-RU" smtClean="0"/>
-              <a:t>11.04.2024</a:t>
+              <a:t>17.04.2024</a:t>
             </a:fld>
             <a:endParaRPr lang="ru-RU"/>
           </a:p>
@@ -2781,7 +2781,7 @@
           <a:p>
             <a:fld id="{9FBB5711-22C3-4E79-861B-F135E2354D34}" type="datetimeFigureOut">
               <a:rPr lang="ru-RU" smtClean="0"/>
-              <a:t>11.04.2024</a:t>
+              <a:t>17.04.2024</a:t>
             </a:fld>
             <a:endParaRPr lang="ru-RU"/>
           </a:p>
@@ -3069,7 +3069,7 @@
           <a:p>
             <a:fld id="{9FBB5711-22C3-4E79-861B-F135E2354D34}" type="datetimeFigureOut">
               <a:rPr lang="ru-RU" smtClean="0"/>
-              <a:t>11.04.2024</a:t>
+              <a:t>17.04.2024</a:t>
             </a:fld>
             <a:endParaRPr lang="ru-RU"/>
           </a:p>
@@ -3310,7 +3310,7 @@
           <a:p>
             <a:fld id="{9FBB5711-22C3-4E79-861B-F135E2354D34}" type="datetimeFigureOut">
               <a:rPr lang="ru-RU" smtClean="0"/>
-              <a:t>11.04.2024</a:t>
+              <a:t>17.04.2024</a:t>
             </a:fld>
             <a:endParaRPr lang="ru-RU"/>
           </a:p>
@@ -3907,6 +3907,23 @@
 <file path=ppt/slides/slide11.xml><?xml version="1.0" encoding="utf-8"?>
 <p:sld xmlns:a="http://schemas.openxmlformats.org/drawingml/2006/main" xmlns:r="http://schemas.openxmlformats.org/officeDocument/2006/relationships" xmlns:p="http://schemas.openxmlformats.org/presentationml/2006/main">
   <p:cSld>
+    <p:bg>
+      <p:bgPr>
+        <a:gradFill flip="none" rotWithShape="1">
+          <a:gsLst>
+            <a:gs pos="0">
+              <a:srgbClr val="7030A0"/>
+            </a:gs>
+            <a:gs pos="100000">
+              <a:srgbClr val="FFFF00"/>
+            </a:gs>
+          </a:gsLst>
+          <a:lin ang="2700000" scaled="1"/>
+          <a:tileRect/>
+        </a:gradFill>
+        <a:effectLst/>
+      </p:bgPr>
+    </p:bg>
     <p:spTree>
       <p:nvGrpSpPr>
         <p:cNvPr id="1" name=""/>
@@ -3935,7 +3952,7 @@
         </p:nvSpPr>
         <p:spPr>
           <a:xfrm>
-            <a:off x="461999" y="385319"/>
+            <a:off x="-6372659" y="-2468750"/>
             <a:ext cx="3424335" cy="523220"/>
           </a:xfrm>
           <a:prstGeom prst="rect">
@@ -3966,6 +3983,93 @@
               <a:latin typeface="Segoe UI Black" panose="020B0A02040204020203" pitchFamily="34" charset="0"/>
               <a:ea typeface="Segoe UI Black" panose="020B0A02040204020203" pitchFamily="34" charset="0"/>
             </a:endParaRPr>
+          </a:p>
+        </p:txBody>
+      </p:sp>
+      <p:sp>
+        <p:nvSpPr>
+          <p:cNvPr id="4" name="Прямоугольник 3">
+            <a:extLst>
+              <a:ext uri="{FF2B5EF4-FFF2-40B4-BE49-F238E27FC236}">
+                <a16:creationId xmlns:a16="http://schemas.microsoft.com/office/drawing/2014/main" id="{6FBD3C50-2539-45A4-B8C0-A5F8A0BC0A5D}"/>
+              </a:ext>
+            </a:extLst>
+          </p:cNvPr>
+          <p:cNvSpPr/>
+          <p:nvPr/>
+        </p:nvSpPr>
+        <p:spPr>
+          <a:xfrm>
+            <a:off x="-8609783" y="0"/>
+            <a:ext cx="4997043" cy="1659557"/>
+          </a:xfrm>
+          <a:prstGeom prst="rect">
+            <a:avLst/>
+          </a:prstGeom>
+        </p:spPr>
+        <p:txBody>
+          <a:bodyPr wrap="square">
+            <a:spAutoFit/>
+          </a:bodyPr>
+          <a:lstStyle/>
+          <a:p>
+            <a:pPr lvl="0">
+              <a:lnSpc>
+                <a:spcPct val="115000"/>
+              </a:lnSpc>
+              <a:spcAft>
+                <a:spcPts val="0"/>
+              </a:spcAft>
+            </a:pPr>
+            <a:r>
+              <a:rPr lang="ru-RU" dirty="0">
+                <a:latin typeface="Times New Roman" panose="02020603050405020304" pitchFamily="18" charset="0"/>
+                <a:ea typeface="Times New Roman" panose="02020603050405020304" pitchFamily="18" charset="0"/>
+              </a:rPr>
+              <a:t>Скачивание установщика: Загрузить установщик </a:t>
+            </a:r>
+            <a:r>
+              <a:rPr lang="ru-RU" dirty="0" err="1">
+                <a:latin typeface="Times New Roman" panose="02020603050405020304" pitchFamily="18" charset="0"/>
+                <a:ea typeface="Times New Roman" panose="02020603050405020304" pitchFamily="18" charset="0"/>
+              </a:rPr>
+              <a:t>Python</a:t>
+            </a:r>
+            <a:r>
+              <a:rPr lang="ru-RU" dirty="0">
+                <a:latin typeface="Times New Roman" panose="02020603050405020304" pitchFamily="18" charset="0"/>
+                <a:ea typeface="Times New Roman" panose="02020603050405020304" pitchFamily="18" charset="0"/>
+              </a:rPr>
+              <a:t> с официального веб-сайта </a:t>
+            </a:r>
+            <a:r>
+              <a:rPr lang="ru-RU" dirty="0" err="1">
+                <a:latin typeface="Times New Roman" panose="02020603050405020304" pitchFamily="18" charset="0"/>
+                <a:ea typeface="Times New Roman" panose="02020603050405020304" pitchFamily="18" charset="0"/>
+              </a:rPr>
+              <a:t>Python</a:t>
+            </a:r>
+            <a:r>
+              <a:rPr lang="ru-RU" dirty="0">
+                <a:latin typeface="Times New Roman" panose="02020603050405020304" pitchFamily="18" charset="0"/>
+                <a:ea typeface="Times New Roman" panose="02020603050405020304" pitchFamily="18" charset="0"/>
+              </a:rPr>
+              <a:t> (https://www.python.org/). На сайте представлены версии </a:t>
+            </a:r>
+            <a:r>
+              <a:rPr lang="ru-RU" dirty="0" err="1">
+                <a:latin typeface="Times New Roman" panose="02020603050405020304" pitchFamily="18" charset="0"/>
+                <a:ea typeface="Times New Roman" panose="02020603050405020304" pitchFamily="18" charset="0"/>
+              </a:rPr>
+              <a:t>Python</a:t>
+            </a:r>
+            <a:r>
+              <a:rPr lang="ru-RU" dirty="0">
+                <a:latin typeface="Times New Roman" panose="02020603050405020304" pitchFamily="18" charset="0"/>
+                <a:ea typeface="Times New Roman" panose="02020603050405020304" pitchFamily="18" charset="0"/>
+              </a:rPr>
+              <a:t> для различных операционных систем.</a:t>
+            </a:r>
           </a:p>
         </p:txBody>
       </p:sp>
@@ -3990,8 +4094,8 @@
         </p:blipFill>
         <p:spPr>
           <a:xfrm>
-            <a:off x="4432300" y="2818629"/>
-            <a:ext cx="7297701" cy="3667225"/>
+            <a:off x="15804740" y="-3053230"/>
+            <a:ext cx="7194659" cy="3787069"/>
           </a:xfrm>
           <a:prstGeom prst="rect">
             <a:avLst/>
@@ -4001,10 +4105,10 @@
       </p:pic>
       <p:sp>
         <p:nvSpPr>
-          <p:cNvPr id="4" name="Прямоугольник 3">
-            <a:extLst>
-              <a:ext uri="{FF2B5EF4-FFF2-40B4-BE49-F238E27FC236}">
-                <a16:creationId xmlns:a16="http://schemas.microsoft.com/office/drawing/2014/main" id="{6FBD3C50-2539-45A4-B8C0-A5F8A0BC0A5D}"/>
+          <p:cNvPr id="11" name="Прямоугольник 10">
+            <a:extLst>
+              <a:ext uri="{FF2B5EF4-FFF2-40B4-BE49-F238E27FC236}">
+                <a16:creationId xmlns:a16="http://schemas.microsoft.com/office/drawing/2014/main" id="{2FCD66A1-6851-43D5-B742-E3AD15E69F10}"/>
               </a:ext>
             </a:extLst>
           </p:cNvPr>
@@ -4013,8 +4117,117 @@
         </p:nvSpPr>
         <p:spPr>
           <a:xfrm>
-            <a:off x="461999" y="1329088"/>
-            <a:ext cx="4997043" cy="1659557"/>
+            <a:off x="250746" y="263902"/>
+            <a:ext cx="11690508" cy="6330196"/>
+          </a:xfrm>
+          <a:prstGeom prst="rect">
+            <a:avLst/>
+          </a:prstGeom>
+          <a:solidFill>
+            <a:srgbClr val="111111"/>
+          </a:solidFill>
+          <a:ln>
+            <a:noFill/>
+          </a:ln>
+        </p:spPr>
+        <p:style>
+          <a:lnRef idx="2">
+            <a:schemeClr val="accent1">
+              <a:shade val="50000"/>
+            </a:schemeClr>
+          </a:lnRef>
+          <a:fillRef idx="1">
+            <a:schemeClr val="accent1"/>
+          </a:fillRef>
+          <a:effectRef idx="0">
+            <a:schemeClr val="accent1"/>
+          </a:effectRef>
+          <a:fontRef idx="minor">
+            <a:schemeClr val="lt1"/>
+          </a:fontRef>
+        </p:style>
+        <p:txBody>
+          <a:bodyPr rtlCol="0" anchor="ctr"/>
+          <a:lstStyle/>
+          <a:p>
+            <a:pPr algn="ctr"/>
+            <a:endParaRPr lang="ru-RU"/>
+          </a:p>
+        </p:txBody>
+      </p:sp>
+      <p:sp>
+        <p:nvSpPr>
+          <p:cNvPr id="12" name="Прямоугольник 11">
+            <a:extLst>
+              <a:ext uri="{FF2B5EF4-FFF2-40B4-BE49-F238E27FC236}">
+                <a16:creationId xmlns:a16="http://schemas.microsoft.com/office/drawing/2014/main" id="{B31003C9-5DEA-4374-BD54-DC8F2D39A8B6}"/>
+              </a:ext>
+            </a:extLst>
+          </p:cNvPr>
+          <p:cNvSpPr/>
+          <p:nvPr/>
+        </p:nvSpPr>
+        <p:spPr>
+          <a:xfrm>
+            <a:off x="505006" y="472229"/>
+            <a:ext cx="3424335" cy="523220"/>
+          </a:xfrm>
+          <a:prstGeom prst="rect">
+            <a:avLst/>
+          </a:prstGeom>
+        </p:spPr>
+        <p:txBody>
+          <a:bodyPr wrap="none">
+            <a:spAutoFit/>
+          </a:bodyPr>
+          <a:lstStyle/>
+          <a:p>
+            <a:r>
+              <a:rPr lang="ru-RU" sz="2800" b="1" dirty="0">
+                <a:solidFill>
+                  <a:schemeClr val="bg1"/>
+                </a:solidFill>
+                <a:latin typeface="Segoe UI Black" panose="020B0A02040204020203" pitchFamily="34" charset="0"/>
+                <a:ea typeface="Segoe UI Black" panose="020B0A02040204020203" pitchFamily="34" charset="0"/>
+              </a:rPr>
+              <a:t>Установка </a:t>
+            </a:r>
+            <a:r>
+              <a:rPr lang="ru-RU" sz="2800" b="1" dirty="0" err="1">
+                <a:solidFill>
+                  <a:schemeClr val="bg1"/>
+                </a:solidFill>
+                <a:latin typeface="Segoe UI Black" panose="020B0A02040204020203" pitchFamily="34" charset="0"/>
+                <a:ea typeface="Segoe UI Black" panose="020B0A02040204020203" pitchFamily="34" charset="0"/>
+              </a:rPr>
+              <a:t>Python</a:t>
+            </a:r>
+            <a:endParaRPr lang="ru-RU" sz="2800" dirty="0">
+              <a:solidFill>
+                <a:schemeClr val="bg1"/>
+              </a:solidFill>
+              <a:latin typeface="Segoe UI Black" panose="020B0A02040204020203" pitchFamily="34" charset="0"/>
+              <a:ea typeface="Segoe UI Black" panose="020B0A02040204020203" pitchFamily="34" charset="0"/>
+            </a:endParaRPr>
+          </a:p>
+        </p:txBody>
+      </p:sp>
+      <p:sp>
+        <p:nvSpPr>
+          <p:cNvPr id="13" name="Прямоугольник 12">
+            <a:extLst>
+              <a:ext uri="{FF2B5EF4-FFF2-40B4-BE49-F238E27FC236}">
+                <a16:creationId xmlns:a16="http://schemas.microsoft.com/office/drawing/2014/main" id="{F7E94987-F27A-4009-BA57-B60AC1258758}"/>
+              </a:ext>
+            </a:extLst>
+          </p:cNvPr>
+          <p:cNvSpPr/>
+          <p:nvPr/>
+        </p:nvSpPr>
+        <p:spPr>
+          <a:xfrm>
+            <a:off x="505006" y="1157216"/>
+            <a:ext cx="4997043" cy="1341008"/>
           </a:xfrm>
           <a:prstGeom prst="rect">
             <a:avLst/>
@@ -4036,53 +4249,479 @@
             </a:pPr>
             <a:r>
               <a:rPr lang="ru-RU" dirty="0">
+                <a:solidFill>
+                  <a:schemeClr val="bg1"/>
+                </a:solidFill>
+                <a:latin typeface="Segoe UI Black" panose="020B0A02040204020203" pitchFamily="34" charset="0"/>
+                <a:ea typeface="Segoe UI Black" panose="020B0A02040204020203" pitchFamily="34" charset="0"/>
+              </a:rPr>
+              <a:t>Скачивание установщика: Загрузить установщик </a:t>
+            </a:r>
+            <a:r>
+              <a:rPr lang="ru-RU" dirty="0" err="1">
+                <a:solidFill>
+                  <a:schemeClr val="bg1"/>
+                </a:solidFill>
+                <a:latin typeface="Segoe UI Black" panose="020B0A02040204020203" pitchFamily="34" charset="0"/>
+                <a:ea typeface="Segoe UI Black" panose="020B0A02040204020203" pitchFamily="34" charset="0"/>
+              </a:rPr>
+              <a:t>Python</a:t>
+            </a:r>
+            <a:r>
+              <a:rPr lang="ru-RU" dirty="0">
+                <a:solidFill>
+                  <a:schemeClr val="bg1"/>
+                </a:solidFill>
+                <a:latin typeface="Segoe UI Black" panose="020B0A02040204020203" pitchFamily="34" charset="0"/>
+                <a:ea typeface="Segoe UI Black" panose="020B0A02040204020203" pitchFamily="34" charset="0"/>
+              </a:rPr>
+              <a:t> с официального веб-сайта </a:t>
+            </a:r>
+            <a:r>
+              <a:rPr lang="ru-RU" dirty="0" err="1">
+                <a:solidFill>
+                  <a:schemeClr val="bg1"/>
+                </a:solidFill>
+                <a:latin typeface="Segoe UI Black" panose="020B0A02040204020203" pitchFamily="34" charset="0"/>
+                <a:ea typeface="Segoe UI Black" panose="020B0A02040204020203" pitchFamily="34" charset="0"/>
+              </a:rPr>
+              <a:t>Pytho</a:t>
+            </a:r>
+            <a:r>
+              <a:rPr lang="en-US" dirty="0">
+                <a:solidFill>
+                  <a:schemeClr val="bg1"/>
+                </a:solidFill>
+                <a:latin typeface="Segoe UI Black" panose="020B0A02040204020203" pitchFamily="34" charset="0"/>
+                <a:ea typeface="Segoe UI Black" panose="020B0A02040204020203" pitchFamily="34" charset="0"/>
+              </a:rPr>
+              <a:t>n:</a:t>
+            </a:r>
+          </a:p>
+          <a:p>
+            <a:pPr lvl="0">
+              <a:lnSpc>
+                <a:spcPct val="115000"/>
+              </a:lnSpc>
+              <a:spcAft>
+                <a:spcPts val="0"/>
+              </a:spcAft>
+            </a:pPr>
+            <a:endParaRPr lang="en-US" dirty="0">
+              <a:solidFill>
+                <a:schemeClr val="bg1"/>
+              </a:solidFill>
+              <a:latin typeface="Times New Roman" panose="02020603050405020304" pitchFamily="18" charset="0"/>
+              <a:ea typeface="Times New Roman" panose="02020603050405020304" pitchFamily="18" charset="0"/>
+            </a:endParaRPr>
+          </a:p>
+        </p:txBody>
+      </p:sp>
+      <p:sp>
+        <p:nvSpPr>
+          <p:cNvPr id="14" name="Прямоугольник 13">
+            <a:extLst>
+              <a:ext uri="{FF2B5EF4-FFF2-40B4-BE49-F238E27FC236}">
+                <a16:creationId xmlns:a16="http://schemas.microsoft.com/office/drawing/2014/main" id="{35502A58-DFBB-4C3E-829E-F7CFECC6F593}"/>
+              </a:ext>
+            </a:extLst>
+          </p:cNvPr>
+          <p:cNvSpPr/>
+          <p:nvPr/>
+        </p:nvSpPr>
+        <p:spPr>
+          <a:xfrm>
+            <a:off x="8670289" y="1200165"/>
+            <a:ext cx="3057446" cy="1200329"/>
+          </a:xfrm>
+          <a:prstGeom prst="rect">
+            <a:avLst/>
+          </a:prstGeom>
+        </p:spPr>
+        <p:txBody>
+          <a:bodyPr wrap="square">
+            <a:spAutoFit/>
+          </a:bodyPr>
+          <a:lstStyle/>
+          <a:p>
+            <a:r>
+              <a:rPr lang="ru-RU" dirty="0">
+                <a:solidFill>
+                  <a:schemeClr val="bg1"/>
+                </a:solidFill>
+                <a:latin typeface="Segoe UI Black" panose="020B0A02040204020203" pitchFamily="34" charset="0"/>
+                <a:ea typeface="Segoe UI Black" panose="020B0A02040204020203" pitchFamily="34" charset="0"/>
+              </a:rPr>
+              <a:t>На сайте представлены версии </a:t>
+            </a:r>
+            <a:r>
+              <a:rPr lang="ru-RU" dirty="0" err="1">
+                <a:solidFill>
+                  <a:schemeClr val="bg1"/>
+                </a:solidFill>
+                <a:latin typeface="Segoe UI Black" panose="020B0A02040204020203" pitchFamily="34" charset="0"/>
+                <a:ea typeface="Segoe UI Black" panose="020B0A02040204020203" pitchFamily="34" charset="0"/>
+              </a:rPr>
+              <a:t>Python</a:t>
+            </a:r>
+            <a:r>
+              <a:rPr lang="ru-RU" dirty="0">
+                <a:solidFill>
+                  <a:schemeClr val="bg1"/>
+                </a:solidFill>
+                <a:latin typeface="Segoe UI Black" panose="020B0A02040204020203" pitchFamily="34" charset="0"/>
+                <a:ea typeface="Segoe UI Black" panose="020B0A02040204020203" pitchFamily="34" charset="0"/>
+              </a:rPr>
+              <a:t> для различных операционных систем</a:t>
+            </a:r>
+            <a:r>
+              <a:rPr lang="ru-RU" dirty="0">
+                <a:solidFill>
+                  <a:schemeClr val="bg1"/>
+                </a:solidFill>
                 <a:latin typeface="Times New Roman" panose="02020603050405020304" pitchFamily="18" charset="0"/>
                 <a:ea typeface="Times New Roman" panose="02020603050405020304" pitchFamily="18" charset="0"/>
               </a:rPr>
-              <a:t>Скачивание установщика: Загрузить установщик </a:t>
-            </a:r>
-            <a:r>
-              <a:rPr lang="ru-RU" dirty="0" err="1">
+              <a:t>.</a:t>
+            </a:r>
+            <a:endParaRPr lang="ru-RU" dirty="0"/>
+          </a:p>
+        </p:txBody>
+      </p:sp>
+      <p:pic>
+        <p:nvPicPr>
+          <p:cNvPr id="15" name="image26.png">
+            <a:extLst>
+              <a:ext uri="{FF2B5EF4-FFF2-40B4-BE49-F238E27FC236}">
+                <a16:creationId xmlns:a16="http://schemas.microsoft.com/office/drawing/2014/main" id="{4C88BF36-7687-4375-8363-0DBFAFC1B408}"/>
+              </a:ext>
+            </a:extLst>
+          </p:cNvPr>
+          <p:cNvPicPr/>
+          <p:nvPr/>
+        </p:nvPicPr>
+        <p:blipFill rotWithShape="1">
+          <a:blip r:embed="rId2"/>
+          <a:srcRect r="1410" b="14850"/>
+          <a:stretch/>
+        </p:blipFill>
+        <p:spPr>
+          <a:xfrm>
+            <a:off x="591309" y="2955538"/>
+            <a:ext cx="7093233" cy="3224665"/>
+          </a:xfrm>
+          <a:prstGeom prst="rect">
+            <a:avLst/>
+          </a:prstGeom>
+          <a:ln/>
+        </p:spPr>
+      </p:pic>
+      <p:sp>
+        <p:nvSpPr>
+          <p:cNvPr id="19" name="Прямоугольник 18">
+            <a:extLst>
+              <a:ext uri="{FF2B5EF4-FFF2-40B4-BE49-F238E27FC236}">
+                <a16:creationId xmlns:a16="http://schemas.microsoft.com/office/drawing/2014/main" id="{2BDCE23C-3347-46A0-B4A4-E80F4D92C498}"/>
+              </a:ext>
+            </a:extLst>
+          </p:cNvPr>
+          <p:cNvSpPr/>
+          <p:nvPr/>
+        </p:nvSpPr>
+        <p:spPr>
+          <a:xfrm>
+            <a:off x="552450" y="2276418"/>
+            <a:ext cx="2955131" cy="443613"/>
+          </a:xfrm>
+          <a:prstGeom prst="rect">
+            <a:avLst/>
+          </a:prstGeom>
+          <a:solidFill>
+            <a:schemeClr val="tx1">
+              <a:lumMod val="85000"/>
+              <a:lumOff val="15000"/>
+            </a:schemeClr>
+          </a:solidFill>
+          <a:ln>
+            <a:noFill/>
+          </a:ln>
+        </p:spPr>
+        <p:style>
+          <a:lnRef idx="2">
+            <a:schemeClr val="accent1">
+              <a:shade val="50000"/>
+            </a:schemeClr>
+          </a:lnRef>
+          <a:fillRef idx="1">
+            <a:schemeClr val="accent1"/>
+          </a:fillRef>
+          <a:effectRef idx="0">
+            <a:schemeClr val="accent1"/>
+          </a:effectRef>
+          <a:fontRef idx="minor">
+            <a:schemeClr val="lt1"/>
+          </a:fontRef>
+        </p:style>
+        <p:txBody>
+          <a:bodyPr rtlCol="0" anchor="ctr"/>
+          <a:lstStyle/>
+          <a:p>
+            <a:pPr algn="ctr"/>
+            <a:endParaRPr lang="ru-RU"/>
+          </a:p>
+        </p:txBody>
+      </p:sp>
+      <p:sp>
+        <p:nvSpPr>
+          <p:cNvPr id="20" name="Прямоугольник 19">
+            <a:extLst>
+              <a:ext uri="{FF2B5EF4-FFF2-40B4-BE49-F238E27FC236}">
+                <a16:creationId xmlns:a16="http://schemas.microsoft.com/office/drawing/2014/main" id="{79BDFAB6-1BDF-4E4A-B86E-2B16E88E12FB}"/>
+              </a:ext>
+            </a:extLst>
+          </p:cNvPr>
+          <p:cNvSpPr/>
+          <p:nvPr/>
+        </p:nvSpPr>
+        <p:spPr>
+          <a:xfrm>
+            <a:off x="505006" y="1983169"/>
+            <a:ext cx="3057446" cy="703526"/>
+          </a:xfrm>
+          <a:prstGeom prst="rect">
+            <a:avLst/>
+          </a:prstGeom>
+        </p:spPr>
+        <p:txBody>
+          <a:bodyPr wrap="square">
+            <a:spAutoFit/>
+          </a:bodyPr>
+          <a:lstStyle/>
+          <a:p>
+            <a:pPr lvl="0">
+              <a:lnSpc>
+                <a:spcPct val="115000"/>
+              </a:lnSpc>
+              <a:spcAft>
+                <a:spcPts val="0"/>
+              </a:spcAft>
+            </a:pPr>
+            <a:r>
+              <a:rPr lang="ru-RU" dirty="0">
+                <a:solidFill>
+                  <a:schemeClr val="bg1"/>
+                </a:solidFill>
+                <a:latin typeface="Segoe UI Black" panose="020B0A02040204020203" pitchFamily="34" charset="0"/>
+                <a:ea typeface="Segoe UI Black" panose="020B0A02040204020203" pitchFamily="34" charset="0"/>
+              </a:rPr>
+              <a:t> https://www.python.org</a:t>
+            </a:r>
+            <a:r>
+              <a:rPr lang="ru-RU" dirty="0">
+                <a:solidFill>
+                  <a:schemeClr val="bg1"/>
+                </a:solidFill>
                 <a:latin typeface="Times New Roman" panose="02020603050405020304" pitchFamily="18" charset="0"/>
                 <a:ea typeface="Times New Roman" panose="02020603050405020304" pitchFamily="18" charset="0"/>
               </a:rPr>
-              <a:t>Python</a:t>
-            </a:r>
-            <a:r>
-              <a:rPr lang="ru-RU" dirty="0">
+              <a:t>/ </a:t>
+            </a:r>
+            <a:r>
+              <a:rPr lang="en-US" dirty="0">
+                <a:solidFill>
+                  <a:schemeClr val="bg1"/>
+                </a:solidFill>
                 <a:latin typeface="Times New Roman" panose="02020603050405020304" pitchFamily="18" charset="0"/>
                 <a:ea typeface="Times New Roman" panose="02020603050405020304" pitchFamily="18" charset="0"/>
               </a:rPr>
-              <a:t> с официального веб-сайта </a:t>
+              <a:t> </a:t>
+            </a:r>
+            <a:endParaRPr lang="ru-RU" dirty="0">
+              <a:solidFill>
+                <a:schemeClr val="bg1"/>
+              </a:solidFill>
+              <a:latin typeface="Times New Roman" panose="02020603050405020304" pitchFamily="18" charset="0"/>
+              <a:ea typeface="Times New Roman" panose="02020603050405020304" pitchFamily="18" charset="0"/>
+            </a:endParaRPr>
+          </a:p>
+        </p:txBody>
+      </p:sp>
+      <p:sp>
+        <p:nvSpPr>
+          <p:cNvPr id="26" name="Прямоугольник 25">
+            <a:extLst>
+              <a:ext uri="{FF2B5EF4-FFF2-40B4-BE49-F238E27FC236}">
+                <a16:creationId xmlns:a16="http://schemas.microsoft.com/office/drawing/2014/main" id="{62B2F4E8-369B-4475-842A-50C32E2320CE}"/>
+              </a:ext>
+            </a:extLst>
+          </p:cNvPr>
+          <p:cNvSpPr/>
+          <p:nvPr/>
+        </p:nvSpPr>
+        <p:spPr>
+          <a:xfrm>
+            <a:off x="8670289" y="2887846"/>
+            <a:ext cx="3057446" cy="3139321"/>
+          </a:xfrm>
+          <a:prstGeom prst="rect">
+            <a:avLst/>
+          </a:prstGeom>
+        </p:spPr>
+        <p:txBody>
+          <a:bodyPr wrap="square">
+            <a:spAutoFit/>
+          </a:bodyPr>
+          <a:lstStyle/>
+          <a:p>
+            <a:r>
+              <a:rPr lang="ru-RU" dirty="0">
+                <a:solidFill>
+                  <a:schemeClr val="bg1"/>
+                </a:solidFill>
+                <a:latin typeface="Arial Black" panose="020B0A04020102020204" pitchFamily="34" charset="0"/>
+              </a:rPr>
+              <a:t>Установка </a:t>
             </a:r>
             <a:r>
               <a:rPr lang="ru-RU" dirty="0" err="1">
-                <a:latin typeface="Times New Roman" panose="02020603050405020304" pitchFamily="18" charset="0"/>
-                <a:ea typeface="Times New Roman" panose="02020603050405020304" pitchFamily="18" charset="0"/>
+                <a:solidFill>
+                  <a:schemeClr val="bg1"/>
+                </a:solidFill>
+                <a:latin typeface="Arial Black" panose="020B0A04020102020204" pitchFamily="34" charset="0"/>
               </a:rPr>
               <a:t>Python</a:t>
             </a:r>
             <a:r>
               <a:rPr lang="ru-RU" dirty="0">
-                <a:latin typeface="Times New Roman" panose="02020603050405020304" pitchFamily="18" charset="0"/>
-                <a:ea typeface="Times New Roman" panose="02020603050405020304" pitchFamily="18" charset="0"/>
-              </a:rPr>
-              <a:t> (https://www.python.org/). На сайте представлены версии </a:t>
+                <a:solidFill>
+                  <a:schemeClr val="bg1"/>
+                </a:solidFill>
+                <a:latin typeface="Arial Black" panose="020B0A04020102020204" pitchFamily="34" charset="0"/>
+              </a:rPr>
+              <a:t> для </a:t>
             </a:r>
             <a:r>
               <a:rPr lang="ru-RU" dirty="0" err="1">
-                <a:latin typeface="Times New Roman" panose="02020603050405020304" pitchFamily="18" charset="0"/>
-                <a:ea typeface="Times New Roman" panose="02020603050405020304" pitchFamily="18" charset="0"/>
-              </a:rPr>
-              <a:t>Python</a:t>
+                <a:solidFill>
+                  <a:schemeClr val="bg1"/>
+                </a:solidFill>
+                <a:latin typeface="Arial Black" panose="020B0A04020102020204" pitchFamily="34" charset="0"/>
+              </a:rPr>
+              <a:t>телеграм</a:t>
             </a:r>
             <a:r>
               <a:rPr lang="ru-RU" dirty="0">
-                <a:latin typeface="Times New Roman" panose="02020603050405020304" pitchFamily="18" charset="0"/>
-                <a:ea typeface="Times New Roman" panose="02020603050405020304" pitchFamily="18" charset="0"/>
-              </a:rPr>
-              <a:t> для различных операционных систем.</a:t>
-            </a:r>
+                <a:solidFill>
+                  <a:schemeClr val="bg1"/>
+                </a:solidFill>
+                <a:latin typeface="Arial Black" panose="020B0A04020102020204" pitchFamily="34" charset="0"/>
+              </a:rPr>
+              <a:t>-ботов обеспечивает простоту разработки благодаря богатым библиотекам и кроссплатформенности, сокращая время создания и обеспечивая удобство в работе.</a:t>
+            </a:r>
+          </a:p>
+        </p:txBody>
+      </p:sp>
+      <p:sp>
+        <p:nvSpPr>
+          <p:cNvPr id="5" name="Прямоугольник 4">
+            <a:extLst>
+              <a:ext uri="{FF2B5EF4-FFF2-40B4-BE49-F238E27FC236}">
+                <a16:creationId xmlns:a16="http://schemas.microsoft.com/office/drawing/2014/main" id="{6DDAAED9-F24B-4109-943A-FD2DFC528B9F}"/>
+              </a:ext>
+            </a:extLst>
+          </p:cNvPr>
+          <p:cNvSpPr/>
+          <p:nvPr/>
+        </p:nvSpPr>
+        <p:spPr>
+          <a:xfrm flipH="1">
+            <a:off x="8558211" y="1267345"/>
+            <a:ext cx="64701" cy="1120750"/>
+          </a:xfrm>
+          <a:prstGeom prst="rect">
+            <a:avLst/>
+          </a:prstGeom>
+          <a:solidFill>
+            <a:schemeClr val="bg1"/>
+          </a:solidFill>
+          <a:ln>
+            <a:noFill/>
+          </a:ln>
+        </p:spPr>
+        <p:style>
+          <a:lnRef idx="2">
+            <a:schemeClr val="accent1">
+              <a:shade val="50000"/>
+            </a:schemeClr>
+          </a:lnRef>
+          <a:fillRef idx="1">
+            <a:schemeClr val="accent1"/>
+          </a:fillRef>
+          <a:effectRef idx="0">
+            <a:schemeClr val="accent1"/>
+          </a:effectRef>
+          <a:fontRef idx="minor">
+            <a:schemeClr val="lt1"/>
+          </a:fontRef>
+        </p:style>
+        <p:txBody>
+          <a:bodyPr rtlCol="0" anchor="ctr"/>
+          <a:lstStyle/>
+          <a:p>
+            <a:pPr algn="ctr"/>
+            <a:endParaRPr lang="ru-RU"/>
+          </a:p>
+        </p:txBody>
+      </p:sp>
+      <p:sp>
+        <p:nvSpPr>
+          <p:cNvPr id="16" name="Прямоугольник 15">
+            <a:extLst>
+              <a:ext uri="{FF2B5EF4-FFF2-40B4-BE49-F238E27FC236}">
+                <a16:creationId xmlns:a16="http://schemas.microsoft.com/office/drawing/2014/main" id="{0026380F-5685-4FE3-996A-AEDEAF1E04B9}"/>
+              </a:ext>
+            </a:extLst>
+          </p:cNvPr>
+          <p:cNvSpPr/>
+          <p:nvPr/>
+        </p:nvSpPr>
+        <p:spPr>
+          <a:xfrm flipH="1">
+            <a:off x="8558212" y="2970609"/>
+            <a:ext cx="64701" cy="3056557"/>
+          </a:xfrm>
+          <a:prstGeom prst="rect">
+            <a:avLst/>
+          </a:prstGeom>
+          <a:solidFill>
+            <a:schemeClr val="bg1"/>
+          </a:solidFill>
+          <a:ln>
+            <a:noFill/>
+          </a:ln>
+        </p:spPr>
+        <p:style>
+          <a:lnRef idx="2">
+            <a:schemeClr val="accent1">
+              <a:shade val="50000"/>
+            </a:schemeClr>
+          </a:lnRef>
+          <a:fillRef idx="1">
+            <a:schemeClr val="accent1"/>
+          </a:fillRef>
+          <a:effectRef idx="0">
+            <a:schemeClr val="accent1"/>
+          </a:effectRef>
+          <a:fontRef idx="minor">
+            <a:schemeClr val="lt1"/>
+          </a:fontRef>
+        </p:style>
+        <p:txBody>
+          <a:bodyPr rtlCol="0" anchor="ctr"/>
+          <a:lstStyle/>
+          <a:p>
+            <a:pPr algn="ctr"/>
+            <a:endParaRPr lang="ru-RU"/>
           </a:p>
         </p:txBody>
       </p:sp>
@@ -4102,6 +4741,22 @@
 <file path=ppt/slides/slide12.xml><?xml version="1.0" encoding="utf-8"?>
 <p:sld xmlns:a="http://schemas.openxmlformats.org/drawingml/2006/main" xmlns:r="http://schemas.openxmlformats.org/officeDocument/2006/relationships" xmlns:p="http://schemas.openxmlformats.org/presentationml/2006/main">
   <p:cSld>
+    <p:bg>
+      <p:bgPr>
+        <a:gradFill>
+          <a:gsLst>
+            <a:gs pos="0">
+              <a:srgbClr val="FF0000"/>
+            </a:gs>
+            <a:gs pos="99000">
+              <a:schemeClr val="accent1"/>
+            </a:gs>
+          </a:gsLst>
+          <a:lin ang="2700000" scaled="1"/>
+        </a:gradFill>
+        <a:effectLst/>
+      </p:bgPr>
+    </p:bg>
     <p:spTree>
       <p:nvGrpSpPr>
         <p:cNvPr id="1" name=""/>
@@ -4130,7 +4785,7 @@
         </p:nvSpPr>
         <p:spPr>
           <a:xfrm>
-            <a:off x="331953" y="224672"/>
+            <a:off x="694810" y="-2213728"/>
             <a:ext cx="4137671" cy="545277"/>
           </a:xfrm>
           <a:prstGeom prst="rect">
@@ -4175,7 +4830,7 @@
         </p:nvSpPr>
         <p:spPr>
           <a:xfrm>
-            <a:off x="739528" y="1440701"/>
+            <a:off x="4832481" y="-1304630"/>
             <a:ext cx="3011850" cy="369332"/>
           </a:xfrm>
           <a:prstGeom prst="rect">
@@ -4220,7 +4875,7 @@
         </p:blipFill>
         <p:spPr>
           <a:xfrm>
-            <a:off x="331953" y="3429000"/>
+            <a:off x="9163109" y="-3149615"/>
             <a:ext cx="4525273" cy="2379980"/>
           </a:xfrm>
           <a:prstGeom prst="rect">
@@ -4243,8 +4898,8 @@
         </p:nvSpPr>
         <p:spPr>
           <a:xfrm>
-            <a:off x="331953" y="1919597"/>
-            <a:ext cx="4525273" cy="1202252"/>
+            <a:off x="-3084421" y="-1505699"/>
+            <a:ext cx="4335487" cy="1485407"/>
           </a:xfrm>
           <a:prstGeom prst="rect">
             <a:avLst/>
@@ -4313,6 +4968,344 @@
               </a:rPr>
               <a:t>.</a:t>
             </a:r>
+          </a:p>
+        </p:txBody>
+      </p:sp>
+      <p:sp>
+        <p:nvSpPr>
+          <p:cNvPr id="6" name="Прямоугольник 5">
+            <a:extLst>
+              <a:ext uri="{FF2B5EF4-FFF2-40B4-BE49-F238E27FC236}">
+                <a16:creationId xmlns:a16="http://schemas.microsoft.com/office/drawing/2014/main" id="{959C48BF-64FD-4560-A5D4-76560FBE9393}"/>
+              </a:ext>
+            </a:extLst>
+          </p:cNvPr>
+          <p:cNvSpPr/>
+          <p:nvPr/>
+        </p:nvSpPr>
+        <p:spPr>
+          <a:xfrm>
+            <a:off x="464457" y="370114"/>
+            <a:ext cx="11335657" cy="6154057"/>
+          </a:xfrm>
+          <a:prstGeom prst="rect">
+            <a:avLst/>
+          </a:prstGeom>
+          <a:solidFill>
+            <a:srgbClr val="191919"/>
+          </a:solidFill>
+          <a:ln>
+            <a:noFill/>
+          </a:ln>
+        </p:spPr>
+        <p:style>
+          <a:lnRef idx="2">
+            <a:schemeClr val="accent1">
+              <a:shade val="50000"/>
+            </a:schemeClr>
+          </a:lnRef>
+          <a:fillRef idx="1">
+            <a:schemeClr val="accent1"/>
+          </a:fillRef>
+          <a:effectRef idx="0">
+            <a:schemeClr val="accent1"/>
+          </a:effectRef>
+          <a:fontRef idx="minor">
+            <a:schemeClr val="lt1"/>
+          </a:fontRef>
+        </p:style>
+        <p:txBody>
+          <a:bodyPr rtlCol="0" anchor="ctr"/>
+          <a:lstStyle/>
+          <a:p>
+            <a:pPr algn="ctr"/>
+            <a:endParaRPr lang="ru-RU"/>
+          </a:p>
+        </p:txBody>
+      </p:sp>
+      <p:sp>
+        <p:nvSpPr>
+          <p:cNvPr id="7" name="Прямоугольник 6">
+            <a:extLst>
+              <a:ext uri="{FF2B5EF4-FFF2-40B4-BE49-F238E27FC236}">
+                <a16:creationId xmlns:a16="http://schemas.microsoft.com/office/drawing/2014/main" id="{E597BEF1-AE2D-4768-97AE-6D9C3CB4995D}"/>
+              </a:ext>
+            </a:extLst>
+          </p:cNvPr>
+          <p:cNvSpPr/>
+          <p:nvPr/>
+        </p:nvSpPr>
+        <p:spPr>
+          <a:xfrm>
+            <a:off x="585953" y="443088"/>
+            <a:ext cx="4137671" cy="545277"/>
+          </a:xfrm>
+          <a:prstGeom prst="rect">
+            <a:avLst/>
+          </a:prstGeom>
+        </p:spPr>
+        <p:txBody>
+          <a:bodyPr wrap="none">
+            <a:spAutoFit/>
+          </a:bodyPr>
+          <a:lstStyle/>
+          <a:p>
+            <a:pPr>
+              <a:lnSpc>
+                <a:spcPct val="115000"/>
+              </a:lnSpc>
+              <a:spcAft>
+                <a:spcPts val="0"/>
+              </a:spcAft>
+            </a:pPr>
+            <a:r>
+              <a:rPr lang="ru-RU" sz="2800" b="1" dirty="0">
+                <a:solidFill>
+                  <a:schemeClr val="bg1"/>
+                </a:solidFill>
+                <a:latin typeface="Segoe UI Black" panose="020B0A02040204020203" pitchFamily="34" charset="0"/>
+                <a:ea typeface="Segoe UI Black" panose="020B0A02040204020203" pitchFamily="34" charset="0"/>
+              </a:rPr>
+              <a:t>Установка библиотек</a:t>
+            </a:r>
+          </a:p>
+        </p:txBody>
+      </p:sp>
+      <p:sp>
+        <p:nvSpPr>
+          <p:cNvPr id="8" name="Прямоугольник 7">
+            <a:extLst>
+              <a:ext uri="{FF2B5EF4-FFF2-40B4-BE49-F238E27FC236}">
+                <a16:creationId xmlns:a16="http://schemas.microsoft.com/office/drawing/2014/main" id="{3308D5D6-F7F2-425F-8B78-09B8D02157AF}"/>
+              </a:ext>
+            </a:extLst>
+          </p:cNvPr>
+          <p:cNvSpPr/>
+          <p:nvPr/>
+        </p:nvSpPr>
+        <p:spPr>
+          <a:xfrm>
+            <a:off x="3825282" y="1623081"/>
+            <a:ext cx="4019049" cy="400110"/>
+          </a:xfrm>
+          <a:prstGeom prst="rect">
+            <a:avLst/>
+          </a:prstGeom>
+        </p:spPr>
+        <p:txBody>
+          <a:bodyPr wrap="none">
+            <a:spAutoFit/>
+          </a:bodyPr>
+          <a:lstStyle/>
+          <a:p>
+            <a:r>
+              <a:rPr lang="ru-RU" sz="2000" dirty="0">
+                <a:solidFill>
+                  <a:schemeClr val="bg1"/>
+                </a:solidFill>
+                <a:latin typeface="Segoe UI Black" panose="020B0A02040204020203" pitchFamily="34" charset="0"/>
+                <a:ea typeface="Segoe UI Black" panose="020B0A02040204020203" pitchFamily="34" charset="0"/>
+                <a:cs typeface="Segoe UI" panose="020B0502040204020203" pitchFamily="34" charset="0"/>
+              </a:rPr>
+              <a:t>Открытие командной строки</a:t>
+            </a:r>
+          </a:p>
+        </p:txBody>
+      </p:sp>
+      <p:pic>
+        <p:nvPicPr>
+          <p:cNvPr id="9" name="image10.png">
+            <a:extLst>
+              <a:ext uri="{FF2B5EF4-FFF2-40B4-BE49-F238E27FC236}">
+                <a16:creationId xmlns:a16="http://schemas.microsoft.com/office/drawing/2014/main" id="{6C8937EB-AFE7-48A9-888C-4C25AD875B67}"/>
+              </a:ext>
+            </a:extLst>
+          </p:cNvPr>
+          <p:cNvPicPr/>
+          <p:nvPr/>
+        </p:nvPicPr>
+        <p:blipFill>
+          <a:blip r:embed="rId2"/>
+          <a:srcRect/>
+          <a:stretch>
+            <a:fillRect/>
+          </a:stretch>
+        </p:blipFill>
+        <p:spPr>
+          <a:xfrm>
+            <a:off x="6900472" y="2657907"/>
+            <a:ext cx="4525273" cy="2379980"/>
+          </a:xfrm>
+          <a:prstGeom prst="rect">
+            <a:avLst/>
+          </a:prstGeom>
+          <a:ln/>
+        </p:spPr>
+      </p:pic>
+      <p:sp>
+        <p:nvSpPr>
+          <p:cNvPr id="10" name="Прямоугольник 9">
+            <a:extLst>
+              <a:ext uri="{FF2B5EF4-FFF2-40B4-BE49-F238E27FC236}">
+                <a16:creationId xmlns:a16="http://schemas.microsoft.com/office/drawing/2014/main" id="{FF272B5A-11CB-4D8A-A193-FEA553D4E374}"/>
+              </a:ext>
+            </a:extLst>
+          </p:cNvPr>
+          <p:cNvSpPr/>
+          <p:nvPr/>
+        </p:nvSpPr>
+        <p:spPr>
+          <a:xfrm>
+            <a:off x="1169073" y="3018888"/>
+            <a:ext cx="5026784" cy="1658018"/>
+          </a:xfrm>
+          <a:prstGeom prst="rect">
+            <a:avLst/>
+          </a:prstGeom>
+        </p:spPr>
+        <p:txBody>
+          <a:bodyPr wrap="square">
+            <a:spAutoFit/>
+          </a:bodyPr>
+          <a:lstStyle/>
+          <a:p>
+            <a:pPr lvl="0">
+              <a:lnSpc>
+                <a:spcPct val="115000"/>
+              </a:lnSpc>
+              <a:spcAft>
+                <a:spcPts val="0"/>
+              </a:spcAft>
+            </a:pPr>
+            <a:r>
+              <a:rPr lang="ru-RU" dirty="0">
+                <a:solidFill>
+                  <a:schemeClr val="bg1"/>
+                </a:solidFill>
+                <a:latin typeface="Arial" panose="020B0604020202020204" pitchFamily="34" charset="0"/>
+                <a:ea typeface="Times New Roman" panose="02020603050405020304" pitchFamily="18" charset="0"/>
+                <a:cs typeface="Arial" panose="020B0604020202020204" pitchFamily="34" charset="0"/>
+              </a:rPr>
+              <a:t>Чтобы открыть командную оболочку(командную строку) в операционной системе </a:t>
+            </a:r>
+            <a:r>
+              <a:rPr lang="ru-RU" dirty="0" err="1">
+                <a:solidFill>
+                  <a:schemeClr val="bg1"/>
+                </a:solidFill>
+                <a:latin typeface="Arial" panose="020B0604020202020204" pitchFamily="34" charset="0"/>
+                <a:ea typeface="Times New Roman" panose="02020603050405020304" pitchFamily="18" charset="0"/>
+                <a:cs typeface="Arial" panose="020B0604020202020204" pitchFamily="34" charset="0"/>
+              </a:rPr>
+              <a:t>Windows</a:t>
+            </a:r>
+            <a:r>
+              <a:rPr lang="ru-RU" dirty="0">
+                <a:solidFill>
+                  <a:schemeClr val="bg1"/>
+                </a:solidFill>
+                <a:latin typeface="Arial" panose="020B0604020202020204" pitchFamily="34" charset="0"/>
+                <a:ea typeface="Times New Roman" panose="02020603050405020304" pitchFamily="18" charset="0"/>
+                <a:cs typeface="Arial" panose="020B0604020202020204" pitchFamily="34" charset="0"/>
+              </a:rPr>
+              <a:t>, требуется зажать сочетание клавиш </a:t>
+            </a:r>
+            <a:r>
+              <a:rPr lang="ru-RU" i="1" dirty="0" err="1">
+                <a:solidFill>
+                  <a:schemeClr val="bg1"/>
+                </a:solidFill>
+                <a:latin typeface="Arial" panose="020B0604020202020204" pitchFamily="34" charset="0"/>
+                <a:ea typeface="Times New Roman" panose="02020603050405020304" pitchFamily="18" charset="0"/>
+                <a:cs typeface="Arial" panose="020B0604020202020204" pitchFamily="34" charset="0"/>
+              </a:rPr>
+              <a:t>Win+R</a:t>
+            </a:r>
+            <a:r>
+              <a:rPr lang="ru-RU" dirty="0">
+                <a:solidFill>
+                  <a:schemeClr val="bg1"/>
+                </a:solidFill>
+                <a:latin typeface="Arial" panose="020B0604020202020204" pitchFamily="34" charset="0"/>
+                <a:ea typeface="Times New Roman" panose="02020603050405020304" pitchFamily="18" charset="0"/>
+                <a:cs typeface="Arial" panose="020B0604020202020204" pitchFamily="34" charset="0"/>
+              </a:rPr>
+              <a:t>, а в открывшемся окне прописать команду: </a:t>
+            </a:r>
+            <a:r>
+              <a:rPr lang="ru-RU" i="1" dirty="0" err="1">
+                <a:solidFill>
+                  <a:schemeClr val="bg1"/>
+                </a:solidFill>
+                <a:latin typeface="Arial" panose="020B0604020202020204" pitchFamily="34" charset="0"/>
+                <a:ea typeface="Times New Roman" panose="02020603050405020304" pitchFamily="18" charset="0"/>
+                <a:cs typeface="Arial" panose="020B0604020202020204" pitchFamily="34" charset="0"/>
+              </a:rPr>
+              <a:t>cmd</a:t>
+            </a:r>
+            <a:r>
+              <a:rPr lang="ru-RU" dirty="0">
+                <a:solidFill>
+                  <a:schemeClr val="bg1"/>
+                </a:solidFill>
+                <a:latin typeface="Arial" panose="020B0604020202020204" pitchFamily="34" charset="0"/>
+                <a:ea typeface="Times New Roman" panose="02020603050405020304" pitchFamily="18" charset="0"/>
+                <a:cs typeface="Arial" panose="020B0604020202020204" pitchFamily="34" charset="0"/>
+              </a:rPr>
+              <a:t>.</a:t>
+            </a:r>
+          </a:p>
+        </p:txBody>
+      </p:sp>
+      <p:sp>
+        <p:nvSpPr>
+          <p:cNvPr id="11" name="Прямоугольник 10">
+            <a:extLst>
+              <a:ext uri="{FF2B5EF4-FFF2-40B4-BE49-F238E27FC236}">
+                <a16:creationId xmlns:a16="http://schemas.microsoft.com/office/drawing/2014/main" id="{B04A5C40-2F17-41B3-85C9-BEAAAB0CC814}"/>
+              </a:ext>
+            </a:extLst>
+          </p:cNvPr>
+          <p:cNvSpPr/>
+          <p:nvPr/>
+        </p:nvSpPr>
+        <p:spPr>
+          <a:xfrm>
+            <a:off x="1101696" y="3018888"/>
+            <a:ext cx="67377" cy="1658018"/>
+          </a:xfrm>
+          <a:prstGeom prst="rect">
+            <a:avLst/>
+          </a:prstGeom>
+          <a:solidFill>
+            <a:schemeClr val="bg1"/>
+          </a:solidFill>
+          <a:ln>
+            <a:noFill/>
+          </a:ln>
+        </p:spPr>
+        <p:style>
+          <a:lnRef idx="2">
+            <a:schemeClr val="accent1">
+              <a:shade val="50000"/>
+            </a:schemeClr>
+          </a:lnRef>
+          <a:fillRef idx="1">
+            <a:schemeClr val="accent1"/>
+          </a:fillRef>
+          <a:effectRef idx="0">
+            <a:schemeClr val="accent1"/>
+          </a:effectRef>
+          <a:fontRef idx="minor">
+            <a:schemeClr val="lt1"/>
+          </a:fontRef>
+        </p:style>
+        <p:txBody>
+          <a:bodyPr rtlCol="0" anchor="ctr"/>
+          <a:lstStyle/>
+          <a:p>
+            <a:pPr algn="ctr"/>
+            <a:endParaRPr lang="ru-RU"/>
           </a:p>
         </p:txBody>
       </p:sp>
@@ -4332,6 +5325,22 @@
 <file path=ppt/slides/slide13.xml><?xml version="1.0" encoding="utf-8"?>
 <p:sld xmlns:a="http://schemas.openxmlformats.org/drawingml/2006/main" xmlns:r="http://schemas.openxmlformats.org/officeDocument/2006/relationships" xmlns:p="http://schemas.openxmlformats.org/presentationml/2006/main">
   <p:cSld>
+    <p:bg>
+      <p:bgPr>
+        <a:gradFill>
+          <a:gsLst>
+            <a:gs pos="0">
+              <a:srgbClr val="FF0000"/>
+            </a:gs>
+            <a:gs pos="99000">
+              <a:srgbClr val="FFFF00"/>
+            </a:gs>
+          </a:gsLst>
+          <a:lin ang="2700000" scaled="1"/>
+        </a:gradFill>
+        <a:effectLst/>
+      </p:bgPr>
+    </p:bg>
     <p:spTree>
       <p:nvGrpSpPr>
         <p:cNvPr id="1" name=""/>
@@ -4346,42 +5355,64 @@
           <a:chExt cx="0" cy="0"/>
         </a:xfrm>
       </p:grpSpPr>
-      <p:pic>
-        <p:nvPicPr>
-          <p:cNvPr id="2" name="image23.png">
-            <a:extLst>
-              <a:ext uri="{FF2B5EF4-FFF2-40B4-BE49-F238E27FC236}">
-                <a16:creationId xmlns:a16="http://schemas.microsoft.com/office/drawing/2014/main" id="{2D6435F9-0C14-4C33-A892-17EAF3FA2836}"/>
-              </a:ext>
-            </a:extLst>
-          </p:cNvPr>
-          <p:cNvPicPr/>
-          <p:nvPr/>
-        </p:nvPicPr>
-        <p:blipFill>
-          <a:blip r:embed="rId2"/>
-          <a:srcRect/>
-          <a:stretch>
-            <a:fillRect/>
-          </a:stretch>
-        </p:blipFill>
-        <p:spPr>
-          <a:xfrm>
-            <a:off x="417644" y="2469976"/>
-            <a:ext cx="5678356" cy="3327400"/>
-          </a:xfrm>
-          <a:prstGeom prst="rect">
-            <a:avLst/>
-          </a:prstGeom>
-          <a:ln/>
-        </p:spPr>
-      </p:pic>
-      <p:sp>
-        <p:nvSpPr>
-          <p:cNvPr id="5" name="TextBox 4">
-            <a:extLst>
-              <a:ext uri="{FF2B5EF4-FFF2-40B4-BE49-F238E27FC236}">
-                <a16:creationId xmlns:a16="http://schemas.microsoft.com/office/drawing/2014/main" id="{F73B6375-9329-4F4A-9747-C2CF870414D4}"/>
+      <p:sp>
+        <p:nvSpPr>
+          <p:cNvPr id="4" name="Прямоугольник 3">
+            <a:extLst>
+              <a:ext uri="{FF2B5EF4-FFF2-40B4-BE49-F238E27FC236}">
+                <a16:creationId xmlns:a16="http://schemas.microsoft.com/office/drawing/2014/main" id="{9B266DD1-3C17-472F-9B3E-A3FF17528930}"/>
+              </a:ext>
+            </a:extLst>
+          </p:cNvPr>
+          <p:cNvSpPr/>
+          <p:nvPr/>
+        </p:nvSpPr>
+        <p:spPr>
+          <a:xfrm>
+            <a:off x="406400" y="377371"/>
+            <a:ext cx="11364686" cy="6096000"/>
+          </a:xfrm>
+          <a:prstGeom prst="rect">
+            <a:avLst/>
+          </a:prstGeom>
+          <a:solidFill>
+            <a:srgbClr val="111111"/>
+          </a:solidFill>
+          <a:ln>
+            <a:noFill/>
+          </a:ln>
+        </p:spPr>
+        <p:style>
+          <a:lnRef idx="2">
+            <a:schemeClr val="accent1">
+              <a:shade val="50000"/>
+            </a:schemeClr>
+          </a:lnRef>
+          <a:fillRef idx="1">
+            <a:schemeClr val="accent1"/>
+          </a:fillRef>
+          <a:effectRef idx="0">
+            <a:schemeClr val="accent1"/>
+          </a:effectRef>
+          <a:fontRef idx="minor">
+            <a:schemeClr val="lt1"/>
+          </a:fontRef>
+        </p:style>
+        <p:txBody>
+          <a:bodyPr rtlCol="0" anchor="ctr"/>
+          <a:lstStyle/>
+          <a:p>
+            <a:pPr algn="ctr"/>
+            <a:endParaRPr lang="ru-RU"/>
+          </a:p>
+        </p:txBody>
+      </p:sp>
+      <p:sp>
+        <p:nvSpPr>
+          <p:cNvPr id="8" name="TextBox 7">
+            <a:extLst>
+              <a:ext uri="{FF2B5EF4-FFF2-40B4-BE49-F238E27FC236}">
+                <a16:creationId xmlns:a16="http://schemas.microsoft.com/office/drawing/2014/main" id="{0D7DA037-A555-4D1F-8E90-EEE3C28E5D77}"/>
               </a:ext>
             </a:extLst>
           </p:cNvPr>
@@ -4390,7 +5421,7 @@
         </p:nvSpPr>
         <p:spPr>
           <a:xfrm>
-            <a:off x="327171" y="327171"/>
+            <a:off x="587830" y="496278"/>
             <a:ext cx="5335398" cy="461665"/>
           </a:xfrm>
           <a:prstGeom prst="rect">
@@ -4406,17 +5437,26 @@
           <a:p>
             <a:r>
               <a:rPr lang="ru-RU" sz="2400" dirty="0">
+                <a:solidFill>
+                  <a:schemeClr val="bg1"/>
+                </a:solidFill>
                 <a:latin typeface="Arial Black" panose="020B0A04020102020204" pitchFamily="34" charset="0"/>
               </a:rPr>
               <a:t>Командная строка в </a:t>
             </a:r>
             <a:r>
               <a:rPr lang="en-US" sz="2400" dirty="0">
+                <a:solidFill>
+                  <a:schemeClr val="bg1"/>
+                </a:solidFill>
                 <a:latin typeface="Arial Black" panose="020B0A04020102020204" pitchFamily="34" charset="0"/>
               </a:rPr>
               <a:t>Windows</a:t>
             </a:r>
             <a:endParaRPr lang="ru-RU" sz="2400" dirty="0">
+              <a:solidFill>
+                <a:schemeClr val="bg1"/>
+              </a:solidFill>
               <a:latin typeface="Arial Black" panose="020B0A04020102020204" pitchFamily="34" charset="0"/>
             </a:endParaRPr>
           </a:p>
@@ -4424,10 +5464,10 @@
       </p:sp>
       <p:sp>
         <p:nvSpPr>
-          <p:cNvPr id="6" name="Прямоугольник 5">
-            <a:extLst>
-              <a:ext uri="{FF2B5EF4-FFF2-40B4-BE49-F238E27FC236}">
-                <a16:creationId xmlns:a16="http://schemas.microsoft.com/office/drawing/2014/main" id="{544E3993-01C8-49C6-A699-81DAA146BF1A}"/>
+          <p:cNvPr id="9" name="Прямоугольник 8">
+            <a:extLst>
+              <a:ext uri="{FF2B5EF4-FFF2-40B4-BE49-F238E27FC236}">
+                <a16:creationId xmlns:a16="http://schemas.microsoft.com/office/drawing/2014/main" id="{AD28F93A-005A-44BB-939B-CBFC9F91D2B4}"/>
               </a:ext>
             </a:extLst>
           </p:cNvPr>
@@ -4436,7 +5476,7 @@
         </p:nvSpPr>
         <p:spPr>
           <a:xfrm>
-            <a:off x="7835317" y="327171"/>
+            <a:off x="8023995" y="1007384"/>
             <a:ext cx="2777249" cy="461665"/>
           </a:xfrm>
           <a:prstGeom prst="rect">
@@ -4451,6 +5491,9 @@
           <a:p>
             <a:r>
               <a:rPr lang="ru-RU" sz="2400" dirty="0">
+                <a:solidFill>
+                  <a:schemeClr val="bg1"/>
+                </a:solidFill>
                 <a:latin typeface="Segoe UI Black" panose="020B0A02040204020203" pitchFamily="34" charset="0"/>
                 <a:ea typeface="Segoe UI Black" panose="020B0A02040204020203" pitchFamily="34" charset="0"/>
               </a:rPr>
@@ -4459,12 +5502,41 @@
           </a:p>
         </p:txBody>
       </p:sp>
-      <p:sp>
-        <p:nvSpPr>
-          <p:cNvPr id="7" name="Прямоугольник 6">
-            <a:extLst>
-              <a:ext uri="{FF2B5EF4-FFF2-40B4-BE49-F238E27FC236}">
-                <a16:creationId xmlns:a16="http://schemas.microsoft.com/office/drawing/2014/main" id="{9F9BE538-7DC4-4F23-AF8C-EA9E656C9DD0}"/>
+      <p:pic>
+        <p:nvPicPr>
+          <p:cNvPr id="12" name="Рисунок 11">
+            <a:extLst>
+              <a:ext uri="{FF2B5EF4-FFF2-40B4-BE49-F238E27FC236}">
+                <a16:creationId xmlns:a16="http://schemas.microsoft.com/office/drawing/2014/main" id="{36E2DC37-2F39-4A68-970B-D47CFC609FAB}"/>
+              </a:ext>
+            </a:extLst>
+          </p:cNvPr>
+          <p:cNvPicPr>
+            <a:picLocks noChangeAspect="1"/>
+          </p:cNvPicPr>
+          <p:nvPr/>
+        </p:nvPicPr>
+        <p:blipFill rotWithShape="1">
+          <a:blip r:embed="rId2"/>
+          <a:srcRect l="-292" r="292" b="2852"/>
+          <a:stretch/>
+        </p:blipFill>
+        <p:spPr>
+          <a:xfrm>
+            <a:off x="700029" y="1564747"/>
+            <a:ext cx="6306670" cy="3210454"/>
+          </a:xfrm>
+          <a:prstGeom prst="rect">
+            <a:avLst/>
+          </a:prstGeom>
+        </p:spPr>
+      </p:pic>
+      <p:sp>
+        <p:nvSpPr>
+          <p:cNvPr id="14" name="Прямоугольник 13">
+            <a:extLst>
+              <a:ext uri="{FF2B5EF4-FFF2-40B4-BE49-F238E27FC236}">
+                <a16:creationId xmlns:a16="http://schemas.microsoft.com/office/drawing/2014/main" id="{629DE314-43DD-4709-A8C3-699A97759133}"/>
               </a:ext>
             </a:extLst>
           </p:cNvPr>
@@ -4473,7 +5545,59 @@
         </p:nvSpPr>
         <p:spPr>
           <a:xfrm>
-            <a:off x="6688824" y="2725089"/>
+            <a:off x="7220962" y="2220147"/>
+            <a:ext cx="4383314" cy="703911"/>
+          </a:xfrm>
+          <a:prstGeom prst="rect">
+            <a:avLst/>
+          </a:prstGeom>
+          <a:solidFill>
+            <a:srgbClr val="1C1C1C"/>
+          </a:solidFill>
+          <a:ln>
+            <a:noFill/>
+          </a:ln>
+        </p:spPr>
+        <p:style>
+          <a:lnRef idx="2">
+            <a:schemeClr val="accent1">
+              <a:shade val="50000"/>
+            </a:schemeClr>
+          </a:lnRef>
+          <a:fillRef idx="1">
+            <a:schemeClr val="accent1"/>
+          </a:fillRef>
+          <a:effectRef idx="0">
+            <a:schemeClr val="accent1"/>
+          </a:effectRef>
+          <a:fontRef idx="minor">
+            <a:schemeClr val="lt1"/>
+          </a:fontRef>
+        </p:style>
+        <p:txBody>
+          <a:bodyPr rtlCol="0" anchor="ctr"/>
+          <a:lstStyle/>
+          <a:p>
+            <a:pPr algn="ctr"/>
+            <a:endParaRPr lang="ru-RU"/>
+          </a:p>
+        </p:txBody>
+      </p:sp>
+      <p:sp>
+        <p:nvSpPr>
+          <p:cNvPr id="15" name="Прямоугольник 14">
+            <a:extLst>
+              <a:ext uri="{FF2B5EF4-FFF2-40B4-BE49-F238E27FC236}">
+                <a16:creationId xmlns:a16="http://schemas.microsoft.com/office/drawing/2014/main" id="{B38E4E65-AE18-4B67-8AAB-373660ECA3E8}"/>
+              </a:ext>
+            </a:extLst>
+          </p:cNvPr>
+          <p:cNvSpPr/>
+          <p:nvPr/>
+        </p:nvSpPr>
+        <p:spPr>
+          <a:xfrm>
+            <a:off x="6779345" y="2187839"/>
             <a:ext cx="5323305" cy="703911"/>
           </a:xfrm>
           <a:prstGeom prst="rect">
@@ -4496,64 +5620,91 @@
             </a:pPr>
             <a:r>
               <a:rPr lang="ru-RU" b="1" dirty="0" err="1">
-                <a:latin typeface="Times New Roman" panose="02020603050405020304" pitchFamily="18" charset="0"/>
-                <a:ea typeface="Times New Roman" panose="02020603050405020304" pitchFamily="18" charset="0"/>
+                <a:solidFill>
+                  <a:schemeClr val="bg1"/>
+                </a:solidFill>
+                <a:latin typeface="Segoe UI Black" panose="020B0A02040204020203" pitchFamily="34" charset="0"/>
+                <a:ea typeface="Segoe UI Black" panose="020B0A02040204020203" pitchFamily="34" charset="0"/>
               </a:rPr>
               <a:t>py</a:t>
             </a:r>
             <a:r>
               <a:rPr lang="ru-RU" b="1" dirty="0">
-                <a:latin typeface="Times New Roman" panose="02020603050405020304" pitchFamily="18" charset="0"/>
-                <a:ea typeface="Times New Roman" panose="02020603050405020304" pitchFamily="18" charset="0"/>
+                <a:solidFill>
+                  <a:schemeClr val="bg1"/>
+                </a:solidFill>
+                <a:latin typeface="Segoe UI Black" panose="020B0A02040204020203" pitchFamily="34" charset="0"/>
+                <a:ea typeface="Segoe UI Black" panose="020B0A02040204020203" pitchFamily="34" charset="0"/>
               </a:rPr>
               <a:t> -[версия ЯП </a:t>
             </a:r>
             <a:r>
               <a:rPr lang="ru-RU" b="1" dirty="0" err="1">
-                <a:latin typeface="Times New Roman" panose="02020603050405020304" pitchFamily="18" charset="0"/>
-                <a:ea typeface="Times New Roman" panose="02020603050405020304" pitchFamily="18" charset="0"/>
+                <a:solidFill>
+                  <a:schemeClr val="bg1"/>
+                </a:solidFill>
+                <a:latin typeface="Segoe UI Black" panose="020B0A02040204020203" pitchFamily="34" charset="0"/>
+                <a:ea typeface="Segoe UI Black" panose="020B0A02040204020203" pitchFamily="34" charset="0"/>
               </a:rPr>
               <a:t>Python</a:t>
             </a:r>
             <a:r>
               <a:rPr lang="ru-RU" b="1" dirty="0">
-                <a:latin typeface="Times New Roman" panose="02020603050405020304" pitchFamily="18" charset="0"/>
-                <a:ea typeface="Times New Roman" panose="02020603050405020304" pitchFamily="18" charset="0"/>
+                <a:solidFill>
+                  <a:schemeClr val="bg1"/>
+                </a:solidFill>
+                <a:latin typeface="Segoe UI Black" panose="020B0A02040204020203" pitchFamily="34" charset="0"/>
+                <a:ea typeface="Segoe UI Black" panose="020B0A02040204020203" pitchFamily="34" charset="0"/>
               </a:rPr>
               <a:t>] -m </a:t>
             </a:r>
             <a:r>
               <a:rPr lang="ru-RU" b="1" dirty="0" err="1">
-                <a:latin typeface="Times New Roman" panose="02020603050405020304" pitchFamily="18" charset="0"/>
-                <a:ea typeface="Times New Roman" panose="02020603050405020304" pitchFamily="18" charset="0"/>
+                <a:solidFill>
+                  <a:schemeClr val="bg1"/>
+                </a:solidFill>
+                <a:latin typeface="Segoe UI Black" panose="020B0A02040204020203" pitchFamily="34" charset="0"/>
+                <a:ea typeface="Segoe UI Black" panose="020B0A02040204020203" pitchFamily="34" charset="0"/>
               </a:rPr>
               <a:t>pip</a:t>
             </a:r>
             <a:r>
               <a:rPr lang="ru-RU" b="1" dirty="0">
-                <a:latin typeface="Times New Roman" panose="02020603050405020304" pitchFamily="18" charset="0"/>
-                <a:ea typeface="Times New Roman" panose="02020603050405020304" pitchFamily="18" charset="0"/>
+                <a:solidFill>
+                  <a:schemeClr val="bg1"/>
+                </a:solidFill>
+                <a:latin typeface="Segoe UI Black" panose="020B0A02040204020203" pitchFamily="34" charset="0"/>
+                <a:ea typeface="Segoe UI Black" panose="020B0A02040204020203" pitchFamily="34" charset="0"/>
               </a:rPr>
               <a:t> </a:t>
             </a:r>
             <a:r>
               <a:rPr lang="ru-RU" b="1" dirty="0" err="1">
-                <a:latin typeface="Times New Roman" panose="02020603050405020304" pitchFamily="18" charset="0"/>
-                <a:ea typeface="Times New Roman" panose="02020603050405020304" pitchFamily="18" charset="0"/>
+                <a:solidFill>
+                  <a:schemeClr val="bg1"/>
+                </a:solidFill>
+                <a:latin typeface="Segoe UI Black" panose="020B0A02040204020203" pitchFamily="34" charset="0"/>
+                <a:ea typeface="Segoe UI Black" panose="020B0A02040204020203" pitchFamily="34" charset="0"/>
               </a:rPr>
               <a:t>install</a:t>
             </a:r>
             <a:r>
               <a:rPr lang="ru-RU" b="1" dirty="0">
-                <a:latin typeface="Times New Roman" panose="02020603050405020304" pitchFamily="18" charset="0"/>
-                <a:ea typeface="Times New Roman" panose="02020603050405020304" pitchFamily="18" charset="0"/>
+                <a:solidFill>
+                  <a:schemeClr val="bg1"/>
+                </a:solidFill>
+                <a:latin typeface="Segoe UI Black" panose="020B0A02040204020203" pitchFamily="34" charset="0"/>
+                <a:ea typeface="Segoe UI Black" panose="020B0A02040204020203" pitchFamily="34" charset="0"/>
               </a:rPr>
               <a:t> [название библиотеки</a:t>
             </a:r>
             <a:r>
               <a:rPr lang="ru-RU" dirty="0">
-                <a:latin typeface="Times New Roman" panose="02020603050405020304" pitchFamily="18" charset="0"/>
-                <a:ea typeface="Times New Roman" panose="02020603050405020304" pitchFamily="18" charset="0"/>
+                <a:solidFill>
+                  <a:schemeClr val="bg1"/>
+                </a:solidFill>
+                <a:latin typeface="Segoe UI Black" panose="020B0A02040204020203" pitchFamily="34" charset="0"/>
+                <a:ea typeface="Segoe UI Black" panose="020B0A02040204020203" pitchFamily="34" charset="0"/>
               </a:rPr>
               <a:t>]</a:t>
             </a:r>
@@ -4576,6 +5727,22 @@
 <file path=ppt/slides/slide14.xml><?xml version="1.0" encoding="utf-8"?>
 <p:sld xmlns:a="http://schemas.openxmlformats.org/drawingml/2006/main" xmlns:r="http://schemas.openxmlformats.org/officeDocument/2006/relationships" xmlns:p="http://schemas.openxmlformats.org/presentationml/2006/main">
   <p:cSld>
+    <p:bg>
+      <p:bgPr>
+        <a:gradFill>
+          <a:gsLst>
+            <a:gs pos="0">
+              <a:srgbClr val="FFFF00"/>
+            </a:gs>
+            <a:gs pos="100000">
+              <a:srgbClr val="92D050"/>
+            </a:gs>
+          </a:gsLst>
+          <a:lin ang="5400000" scaled="1"/>
+        </a:gradFill>
+        <a:effectLst/>
+      </p:bgPr>
+    </p:bg>
     <p:spTree>
       <p:nvGrpSpPr>
         <p:cNvPr id="1" name=""/>
@@ -4604,7 +5771,7 @@
         </p:nvSpPr>
         <p:spPr>
           <a:xfrm>
-            <a:off x="673293" y="526675"/>
+            <a:off x="493880" y="-3220880"/>
             <a:ext cx="2875252" cy="905312"/>
           </a:xfrm>
           <a:prstGeom prst="rect">
@@ -4663,7 +5830,7 @@
         </p:nvSpPr>
         <p:spPr>
           <a:xfrm>
-            <a:off x="1011953" y="2262822"/>
+            <a:off x="-2831907" y="-1443728"/>
             <a:ext cx="1984133" cy="461665"/>
           </a:xfrm>
           <a:prstGeom prst="rect">
@@ -4701,7 +5868,7 @@
         </p:nvSpPr>
         <p:spPr>
           <a:xfrm>
-            <a:off x="6272972" y="794665"/>
+            <a:off x="5854269" y="-3705679"/>
             <a:ext cx="2637325" cy="369332"/>
           </a:xfrm>
           <a:prstGeom prst="rect">
@@ -4758,15 +5925,15 @@
         </p:nvSpPr>
         <p:spPr>
           <a:xfrm>
-            <a:off x="940492" y="3059668"/>
-            <a:ext cx="5445401" cy="369332"/>
-          </a:xfrm>
-          <a:prstGeom prst="rect">
-            <a:avLst/>
-          </a:prstGeom>
-        </p:spPr>
-        <p:txBody>
-          <a:bodyPr wrap="none">
+            <a:off x="616143" y="-1445764"/>
+            <a:ext cx="3628588" cy="646331"/>
+          </a:xfrm>
+          <a:prstGeom prst="rect">
+            <a:avLst/>
+          </a:prstGeom>
+        </p:spPr>
+        <p:txBody>
+          <a:bodyPr wrap="square">
             <a:spAutoFit/>
           </a:bodyPr>
           <a:lstStyle/>
@@ -4776,7 +5943,7 @@
                 <a:latin typeface="Times New Roman" panose="02020603050405020304" pitchFamily="18" charset="0"/>
                 <a:ea typeface="Times New Roman" panose="02020603050405020304" pitchFamily="18" charset="0"/>
               </a:rPr>
-              <a:t>нужно </a:t>
+              <a:t>Нужно </a:t>
             </a:r>
             <a:r>
               <a:rPr lang="ru-RU" dirty="0" err="1">
@@ -4807,12 +5974,64 @@
           </a:p>
         </p:txBody>
       </p:sp>
+      <p:sp>
+        <p:nvSpPr>
+          <p:cNvPr id="8" name="Прямоугольник 7">
+            <a:extLst>
+              <a:ext uri="{FF2B5EF4-FFF2-40B4-BE49-F238E27FC236}">
+                <a16:creationId xmlns:a16="http://schemas.microsoft.com/office/drawing/2014/main" id="{6999DA82-BBE5-4044-A056-F02FC864449F}"/>
+              </a:ext>
+            </a:extLst>
+          </p:cNvPr>
+          <p:cNvSpPr/>
+          <p:nvPr/>
+        </p:nvSpPr>
+        <p:spPr>
+          <a:xfrm>
+            <a:off x="406593" y="523027"/>
+            <a:ext cx="11378814" cy="5811946"/>
+          </a:xfrm>
+          <a:prstGeom prst="rect">
+            <a:avLst/>
+          </a:prstGeom>
+          <a:solidFill>
+            <a:srgbClr val="111111"/>
+          </a:solidFill>
+          <a:ln>
+            <a:noFill/>
+          </a:ln>
+        </p:spPr>
+        <p:style>
+          <a:lnRef idx="2">
+            <a:schemeClr val="accent1">
+              <a:shade val="50000"/>
+            </a:schemeClr>
+          </a:lnRef>
+          <a:fillRef idx="1">
+            <a:schemeClr val="accent1"/>
+          </a:fillRef>
+          <a:effectRef idx="0">
+            <a:schemeClr val="accent1"/>
+          </a:effectRef>
+          <a:fontRef idx="minor">
+            <a:schemeClr val="lt1"/>
+          </a:fontRef>
+        </p:style>
+        <p:txBody>
+          <a:bodyPr rtlCol="0" anchor="ctr"/>
+          <a:lstStyle/>
+          <a:p>
+            <a:pPr algn="ctr"/>
+            <a:endParaRPr lang="ru-RU" dirty="0"/>
+          </a:p>
+        </p:txBody>
+      </p:sp>
       <p:pic>
         <p:nvPicPr>
-          <p:cNvPr id="6" name="image18.png">
-            <a:extLst>
-              <a:ext uri="{FF2B5EF4-FFF2-40B4-BE49-F238E27FC236}">
-                <a16:creationId xmlns:a16="http://schemas.microsoft.com/office/drawing/2014/main" id="{01DE6C8F-24AF-41B8-A208-FD0949E88DAF}"/>
+          <p:cNvPr id="7" name="image14.png">
+            <a:extLst>
+              <a:ext uri="{FF2B5EF4-FFF2-40B4-BE49-F238E27FC236}">
+                <a16:creationId xmlns:a16="http://schemas.microsoft.com/office/drawing/2014/main" id="{0679B19C-07C9-4548-87AA-19BDA68273B3}"/>
               </a:ext>
             </a:extLst>
           </p:cNvPr>
@@ -4828,8 +6047,8 @@
         </p:blipFill>
         <p:spPr>
           <a:xfrm>
-            <a:off x="626443" y="4129918"/>
-            <a:ext cx="5759450" cy="444500"/>
+            <a:off x="5854269" y="3258217"/>
+            <a:ext cx="5696203" cy="2705100"/>
           </a:xfrm>
           <a:prstGeom prst="rect">
             <a:avLst/>
@@ -4839,10 +6058,10 @@
       </p:pic>
       <p:pic>
         <p:nvPicPr>
-          <p:cNvPr id="7" name="image14.png">
-            <a:extLst>
-              <a:ext uri="{FF2B5EF4-FFF2-40B4-BE49-F238E27FC236}">
-                <a16:creationId xmlns:a16="http://schemas.microsoft.com/office/drawing/2014/main" id="{0679B19C-07C9-4548-87AA-19BDA68273B3}"/>
+          <p:cNvPr id="6" name="image18.png">
+            <a:extLst>
+              <a:ext uri="{FF2B5EF4-FFF2-40B4-BE49-F238E27FC236}">
+                <a16:creationId xmlns:a16="http://schemas.microsoft.com/office/drawing/2014/main" id="{01DE6C8F-24AF-41B8-A208-FD0949E88DAF}"/>
               </a:ext>
             </a:extLst>
           </p:cNvPr>
@@ -4858,8 +6077,8 @@
         </p:blipFill>
         <p:spPr>
           <a:xfrm>
-            <a:off x="6385893" y="1294407"/>
-            <a:ext cx="5759450" cy="2705100"/>
+            <a:off x="5822644" y="2292502"/>
+            <a:ext cx="5759450" cy="444500"/>
           </a:xfrm>
           <a:prstGeom prst="rect">
             <a:avLst/>
@@ -4867,6 +6086,651 @@
           <a:ln/>
         </p:spPr>
       </p:pic>
+      <p:sp>
+        <p:nvSpPr>
+          <p:cNvPr id="9" name="Прямоугольник 8">
+            <a:extLst>
+              <a:ext uri="{FF2B5EF4-FFF2-40B4-BE49-F238E27FC236}">
+                <a16:creationId xmlns:a16="http://schemas.microsoft.com/office/drawing/2014/main" id="{C71CCAAD-C108-4CDD-853B-520A04AECA13}"/>
+              </a:ext>
+            </a:extLst>
+          </p:cNvPr>
+          <p:cNvSpPr/>
+          <p:nvPr/>
+        </p:nvSpPr>
+        <p:spPr>
+          <a:xfrm>
+            <a:off x="616143" y="638494"/>
+            <a:ext cx="2875252" cy="905312"/>
+          </a:xfrm>
+          <a:prstGeom prst="rect">
+            <a:avLst/>
+          </a:prstGeom>
+        </p:spPr>
+        <p:txBody>
+          <a:bodyPr wrap="square">
+            <a:spAutoFit/>
+          </a:bodyPr>
+          <a:lstStyle/>
+          <a:p>
+            <a:pPr>
+              <a:lnSpc>
+                <a:spcPct val="115000"/>
+              </a:lnSpc>
+              <a:spcAft>
+                <a:spcPts val="0"/>
+              </a:spcAft>
+            </a:pPr>
+            <a:r>
+              <a:rPr lang="ru-RU" sz="2400" b="1" dirty="0">
+                <a:solidFill>
+                  <a:schemeClr val="bg2"/>
+                </a:solidFill>
+                <a:latin typeface="Segoe UI Black" panose="020B0A02040204020203" pitchFamily="34" charset="0"/>
+                <a:ea typeface="Segoe UI Black" panose="020B0A02040204020203" pitchFamily="34" charset="0"/>
+              </a:rPr>
+              <a:t>Создание </a:t>
+            </a:r>
+            <a:r>
+              <a:rPr lang="ru-RU" sz="2400" b="1" dirty="0" err="1">
+                <a:solidFill>
+                  <a:schemeClr val="bg2"/>
+                </a:solidFill>
+                <a:latin typeface="Segoe UI Black" panose="020B0A02040204020203" pitchFamily="34" charset="0"/>
+                <a:ea typeface="Segoe UI Black" panose="020B0A02040204020203" pitchFamily="34" charset="0"/>
+              </a:rPr>
+              <a:t>Github</a:t>
+            </a:r>
+            <a:r>
+              <a:rPr lang="ru-RU" sz="2400" b="1" dirty="0">
+                <a:solidFill>
+                  <a:schemeClr val="bg2"/>
+                </a:solidFill>
+                <a:latin typeface="Segoe UI Black" panose="020B0A02040204020203" pitchFamily="34" charset="0"/>
+                <a:ea typeface="Segoe UI Black" panose="020B0A02040204020203" pitchFamily="34" charset="0"/>
+              </a:rPr>
+              <a:t> репозитория</a:t>
+            </a:r>
+          </a:p>
+        </p:txBody>
+      </p:sp>
+      <p:sp>
+        <p:nvSpPr>
+          <p:cNvPr id="10" name="Прямоугольник 9">
+            <a:extLst>
+              <a:ext uri="{FF2B5EF4-FFF2-40B4-BE49-F238E27FC236}">
+                <a16:creationId xmlns:a16="http://schemas.microsoft.com/office/drawing/2014/main" id="{C3852634-3FCB-49E6-83D7-8DC3CF362462}"/>
+              </a:ext>
+            </a:extLst>
+          </p:cNvPr>
+          <p:cNvSpPr/>
+          <p:nvPr/>
+        </p:nvSpPr>
+        <p:spPr>
+          <a:xfrm>
+            <a:off x="1538182" y="2257395"/>
+            <a:ext cx="1830950" cy="369332"/>
+          </a:xfrm>
+          <a:prstGeom prst="rect">
+            <a:avLst/>
+          </a:prstGeom>
+        </p:spPr>
+        <p:txBody>
+          <a:bodyPr wrap="none">
+            <a:spAutoFit/>
+          </a:bodyPr>
+          <a:lstStyle/>
+          <a:p>
+            <a:r>
+              <a:rPr lang="ru-RU" dirty="0">
+                <a:solidFill>
+                  <a:schemeClr val="bg2"/>
+                </a:solidFill>
+                <a:latin typeface="Arial Black" panose="020B0A04020102020204" pitchFamily="34" charset="0"/>
+                <a:ea typeface="Segoe UI Black" panose="020B0A02040204020203" pitchFamily="34" charset="0"/>
+                <a:cs typeface="Arial" panose="020B0604020202020204" pitchFamily="34" charset="0"/>
+              </a:rPr>
+              <a:t>Регистрация</a:t>
+            </a:r>
+          </a:p>
+        </p:txBody>
+      </p:sp>
+      <p:sp>
+        <p:nvSpPr>
+          <p:cNvPr id="15" name="Стрелка: вниз 14">
+            <a:extLst>
+              <a:ext uri="{FF2B5EF4-FFF2-40B4-BE49-F238E27FC236}">
+                <a16:creationId xmlns:a16="http://schemas.microsoft.com/office/drawing/2014/main" id="{4FA9D8EF-4913-4B39-942C-DE4B76F89C1C}"/>
+              </a:ext>
+            </a:extLst>
+          </p:cNvPr>
+          <p:cNvSpPr/>
+          <p:nvPr/>
+        </p:nvSpPr>
+        <p:spPr>
+          <a:xfrm rot="19666321">
+            <a:off x="10677216" y="1480440"/>
+            <a:ext cx="152671" cy="920750"/>
+          </a:xfrm>
+          <a:prstGeom prst="downArrow">
+            <a:avLst/>
+          </a:prstGeom>
+          <a:solidFill>
+            <a:srgbClr val="C00000"/>
+          </a:solidFill>
+          <a:ln>
+            <a:noFill/>
+          </a:ln>
+        </p:spPr>
+        <p:style>
+          <a:lnRef idx="2">
+            <a:schemeClr val="accent1">
+              <a:shade val="50000"/>
+            </a:schemeClr>
+          </a:lnRef>
+          <a:fillRef idx="1">
+            <a:schemeClr val="accent1"/>
+          </a:fillRef>
+          <a:effectRef idx="0">
+            <a:schemeClr val="accent1"/>
+          </a:effectRef>
+          <a:fontRef idx="minor">
+            <a:schemeClr val="lt1"/>
+          </a:fontRef>
+        </p:style>
+        <p:txBody>
+          <a:bodyPr rtlCol="0" anchor="ctr"/>
+          <a:lstStyle/>
+          <a:p>
+            <a:pPr algn="ctr"/>
+            <a:endParaRPr lang="ru-RU" dirty="0"/>
+          </a:p>
+        </p:txBody>
+      </p:sp>
+      <p:sp>
+        <p:nvSpPr>
+          <p:cNvPr id="16" name="Овал 15">
+            <a:extLst>
+              <a:ext uri="{FF2B5EF4-FFF2-40B4-BE49-F238E27FC236}">
+                <a16:creationId xmlns:a16="http://schemas.microsoft.com/office/drawing/2014/main" id="{B7F5CD6D-9E9C-48D2-ABB3-50C387376580}"/>
+              </a:ext>
+            </a:extLst>
+          </p:cNvPr>
+          <p:cNvSpPr/>
+          <p:nvPr/>
+        </p:nvSpPr>
+        <p:spPr>
+          <a:xfrm>
+            <a:off x="10956865" y="2376927"/>
+            <a:ext cx="593607" cy="346561"/>
+          </a:xfrm>
+          <a:prstGeom prst="ellipse">
+            <a:avLst/>
+          </a:prstGeom>
+          <a:noFill/>
+          <a:ln>
+            <a:solidFill>
+              <a:srgbClr val="DA0000"/>
+            </a:solidFill>
+          </a:ln>
+        </p:spPr>
+        <p:style>
+          <a:lnRef idx="2">
+            <a:schemeClr val="accent1">
+              <a:shade val="50000"/>
+            </a:schemeClr>
+          </a:lnRef>
+          <a:fillRef idx="1">
+            <a:schemeClr val="accent1"/>
+          </a:fillRef>
+          <a:effectRef idx="0">
+            <a:schemeClr val="accent1"/>
+          </a:effectRef>
+          <a:fontRef idx="minor">
+            <a:schemeClr val="lt1"/>
+          </a:fontRef>
+        </p:style>
+        <p:txBody>
+          <a:bodyPr rtlCol="0" anchor="ctr"/>
+          <a:lstStyle/>
+          <a:p>
+            <a:pPr algn="ctr"/>
+            <a:endParaRPr lang="ru-RU"/>
+          </a:p>
+        </p:txBody>
+      </p:sp>
+      <p:sp>
+        <p:nvSpPr>
+          <p:cNvPr id="17" name="Прямоугольник 16">
+            <a:extLst>
+              <a:ext uri="{FF2B5EF4-FFF2-40B4-BE49-F238E27FC236}">
+                <a16:creationId xmlns:a16="http://schemas.microsoft.com/office/drawing/2014/main" id="{709AB563-FE44-46BE-843A-D3CA9C9DB716}"/>
+              </a:ext>
+            </a:extLst>
+          </p:cNvPr>
+          <p:cNvSpPr/>
+          <p:nvPr/>
+        </p:nvSpPr>
+        <p:spPr>
+          <a:xfrm>
+            <a:off x="1538181" y="3049914"/>
+            <a:ext cx="2129043" cy="646331"/>
+          </a:xfrm>
+          <a:prstGeom prst="rect">
+            <a:avLst/>
+          </a:prstGeom>
+        </p:spPr>
+        <p:txBody>
+          <a:bodyPr wrap="square">
+            <a:spAutoFit/>
+          </a:bodyPr>
+          <a:lstStyle/>
+          <a:p>
+            <a:r>
+              <a:rPr lang="ru-RU" dirty="0">
+                <a:solidFill>
+                  <a:schemeClr val="bg2"/>
+                </a:solidFill>
+                <a:latin typeface="Arial Black" panose="020B0A04020102020204" pitchFamily="34" charset="0"/>
+                <a:ea typeface="Times New Roman" panose="02020603050405020304" pitchFamily="18" charset="0"/>
+                <a:cs typeface="Arial" panose="020B0604020202020204" pitchFamily="34" charset="0"/>
+              </a:rPr>
+              <a:t>Создание</a:t>
+            </a:r>
+            <a:r>
+              <a:rPr lang="ru-RU" dirty="0">
+                <a:solidFill>
+                  <a:schemeClr val="bg2"/>
+                </a:solidFill>
+                <a:latin typeface="Arial Black" panose="020B0A04020102020204" pitchFamily="34" charset="0"/>
+                <a:ea typeface="Times New Roman" panose="02020603050405020304" pitchFamily="18" charset="0"/>
+              </a:rPr>
+              <a:t> </a:t>
+            </a:r>
+            <a:r>
+              <a:rPr lang="ru-RU" dirty="0">
+                <a:solidFill>
+                  <a:schemeClr val="bg2"/>
+                </a:solidFill>
+                <a:latin typeface="Arial Black" panose="020B0A04020102020204" pitchFamily="34" charset="0"/>
+                <a:ea typeface="Times New Roman" panose="02020603050405020304" pitchFamily="18" charset="0"/>
+                <a:cs typeface="Arial" panose="020B0604020202020204" pitchFamily="34" charset="0"/>
+              </a:rPr>
+              <a:t>репозитория</a:t>
+            </a:r>
+            <a:endParaRPr lang="ru-RU" dirty="0">
+              <a:solidFill>
+                <a:schemeClr val="bg2"/>
+              </a:solidFill>
+              <a:latin typeface="Arial Black" panose="020B0A04020102020204" pitchFamily="34" charset="0"/>
+              <a:cs typeface="Arial" panose="020B0604020202020204" pitchFamily="34" charset="0"/>
+            </a:endParaRPr>
+          </a:p>
+        </p:txBody>
+      </p:sp>
+      <p:sp>
+        <p:nvSpPr>
+          <p:cNvPr id="19" name="Прямоугольник 18">
+            <a:extLst>
+              <a:ext uri="{FF2B5EF4-FFF2-40B4-BE49-F238E27FC236}">
+                <a16:creationId xmlns:a16="http://schemas.microsoft.com/office/drawing/2014/main" id="{1EEB2DD1-644B-4A99-B84B-7035A2222B4F}"/>
+              </a:ext>
+            </a:extLst>
+          </p:cNvPr>
+          <p:cNvSpPr/>
+          <p:nvPr/>
+        </p:nvSpPr>
+        <p:spPr>
+          <a:xfrm>
+            <a:off x="1004910" y="2207430"/>
+            <a:ext cx="471638" cy="444500"/>
+          </a:xfrm>
+          <a:prstGeom prst="rect">
+            <a:avLst/>
+          </a:prstGeom>
+          <a:gradFill>
+            <a:gsLst>
+              <a:gs pos="0">
+                <a:srgbClr val="FFFF00"/>
+              </a:gs>
+              <a:gs pos="100000">
+                <a:srgbClr val="92D050"/>
+              </a:gs>
+            </a:gsLst>
+            <a:lin ang="5400000" scaled="1"/>
+          </a:gradFill>
+          <a:ln>
+            <a:noFill/>
+          </a:ln>
+        </p:spPr>
+        <p:style>
+          <a:lnRef idx="2">
+            <a:schemeClr val="accent1">
+              <a:shade val="50000"/>
+            </a:schemeClr>
+          </a:lnRef>
+          <a:fillRef idx="1">
+            <a:schemeClr val="accent1"/>
+          </a:fillRef>
+          <a:effectRef idx="0">
+            <a:schemeClr val="accent1"/>
+          </a:effectRef>
+          <a:fontRef idx="minor">
+            <a:schemeClr val="lt1"/>
+          </a:fontRef>
+        </p:style>
+        <p:txBody>
+          <a:bodyPr rtlCol="0" anchor="ctr"/>
+          <a:lstStyle/>
+          <a:p>
+            <a:pPr algn="ctr"/>
+            <a:r>
+              <a:rPr lang="ru-RU" sz="3200" dirty="0">
+                <a:solidFill>
+                  <a:schemeClr val="bg1"/>
+                </a:solidFill>
+                <a:latin typeface="Arial Black" panose="020B0A04020102020204" pitchFamily="34" charset="0"/>
+              </a:rPr>
+              <a:t>1</a:t>
+            </a:r>
+          </a:p>
+        </p:txBody>
+      </p:sp>
+      <p:sp>
+        <p:nvSpPr>
+          <p:cNvPr id="21" name="Прямоугольник 20">
+            <a:extLst>
+              <a:ext uri="{FF2B5EF4-FFF2-40B4-BE49-F238E27FC236}">
+                <a16:creationId xmlns:a16="http://schemas.microsoft.com/office/drawing/2014/main" id="{822FC650-5CCF-42FD-9796-BE75B790BFEF}"/>
+              </a:ext>
+            </a:extLst>
+          </p:cNvPr>
+          <p:cNvSpPr/>
+          <p:nvPr/>
+        </p:nvSpPr>
+        <p:spPr>
+          <a:xfrm>
+            <a:off x="1001930" y="3168148"/>
+            <a:ext cx="471638" cy="444500"/>
+          </a:xfrm>
+          <a:prstGeom prst="rect">
+            <a:avLst/>
+          </a:prstGeom>
+          <a:gradFill>
+            <a:gsLst>
+              <a:gs pos="0">
+                <a:srgbClr val="FFFF00"/>
+              </a:gs>
+              <a:gs pos="100000">
+                <a:srgbClr val="92D050"/>
+              </a:gs>
+            </a:gsLst>
+            <a:lin ang="5400000" scaled="1"/>
+          </a:gradFill>
+          <a:ln>
+            <a:noFill/>
+          </a:ln>
+        </p:spPr>
+        <p:style>
+          <a:lnRef idx="2">
+            <a:schemeClr val="accent1">
+              <a:shade val="50000"/>
+            </a:schemeClr>
+          </a:lnRef>
+          <a:fillRef idx="1">
+            <a:schemeClr val="accent1"/>
+          </a:fillRef>
+          <a:effectRef idx="0">
+            <a:schemeClr val="accent1"/>
+          </a:effectRef>
+          <a:fontRef idx="minor">
+            <a:schemeClr val="lt1"/>
+          </a:fontRef>
+        </p:style>
+        <p:txBody>
+          <a:bodyPr rtlCol="0" anchor="ctr"/>
+          <a:lstStyle/>
+          <a:p>
+            <a:pPr algn="ctr"/>
+            <a:r>
+              <a:rPr lang="ru-RU" sz="3200" dirty="0">
+                <a:solidFill>
+                  <a:schemeClr val="bg1"/>
+                </a:solidFill>
+                <a:latin typeface="Arial Black" panose="020B0A04020102020204" pitchFamily="34" charset="0"/>
+              </a:rPr>
+              <a:t>2</a:t>
+            </a:r>
+          </a:p>
+        </p:txBody>
+      </p:sp>
+      <p:sp>
+        <p:nvSpPr>
+          <p:cNvPr id="23" name="Прямоугольник 22">
+            <a:extLst>
+              <a:ext uri="{FF2B5EF4-FFF2-40B4-BE49-F238E27FC236}">
+                <a16:creationId xmlns:a16="http://schemas.microsoft.com/office/drawing/2014/main" id="{7DD0A82E-5E47-4DEF-AB0C-545FDF3B0CDF}"/>
+              </a:ext>
+            </a:extLst>
+          </p:cNvPr>
+          <p:cNvSpPr/>
+          <p:nvPr/>
+        </p:nvSpPr>
+        <p:spPr>
+          <a:xfrm>
+            <a:off x="7687039" y="790345"/>
+            <a:ext cx="2619229" cy="655606"/>
+          </a:xfrm>
+          <a:prstGeom prst="rect">
+            <a:avLst/>
+          </a:prstGeom>
+          <a:noFill/>
+          <a:ln w="38100">
+            <a:solidFill>
+              <a:schemeClr val="bg1"/>
+            </a:solidFill>
+          </a:ln>
+        </p:spPr>
+        <p:style>
+          <a:lnRef idx="2">
+            <a:schemeClr val="accent1">
+              <a:shade val="50000"/>
+            </a:schemeClr>
+          </a:lnRef>
+          <a:fillRef idx="1">
+            <a:schemeClr val="accent1"/>
+          </a:fillRef>
+          <a:effectRef idx="0">
+            <a:schemeClr val="accent1"/>
+          </a:effectRef>
+          <a:fontRef idx="minor">
+            <a:schemeClr val="lt1"/>
+          </a:fontRef>
+        </p:style>
+        <p:txBody>
+          <a:bodyPr rtlCol="0" anchor="ctr"/>
+          <a:lstStyle/>
+          <a:p>
+            <a:pPr algn="ctr"/>
+            <a:r>
+              <a:rPr lang="ru-RU" dirty="0"/>
+              <a:t>Кнопка создания нового репозитория</a:t>
+            </a:r>
+          </a:p>
+        </p:txBody>
+      </p:sp>
+      <p:sp>
+        <p:nvSpPr>
+          <p:cNvPr id="24" name="TextBox 23">
+            <a:extLst>
+              <a:ext uri="{FF2B5EF4-FFF2-40B4-BE49-F238E27FC236}">
+                <a16:creationId xmlns:a16="http://schemas.microsoft.com/office/drawing/2014/main" id="{590B6C4F-00A4-4711-BEBD-9F1260164731}"/>
+              </a:ext>
+            </a:extLst>
+          </p:cNvPr>
+          <p:cNvSpPr txBox="1"/>
+          <p:nvPr/>
+        </p:nvSpPr>
+        <p:spPr>
+          <a:xfrm>
+            <a:off x="7473857" y="2865248"/>
+            <a:ext cx="2457025" cy="369332"/>
+          </a:xfrm>
+          <a:prstGeom prst="rect">
+            <a:avLst/>
+          </a:prstGeom>
+          <a:noFill/>
+        </p:spPr>
+        <p:txBody>
+          <a:bodyPr wrap="square" rtlCol="0">
+            <a:spAutoFit/>
+          </a:bodyPr>
+          <a:lstStyle/>
+          <a:p>
+            <a:r>
+              <a:rPr lang="ru-RU" dirty="0">
+                <a:solidFill>
+                  <a:schemeClr val="bg1"/>
+                </a:solidFill>
+                <a:latin typeface="Segoe UI Black" panose="020B0A02040204020203" pitchFamily="34" charset="0"/>
+                <a:ea typeface="Segoe UI Black" panose="020B0A02040204020203" pitchFamily="34" charset="0"/>
+              </a:rPr>
+              <a:t>Мой репозиторий</a:t>
+            </a:r>
+            <a:r>
+              <a:rPr lang="en-US" dirty="0">
+                <a:solidFill>
+                  <a:schemeClr val="bg1"/>
+                </a:solidFill>
+                <a:latin typeface="Segoe UI Black" panose="020B0A02040204020203" pitchFamily="34" charset="0"/>
+                <a:ea typeface="Segoe UI Black" panose="020B0A02040204020203" pitchFamily="34" charset="0"/>
+              </a:rPr>
+              <a:t>:</a:t>
+            </a:r>
+            <a:endParaRPr lang="ru-RU" dirty="0">
+              <a:solidFill>
+                <a:schemeClr val="bg1"/>
+              </a:solidFill>
+              <a:latin typeface="Segoe UI Black" panose="020B0A02040204020203" pitchFamily="34" charset="0"/>
+              <a:ea typeface="Segoe UI Black" panose="020B0A02040204020203" pitchFamily="34" charset="0"/>
+            </a:endParaRPr>
+          </a:p>
+        </p:txBody>
+      </p:sp>
+      <p:sp>
+        <p:nvSpPr>
+          <p:cNvPr id="25" name="Прямоугольник 24">
+            <a:extLst>
+              <a:ext uri="{FF2B5EF4-FFF2-40B4-BE49-F238E27FC236}">
+                <a16:creationId xmlns:a16="http://schemas.microsoft.com/office/drawing/2014/main" id="{7858A913-99CF-4126-9FAC-1F726202758E}"/>
+              </a:ext>
+            </a:extLst>
+          </p:cNvPr>
+          <p:cNvSpPr/>
+          <p:nvPr/>
+        </p:nvSpPr>
+        <p:spPr>
+          <a:xfrm>
+            <a:off x="1538182" y="4021698"/>
+            <a:ext cx="2129043" cy="646331"/>
+          </a:xfrm>
+          <a:prstGeom prst="rect">
+            <a:avLst/>
+          </a:prstGeom>
+        </p:spPr>
+        <p:txBody>
+          <a:bodyPr wrap="square">
+            <a:spAutoFit/>
+          </a:bodyPr>
+          <a:lstStyle/>
+          <a:p>
+            <a:r>
+              <a:rPr lang="ru-RU" dirty="0">
+                <a:solidFill>
+                  <a:schemeClr val="bg2"/>
+                </a:solidFill>
+                <a:latin typeface="Arial Black" panose="020B0A04020102020204" pitchFamily="34" charset="0"/>
+                <a:cs typeface="Arial" panose="020B0604020202020204" pitchFamily="34" charset="0"/>
+              </a:rPr>
+              <a:t>Добавление файлов</a:t>
+            </a:r>
+          </a:p>
+        </p:txBody>
+      </p:sp>
+      <p:sp>
+        <p:nvSpPr>
+          <p:cNvPr id="26" name="Прямоугольник 25">
+            <a:extLst>
+              <a:ext uri="{FF2B5EF4-FFF2-40B4-BE49-F238E27FC236}">
+                <a16:creationId xmlns:a16="http://schemas.microsoft.com/office/drawing/2014/main" id="{10804CDF-C00B-404F-8628-78D35A08EBBA}"/>
+              </a:ext>
+            </a:extLst>
+          </p:cNvPr>
+          <p:cNvSpPr/>
+          <p:nvPr/>
+        </p:nvSpPr>
+        <p:spPr>
+          <a:xfrm>
+            <a:off x="1031586" y="4122614"/>
+            <a:ext cx="471638" cy="444500"/>
+          </a:xfrm>
+          <a:prstGeom prst="rect">
+            <a:avLst/>
+          </a:prstGeom>
+          <a:gradFill>
+            <a:gsLst>
+              <a:gs pos="0">
+                <a:srgbClr val="FFFF00"/>
+              </a:gs>
+              <a:gs pos="100000">
+                <a:srgbClr val="92D050"/>
+              </a:gs>
+            </a:gsLst>
+            <a:lin ang="5400000" scaled="1"/>
+          </a:gradFill>
+          <a:ln>
+            <a:noFill/>
+          </a:ln>
+        </p:spPr>
+        <p:style>
+          <a:lnRef idx="2">
+            <a:schemeClr val="accent1">
+              <a:shade val="50000"/>
+            </a:schemeClr>
+          </a:lnRef>
+          <a:fillRef idx="1">
+            <a:schemeClr val="accent1"/>
+          </a:fillRef>
+          <a:effectRef idx="0">
+            <a:schemeClr val="accent1"/>
+          </a:effectRef>
+          <a:fontRef idx="minor">
+            <a:schemeClr val="lt1"/>
+          </a:fontRef>
+        </p:style>
+        <p:txBody>
+          <a:bodyPr rtlCol="0" anchor="ctr"/>
+          <a:lstStyle/>
+          <a:p>
+            <a:pPr algn="ctr"/>
+            <a:r>
+              <a:rPr lang="en-US" sz="3200" dirty="0">
+                <a:solidFill>
+                  <a:schemeClr val="bg1"/>
+                </a:solidFill>
+                <a:latin typeface="Arial Black" panose="020B0A04020102020204" pitchFamily="34" charset="0"/>
+              </a:rPr>
+              <a:t>3</a:t>
+            </a:r>
+            <a:endParaRPr lang="ru-RU" sz="3200" dirty="0">
+              <a:solidFill>
+                <a:schemeClr val="bg1"/>
+              </a:solidFill>
+              <a:latin typeface="Arial Black" panose="020B0A04020102020204" pitchFamily="34" charset="0"/>
+            </a:endParaRPr>
+          </a:p>
+        </p:txBody>
+      </p:sp>
     </p:spTree>
     <p:extLst>
       <p:ext uri="{BB962C8B-B14F-4D97-AF65-F5344CB8AC3E}">
@@ -5020,6 +6884,24 @@
 <file path=ppt/slides/slide16.xml><?xml version="1.0" encoding="utf-8"?>
 <p:sld xmlns:a="http://schemas.openxmlformats.org/drawingml/2006/main" xmlns:r="http://schemas.openxmlformats.org/officeDocument/2006/relationships" xmlns:p="http://schemas.openxmlformats.org/presentationml/2006/main">
   <p:cSld>
+    <p:bg>
+      <p:bgPr>
+        <a:gradFill>
+          <a:gsLst>
+            <a:gs pos="0">
+              <a:schemeClr val="accent6"/>
+            </a:gs>
+            <a:gs pos="100000">
+              <a:schemeClr val="accent1">
+                <a:lumMod val="75000"/>
+              </a:schemeClr>
+            </a:gs>
+          </a:gsLst>
+          <a:lin ang="13500000" scaled="1"/>
+        </a:gradFill>
+        <a:effectLst/>
+      </p:bgPr>
+    </p:bg>
     <p:spTree>
       <p:nvGrpSpPr>
         <p:cNvPr id="1" name=""/>
@@ -5036,6 +6918,58 @@
       </p:grpSpPr>
       <p:sp>
         <p:nvSpPr>
+          <p:cNvPr id="6" name="Прямоугольник 5">
+            <a:extLst>
+              <a:ext uri="{FF2B5EF4-FFF2-40B4-BE49-F238E27FC236}">
+                <a16:creationId xmlns:a16="http://schemas.microsoft.com/office/drawing/2014/main" id="{CBDF212A-6A4B-4F88-89A3-05036E6DBE94}"/>
+              </a:ext>
+            </a:extLst>
+          </p:cNvPr>
+          <p:cNvSpPr/>
+          <p:nvPr/>
+        </p:nvSpPr>
+        <p:spPr>
+          <a:xfrm>
+            <a:off x="291967" y="310415"/>
+            <a:ext cx="11608068" cy="6237170"/>
+          </a:xfrm>
+          <a:prstGeom prst="rect">
+            <a:avLst/>
+          </a:prstGeom>
+          <a:solidFill>
+            <a:srgbClr val="0A0A0A"/>
+          </a:solidFill>
+          <a:ln>
+            <a:noFill/>
+          </a:ln>
+        </p:spPr>
+        <p:style>
+          <a:lnRef idx="2">
+            <a:schemeClr val="accent1">
+              <a:shade val="50000"/>
+            </a:schemeClr>
+          </a:lnRef>
+          <a:fillRef idx="1">
+            <a:schemeClr val="accent1"/>
+          </a:fillRef>
+          <a:effectRef idx="0">
+            <a:schemeClr val="accent1"/>
+          </a:effectRef>
+          <a:fontRef idx="minor">
+            <a:schemeClr val="lt1"/>
+          </a:fontRef>
+        </p:style>
+        <p:txBody>
+          <a:bodyPr rtlCol="0" anchor="ctr"/>
+          <a:lstStyle/>
+          <a:p>
+            <a:pPr algn="ctr"/>
+            <a:endParaRPr lang="ru-RU"/>
+          </a:p>
+        </p:txBody>
+      </p:sp>
+      <p:sp>
+        <p:nvSpPr>
           <p:cNvPr id="2" name="Прямоугольник 1">
             <a:extLst>
               <a:ext uri="{FF2B5EF4-FFF2-40B4-BE49-F238E27FC236}">
@@ -5071,6 +7005,9 @@
             </a:pPr>
             <a:r>
               <a:rPr lang="ru-RU" sz="2800" b="1" dirty="0">
+                <a:solidFill>
+                  <a:schemeClr val="bg1"/>
+                </a:solidFill>
                 <a:latin typeface="Segoe UI Black" panose="020B0A02040204020203" pitchFamily="34" charset="0"/>
                 <a:ea typeface="Segoe UI Black" panose="020B0A02040204020203" pitchFamily="34" charset="0"/>
               </a:rPr>
@@ -5078,6 +7015,9 @@
             </a:r>
             <a:r>
               <a:rPr lang="ru-RU" sz="2800" b="1" dirty="0" err="1">
+                <a:solidFill>
+                  <a:schemeClr val="bg1"/>
+                </a:solidFill>
                 <a:latin typeface="Segoe UI Black" panose="020B0A02040204020203" pitchFamily="34" charset="0"/>
                 <a:ea typeface="Segoe UI Black" panose="020B0A02040204020203" pitchFamily="34" charset="0"/>
               </a:rPr>
@@ -5085,97 +7025,14 @@
             </a:r>
             <a:r>
               <a:rPr lang="ru-RU" sz="2800" b="1" dirty="0">
+                <a:solidFill>
+                  <a:schemeClr val="bg1"/>
+                </a:solidFill>
                 <a:latin typeface="Segoe UI Black" panose="020B0A02040204020203" pitchFamily="34" charset="0"/>
                 <a:ea typeface="Segoe UI Black" panose="020B0A02040204020203" pitchFamily="34" charset="0"/>
               </a:rPr>
               <a:t> таблицы</a:t>
             </a:r>
-          </a:p>
-        </p:txBody>
-      </p:sp>
-      <p:sp>
-        <p:nvSpPr>
-          <p:cNvPr id="3" name="Прямоугольник 2">
-            <a:extLst>
-              <a:ext uri="{FF2B5EF4-FFF2-40B4-BE49-F238E27FC236}">
-                <a16:creationId xmlns:a16="http://schemas.microsoft.com/office/drawing/2014/main" id="{3705C1F0-7956-46CE-8D8A-7FB4FE76BC89}"/>
-              </a:ext>
-            </a:extLst>
-          </p:cNvPr>
-          <p:cNvSpPr/>
-          <p:nvPr/>
-        </p:nvSpPr>
-        <p:spPr>
-          <a:xfrm>
-            <a:off x="622696" y="1683657"/>
-            <a:ext cx="6096000" cy="1477328"/>
-          </a:xfrm>
-          <a:prstGeom prst="rect">
-            <a:avLst/>
-          </a:prstGeom>
-        </p:spPr>
-        <p:txBody>
-          <a:bodyPr>
-            <a:spAutoFit/>
-          </a:bodyPr>
-          <a:lstStyle/>
-          <a:p>
-            <a:br>
-              <a:rPr lang="ru-RU" dirty="0"/>
-            </a:br>
-            <a:r>
-              <a:rPr lang="ru-RU" dirty="0" err="1">
-                <a:solidFill>
-                  <a:srgbClr val="0D0D0D"/>
-                </a:solidFill>
-                <a:highlight>
-                  <a:srgbClr val="C0C0C0"/>
-                </a:highlight>
-                <a:latin typeface="Söhne"/>
-              </a:rPr>
-              <a:t>Парсинг</a:t>
-            </a:r>
-            <a:r>
-              <a:rPr lang="ru-RU" dirty="0">
-                <a:solidFill>
-                  <a:srgbClr val="0D0D0D"/>
-                </a:solidFill>
-                <a:highlight>
-                  <a:srgbClr val="C0C0C0"/>
-                </a:highlight>
-                <a:latin typeface="Söhne"/>
-              </a:rPr>
-              <a:t> (от английского "</a:t>
-            </a:r>
-            <a:r>
-              <a:rPr lang="ru-RU" dirty="0" err="1">
-                <a:solidFill>
-                  <a:srgbClr val="0D0D0D"/>
-                </a:solidFill>
-                <a:highlight>
-                  <a:srgbClr val="C0C0C0"/>
-                </a:highlight>
-                <a:latin typeface="Söhne"/>
-              </a:rPr>
-              <a:t>parsing</a:t>
-            </a:r>
-            <a:r>
-              <a:rPr lang="ru-RU" dirty="0">
-                <a:solidFill>
-                  <a:srgbClr val="0D0D0D"/>
-                </a:solidFill>
-                <a:highlight>
-                  <a:srgbClr val="C0C0C0"/>
-                </a:highlight>
-                <a:latin typeface="Söhne"/>
-              </a:rPr>
-              <a:t>") — это процесс анализа и разбора структурированных данных с целью извлечения нужной информации или выполнения определенных операций над этими данными.</a:t>
-            </a:r>
-            <a:endParaRPr lang="ru-RU" dirty="0">
-              <a:highlight>
-                <a:srgbClr val="C0C0C0"/>
-              </a:highlight>
-            </a:endParaRPr>
           </a:p>
         </p:txBody>
       </p:sp>
@@ -5200,7 +7057,7 @@
         </p:blipFill>
         <p:spPr>
           <a:xfrm>
-            <a:off x="162683" y="3806680"/>
+            <a:off x="622696" y="3806680"/>
             <a:ext cx="5759450" cy="2247900"/>
           </a:xfrm>
           <a:prstGeom prst="rect">
@@ -5230,7 +7087,7 @@
         </p:blipFill>
         <p:spPr>
           <a:xfrm>
-            <a:off x="6269868" y="3806680"/>
+            <a:off x="6140583" y="3806680"/>
             <a:ext cx="5759450" cy="2247900"/>
           </a:xfrm>
           <a:prstGeom prst="rect">
@@ -5239,6 +7096,137 @@
           <a:ln/>
         </p:spPr>
       </p:pic>
+      <p:sp>
+        <p:nvSpPr>
+          <p:cNvPr id="7" name="Прямоугольник 6">
+            <a:extLst>
+              <a:ext uri="{FF2B5EF4-FFF2-40B4-BE49-F238E27FC236}">
+                <a16:creationId xmlns:a16="http://schemas.microsoft.com/office/drawing/2014/main" id="{63A7A044-B679-496D-95A4-B98FC2FADD72}"/>
+              </a:ext>
+            </a:extLst>
+          </p:cNvPr>
+          <p:cNvSpPr/>
+          <p:nvPr/>
+        </p:nvSpPr>
+        <p:spPr>
+          <a:xfrm>
+            <a:off x="622696" y="1733960"/>
+            <a:ext cx="7612590" cy="1317115"/>
+          </a:xfrm>
+          <a:prstGeom prst="rect">
+            <a:avLst/>
+          </a:prstGeom>
+          <a:solidFill>
+            <a:srgbClr val="000000"/>
+          </a:solidFill>
+          <a:ln w="19050">
+            <a:solidFill>
+              <a:schemeClr val="bg1"/>
+            </a:solidFill>
+          </a:ln>
+        </p:spPr>
+        <p:style>
+          <a:lnRef idx="2">
+            <a:schemeClr val="accent1">
+              <a:shade val="50000"/>
+            </a:schemeClr>
+          </a:lnRef>
+          <a:fillRef idx="1">
+            <a:schemeClr val="accent1"/>
+          </a:fillRef>
+          <a:effectRef idx="0">
+            <a:schemeClr val="accent1"/>
+          </a:effectRef>
+          <a:fontRef idx="minor">
+            <a:schemeClr val="lt1"/>
+          </a:fontRef>
+        </p:style>
+        <p:txBody>
+          <a:bodyPr rtlCol="0" anchor="ctr"/>
+          <a:lstStyle/>
+          <a:p>
+            <a:pPr algn="ctr"/>
+            <a:endParaRPr lang="ru-RU"/>
+          </a:p>
+        </p:txBody>
+      </p:sp>
+      <p:sp>
+        <p:nvSpPr>
+          <p:cNvPr id="8" name="Прямоугольник 7">
+            <a:extLst>
+              <a:ext uri="{FF2B5EF4-FFF2-40B4-BE49-F238E27FC236}">
+                <a16:creationId xmlns:a16="http://schemas.microsoft.com/office/drawing/2014/main" id="{08E7386A-F814-4590-803C-B2C952F1FD63}"/>
+              </a:ext>
+            </a:extLst>
+          </p:cNvPr>
+          <p:cNvSpPr/>
+          <p:nvPr/>
+        </p:nvSpPr>
+        <p:spPr>
+          <a:xfrm>
+            <a:off x="622696" y="1524000"/>
+            <a:ext cx="7612590" cy="1477328"/>
+          </a:xfrm>
+          <a:prstGeom prst="rect">
+            <a:avLst/>
+          </a:prstGeom>
+        </p:spPr>
+        <p:txBody>
+          <a:bodyPr wrap="square">
+            <a:spAutoFit/>
+          </a:bodyPr>
+          <a:lstStyle/>
+          <a:p>
+            <a:br>
+              <a:rPr lang="ru-RU" dirty="0">
+                <a:solidFill>
+                  <a:schemeClr val="bg1"/>
+                </a:solidFill>
+              </a:rPr>
+            </a:br>
+            <a:r>
+              <a:rPr lang="ru-RU" dirty="0" err="1">
+                <a:solidFill>
+                  <a:schemeClr val="bg1"/>
+                </a:solidFill>
+                <a:latin typeface="Cascadia Mono SemiBold" panose="020B0609020000020004" pitchFamily="49" charset="0"/>
+                <a:cs typeface="Cascadia Mono SemiBold" panose="020B0609020000020004" pitchFamily="49" charset="0"/>
+              </a:rPr>
+              <a:t>Парсинг</a:t>
+            </a:r>
+            <a:r>
+              <a:rPr lang="ru-RU" dirty="0">
+                <a:solidFill>
+                  <a:schemeClr val="bg1"/>
+                </a:solidFill>
+                <a:latin typeface="Cascadia Mono SemiBold" panose="020B0609020000020004" pitchFamily="49" charset="0"/>
+                <a:cs typeface="Cascadia Mono SemiBold" panose="020B0609020000020004" pitchFamily="49" charset="0"/>
+              </a:rPr>
+              <a:t> (от английского "</a:t>
+            </a:r>
+            <a:r>
+              <a:rPr lang="ru-RU" dirty="0" err="1">
+                <a:solidFill>
+                  <a:schemeClr val="bg1"/>
+                </a:solidFill>
+                <a:latin typeface="Cascadia Mono SemiBold" panose="020B0609020000020004" pitchFamily="49" charset="0"/>
+                <a:cs typeface="Cascadia Mono SemiBold" panose="020B0609020000020004" pitchFamily="49" charset="0"/>
+              </a:rPr>
+              <a:t>parsing</a:t>
+            </a:r>
+            <a:r>
+              <a:rPr lang="ru-RU" dirty="0">
+                <a:solidFill>
+                  <a:schemeClr val="bg1"/>
+                </a:solidFill>
+                <a:latin typeface="Cascadia Mono SemiBold" panose="020B0609020000020004" pitchFamily="49" charset="0"/>
+                <a:cs typeface="Cascadia Mono SemiBold" panose="020B0609020000020004" pitchFamily="49" charset="0"/>
+              </a:rPr>
+              <a:t>") — это процесс анализа и разбора структурированных данных с целью извлечения нужной информации или выполнения определенных операций над этими данными.</a:t>
+            </a:r>
+          </a:p>
+        </p:txBody>
+      </p:sp>
     </p:spTree>
     <p:extLst>
       <p:ext uri="{BB962C8B-B14F-4D97-AF65-F5344CB8AC3E}">
@@ -5255,6 +7243,23 @@
 <file path=ppt/slides/slide17.xml><?xml version="1.0" encoding="utf-8"?>
 <p:sld xmlns:a="http://schemas.openxmlformats.org/drawingml/2006/main" xmlns:r="http://schemas.openxmlformats.org/officeDocument/2006/relationships" xmlns:p="http://schemas.openxmlformats.org/presentationml/2006/main">
   <p:cSld>
+    <p:bg>
+      <p:bgPr>
+        <a:gradFill flip="none" rotWithShape="1">
+          <a:gsLst>
+            <a:gs pos="0">
+              <a:srgbClr val="FFFF00"/>
+            </a:gs>
+            <a:gs pos="75000">
+              <a:srgbClr val="92D050"/>
+            </a:gs>
+          </a:gsLst>
+          <a:lin ang="2700000" scaled="1"/>
+          <a:tileRect/>
+        </a:gradFill>
+        <a:effectLst/>
+      </p:bgPr>
+    </p:bg>
     <p:spTree>
       <p:nvGrpSpPr>
         <p:cNvPr id="1" name=""/>
@@ -5269,6 +7274,58 @@
           <a:chExt cx="0" cy="0"/>
         </a:xfrm>
       </p:grpSpPr>
+      <p:sp>
+        <p:nvSpPr>
+          <p:cNvPr id="2" name="Прямоугольник 1">
+            <a:extLst>
+              <a:ext uri="{FF2B5EF4-FFF2-40B4-BE49-F238E27FC236}">
+                <a16:creationId xmlns:a16="http://schemas.microsoft.com/office/drawing/2014/main" id="{BE8403B1-B53D-4DB8-8055-00EB2846182F}"/>
+              </a:ext>
+            </a:extLst>
+          </p:cNvPr>
+          <p:cNvSpPr/>
+          <p:nvPr/>
+        </p:nvSpPr>
+        <p:spPr>
+          <a:xfrm>
+            <a:off x="228600" y="219075"/>
+            <a:ext cx="11715750" cy="6391275"/>
+          </a:xfrm>
+          <a:prstGeom prst="rect">
+            <a:avLst/>
+          </a:prstGeom>
+          <a:solidFill>
+            <a:srgbClr val="111111"/>
+          </a:solidFill>
+          <a:ln>
+            <a:noFill/>
+          </a:ln>
+        </p:spPr>
+        <p:style>
+          <a:lnRef idx="2">
+            <a:schemeClr val="accent1">
+              <a:shade val="50000"/>
+            </a:schemeClr>
+          </a:lnRef>
+          <a:fillRef idx="1">
+            <a:schemeClr val="accent1"/>
+          </a:fillRef>
+          <a:effectRef idx="0">
+            <a:schemeClr val="accent1"/>
+          </a:effectRef>
+          <a:fontRef idx="minor">
+            <a:schemeClr val="lt1"/>
+          </a:fontRef>
+        </p:style>
+        <p:txBody>
+          <a:bodyPr rtlCol="0" anchor="ctr"/>
+          <a:lstStyle/>
+          <a:p>
+            <a:pPr algn="ctr"/>
+            <a:endParaRPr lang="ru-RU"/>
+          </a:p>
+        </p:txBody>
+      </p:sp>
       <p:pic>
         <p:nvPicPr>
           <p:cNvPr id="4" name="image6.png">
@@ -5290,7 +7347,7 @@
         </p:blipFill>
         <p:spPr>
           <a:xfrm>
-            <a:off x="196239" y="3041650"/>
+            <a:off x="476863" y="3429000"/>
             <a:ext cx="5759450" cy="2603500"/>
           </a:xfrm>
           <a:prstGeom prst="rect">
@@ -5320,7 +7377,7 @@
         </p:blipFill>
         <p:spPr>
           <a:xfrm>
-            <a:off x="6236313" y="3683000"/>
+            <a:off x="6350613" y="3711575"/>
             <a:ext cx="5759450" cy="1320800"/>
           </a:xfrm>
           <a:prstGeom prst="rect">
@@ -5358,12 +7415,18 @@
           <a:p>
             <a:r>
               <a:rPr lang="ru-RU" sz="2400" b="1" dirty="0">
+                <a:solidFill>
+                  <a:schemeClr val="bg1"/>
+                </a:solidFill>
                 <a:latin typeface="Segoe UI Black" panose="020B0A02040204020203" pitchFamily="34" charset="0"/>
                 <a:ea typeface="Segoe UI Black" panose="020B0A02040204020203" pitchFamily="34" charset="0"/>
               </a:rPr>
               <a:t>Построение графиков</a:t>
             </a:r>
             <a:endParaRPr lang="ru-RU" sz="2400" dirty="0">
+              <a:solidFill>
+                <a:schemeClr val="bg1"/>
+              </a:solidFill>
               <a:latin typeface="Segoe UI Black" panose="020B0A02040204020203" pitchFamily="34" charset="0"/>
               <a:ea typeface="Segoe UI Black" panose="020B0A02040204020203" pitchFamily="34" charset="0"/>
             </a:endParaRPr>
@@ -5384,8 +7447,8 @@
         </p:nvSpPr>
         <p:spPr>
           <a:xfrm>
-            <a:off x="1098958" y="1163329"/>
-            <a:ext cx="6909733" cy="1659557"/>
+            <a:off x="622708" y="1454096"/>
+            <a:ext cx="6909733" cy="1661289"/>
           </a:xfrm>
           <a:prstGeom prst="rect">
             <a:avLst/>
@@ -5407,24 +7470,36 @@
             </a:pPr>
             <a:r>
               <a:rPr lang="ru-RU" dirty="0">
-                <a:latin typeface="Times New Roman" panose="02020603050405020304" pitchFamily="18" charset="0"/>
+                <a:solidFill>
+                  <a:schemeClr val="bg1"/>
+                </a:solidFill>
+                <a:latin typeface="Cascadia Mono SemiBold" panose="020B0609020000020004" pitchFamily="49" charset="0"/>
                 <a:ea typeface="Times New Roman" panose="02020603050405020304" pitchFamily="18" charset="0"/>
-              </a:rPr>
-              <a:t>По полученной таблице требуется построить график, поэтому создаём отдельный класс для этого. Первым делом фильтруем таблицу от “УП”, “Н” и других “</a:t>
+                <a:cs typeface="Cascadia Mono SemiBold" panose="020B0609020000020004" pitchFamily="49" charset="0"/>
+              </a:rPr>
+              <a:t>Программе требуется отфильтровать таблицу из сетевого города от “УП”, “Н” и других “</a:t>
             </a:r>
             <a:r>
               <a:rPr lang="ru-RU" dirty="0" err="1">
-                <a:latin typeface="Times New Roman" panose="02020603050405020304" pitchFamily="18" charset="0"/>
+                <a:solidFill>
+                  <a:schemeClr val="bg1"/>
+                </a:solidFill>
+                <a:latin typeface="Cascadia Mono SemiBold" panose="020B0609020000020004" pitchFamily="49" charset="0"/>
                 <a:ea typeface="Times New Roman" panose="02020603050405020304" pitchFamily="18" charset="0"/>
+                <a:cs typeface="Cascadia Mono SemiBold" panose="020B0609020000020004" pitchFamily="49" charset="0"/>
               </a:rPr>
               <a:t>нечисел</a:t>
             </a:r>
             <a:r>
               <a:rPr lang="ru-RU" dirty="0">
-                <a:latin typeface="Times New Roman" panose="02020603050405020304" pitchFamily="18" charset="0"/>
+                <a:solidFill>
+                  <a:schemeClr val="bg1"/>
+                </a:solidFill>
+                <a:latin typeface="Cascadia Mono SemiBold" panose="020B0609020000020004" pitchFamily="49" charset="0"/>
                 <a:ea typeface="Times New Roman" panose="02020603050405020304" pitchFamily="18" charset="0"/>
-              </a:rPr>
-              <a:t>”. А потом по отфильтрованной таблице выводим график, который позже сохраняем.</a:t>
+                <a:cs typeface="Cascadia Mono SemiBold" panose="020B0609020000020004" pitchFamily="49" charset="0"/>
+              </a:rPr>
+              <a:t>”. А потом по отфильтрованной таблице вывести график, который позже будет сохранён и отправлен пользователю.</a:t>
             </a:r>
           </a:p>
         </p:txBody>
@@ -5445,6 +7520,22 @@
 <file path=ppt/slides/slide18.xml><?xml version="1.0" encoding="utf-8"?>
 <p:sld xmlns:a="http://schemas.openxmlformats.org/drawingml/2006/main" xmlns:r="http://schemas.openxmlformats.org/officeDocument/2006/relationships" xmlns:p="http://schemas.openxmlformats.org/presentationml/2006/main">
   <p:cSld>
+    <p:bg>
+      <p:bgPr>
+        <a:gradFill>
+          <a:gsLst>
+            <a:gs pos="0">
+              <a:srgbClr val="7030A0"/>
+            </a:gs>
+            <a:gs pos="82000">
+              <a:schemeClr val="accent1"/>
+            </a:gs>
+          </a:gsLst>
+          <a:lin ang="2700000" scaled="1"/>
+        </a:gradFill>
+        <a:effectLst/>
+      </p:bgPr>
+    </p:bg>
     <p:spTree>
       <p:nvGrpSpPr>
         <p:cNvPr id="1" name=""/>
@@ -5461,6 +7552,58 @@
       </p:grpSpPr>
       <p:sp>
         <p:nvSpPr>
+          <p:cNvPr id="6" name="Прямоугольник 5">
+            <a:extLst>
+              <a:ext uri="{FF2B5EF4-FFF2-40B4-BE49-F238E27FC236}">
+                <a16:creationId xmlns:a16="http://schemas.microsoft.com/office/drawing/2014/main" id="{FCD44B76-3C53-4307-9C27-2D2719DCA898}"/>
+              </a:ext>
+            </a:extLst>
+          </p:cNvPr>
+          <p:cNvSpPr/>
+          <p:nvPr/>
+        </p:nvSpPr>
+        <p:spPr>
+          <a:xfrm>
+            <a:off x="221405" y="203200"/>
+            <a:ext cx="11749190" cy="6389498"/>
+          </a:xfrm>
+          <a:prstGeom prst="rect">
+            <a:avLst/>
+          </a:prstGeom>
+          <a:solidFill>
+            <a:srgbClr val="111111"/>
+          </a:solidFill>
+          <a:ln>
+            <a:noFill/>
+          </a:ln>
+        </p:spPr>
+        <p:style>
+          <a:lnRef idx="2">
+            <a:schemeClr val="accent1">
+              <a:shade val="50000"/>
+            </a:schemeClr>
+          </a:lnRef>
+          <a:fillRef idx="1">
+            <a:schemeClr val="accent1"/>
+          </a:fillRef>
+          <a:effectRef idx="0">
+            <a:schemeClr val="accent1"/>
+          </a:effectRef>
+          <a:fontRef idx="minor">
+            <a:schemeClr val="lt1"/>
+          </a:fontRef>
+        </p:style>
+        <p:txBody>
+          <a:bodyPr rtlCol="0" anchor="ctr"/>
+          <a:lstStyle/>
+          <a:p>
+            <a:pPr algn="ctr"/>
+            <a:endParaRPr lang="ru-RU"/>
+          </a:p>
+        </p:txBody>
+      </p:sp>
+      <p:sp>
+        <p:nvSpPr>
           <p:cNvPr id="2" name="Прямоугольник 1">
             <a:extLst>
               <a:ext uri="{FF2B5EF4-FFF2-40B4-BE49-F238E27FC236}">
@@ -5474,7 +7617,7 @@
         <p:spPr>
           <a:xfrm>
             <a:off x="470857" y="450801"/>
-            <a:ext cx="4655442" cy="584775"/>
+            <a:ext cx="10790133" cy="584775"/>
           </a:xfrm>
           <a:prstGeom prst="rect">
             <a:avLst/>
@@ -5488,12 +7631,18 @@
           <a:p>
             <a:r>
               <a:rPr lang="ru-RU" sz="3200" b="1" dirty="0">
+                <a:solidFill>
+                  <a:schemeClr val="bg1"/>
+                </a:solidFill>
                 <a:latin typeface="Segoe UI Black" panose="020B0A02040204020203" pitchFamily="34" charset="0"/>
                 <a:ea typeface="Segoe UI Black" panose="020B0A02040204020203" pitchFamily="34" charset="0"/>
               </a:rPr>
-              <a:t>Создание СУБД и БД </a:t>
+              <a:t>Создание Базы Данных и её Системы Управления</a:t>
             </a:r>
             <a:endParaRPr lang="ru-RU" sz="3200" dirty="0">
+              <a:solidFill>
+                <a:schemeClr val="bg1"/>
+              </a:solidFill>
               <a:latin typeface="Segoe UI Black" panose="020B0A02040204020203" pitchFamily="34" charset="0"/>
               <a:ea typeface="Segoe UI Black" panose="020B0A02040204020203" pitchFamily="34" charset="0"/>
             </a:endParaRPr>
@@ -5574,7 +7723,7 @@
         </p:nvSpPr>
         <p:spPr>
           <a:xfrm>
-            <a:off x="6211147" y="1490037"/>
+            <a:off x="6268720" y="1172883"/>
             <a:ext cx="5759448" cy="1200329"/>
           </a:xfrm>
           <a:prstGeom prst="rect">
@@ -5588,27 +7737,396 @@
           <a:lstStyle/>
           <a:p>
             <a:r>
-              <a:rPr lang="ru-RU" dirty="0">
-                <a:latin typeface="Times New Roman" panose="02020603050405020304" pitchFamily="18" charset="0"/>
+              <a:rPr lang="ru-RU" sz="2400" dirty="0">
+                <a:solidFill>
+                  <a:schemeClr val="bg1"/>
+                </a:solidFill>
+                <a:latin typeface="Cascadia Mono SemiBold" panose="020B0609020000020004" pitchFamily="49" charset="0"/>
+                <a:ea typeface="Verdana" panose="020B0604030504040204" pitchFamily="34" charset="0"/>
+                <a:cs typeface="Cascadia Mono SemiBold" panose="020B0609020000020004" pitchFamily="49" charset="0"/>
+              </a:rPr>
+              <a:t>Для работы с пользовательскими данными требуется база данных, и система управления ею (СУБД).</a:t>
+            </a:r>
+          </a:p>
+        </p:txBody>
+      </p:sp>
+      <p:sp>
+        <p:nvSpPr>
+          <p:cNvPr id="7" name="Прямоугольник 6">
+            <a:extLst>
+              <a:ext uri="{FF2B5EF4-FFF2-40B4-BE49-F238E27FC236}">
+                <a16:creationId xmlns:a16="http://schemas.microsoft.com/office/drawing/2014/main" id="{4DD8F0A6-9A5A-4D1E-902A-61B89CF9EE4C}"/>
+              </a:ext>
+            </a:extLst>
+          </p:cNvPr>
+          <p:cNvSpPr/>
+          <p:nvPr/>
+        </p:nvSpPr>
+        <p:spPr>
+          <a:xfrm>
+            <a:off x="6268720" y="2608212"/>
+            <a:ext cx="5590463" cy="707886"/>
+          </a:xfrm>
+          <a:prstGeom prst="rect">
+            <a:avLst/>
+          </a:prstGeom>
+        </p:spPr>
+        <p:txBody>
+          <a:bodyPr wrap="square">
+            <a:spAutoFit/>
+          </a:bodyPr>
+          <a:lstStyle/>
+          <a:p>
+            <a:r>
+              <a:rPr lang="ru-RU" sz="2000" dirty="0">
+                <a:solidFill>
+                  <a:schemeClr val="bg1"/>
+                </a:solidFill>
+                <a:latin typeface="Arial Black" panose="020B0A04020102020204" pitchFamily="34" charset="0"/>
                 <a:ea typeface="Times New Roman" panose="02020603050405020304" pitchFamily="18" charset="0"/>
-              </a:rPr>
-              <a:t>Для работы с пользовательскими данными требуется база данных, и система управления ею (СУБД). С помощью библиотеки sqlite3 и языка программирования </a:t>
-            </a:r>
-            <a:r>
-              <a:rPr lang="ru-RU" dirty="0" err="1">
-                <a:latin typeface="Times New Roman" panose="02020603050405020304" pitchFamily="18" charset="0"/>
+                <a:cs typeface="Arial" panose="020B0604020202020204" pitchFamily="34" charset="0"/>
+              </a:rPr>
+              <a:t>В базу данных будут записываться такие параметры как</a:t>
+            </a:r>
+            <a:r>
+              <a:rPr lang="en-US" sz="2000" dirty="0">
+                <a:solidFill>
+                  <a:schemeClr val="bg1"/>
+                </a:solidFill>
+                <a:latin typeface="Arial Black" panose="020B0A04020102020204" pitchFamily="34" charset="0"/>
                 <a:ea typeface="Times New Roman" panose="02020603050405020304" pitchFamily="18" charset="0"/>
-              </a:rPr>
-              <a:t>Python</a:t>
-            </a:r>
-            <a:r>
-              <a:rPr lang="ru-RU" dirty="0">
-                <a:latin typeface="Times New Roman" panose="02020603050405020304" pitchFamily="18" charset="0"/>
-                <a:ea typeface="Times New Roman" panose="02020603050405020304" pitchFamily="18" charset="0"/>
-              </a:rPr>
-              <a:t> мы можем создать БД, и работать с ней</a:t>
-            </a:r>
-            <a:endParaRPr lang="ru-RU" dirty="0"/>
+                <a:cs typeface="Arial" panose="020B0604020202020204" pitchFamily="34" charset="0"/>
+              </a:rPr>
+              <a:t>:</a:t>
+            </a:r>
+            <a:endParaRPr lang="ru-RU" sz="2000" dirty="0">
+              <a:latin typeface="Arial Black" panose="020B0A04020102020204" pitchFamily="34" charset="0"/>
+              <a:cs typeface="Arial" panose="020B0604020202020204" pitchFamily="34" charset="0"/>
+            </a:endParaRPr>
+          </a:p>
+        </p:txBody>
+      </p:sp>
+      <p:sp>
+        <p:nvSpPr>
+          <p:cNvPr id="8" name="Прямоугольник 7">
+            <a:extLst>
+              <a:ext uri="{FF2B5EF4-FFF2-40B4-BE49-F238E27FC236}">
+                <a16:creationId xmlns:a16="http://schemas.microsoft.com/office/drawing/2014/main" id="{D096269C-937F-4912-A4F4-336FC7EA7675}"/>
+              </a:ext>
+            </a:extLst>
+          </p:cNvPr>
+          <p:cNvSpPr/>
+          <p:nvPr/>
+        </p:nvSpPr>
+        <p:spPr>
+          <a:xfrm>
+            <a:off x="6415314" y="3620898"/>
+            <a:ext cx="682172" cy="646331"/>
+          </a:xfrm>
+          <a:prstGeom prst="rect">
+            <a:avLst/>
+          </a:prstGeom>
+          <a:gradFill>
+            <a:gsLst>
+              <a:gs pos="0">
+                <a:srgbClr val="7030A0"/>
+              </a:gs>
+              <a:gs pos="82000">
+                <a:schemeClr val="accent1"/>
+              </a:gs>
+            </a:gsLst>
+            <a:lin ang="2700000" scaled="1"/>
+          </a:gradFill>
+          <a:ln>
+            <a:noFill/>
+          </a:ln>
+        </p:spPr>
+        <p:style>
+          <a:lnRef idx="2">
+            <a:schemeClr val="accent1">
+              <a:shade val="50000"/>
+            </a:schemeClr>
+          </a:lnRef>
+          <a:fillRef idx="1">
+            <a:schemeClr val="accent1"/>
+          </a:fillRef>
+          <a:effectRef idx="0">
+            <a:schemeClr val="accent1"/>
+          </a:effectRef>
+          <a:fontRef idx="minor">
+            <a:schemeClr val="lt1"/>
+          </a:fontRef>
+        </p:style>
+        <p:txBody>
+          <a:bodyPr rtlCol="0" anchor="ctr"/>
+          <a:lstStyle/>
+          <a:p>
+            <a:pPr algn="ctr"/>
+            <a:r>
+              <a:rPr lang="ru-RU" sz="4800" dirty="0">
+                <a:latin typeface="Arial Black" panose="020B0A04020102020204" pitchFamily="34" charset="0"/>
+              </a:rPr>
+              <a:t>1</a:t>
+            </a:r>
+          </a:p>
+        </p:txBody>
+      </p:sp>
+      <p:sp>
+        <p:nvSpPr>
+          <p:cNvPr id="9" name="TextBox 8">
+            <a:extLst>
+              <a:ext uri="{FF2B5EF4-FFF2-40B4-BE49-F238E27FC236}">
+                <a16:creationId xmlns:a16="http://schemas.microsoft.com/office/drawing/2014/main" id="{00209FAD-D6A1-491D-9A72-9AC3152F5DFC}"/>
+              </a:ext>
+            </a:extLst>
+          </p:cNvPr>
+          <p:cNvSpPr txBox="1"/>
+          <p:nvPr/>
+        </p:nvSpPr>
+        <p:spPr>
+          <a:xfrm>
+            <a:off x="7228114" y="3620898"/>
+            <a:ext cx="4032876" cy="584775"/>
+          </a:xfrm>
+          <a:prstGeom prst="rect">
+            <a:avLst/>
+          </a:prstGeom>
+          <a:noFill/>
+        </p:spPr>
+        <p:txBody>
+          <a:bodyPr wrap="square" rtlCol="0">
+            <a:spAutoFit/>
+          </a:bodyPr>
+          <a:lstStyle/>
+          <a:p>
+            <a:r>
+              <a:rPr lang="en-US" sz="3200" dirty="0">
+                <a:solidFill>
+                  <a:schemeClr val="bg1"/>
+                </a:solidFill>
+                <a:latin typeface="Arial Black" panose="020B0A04020102020204" pitchFamily="34" charset="0"/>
+              </a:rPr>
+              <a:t>ID </a:t>
+            </a:r>
+            <a:r>
+              <a:rPr lang="ru-RU" sz="3200" dirty="0">
+                <a:solidFill>
+                  <a:schemeClr val="bg1"/>
+                </a:solidFill>
+                <a:latin typeface="Arial Black" panose="020B0A04020102020204" pitchFamily="34" charset="0"/>
+              </a:rPr>
+              <a:t>пользователя</a:t>
+            </a:r>
+          </a:p>
+        </p:txBody>
+      </p:sp>
+      <p:sp>
+        <p:nvSpPr>
+          <p:cNvPr id="10" name="Прямоугольник 9">
+            <a:extLst>
+              <a:ext uri="{FF2B5EF4-FFF2-40B4-BE49-F238E27FC236}">
+                <a16:creationId xmlns:a16="http://schemas.microsoft.com/office/drawing/2014/main" id="{C36FC389-1A02-4497-8F71-29BC07126B52}"/>
+              </a:ext>
+            </a:extLst>
+          </p:cNvPr>
+          <p:cNvSpPr/>
+          <p:nvPr/>
+        </p:nvSpPr>
+        <p:spPr>
+          <a:xfrm>
+            <a:off x="6437086" y="4510473"/>
+            <a:ext cx="682172" cy="646331"/>
+          </a:xfrm>
+          <a:prstGeom prst="rect">
+            <a:avLst/>
+          </a:prstGeom>
+          <a:gradFill>
+            <a:gsLst>
+              <a:gs pos="0">
+                <a:srgbClr val="7030A0"/>
+              </a:gs>
+              <a:gs pos="82000">
+                <a:schemeClr val="accent1"/>
+              </a:gs>
+            </a:gsLst>
+            <a:lin ang="2700000" scaled="1"/>
+          </a:gradFill>
+          <a:ln>
+            <a:noFill/>
+          </a:ln>
+        </p:spPr>
+        <p:style>
+          <a:lnRef idx="2">
+            <a:schemeClr val="accent1">
+              <a:shade val="50000"/>
+            </a:schemeClr>
+          </a:lnRef>
+          <a:fillRef idx="1">
+            <a:schemeClr val="accent1"/>
+          </a:fillRef>
+          <a:effectRef idx="0">
+            <a:schemeClr val="accent1"/>
+          </a:effectRef>
+          <a:fontRef idx="minor">
+            <a:schemeClr val="lt1"/>
+          </a:fontRef>
+        </p:style>
+        <p:txBody>
+          <a:bodyPr rtlCol="0" anchor="ctr"/>
+          <a:lstStyle/>
+          <a:p>
+            <a:pPr algn="ctr"/>
+            <a:r>
+              <a:rPr lang="ru-RU" sz="4800" dirty="0">
+                <a:latin typeface="Arial Black" panose="020B0A04020102020204" pitchFamily="34" charset="0"/>
+              </a:rPr>
+              <a:t>2</a:t>
+            </a:r>
+          </a:p>
+        </p:txBody>
+      </p:sp>
+      <p:sp>
+        <p:nvSpPr>
+          <p:cNvPr id="11" name="TextBox 10">
+            <a:extLst>
+              <a:ext uri="{FF2B5EF4-FFF2-40B4-BE49-F238E27FC236}">
+                <a16:creationId xmlns:a16="http://schemas.microsoft.com/office/drawing/2014/main" id="{BE314AFA-18CA-4F8C-937B-A0C664AAB0B5}"/>
+              </a:ext>
+            </a:extLst>
+          </p:cNvPr>
+          <p:cNvSpPr txBox="1"/>
+          <p:nvPr/>
+        </p:nvSpPr>
+        <p:spPr>
+          <a:xfrm>
+            <a:off x="7249886" y="4510473"/>
+            <a:ext cx="4032876" cy="584775"/>
+          </a:xfrm>
+          <a:prstGeom prst="rect">
+            <a:avLst/>
+          </a:prstGeom>
+          <a:noFill/>
+        </p:spPr>
+        <p:txBody>
+          <a:bodyPr wrap="square" rtlCol="0">
+            <a:spAutoFit/>
+          </a:bodyPr>
+          <a:lstStyle/>
+          <a:p>
+            <a:r>
+              <a:rPr lang="ru-RU" sz="3200" dirty="0">
+                <a:solidFill>
+                  <a:schemeClr val="bg1"/>
+                </a:solidFill>
+                <a:latin typeface="Arial Black" panose="020B0A04020102020204" pitchFamily="34" charset="0"/>
+              </a:rPr>
+              <a:t>Логин</a:t>
+            </a:r>
+          </a:p>
+        </p:txBody>
+      </p:sp>
+      <p:sp>
+        <p:nvSpPr>
+          <p:cNvPr id="12" name="Прямоугольник 11">
+            <a:extLst>
+              <a:ext uri="{FF2B5EF4-FFF2-40B4-BE49-F238E27FC236}">
+                <a16:creationId xmlns:a16="http://schemas.microsoft.com/office/drawing/2014/main" id="{AE551DDA-37DB-419D-92B5-5597F0D659DC}"/>
+              </a:ext>
+            </a:extLst>
+          </p:cNvPr>
+          <p:cNvSpPr/>
+          <p:nvPr/>
+        </p:nvSpPr>
+        <p:spPr>
+          <a:xfrm>
+            <a:off x="6437086" y="5420757"/>
+            <a:ext cx="682172" cy="646331"/>
+          </a:xfrm>
+          <a:prstGeom prst="rect">
+            <a:avLst/>
+          </a:prstGeom>
+          <a:gradFill>
+            <a:gsLst>
+              <a:gs pos="0">
+                <a:srgbClr val="7030A0"/>
+              </a:gs>
+              <a:gs pos="82000">
+                <a:schemeClr val="accent1"/>
+              </a:gs>
+            </a:gsLst>
+            <a:lin ang="2700000" scaled="1"/>
+          </a:gradFill>
+          <a:ln>
+            <a:noFill/>
+          </a:ln>
+        </p:spPr>
+        <p:style>
+          <a:lnRef idx="2">
+            <a:schemeClr val="accent1">
+              <a:shade val="50000"/>
+            </a:schemeClr>
+          </a:lnRef>
+          <a:fillRef idx="1">
+            <a:schemeClr val="accent1"/>
+          </a:fillRef>
+          <a:effectRef idx="0">
+            <a:schemeClr val="accent1"/>
+          </a:effectRef>
+          <a:fontRef idx="minor">
+            <a:schemeClr val="lt1"/>
+          </a:fontRef>
+        </p:style>
+        <p:txBody>
+          <a:bodyPr rtlCol="0" anchor="ctr"/>
+          <a:lstStyle/>
+          <a:p>
+            <a:pPr algn="ctr"/>
+            <a:r>
+              <a:rPr lang="ru-RU" sz="4800" dirty="0">
+                <a:latin typeface="Arial Black" panose="020B0A04020102020204" pitchFamily="34" charset="0"/>
+              </a:rPr>
+              <a:t>3</a:t>
+            </a:r>
+          </a:p>
+        </p:txBody>
+      </p:sp>
+      <p:sp>
+        <p:nvSpPr>
+          <p:cNvPr id="13" name="TextBox 12">
+            <a:extLst>
+              <a:ext uri="{FF2B5EF4-FFF2-40B4-BE49-F238E27FC236}">
+                <a16:creationId xmlns:a16="http://schemas.microsoft.com/office/drawing/2014/main" id="{91C07CF6-6BEF-4095-86DD-FD09DB0929E6}"/>
+              </a:ext>
+            </a:extLst>
+          </p:cNvPr>
+          <p:cNvSpPr txBox="1"/>
+          <p:nvPr/>
+        </p:nvSpPr>
+        <p:spPr>
+          <a:xfrm>
+            <a:off x="7249886" y="5420757"/>
+            <a:ext cx="4032876" cy="584775"/>
+          </a:xfrm>
+          <a:prstGeom prst="rect">
+            <a:avLst/>
+          </a:prstGeom>
+          <a:noFill/>
+        </p:spPr>
+        <p:txBody>
+          <a:bodyPr wrap="square" rtlCol="0">
+            <a:spAutoFit/>
+          </a:bodyPr>
+          <a:lstStyle/>
+          <a:p>
+            <a:r>
+              <a:rPr lang="ru-RU" sz="3200" dirty="0">
+                <a:solidFill>
+                  <a:schemeClr val="bg1"/>
+                </a:solidFill>
+                <a:latin typeface="Arial Black" panose="020B0A04020102020204" pitchFamily="34" charset="0"/>
+              </a:rPr>
+              <a:t>Пароль</a:t>
+            </a:r>
           </a:p>
         </p:txBody>
       </p:sp>
@@ -5628,6 +8146,17 @@
 <file path=ppt/slides/slide19.xml><?xml version="1.0" encoding="utf-8"?>
 <p:sld xmlns:a="http://schemas.openxmlformats.org/drawingml/2006/main" xmlns:r="http://schemas.openxmlformats.org/officeDocument/2006/relationships" xmlns:p="http://schemas.openxmlformats.org/presentationml/2006/main">
   <p:cSld>
+    <p:bg>
+      <p:bgPr>
+        <a:solidFill>
+          <a:schemeClr val="tx1">
+            <a:lumMod val="95000"/>
+            <a:lumOff val="5000"/>
+          </a:schemeClr>
+        </a:solidFill>
+        <a:effectLst/>
+      </p:bgPr>
+    </p:bg>
     <p:spTree>
       <p:nvGrpSpPr>
         <p:cNvPr id="1" name=""/>
@@ -5644,10 +8173,10 @@
       </p:grpSpPr>
       <p:sp>
         <p:nvSpPr>
-          <p:cNvPr id="2" name="Прямоугольник 1">
-            <a:extLst>
-              <a:ext uri="{FF2B5EF4-FFF2-40B4-BE49-F238E27FC236}">
-                <a16:creationId xmlns:a16="http://schemas.microsoft.com/office/drawing/2014/main" id="{DE81D5D9-129A-4540-9AFB-DFC7EC906F24}"/>
+          <p:cNvPr id="3" name="Прямоугольник 2">
+            <a:extLst>
+              <a:ext uri="{FF2B5EF4-FFF2-40B4-BE49-F238E27FC236}">
+                <a16:creationId xmlns:a16="http://schemas.microsoft.com/office/drawing/2014/main" id="{DE64F421-BA48-4F36-92D8-6F34F0662334}"/>
               </a:ext>
             </a:extLst>
           </p:cNvPr>
@@ -5656,194 +8185,62 @@
         </p:nvSpPr>
         <p:spPr>
           <a:xfrm>
-            <a:off x="590728" y="493119"/>
-            <a:ext cx="4676280" cy="480581"/>
-          </a:xfrm>
-          <a:prstGeom prst="rect">
-            <a:avLst/>
-          </a:prstGeom>
-        </p:spPr>
-        <p:txBody>
-          <a:bodyPr wrap="none">
-            <a:spAutoFit/>
-          </a:bodyPr>
-          <a:lstStyle/>
-          <a:p>
-            <a:pPr>
-              <a:lnSpc>
-                <a:spcPct val="115000"/>
-              </a:lnSpc>
-              <a:spcAft>
-                <a:spcPts val="0"/>
-              </a:spcAft>
-            </a:pPr>
-            <a:r>
-              <a:rPr lang="ru-RU" sz="2400" b="1" dirty="0">
-                <a:latin typeface="Segoe UI Black" panose="020B0A02040204020203" pitchFamily="34" charset="0"/>
-                <a:ea typeface="Segoe UI Black" panose="020B0A02040204020203" pitchFamily="34" charset="0"/>
-              </a:rPr>
-              <a:t>Создание UI (</a:t>
-            </a:r>
-            <a:r>
-              <a:rPr lang="ru-RU" sz="2400" b="1" dirty="0" err="1">
-                <a:latin typeface="Segoe UI Black" panose="020B0A02040204020203" pitchFamily="34" charset="0"/>
-                <a:ea typeface="Segoe UI Black" panose="020B0A02040204020203" pitchFamily="34" charset="0"/>
-              </a:rPr>
-              <a:t>Telegram</a:t>
-            </a:r>
-            <a:r>
-              <a:rPr lang="ru-RU" sz="2400" b="1" dirty="0">
-                <a:latin typeface="Segoe UI Black" panose="020B0A02040204020203" pitchFamily="34" charset="0"/>
-                <a:ea typeface="Segoe UI Black" panose="020B0A02040204020203" pitchFamily="34" charset="0"/>
-              </a:rPr>
-              <a:t> бота)</a:t>
-            </a:r>
-          </a:p>
-        </p:txBody>
-      </p:sp>
-      <p:sp>
-        <p:nvSpPr>
-          <p:cNvPr id="3" name="Прямоугольник 2">
-            <a:extLst>
-              <a:ext uri="{FF2B5EF4-FFF2-40B4-BE49-F238E27FC236}">
-                <a16:creationId xmlns:a16="http://schemas.microsoft.com/office/drawing/2014/main" id="{20A7DB87-65C4-468A-97A4-8C1CF02F61BE}"/>
-              </a:ext>
-            </a:extLst>
-          </p:cNvPr>
-          <p:cNvSpPr/>
-          <p:nvPr/>
-        </p:nvSpPr>
-        <p:spPr>
-          <a:xfrm>
-            <a:off x="707471" y="1439728"/>
-            <a:ext cx="6096000" cy="4370427"/>
-          </a:xfrm>
-          <a:prstGeom prst="rect">
-            <a:avLst/>
-          </a:prstGeom>
-        </p:spPr>
-        <p:txBody>
-          <a:bodyPr>
-            <a:spAutoFit/>
-          </a:bodyPr>
-          <a:lstStyle/>
-          <a:p>
-            <a:br>
-              <a:rPr lang="ru-RU" dirty="0"/>
-            </a:br>
-            <a:r>
-              <a:rPr lang="ru-RU" sz="2000" dirty="0">
-                <a:solidFill>
-                  <a:srgbClr val="0D0D0D"/>
-                </a:solidFill>
-                <a:latin typeface="Söhne"/>
-              </a:rPr>
-              <a:t>UI (</a:t>
-            </a:r>
-            <a:r>
-              <a:rPr lang="ru-RU" sz="2000" dirty="0" err="1">
-                <a:solidFill>
-                  <a:srgbClr val="0D0D0D"/>
-                </a:solidFill>
-                <a:latin typeface="Söhne"/>
-              </a:rPr>
-              <a:t>User</a:t>
-            </a:r>
-            <a:r>
-              <a:rPr lang="ru-RU" sz="2000" dirty="0">
-                <a:solidFill>
-                  <a:srgbClr val="0D0D0D"/>
-                </a:solidFill>
-                <a:latin typeface="Söhne"/>
-              </a:rPr>
-              <a:t> </a:t>
-            </a:r>
-            <a:r>
-              <a:rPr lang="ru-RU" sz="2000" dirty="0" err="1">
-                <a:solidFill>
-                  <a:srgbClr val="0D0D0D"/>
-                </a:solidFill>
-                <a:latin typeface="Söhne"/>
-              </a:rPr>
-              <a:t>Interface</a:t>
-            </a:r>
-            <a:r>
-              <a:rPr lang="ru-RU" sz="2000" dirty="0">
-                <a:solidFill>
-                  <a:srgbClr val="0D0D0D"/>
-                </a:solidFill>
-                <a:latin typeface="Söhne"/>
-              </a:rPr>
-              <a:t>) — это интерфейс, через который пользователь взаимодействует с программным обеспечением или устройством. Он представляет собой всю графическую и управляющую составляющую системы, которая делает возможным взаимодействие пользователя с приложением или устройством. UI включает элементы дизайна, такие как кнопки, поля ввода, меню, а также методы управления, например, клики мышью, нажатия на сенсорном экране или голосовые команды. Важной задачей UI является создание удобного и понятного интерфейса, который облегчает пользователю выполнение задач и взаимодействие с системой.</a:t>
-            </a:r>
-            <a:endParaRPr lang="ru-RU" sz="2000" dirty="0"/>
-          </a:p>
-        </p:txBody>
-      </p:sp>
-      <p:pic>
-        <p:nvPicPr>
-          <p:cNvPr id="4" name="image22.png">
-            <a:extLst>
-              <a:ext uri="{FF2B5EF4-FFF2-40B4-BE49-F238E27FC236}">
-                <a16:creationId xmlns:a16="http://schemas.microsoft.com/office/drawing/2014/main" id="{EF39E6CF-116D-4B28-B383-B4028D3507EF}"/>
-              </a:ext>
-            </a:extLst>
-          </p:cNvPr>
-          <p:cNvPicPr/>
-          <p:nvPr/>
-        </p:nvPicPr>
-        <p:blipFill>
-          <a:blip r:embed="rId2"/>
-          <a:srcRect/>
-          <a:stretch>
-            <a:fillRect/>
-          </a:stretch>
-        </p:blipFill>
-        <p:spPr>
-          <a:xfrm>
-            <a:off x="6803471" y="973700"/>
-            <a:ext cx="5368459" cy="3130253"/>
-          </a:xfrm>
-          <a:prstGeom prst="rect">
-            <a:avLst/>
-          </a:prstGeom>
-          <a:ln/>
-        </p:spPr>
-      </p:pic>
-      <p:pic>
-        <p:nvPicPr>
-          <p:cNvPr id="5" name="image17.png">
-            <a:extLst>
-              <a:ext uri="{FF2B5EF4-FFF2-40B4-BE49-F238E27FC236}">
-                <a16:creationId xmlns:a16="http://schemas.microsoft.com/office/drawing/2014/main" id="{5C7D2EAF-76B0-401D-8B30-37D3DDD57A67}"/>
-              </a:ext>
-            </a:extLst>
-          </p:cNvPr>
-          <p:cNvPicPr/>
-          <p:nvPr/>
-        </p:nvPicPr>
-        <p:blipFill>
-          <a:blip r:embed="rId3"/>
-          <a:srcRect/>
-          <a:stretch>
-            <a:fillRect/>
-          </a:stretch>
-        </p:blipFill>
-        <p:spPr>
-          <a:xfrm>
-            <a:off x="6412480" y="5113842"/>
-            <a:ext cx="5759450" cy="1193800"/>
-          </a:xfrm>
-          <a:prstGeom prst="rect">
-            <a:avLst/>
-          </a:prstGeom>
-          <a:ln/>
-        </p:spPr>
-      </p:pic>
+            <a:off x="4328886" y="3093357"/>
+            <a:ext cx="3534228" cy="671286"/>
+          </a:xfrm>
+          <a:prstGeom prst="rect">
+            <a:avLst/>
+          </a:prstGeom>
+          <a:noFill/>
+          <a:ln w="76200">
+            <a:solidFill>
+              <a:schemeClr val="bg1"/>
+            </a:solidFill>
+          </a:ln>
+        </p:spPr>
+        <p:style>
+          <a:lnRef idx="2">
+            <a:schemeClr val="accent1">
+              <a:shade val="50000"/>
+            </a:schemeClr>
+          </a:lnRef>
+          <a:fillRef idx="1">
+            <a:schemeClr val="accent1"/>
+          </a:fillRef>
+          <a:effectRef idx="0">
+            <a:schemeClr val="accent1"/>
+          </a:effectRef>
+          <a:fontRef idx="minor">
+            <a:schemeClr val="lt1"/>
+          </a:fontRef>
+        </p:style>
+        <p:txBody>
+          <a:bodyPr rtlCol="0" anchor="ctr"/>
+          <a:lstStyle/>
+          <a:p>
+            <a:pPr algn="ctr"/>
+            <a:r>
+              <a:rPr lang="ru-RU" sz="3600" dirty="0">
+                <a:latin typeface="Arial Black" panose="020B0A04020102020204" pitchFamily="34" charset="0"/>
+              </a:rPr>
+              <a:t>Создание </a:t>
+            </a:r>
+            <a:r>
+              <a:rPr lang="en-US" sz="3600" dirty="0">
+                <a:latin typeface="Arial Black" panose="020B0A04020102020204" pitchFamily="34" charset="0"/>
+              </a:rPr>
+              <a:t>UI</a:t>
+            </a:r>
+            <a:endParaRPr lang="ru-RU" sz="3600" dirty="0">
+              <a:latin typeface="Arial Black" panose="020B0A04020102020204" pitchFamily="34" charset="0"/>
+            </a:endParaRPr>
+          </a:p>
+        </p:txBody>
+      </p:sp>
     </p:spTree>
     <p:extLst>
       <p:ext uri="{BB962C8B-B14F-4D97-AF65-F5344CB8AC3E}">
-        <p14:creationId xmlns:p14="http://schemas.microsoft.com/office/powerpoint/2010/main" val="3287331986"/>
+        <p14:creationId xmlns:p14="http://schemas.microsoft.com/office/powerpoint/2010/main" val="2537541303"/>
       </p:ext>
     </p:extLst>
   </p:cSld>
@@ -6266,6 +8663,714 @@
 <file path=ppt/slides/slide20.xml><?xml version="1.0" encoding="utf-8"?>
 <p:sld xmlns:a="http://schemas.openxmlformats.org/drawingml/2006/main" xmlns:r="http://schemas.openxmlformats.org/officeDocument/2006/relationships" xmlns:p="http://schemas.openxmlformats.org/presentationml/2006/main">
   <p:cSld>
+    <p:bg>
+      <p:bgPr>
+        <a:gradFill flip="none" rotWithShape="1">
+          <a:gsLst>
+            <a:gs pos="3000">
+              <a:srgbClr val="FF0000"/>
+            </a:gs>
+            <a:gs pos="100000">
+              <a:srgbClr val="FFFF00"/>
+            </a:gs>
+          </a:gsLst>
+          <a:lin ang="13500000" scaled="1"/>
+          <a:tileRect/>
+        </a:gradFill>
+        <a:effectLst/>
+      </p:bgPr>
+    </p:bg>
+    <p:spTree>
+      <p:nvGrpSpPr>
+        <p:cNvPr id="1" name=""/>
+        <p:cNvGrpSpPr/>
+        <p:nvPr/>
+      </p:nvGrpSpPr>
+      <p:grpSpPr>
+        <a:xfrm>
+          <a:off x="0" y="0"/>
+          <a:ext cx="0" cy="0"/>
+          <a:chOff x="0" y="0"/>
+          <a:chExt cx="0" cy="0"/>
+        </a:xfrm>
+      </p:grpSpPr>
+      <p:sp>
+        <p:nvSpPr>
+          <p:cNvPr id="6" name="Прямоугольник 5">
+            <a:extLst>
+              <a:ext uri="{FF2B5EF4-FFF2-40B4-BE49-F238E27FC236}">
+                <a16:creationId xmlns:a16="http://schemas.microsoft.com/office/drawing/2014/main" id="{400EC14E-74F0-4A5E-90BE-00652056F7CF}"/>
+              </a:ext>
+            </a:extLst>
+          </p:cNvPr>
+          <p:cNvSpPr/>
+          <p:nvPr/>
+        </p:nvSpPr>
+        <p:spPr>
+          <a:xfrm>
+            <a:off x="348343" y="322943"/>
+            <a:ext cx="11628091" cy="6212114"/>
+          </a:xfrm>
+          <a:prstGeom prst="rect">
+            <a:avLst/>
+          </a:prstGeom>
+          <a:solidFill>
+            <a:srgbClr val="111111"/>
+          </a:solidFill>
+          <a:ln>
+            <a:noFill/>
+          </a:ln>
+        </p:spPr>
+        <p:style>
+          <a:lnRef idx="2">
+            <a:schemeClr val="accent1">
+              <a:shade val="50000"/>
+            </a:schemeClr>
+          </a:lnRef>
+          <a:fillRef idx="1">
+            <a:schemeClr val="accent1"/>
+          </a:fillRef>
+          <a:effectRef idx="0">
+            <a:schemeClr val="accent1"/>
+          </a:effectRef>
+          <a:fontRef idx="minor">
+            <a:schemeClr val="lt1"/>
+          </a:fontRef>
+        </p:style>
+        <p:txBody>
+          <a:bodyPr rtlCol="0" anchor="ctr"/>
+          <a:lstStyle/>
+          <a:p>
+            <a:pPr algn="ctr"/>
+            <a:endParaRPr lang="ru-RU"/>
+          </a:p>
+        </p:txBody>
+      </p:sp>
+      <p:sp>
+        <p:nvSpPr>
+          <p:cNvPr id="2" name="Прямоугольник 1">
+            <a:extLst>
+              <a:ext uri="{FF2B5EF4-FFF2-40B4-BE49-F238E27FC236}">
+                <a16:creationId xmlns:a16="http://schemas.microsoft.com/office/drawing/2014/main" id="{DE81D5D9-129A-4540-9AFB-DFC7EC906F24}"/>
+              </a:ext>
+            </a:extLst>
+          </p:cNvPr>
+          <p:cNvSpPr/>
+          <p:nvPr/>
+        </p:nvSpPr>
+        <p:spPr>
+          <a:xfrm>
+            <a:off x="590728" y="493119"/>
+            <a:ext cx="2270173" cy="480581"/>
+          </a:xfrm>
+          <a:prstGeom prst="rect">
+            <a:avLst/>
+          </a:prstGeom>
+        </p:spPr>
+        <p:txBody>
+          <a:bodyPr wrap="none">
+            <a:spAutoFit/>
+          </a:bodyPr>
+          <a:lstStyle/>
+          <a:p>
+            <a:pPr>
+              <a:lnSpc>
+                <a:spcPct val="115000"/>
+              </a:lnSpc>
+              <a:spcAft>
+                <a:spcPts val="0"/>
+              </a:spcAft>
+            </a:pPr>
+            <a:r>
+              <a:rPr lang="ru-RU" sz="2400" b="1" dirty="0">
+                <a:solidFill>
+                  <a:schemeClr val="bg1"/>
+                </a:solidFill>
+                <a:latin typeface="Segoe UI Black" panose="020B0A02040204020203" pitchFamily="34" charset="0"/>
+                <a:ea typeface="Segoe UI Black" panose="020B0A02040204020203" pitchFamily="34" charset="0"/>
+              </a:rPr>
+              <a:t>Что такое </a:t>
+            </a:r>
+            <a:r>
+              <a:rPr lang="en-US" sz="2400" b="1" dirty="0">
+                <a:solidFill>
+                  <a:schemeClr val="bg1"/>
+                </a:solidFill>
+                <a:latin typeface="Segoe UI Black" panose="020B0A02040204020203" pitchFamily="34" charset="0"/>
+                <a:ea typeface="Segoe UI Black" panose="020B0A02040204020203" pitchFamily="34" charset="0"/>
+              </a:rPr>
+              <a:t>UI</a:t>
+            </a:r>
+            <a:r>
+              <a:rPr lang="ru-RU" sz="2400" b="1" dirty="0">
+                <a:solidFill>
+                  <a:schemeClr val="bg1"/>
+                </a:solidFill>
+                <a:latin typeface="Segoe UI Black" panose="020B0A02040204020203" pitchFamily="34" charset="0"/>
+                <a:ea typeface="Segoe UI Black" panose="020B0A02040204020203" pitchFamily="34" charset="0"/>
+              </a:rPr>
+              <a:t>?</a:t>
+            </a:r>
+          </a:p>
+        </p:txBody>
+      </p:sp>
+      <p:sp>
+        <p:nvSpPr>
+          <p:cNvPr id="3" name="Прямоугольник 2">
+            <a:extLst>
+              <a:ext uri="{FF2B5EF4-FFF2-40B4-BE49-F238E27FC236}">
+                <a16:creationId xmlns:a16="http://schemas.microsoft.com/office/drawing/2014/main" id="{20A7DB87-65C4-468A-97A4-8C1CF02F61BE}"/>
+              </a:ext>
+            </a:extLst>
+          </p:cNvPr>
+          <p:cNvSpPr/>
+          <p:nvPr/>
+        </p:nvSpPr>
+        <p:spPr>
+          <a:xfrm>
+            <a:off x="590728" y="882018"/>
+            <a:ext cx="6096000" cy="1477328"/>
+          </a:xfrm>
+          <a:prstGeom prst="rect">
+            <a:avLst/>
+          </a:prstGeom>
+        </p:spPr>
+        <p:txBody>
+          <a:bodyPr>
+            <a:spAutoFit/>
+          </a:bodyPr>
+          <a:lstStyle/>
+          <a:p>
+            <a:br>
+              <a:rPr lang="ru-RU" dirty="0">
+                <a:solidFill>
+                  <a:schemeClr val="bg1"/>
+                </a:solidFill>
+              </a:rPr>
+            </a:br>
+            <a:r>
+              <a:rPr lang="ru-RU" dirty="0">
+                <a:solidFill>
+                  <a:schemeClr val="bg1"/>
+                </a:solidFill>
+                <a:latin typeface="Söhne"/>
+              </a:rPr>
+              <a:t>UI (</a:t>
+            </a:r>
+            <a:r>
+              <a:rPr lang="ru-RU" dirty="0" err="1">
+                <a:solidFill>
+                  <a:schemeClr val="bg1"/>
+                </a:solidFill>
+                <a:latin typeface="Söhne"/>
+              </a:rPr>
+              <a:t>User</a:t>
+            </a:r>
+            <a:r>
+              <a:rPr lang="ru-RU" dirty="0">
+                <a:solidFill>
+                  <a:schemeClr val="bg1"/>
+                </a:solidFill>
+                <a:latin typeface="Söhne"/>
+              </a:rPr>
+              <a:t> </a:t>
+            </a:r>
+            <a:r>
+              <a:rPr lang="ru-RU" dirty="0" err="1">
+                <a:solidFill>
+                  <a:schemeClr val="bg1"/>
+                </a:solidFill>
+                <a:latin typeface="Söhne"/>
+              </a:rPr>
+              <a:t>Interface</a:t>
+            </a:r>
+            <a:r>
+              <a:rPr lang="en-US" dirty="0">
+                <a:solidFill>
+                  <a:schemeClr val="bg1"/>
+                </a:solidFill>
+                <a:latin typeface="Söhne"/>
+              </a:rPr>
+              <a:t>,</a:t>
+            </a:r>
+            <a:r>
+              <a:rPr lang="ru-RU" dirty="0">
+                <a:solidFill>
+                  <a:schemeClr val="bg1"/>
+                </a:solidFill>
+                <a:latin typeface="Söhne"/>
+              </a:rPr>
+              <a:t> с англ.</a:t>
+            </a:r>
+            <a:r>
+              <a:rPr lang="en-US" dirty="0">
+                <a:solidFill>
+                  <a:schemeClr val="bg1"/>
+                </a:solidFill>
+                <a:latin typeface="Söhne"/>
+              </a:rPr>
+              <a:t> </a:t>
+            </a:r>
+            <a:r>
+              <a:rPr lang="ru-RU" dirty="0">
+                <a:solidFill>
+                  <a:schemeClr val="bg1"/>
+                </a:solidFill>
+                <a:latin typeface="Söhne"/>
+              </a:rPr>
+              <a:t>Пользовательский Интерфейс) — это интерфейс, через который пользователь взаимодействует с программным обеспечением или устройством. </a:t>
+            </a:r>
+            <a:endParaRPr lang="ru-RU" dirty="0"/>
+          </a:p>
+        </p:txBody>
+      </p:sp>
+      <p:pic>
+        <p:nvPicPr>
+          <p:cNvPr id="4" name="image22.png">
+            <a:extLst>
+              <a:ext uri="{FF2B5EF4-FFF2-40B4-BE49-F238E27FC236}">
+                <a16:creationId xmlns:a16="http://schemas.microsoft.com/office/drawing/2014/main" id="{EF39E6CF-116D-4B28-B383-B4028D3507EF}"/>
+              </a:ext>
+            </a:extLst>
+          </p:cNvPr>
+          <p:cNvPicPr/>
+          <p:nvPr/>
+        </p:nvPicPr>
+        <p:blipFill>
+          <a:blip r:embed="rId2"/>
+          <a:srcRect/>
+          <a:stretch>
+            <a:fillRect/>
+          </a:stretch>
+        </p:blipFill>
+        <p:spPr>
+          <a:xfrm>
+            <a:off x="6475198" y="679951"/>
+            <a:ext cx="5368459" cy="3130253"/>
+          </a:xfrm>
+          <a:prstGeom prst="rect">
+            <a:avLst/>
+          </a:prstGeom>
+          <a:ln/>
+        </p:spPr>
+      </p:pic>
+      <p:pic>
+        <p:nvPicPr>
+          <p:cNvPr id="5" name="image17.png">
+            <a:extLst>
+              <a:ext uri="{FF2B5EF4-FFF2-40B4-BE49-F238E27FC236}">
+                <a16:creationId xmlns:a16="http://schemas.microsoft.com/office/drawing/2014/main" id="{5C7D2EAF-76B0-401D-8B30-37D3DDD57A67}"/>
+              </a:ext>
+            </a:extLst>
+          </p:cNvPr>
+          <p:cNvPicPr/>
+          <p:nvPr/>
+        </p:nvPicPr>
+        <p:blipFill>
+          <a:blip r:embed="rId3"/>
+          <a:srcRect/>
+          <a:stretch>
+            <a:fillRect/>
+          </a:stretch>
+        </p:blipFill>
+        <p:spPr>
+          <a:xfrm>
+            <a:off x="6162388" y="4984249"/>
+            <a:ext cx="5759450" cy="1193800"/>
+          </a:xfrm>
+          <a:prstGeom prst="rect">
+            <a:avLst/>
+          </a:prstGeom>
+          <a:ln/>
+        </p:spPr>
+      </p:pic>
+      <p:sp>
+        <p:nvSpPr>
+          <p:cNvPr id="7" name="Прямоугольник 6">
+            <a:extLst>
+              <a:ext uri="{FF2B5EF4-FFF2-40B4-BE49-F238E27FC236}">
+                <a16:creationId xmlns:a16="http://schemas.microsoft.com/office/drawing/2014/main" id="{6EA4A7C7-12E8-497D-98A5-3C832C4C35D9}"/>
+              </a:ext>
+            </a:extLst>
+          </p:cNvPr>
+          <p:cNvSpPr/>
+          <p:nvPr/>
+        </p:nvSpPr>
+        <p:spPr>
+          <a:xfrm>
+            <a:off x="600331" y="5067269"/>
+            <a:ext cx="6096000" cy="923330"/>
+          </a:xfrm>
+          <a:prstGeom prst="rect">
+            <a:avLst/>
+          </a:prstGeom>
+        </p:spPr>
+        <p:txBody>
+          <a:bodyPr>
+            <a:spAutoFit/>
+          </a:bodyPr>
+          <a:lstStyle/>
+          <a:p>
+            <a:r>
+              <a:rPr lang="ru-RU" dirty="0">
+                <a:solidFill>
+                  <a:schemeClr val="bg1"/>
+                </a:solidFill>
+                <a:latin typeface="Söhne"/>
+              </a:rPr>
+              <a:t>Задача UI</a:t>
+            </a:r>
+            <a:r>
+              <a:rPr lang="en-US" dirty="0">
+                <a:solidFill>
+                  <a:schemeClr val="bg1"/>
+                </a:solidFill>
+                <a:latin typeface="Söhne"/>
+              </a:rPr>
+              <a:t>:</a:t>
+            </a:r>
+            <a:r>
+              <a:rPr lang="ru-RU" dirty="0">
+                <a:solidFill>
+                  <a:schemeClr val="bg1"/>
+                </a:solidFill>
+                <a:latin typeface="Söhne"/>
+              </a:rPr>
+              <a:t> создание удобного и понятного интерфейса, который облегчает пользователю выполнение задач и взаимодействие с системой.</a:t>
+            </a:r>
+            <a:endParaRPr lang="ru-RU" dirty="0"/>
+          </a:p>
+        </p:txBody>
+      </p:sp>
+      <p:sp>
+        <p:nvSpPr>
+          <p:cNvPr id="8" name="Прямоугольник 7">
+            <a:extLst>
+              <a:ext uri="{FF2B5EF4-FFF2-40B4-BE49-F238E27FC236}">
+                <a16:creationId xmlns:a16="http://schemas.microsoft.com/office/drawing/2014/main" id="{780353CC-A41C-4421-83CB-6B1FC661B0F7}"/>
+              </a:ext>
+            </a:extLst>
+          </p:cNvPr>
+          <p:cNvSpPr/>
+          <p:nvPr/>
+        </p:nvSpPr>
+        <p:spPr>
+          <a:xfrm>
+            <a:off x="590728" y="3780367"/>
+            <a:ext cx="6096000" cy="1200329"/>
+          </a:xfrm>
+          <a:prstGeom prst="rect">
+            <a:avLst/>
+          </a:prstGeom>
+        </p:spPr>
+        <p:txBody>
+          <a:bodyPr>
+            <a:spAutoFit/>
+          </a:bodyPr>
+          <a:lstStyle/>
+          <a:p>
+            <a:r>
+              <a:rPr lang="ru-RU" dirty="0">
+                <a:solidFill>
+                  <a:schemeClr val="bg1"/>
+                </a:solidFill>
+                <a:latin typeface="Söhne"/>
+              </a:rPr>
+              <a:t>UI включает элементы дизайна, такие как кнопки, поля ввода, меню, а также методы управления, например, клики мышью, нажатия на сенсорном экране или голосовые команды.</a:t>
+            </a:r>
+            <a:r>
+              <a:rPr lang="ru-RU" dirty="0">
+                <a:solidFill>
+                  <a:srgbClr val="0D0D0D"/>
+                </a:solidFill>
+                <a:latin typeface="Söhne"/>
+              </a:rPr>
+              <a:t>.</a:t>
+            </a:r>
+            <a:endParaRPr lang="ru-RU" dirty="0"/>
+          </a:p>
+        </p:txBody>
+      </p:sp>
+      <p:sp>
+        <p:nvSpPr>
+          <p:cNvPr id="9" name="Прямоугольник 8">
+            <a:extLst>
+              <a:ext uri="{FF2B5EF4-FFF2-40B4-BE49-F238E27FC236}">
+                <a16:creationId xmlns:a16="http://schemas.microsoft.com/office/drawing/2014/main" id="{E88FBC5E-8D03-4B0D-BFB6-97D11B59FF32}"/>
+              </a:ext>
+            </a:extLst>
+          </p:cNvPr>
+          <p:cNvSpPr/>
+          <p:nvPr/>
+        </p:nvSpPr>
+        <p:spPr>
+          <a:xfrm>
+            <a:off x="590728" y="2515842"/>
+            <a:ext cx="6096000" cy="1200329"/>
+          </a:xfrm>
+          <a:prstGeom prst="rect">
+            <a:avLst/>
+          </a:prstGeom>
+        </p:spPr>
+        <p:txBody>
+          <a:bodyPr>
+            <a:spAutoFit/>
+          </a:bodyPr>
+          <a:lstStyle/>
+          <a:p>
+            <a:r>
+              <a:rPr lang="ru-RU" dirty="0">
+                <a:solidFill>
+                  <a:schemeClr val="bg1"/>
+                </a:solidFill>
+                <a:latin typeface="Söhne"/>
+              </a:rPr>
+              <a:t>Он представляет собой всю графическую и управляющую составляющую системы, которая делает возможным взаимодействие пользователя с приложением или устройством. </a:t>
+            </a:r>
+            <a:endParaRPr lang="ru-RU" dirty="0"/>
+          </a:p>
+        </p:txBody>
+      </p:sp>
+      <p:sp>
+        <p:nvSpPr>
+          <p:cNvPr id="10" name="Прямоугольник 9">
+            <a:extLst>
+              <a:ext uri="{FF2B5EF4-FFF2-40B4-BE49-F238E27FC236}">
+                <a16:creationId xmlns:a16="http://schemas.microsoft.com/office/drawing/2014/main" id="{47B484FD-D5CA-4AAF-9ED9-7575ED57632C}"/>
+              </a:ext>
+            </a:extLst>
+          </p:cNvPr>
+          <p:cNvSpPr/>
+          <p:nvPr/>
+        </p:nvSpPr>
+        <p:spPr>
+          <a:xfrm>
+            <a:off x="535317" y="1298296"/>
+            <a:ext cx="65014" cy="1008223"/>
+          </a:xfrm>
+          <a:prstGeom prst="rect">
+            <a:avLst/>
+          </a:prstGeom>
+          <a:solidFill>
+            <a:schemeClr val="bg1"/>
+          </a:solidFill>
+          <a:ln>
+            <a:noFill/>
+          </a:ln>
+        </p:spPr>
+        <p:style>
+          <a:lnRef idx="2">
+            <a:schemeClr val="accent1">
+              <a:shade val="50000"/>
+            </a:schemeClr>
+          </a:lnRef>
+          <a:fillRef idx="1">
+            <a:schemeClr val="accent1"/>
+          </a:fillRef>
+          <a:effectRef idx="0">
+            <a:schemeClr val="accent1"/>
+          </a:effectRef>
+          <a:fontRef idx="minor">
+            <a:schemeClr val="lt1"/>
+          </a:fontRef>
+        </p:style>
+        <p:txBody>
+          <a:bodyPr rtlCol="0" anchor="ctr"/>
+          <a:lstStyle/>
+          <a:p>
+            <a:pPr algn="ctr"/>
+            <a:endParaRPr lang="ru-RU"/>
+          </a:p>
+        </p:txBody>
+      </p:sp>
+      <p:sp>
+        <p:nvSpPr>
+          <p:cNvPr id="11" name="Прямоугольник 10">
+            <a:extLst>
+              <a:ext uri="{FF2B5EF4-FFF2-40B4-BE49-F238E27FC236}">
+                <a16:creationId xmlns:a16="http://schemas.microsoft.com/office/drawing/2014/main" id="{7B67DA95-A728-4AC3-8CE1-3BB46447DFBE}"/>
+              </a:ext>
+            </a:extLst>
+          </p:cNvPr>
+          <p:cNvSpPr/>
+          <p:nvPr/>
+        </p:nvSpPr>
+        <p:spPr>
+          <a:xfrm>
+            <a:off x="531752" y="2631114"/>
+            <a:ext cx="68579" cy="1008223"/>
+          </a:xfrm>
+          <a:prstGeom prst="rect">
+            <a:avLst/>
+          </a:prstGeom>
+          <a:solidFill>
+            <a:schemeClr val="bg1"/>
+          </a:solidFill>
+          <a:ln>
+            <a:noFill/>
+          </a:ln>
+        </p:spPr>
+        <p:style>
+          <a:lnRef idx="2">
+            <a:schemeClr val="accent1">
+              <a:shade val="50000"/>
+            </a:schemeClr>
+          </a:lnRef>
+          <a:fillRef idx="1">
+            <a:schemeClr val="accent1"/>
+          </a:fillRef>
+          <a:effectRef idx="0">
+            <a:schemeClr val="accent1"/>
+          </a:effectRef>
+          <a:fontRef idx="minor">
+            <a:schemeClr val="lt1"/>
+          </a:fontRef>
+        </p:style>
+        <p:txBody>
+          <a:bodyPr rtlCol="0" anchor="ctr"/>
+          <a:lstStyle/>
+          <a:p>
+            <a:pPr algn="ctr"/>
+            <a:endParaRPr lang="ru-RU"/>
+          </a:p>
+        </p:txBody>
+      </p:sp>
+      <p:sp>
+        <p:nvSpPr>
+          <p:cNvPr id="12" name="Прямоугольник 11">
+            <a:extLst>
+              <a:ext uri="{FF2B5EF4-FFF2-40B4-BE49-F238E27FC236}">
+                <a16:creationId xmlns:a16="http://schemas.microsoft.com/office/drawing/2014/main" id="{A0B0468F-1CB4-4AA4-8CB0-6CD87BE9E6F6}"/>
+              </a:ext>
+            </a:extLst>
+          </p:cNvPr>
+          <p:cNvSpPr/>
+          <p:nvPr/>
+        </p:nvSpPr>
+        <p:spPr>
+          <a:xfrm>
+            <a:off x="508892" y="3876421"/>
+            <a:ext cx="68579" cy="1008223"/>
+          </a:xfrm>
+          <a:prstGeom prst="rect">
+            <a:avLst/>
+          </a:prstGeom>
+          <a:solidFill>
+            <a:schemeClr val="bg1"/>
+          </a:solidFill>
+          <a:ln>
+            <a:noFill/>
+          </a:ln>
+        </p:spPr>
+        <p:style>
+          <a:lnRef idx="2">
+            <a:schemeClr val="accent1">
+              <a:shade val="50000"/>
+            </a:schemeClr>
+          </a:lnRef>
+          <a:fillRef idx="1">
+            <a:schemeClr val="accent1"/>
+          </a:fillRef>
+          <a:effectRef idx="0">
+            <a:schemeClr val="accent1"/>
+          </a:effectRef>
+          <a:fontRef idx="minor">
+            <a:schemeClr val="lt1"/>
+          </a:fontRef>
+        </p:style>
+        <p:txBody>
+          <a:bodyPr rtlCol="0" anchor="ctr"/>
+          <a:lstStyle/>
+          <a:p>
+            <a:pPr algn="ctr"/>
+            <a:endParaRPr lang="ru-RU"/>
+          </a:p>
+        </p:txBody>
+      </p:sp>
+      <p:sp>
+        <p:nvSpPr>
+          <p:cNvPr id="13" name="Прямоугольник 12">
+            <a:extLst>
+              <a:ext uri="{FF2B5EF4-FFF2-40B4-BE49-F238E27FC236}">
+                <a16:creationId xmlns:a16="http://schemas.microsoft.com/office/drawing/2014/main" id="{78064FEF-FD73-4405-B930-8F6B0063C7DF}"/>
+              </a:ext>
+            </a:extLst>
+          </p:cNvPr>
+          <p:cNvSpPr/>
+          <p:nvPr/>
+        </p:nvSpPr>
+        <p:spPr>
+          <a:xfrm>
+            <a:off x="520176" y="5148801"/>
+            <a:ext cx="57295" cy="760267"/>
+          </a:xfrm>
+          <a:prstGeom prst="rect">
+            <a:avLst/>
+          </a:prstGeom>
+          <a:solidFill>
+            <a:schemeClr val="bg1"/>
+          </a:solidFill>
+          <a:ln>
+            <a:noFill/>
+          </a:ln>
+        </p:spPr>
+        <p:style>
+          <a:lnRef idx="2">
+            <a:schemeClr val="accent1">
+              <a:shade val="50000"/>
+            </a:schemeClr>
+          </a:lnRef>
+          <a:fillRef idx="1">
+            <a:schemeClr val="accent1"/>
+          </a:fillRef>
+          <a:effectRef idx="0">
+            <a:schemeClr val="accent1"/>
+          </a:effectRef>
+          <a:fontRef idx="minor">
+            <a:schemeClr val="lt1"/>
+          </a:fontRef>
+        </p:style>
+        <p:txBody>
+          <a:bodyPr rtlCol="0" anchor="ctr"/>
+          <a:lstStyle/>
+          <a:p>
+            <a:pPr algn="ctr"/>
+            <a:endParaRPr lang="ru-RU"/>
+          </a:p>
+        </p:txBody>
+      </p:sp>
+    </p:spTree>
+    <p:extLst>
+      <p:ext uri="{BB962C8B-B14F-4D97-AF65-F5344CB8AC3E}">
+        <p14:creationId xmlns:p14="http://schemas.microsoft.com/office/powerpoint/2010/main" val="3287331986"/>
+      </p:ext>
+    </p:extLst>
+  </p:cSld>
+  <p:clrMapOvr>
+    <a:masterClrMapping/>
+  </p:clrMapOvr>
+</p:sld>
+</file>
+
+<file path=ppt/slides/slide21.xml><?xml version="1.0" encoding="utf-8"?>
+<p:sld xmlns:a="http://schemas.openxmlformats.org/drawingml/2006/main" xmlns:r="http://schemas.openxmlformats.org/officeDocument/2006/relationships" xmlns:p="http://schemas.openxmlformats.org/presentationml/2006/main">
+  <p:cSld>
+    <p:bg>
+      <p:bgPr>
+        <a:gradFill>
+          <a:gsLst>
+            <a:gs pos="66000">
+              <a:schemeClr val="accent1"/>
+            </a:gs>
+            <a:gs pos="0">
+              <a:srgbClr val="00B050"/>
+            </a:gs>
+          </a:gsLst>
+          <a:lin ang="13500000" scaled="1"/>
+        </a:gradFill>
+        <a:effectLst/>
+      </p:bgPr>
+    </p:bg>
     <p:spTree>
       <p:nvGrpSpPr>
         <p:cNvPr id="1" name=""/>
@@ -6301,7 +9406,7 @@
         </p:blipFill>
         <p:spPr>
           <a:xfrm>
-            <a:off x="562062" y="2936147"/>
+            <a:off x="-5438688" y="-5350603"/>
             <a:ext cx="6568085" cy="3424339"/>
           </a:xfrm>
           <a:prstGeom prst="rect">
@@ -6331,7 +9436,7 @@
         </p:blipFill>
         <p:spPr>
           <a:xfrm>
-            <a:off x="6320202" y="350998"/>
+            <a:off x="3440477" y="-3363752"/>
             <a:ext cx="5759450" cy="1206500"/>
           </a:xfrm>
           <a:prstGeom prst="rect">
@@ -6354,7 +9459,7 @@
         </p:nvSpPr>
         <p:spPr>
           <a:xfrm>
-            <a:off x="224202" y="1323330"/>
+            <a:off x="-6883906" y="-600165"/>
             <a:ext cx="6096000" cy="1200329"/>
           </a:xfrm>
           <a:prstGeom prst="rect">
@@ -6422,7 +9527,7 @@
         </p:nvSpPr>
         <p:spPr>
           <a:xfrm>
-            <a:off x="7728038" y="2523659"/>
+            <a:off x="11252288" y="-4086691"/>
             <a:ext cx="3971155" cy="3139321"/>
           </a:xfrm>
           <a:prstGeom prst="rect">
@@ -6466,6 +9571,724 @@
               <a:t>(), которая информирует пользователя о функционале бота. Пользователю предлагается выбор между регистрацией и созданием графика (если он уже зарегистрирован), после чего он перенаправляется на соответствующее действие с помощью двух кнопок.</a:t>
             </a:r>
             <a:endParaRPr lang="ru-RU" dirty="0"/>
+          </a:p>
+        </p:txBody>
+      </p:sp>
+      <p:sp>
+        <p:nvSpPr>
+          <p:cNvPr id="5" name="Прямоугольник 4">
+            <a:extLst>
+              <a:ext uri="{FF2B5EF4-FFF2-40B4-BE49-F238E27FC236}">
+                <a16:creationId xmlns:a16="http://schemas.microsoft.com/office/drawing/2014/main" id="{7808A08E-D998-41FC-AFDE-905DF97B801D}"/>
+              </a:ext>
+            </a:extLst>
+          </p:cNvPr>
+          <p:cNvSpPr/>
+          <p:nvPr/>
+        </p:nvSpPr>
+        <p:spPr>
+          <a:xfrm>
+            <a:off x="509952" y="514350"/>
+            <a:ext cx="11186748" cy="6343650"/>
+          </a:xfrm>
+          <a:prstGeom prst="rect">
+            <a:avLst/>
+          </a:prstGeom>
+          <a:solidFill>
+            <a:srgbClr val="111111"/>
+          </a:solidFill>
+          <a:ln>
+            <a:noFill/>
+          </a:ln>
+        </p:spPr>
+        <p:style>
+          <a:lnRef idx="2">
+            <a:schemeClr val="accent1">
+              <a:shade val="50000"/>
+            </a:schemeClr>
+          </a:lnRef>
+          <a:fillRef idx="1">
+            <a:schemeClr val="accent1"/>
+          </a:fillRef>
+          <a:effectRef idx="0">
+            <a:schemeClr val="accent1"/>
+          </a:effectRef>
+          <a:fontRef idx="minor">
+            <a:schemeClr val="lt1"/>
+          </a:fontRef>
+        </p:style>
+        <p:txBody>
+          <a:bodyPr rtlCol="0" anchor="ctr"/>
+          <a:lstStyle/>
+          <a:p>
+            <a:pPr algn="ctr"/>
+            <a:endParaRPr lang="ru-RU"/>
+          </a:p>
+        </p:txBody>
+      </p:sp>
+      <p:pic>
+        <p:nvPicPr>
+          <p:cNvPr id="8" name="Рисунок 7">
+            <a:extLst>
+              <a:ext uri="{FF2B5EF4-FFF2-40B4-BE49-F238E27FC236}">
+                <a16:creationId xmlns:a16="http://schemas.microsoft.com/office/drawing/2014/main" id="{C237D5C3-B2F0-42EB-B1B8-AABEB48CD7DA}"/>
+              </a:ext>
+            </a:extLst>
+          </p:cNvPr>
+          <p:cNvPicPr>
+            <a:picLocks noChangeAspect="1"/>
+          </p:cNvPicPr>
+          <p:nvPr/>
+        </p:nvPicPr>
+        <p:blipFill rotWithShape="1">
+          <a:blip r:embed="rId4">
+            <a:extLst>
+              <a:ext uri="{BEBA8EAE-BF5A-486C-A8C5-ECC9F3942E4B}">
+                <a14:imgProps xmlns:a14="http://schemas.microsoft.com/office/drawing/2010/main">
+                  <a14:imgLayer r:embed="rId5">
+                    <a14:imgEffect>
+                      <a14:backgroundRemoval t="8228" b="92405" l="22300" r="77700">
+                        <a14:foregroundMark x1="50600" y1="43513" x2="58100" y2="50949"/>
+                        <a14:foregroundMark x1="58100" y1="50949" x2="61600" y2="57120"/>
+                        <a14:foregroundMark x1="49900" y1="65665" x2="57900" y2="71835"/>
+                        <a14:foregroundMark x1="57900" y1="71835" x2="63900" y2="61234"/>
+                        <a14:foregroundMark x1="63900" y1="61234" x2="63200" y2="45570"/>
+                        <a14:foregroundMark x1="63200" y1="45570" x2="58800" y2="29589"/>
+                        <a14:foregroundMark x1="58800" y1="29589" x2="47400" y2="27690"/>
+                        <a14:foregroundMark x1="47400" y1="27690" x2="35500" y2="33228"/>
+                        <a14:foregroundMark x1="35500" y1="33228" x2="32200" y2="50949"/>
+                        <a14:foregroundMark x1="32200" y1="50949" x2="41100" y2="70570"/>
+                        <a14:foregroundMark x1="41100" y1="70570" x2="48200" y2="77373"/>
+                        <a14:foregroundMark x1="62300" y1="64557" x2="34000" y2="42722"/>
+                        <a14:foregroundMark x1="46400" y1="26741" x2="65300" y2="57753"/>
+                        <a14:foregroundMark x1="57800" y1="38924" x2="47100" y2="41772"/>
+                        <a14:foregroundMark x1="47100" y1="41772" x2="39100" y2="49209"/>
+                        <a14:foregroundMark x1="39100" y1="49209" x2="38200" y2="51266"/>
+                        <a14:foregroundMark x1="49400" y1="8228" x2="49400" y2="8228"/>
+                        <a14:foregroundMark x1="48900" y1="92563" x2="48900" y2="92563"/>
+                        <a14:foregroundMark x1="22300" y1="48892" x2="22300" y2="48892"/>
+                        <a14:foregroundMark x1="77600" y1="49367" x2="77600" y2="49367"/>
+                      </a14:backgroundRemoval>
+                    </a14:imgEffect>
+                  </a14:imgLayer>
+                </a14:imgProps>
+              </a:ext>
+              <a:ext uri="{28A0092B-C50C-407E-A947-70E740481C1C}">
+                <a14:useLocalDpi xmlns:a14="http://schemas.microsoft.com/office/drawing/2010/main" val="0"/>
+              </a:ext>
+            </a:extLst>
+          </a:blip>
+          <a:srcRect l="16056" r="15425"/>
+          <a:stretch/>
+        </p:blipFill>
+        <p:spPr>
+          <a:xfrm>
+            <a:off x="859890" y="648557"/>
+            <a:ext cx="1941696" cy="1790952"/>
+          </a:xfrm>
+          <a:prstGeom prst="rect">
+            <a:avLst/>
+          </a:prstGeom>
+        </p:spPr>
+      </p:pic>
+      <p:sp>
+        <p:nvSpPr>
+          <p:cNvPr id="11" name="TextBox 10">
+            <a:extLst>
+              <a:ext uri="{FF2B5EF4-FFF2-40B4-BE49-F238E27FC236}">
+                <a16:creationId xmlns:a16="http://schemas.microsoft.com/office/drawing/2014/main" id="{1299069F-80BC-405F-AB0A-C9EEBEA51EB6}"/>
+              </a:ext>
+            </a:extLst>
+          </p:cNvPr>
+          <p:cNvSpPr txBox="1"/>
+          <p:nvPr/>
+        </p:nvSpPr>
+        <p:spPr>
+          <a:xfrm>
+            <a:off x="3319428" y="914106"/>
+            <a:ext cx="7335738" cy="1077218"/>
+          </a:xfrm>
+          <a:prstGeom prst="rect">
+            <a:avLst/>
+          </a:prstGeom>
+          <a:noFill/>
+        </p:spPr>
+        <p:txBody>
+          <a:bodyPr wrap="square" rtlCol="0">
+            <a:spAutoFit/>
+          </a:bodyPr>
+          <a:lstStyle/>
+          <a:p>
+            <a:r>
+              <a:rPr lang="en-US" sz="3200" dirty="0">
+                <a:solidFill>
+                  <a:schemeClr val="bg1"/>
+                </a:solidFill>
+                <a:latin typeface="Segoe UI Black" panose="020B0A02040204020203" pitchFamily="34" charset="0"/>
+                <a:ea typeface="Segoe UI Black" panose="020B0A02040204020203" pitchFamily="34" charset="0"/>
+              </a:rPr>
+              <a:t>Telegram </a:t>
+            </a:r>
+            <a:r>
+              <a:rPr lang="ru-RU" sz="3200" dirty="0">
+                <a:solidFill>
+                  <a:schemeClr val="bg1"/>
+                </a:solidFill>
+                <a:latin typeface="Segoe UI Black" panose="020B0A02040204020203" pitchFamily="34" charset="0"/>
+                <a:ea typeface="Segoe UI Black" panose="020B0A02040204020203" pitchFamily="34" charset="0"/>
+              </a:rPr>
+              <a:t>в качестве Пользовательского Интерфейса</a:t>
+            </a:r>
+          </a:p>
+        </p:txBody>
+      </p:sp>
+      <p:sp>
+        <p:nvSpPr>
+          <p:cNvPr id="9" name="Прямоугольник 8">
+            <a:extLst>
+              <a:ext uri="{FF2B5EF4-FFF2-40B4-BE49-F238E27FC236}">
+                <a16:creationId xmlns:a16="http://schemas.microsoft.com/office/drawing/2014/main" id="{4137E70A-9384-4366-B130-15E7C0F93BAB}"/>
+              </a:ext>
+            </a:extLst>
+          </p:cNvPr>
+          <p:cNvSpPr/>
+          <p:nvPr/>
+        </p:nvSpPr>
+        <p:spPr>
+          <a:xfrm>
+            <a:off x="1129397" y="2775227"/>
+            <a:ext cx="843496" cy="799347"/>
+          </a:xfrm>
+          <a:prstGeom prst="rect">
+            <a:avLst/>
+          </a:prstGeom>
+          <a:gradFill flip="none" rotWithShape="1">
+            <a:gsLst>
+              <a:gs pos="0">
+                <a:srgbClr val="00B0F0"/>
+              </a:gs>
+              <a:gs pos="100000">
+                <a:srgbClr val="92D050"/>
+              </a:gs>
+            </a:gsLst>
+            <a:lin ang="2700000" scaled="1"/>
+            <a:tileRect/>
+          </a:gradFill>
+          <a:ln>
+            <a:noFill/>
+          </a:ln>
+        </p:spPr>
+        <p:style>
+          <a:lnRef idx="2">
+            <a:schemeClr val="accent1">
+              <a:shade val="50000"/>
+            </a:schemeClr>
+          </a:lnRef>
+          <a:fillRef idx="1">
+            <a:schemeClr val="accent1"/>
+          </a:fillRef>
+          <a:effectRef idx="0">
+            <a:schemeClr val="accent1"/>
+          </a:effectRef>
+          <a:fontRef idx="minor">
+            <a:schemeClr val="lt1"/>
+          </a:fontRef>
+        </p:style>
+        <p:txBody>
+          <a:bodyPr rtlCol="0" anchor="ctr"/>
+          <a:lstStyle/>
+          <a:p>
+            <a:pPr algn="ctr"/>
+            <a:r>
+              <a:rPr lang="en-US" sz="6000" dirty="0">
+                <a:solidFill>
+                  <a:schemeClr val="bg1"/>
+                </a:solidFill>
+                <a:latin typeface="Arial Black" panose="020B0A04020102020204" pitchFamily="34" charset="0"/>
+              </a:rPr>
+              <a:t>1</a:t>
+            </a:r>
+            <a:endParaRPr lang="ru-RU" sz="6000" dirty="0">
+              <a:solidFill>
+                <a:schemeClr val="bg1"/>
+              </a:solidFill>
+              <a:latin typeface="Arial Black" panose="020B0A04020102020204" pitchFamily="34" charset="0"/>
+            </a:endParaRPr>
+          </a:p>
+        </p:txBody>
+      </p:sp>
+      <p:sp>
+        <p:nvSpPr>
+          <p:cNvPr id="10" name="TextBox 9">
+            <a:extLst>
+              <a:ext uri="{FF2B5EF4-FFF2-40B4-BE49-F238E27FC236}">
+                <a16:creationId xmlns:a16="http://schemas.microsoft.com/office/drawing/2014/main" id="{52A9CF73-7082-4CAE-9EB4-639B35D10FDD}"/>
+              </a:ext>
+            </a:extLst>
+          </p:cNvPr>
+          <p:cNvSpPr txBox="1"/>
+          <p:nvPr/>
+        </p:nvSpPr>
+        <p:spPr>
+          <a:xfrm>
+            <a:off x="2144343" y="2697846"/>
+            <a:ext cx="4383102" cy="954107"/>
+          </a:xfrm>
+          <a:prstGeom prst="rect">
+            <a:avLst/>
+          </a:prstGeom>
+          <a:noFill/>
+        </p:spPr>
+        <p:txBody>
+          <a:bodyPr wrap="square" rtlCol="0">
+            <a:spAutoFit/>
+          </a:bodyPr>
+          <a:lstStyle/>
+          <a:p>
+            <a:r>
+              <a:rPr lang="ru-RU" sz="2800" dirty="0">
+                <a:solidFill>
+                  <a:schemeClr val="bg1"/>
+                </a:solidFill>
+                <a:latin typeface="Segoe UI Black" panose="020B0A02040204020203" pitchFamily="34" charset="0"/>
+                <a:ea typeface="Segoe UI Black" panose="020B0A02040204020203" pitchFamily="34" charset="0"/>
+              </a:rPr>
+              <a:t>Популярность мессенджера</a:t>
+            </a:r>
+          </a:p>
+        </p:txBody>
+      </p:sp>
+      <p:sp>
+        <p:nvSpPr>
+          <p:cNvPr id="14" name="Прямоугольник 13">
+            <a:extLst>
+              <a:ext uri="{FF2B5EF4-FFF2-40B4-BE49-F238E27FC236}">
+                <a16:creationId xmlns:a16="http://schemas.microsoft.com/office/drawing/2014/main" id="{90877B84-4735-4307-99A9-EC5C1A22C030}"/>
+              </a:ext>
+            </a:extLst>
+          </p:cNvPr>
+          <p:cNvSpPr/>
+          <p:nvPr/>
+        </p:nvSpPr>
+        <p:spPr>
+          <a:xfrm>
+            <a:off x="1129397" y="3949716"/>
+            <a:ext cx="843496" cy="799347"/>
+          </a:xfrm>
+          <a:prstGeom prst="rect">
+            <a:avLst/>
+          </a:prstGeom>
+          <a:gradFill flip="none" rotWithShape="1">
+            <a:gsLst>
+              <a:gs pos="0">
+                <a:srgbClr val="00B0F0"/>
+              </a:gs>
+              <a:gs pos="100000">
+                <a:srgbClr val="92D050"/>
+              </a:gs>
+            </a:gsLst>
+            <a:lin ang="2700000" scaled="1"/>
+            <a:tileRect/>
+          </a:gradFill>
+          <a:ln>
+            <a:noFill/>
+          </a:ln>
+        </p:spPr>
+        <p:style>
+          <a:lnRef idx="2">
+            <a:schemeClr val="accent1">
+              <a:shade val="50000"/>
+            </a:schemeClr>
+          </a:lnRef>
+          <a:fillRef idx="1">
+            <a:schemeClr val="accent1"/>
+          </a:fillRef>
+          <a:effectRef idx="0">
+            <a:schemeClr val="accent1"/>
+          </a:effectRef>
+          <a:fontRef idx="minor">
+            <a:schemeClr val="lt1"/>
+          </a:fontRef>
+        </p:style>
+        <p:txBody>
+          <a:bodyPr rtlCol="0" anchor="ctr"/>
+          <a:lstStyle/>
+          <a:p>
+            <a:pPr algn="ctr"/>
+            <a:r>
+              <a:rPr lang="ru-RU" sz="6000" dirty="0">
+                <a:solidFill>
+                  <a:schemeClr val="bg1"/>
+                </a:solidFill>
+                <a:latin typeface="Arial Black" panose="020B0A04020102020204" pitchFamily="34" charset="0"/>
+              </a:rPr>
+              <a:t>2</a:t>
+            </a:r>
+          </a:p>
+        </p:txBody>
+      </p:sp>
+      <p:sp>
+        <p:nvSpPr>
+          <p:cNvPr id="15" name="TextBox 14">
+            <a:extLst>
+              <a:ext uri="{FF2B5EF4-FFF2-40B4-BE49-F238E27FC236}">
+                <a16:creationId xmlns:a16="http://schemas.microsoft.com/office/drawing/2014/main" id="{37E6B77B-6355-48D7-AF61-3488D47B5655}"/>
+              </a:ext>
+            </a:extLst>
+          </p:cNvPr>
+          <p:cNvSpPr txBox="1"/>
+          <p:nvPr/>
+        </p:nvSpPr>
+        <p:spPr>
+          <a:xfrm>
+            <a:off x="2083039" y="3914926"/>
+            <a:ext cx="4096380" cy="954107"/>
+          </a:xfrm>
+          <a:prstGeom prst="rect">
+            <a:avLst/>
+          </a:prstGeom>
+          <a:noFill/>
+        </p:spPr>
+        <p:txBody>
+          <a:bodyPr wrap="square" rtlCol="0">
+            <a:spAutoFit/>
+          </a:bodyPr>
+          <a:lstStyle/>
+          <a:p>
+            <a:r>
+              <a:rPr lang="ru-RU" sz="2800" dirty="0">
+                <a:solidFill>
+                  <a:schemeClr val="bg1"/>
+                </a:solidFill>
+                <a:latin typeface="Segoe UI Black" panose="020B0A02040204020203" pitchFamily="34" charset="0"/>
+                <a:ea typeface="Segoe UI Black" panose="020B0A02040204020203" pitchFamily="34" charset="0"/>
+              </a:rPr>
+              <a:t>Кросс-</a:t>
+            </a:r>
+            <a:r>
+              <a:rPr lang="ru-RU" sz="2800" dirty="0" err="1">
+                <a:solidFill>
+                  <a:schemeClr val="bg1"/>
+                </a:solidFill>
+                <a:latin typeface="Segoe UI Black" panose="020B0A02040204020203" pitchFamily="34" charset="0"/>
+                <a:ea typeface="Segoe UI Black" panose="020B0A02040204020203" pitchFamily="34" charset="0"/>
+              </a:rPr>
+              <a:t>платформенность</a:t>
+            </a:r>
+            <a:endParaRPr lang="ru-RU" sz="2800" dirty="0">
+              <a:solidFill>
+                <a:schemeClr val="bg1"/>
+              </a:solidFill>
+              <a:latin typeface="Segoe UI Black" panose="020B0A02040204020203" pitchFamily="34" charset="0"/>
+              <a:ea typeface="Segoe UI Black" panose="020B0A02040204020203" pitchFamily="34" charset="0"/>
+            </a:endParaRPr>
+          </a:p>
+        </p:txBody>
+      </p:sp>
+      <p:sp>
+        <p:nvSpPr>
+          <p:cNvPr id="16" name="Прямоугольник 15">
+            <a:extLst>
+              <a:ext uri="{FF2B5EF4-FFF2-40B4-BE49-F238E27FC236}">
+                <a16:creationId xmlns:a16="http://schemas.microsoft.com/office/drawing/2014/main" id="{F0BA7F95-436F-4BB3-96FE-8536770730BC}"/>
+              </a:ext>
+            </a:extLst>
+          </p:cNvPr>
+          <p:cNvSpPr/>
+          <p:nvPr/>
+        </p:nvSpPr>
+        <p:spPr>
+          <a:xfrm>
+            <a:off x="1129397" y="5188492"/>
+            <a:ext cx="843496" cy="799347"/>
+          </a:xfrm>
+          <a:prstGeom prst="rect">
+            <a:avLst/>
+          </a:prstGeom>
+          <a:gradFill flip="none" rotWithShape="1">
+            <a:gsLst>
+              <a:gs pos="0">
+                <a:srgbClr val="00B0F0"/>
+              </a:gs>
+              <a:gs pos="100000">
+                <a:srgbClr val="92D050"/>
+              </a:gs>
+            </a:gsLst>
+            <a:lin ang="2700000" scaled="1"/>
+            <a:tileRect/>
+          </a:gradFill>
+          <a:ln>
+            <a:noFill/>
+          </a:ln>
+        </p:spPr>
+        <p:style>
+          <a:lnRef idx="2">
+            <a:schemeClr val="accent1">
+              <a:shade val="50000"/>
+            </a:schemeClr>
+          </a:lnRef>
+          <a:fillRef idx="1">
+            <a:schemeClr val="accent1"/>
+          </a:fillRef>
+          <a:effectRef idx="0">
+            <a:schemeClr val="accent1"/>
+          </a:effectRef>
+          <a:fontRef idx="minor">
+            <a:schemeClr val="lt1"/>
+          </a:fontRef>
+        </p:style>
+        <p:txBody>
+          <a:bodyPr rtlCol="0" anchor="ctr"/>
+          <a:lstStyle/>
+          <a:p>
+            <a:pPr algn="ctr"/>
+            <a:r>
+              <a:rPr lang="ru-RU" sz="6000" dirty="0">
+                <a:solidFill>
+                  <a:schemeClr val="bg1"/>
+                </a:solidFill>
+                <a:latin typeface="Arial Black" panose="020B0A04020102020204" pitchFamily="34" charset="0"/>
+              </a:rPr>
+              <a:t>3</a:t>
+            </a:r>
+          </a:p>
+        </p:txBody>
+      </p:sp>
+      <p:sp>
+        <p:nvSpPr>
+          <p:cNvPr id="17" name="TextBox 16">
+            <a:extLst>
+              <a:ext uri="{FF2B5EF4-FFF2-40B4-BE49-F238E27FC236}">
+                <a16:creationId xmlns:a16="http://schemas.microsoft.com/office/drawing/2014/main" id="{AA0208D6-3B39-48DA-97DA-00BF2C2FF6D3}"/>
+              </a:ext>
+            </a:extLst>
+          </p:cNvPr>
+          <p:cNvSpPr txBox="1"/>
+          <p:nvPr/>
+        </p:nvSpPr>
+        <p:spPr>
+          <a:xfrm>
+            <a:off x="2083039" y="5312229"/>
+            <a:ext cx="4383102" cy="523220"/>
+          </a:xfrm>
+          <a:prstGeom prst="rect">
+            <a:avLst/>
+          </a:prstGeom>
+          <a:noFill/>
+        </p:spPr>
+        <p:txBody>
+          <a:bodyPr wrap="square" rtlCol="0">
+            <a:spAutoFit/>
+          </a:bodyPr>
+          <a:lstStyle/>
+          <a:p>
+            <a:r>
+              <a:rPr lang="ru-RU" sz="2800" dirty="0">
+                <a:solidFill>
+                  <a:schemeClr val="bg1"/>
+                </a:solidFill>
+                <a:latin typeface="Segoe UI Black" panose="020B0A02040204020203" pitchFamily="34" charset="0"/>
+                <a:ea typeface="Segoe UI Black" panose="020B0A02040204020203" pitchFamily="34" charset="0"/>
+              </a:rPr>
+              <a:t>Чат боты и </a:t>
+            </a:r>
+            <a:r>
+              <a:rPr lang="en-US" sz="2800" dirty="0">
+                <a:solidFill>
+                  <a:schemeClr val="bg1"/>
+                </a:solidFill>
+                <a:latin typeface="Segoe UI Black" panose="020B0A02040204020203" pitchFamily="34" charset="0"/>
+                <a:ea typeface="Segoe UI Black" panose="020B0A02040204020203" pitchFamily="34" charset="0"/>
+              </a:rPr>
+              <a:t>API</a:t>
+            </a:r>
+            <a:endParaRPr lang="ru-RU" sz="2800" dirty="0">
+              <a:solidFill>
+                <a:schemeClr val="bg1"/>
+              </a:solidFill>
+              <a:latin typeface="Segoe UI Black" panose="020B0A02040204020203" pitchFamily="34" charset="0"/>
+              <a:ea typeface="Segoe UI Black" panose="020B0A02040204020203" pitchFamily="34" charset="0"/>
+            </a:endParaRPr>
+          </a:p>
+        </p:txBody>
+      </p:sp>
+      <p:sp>
+        <p:nvSpPr>
+          <p:cNvPr id="18" name="TextBox 17">
+            <a:extLst>
+              <a:ext uri="{FF2B5EF4-FFF2-40B4-BE49-F238E27FC236}">
+                <a16:creationId xmlns:a16="http://schemas.microsoft.com/office/drawing/2014/main" id="{FA33A836-A727-4279-9DF5-2F255DFB99D2}"/>
+              </a:ext>
+            </a:extLst>
+          </p:cNvPr>
+          <p:cNvSpPr txBox="1"/>
+          <p:nvPr/>
+        </p:nvSpPr>
+        <p:spPr>
+          <a:xfrm>
+            <a:off x="5970285" y="2755646"/>
+            <a:ext cx="4684881" cy="830997"/>
+          </a:xfrm>
+          <a:prstGeom prst="rect">
+            <a:avLst/>
+          </a:prstGeom>
+          <a:noFill/>
+        </p:spPr>
+        <p:txBody>
+          <a:bodyPr wrap="square" rtlCol="0">
+            <a:spAutoFit/>
+          </a:bodyPr>
+          <a:lstStyle/>
+          <a:p>
+            <a:r>
+              <a:rPr lang="ru-RU" sz="2400" b="1" dirty="0">
+                <a:solidFill>
+                  <a:schemeClr val="bg1"/>
+                </a:solidFill>
+                <a:latin typeface="Cascadia Mono SemiBold" panose="020B0609020000020004" pitchFamily="49" charset="0"/>
+                <a:cs typeface="Cascadia Mono SemiBold" panose="020B0609020000020004" pitchFamily="49" charset="0"/>
+              </a:rPr>
+              <a:t>Количество пользователей ≈</a:t>
+            </a:r>
+            <a:r>
+              <a:rPr lang="en-US" sz="2400" b="1" dirty="0">
+                <a:solidFill>
+                  <a:schemeClr val="bg1"/>
+                </a:solidFill>
+                <a:latin typeface="Cascadia Mono SemiBold" panose="020B0609020000020004" pitchFamily="49" charset="0"/>
+                <a:cs typeface="Cascadia Mono SemiBold" panose="020B0609020000020004" pitchFamily="49" charset="0"/>
+              </a:rPr>
+              <a:t>900 </a:t>
+            </a:r>
+            <a:r>
+              <a:rPr lang="ru-RU" sz="2400" b="1" dirty="0">
+                <a:solidFill>
+                  <a:schemeClr val="bg1"/>
+                </a:solidFill>
+                <a:latin typeface="Cascadia Mono SemiBold" panose="020B0609020000020004" pitchFamily="49" charset="0"/>
+                <a:cs typeface="Cascadia Mono SemiBold" panose="020B0609020000020004" pitchFamily="49" charset="0"/>
+              </a:rPr>
+              <a:t>млн. человек</a:t>
+            </a:r>
+          </a:p>
+        </p:txBody>
+      </p:sp>
+      <p:sp>
+        <p:nvSpPr>
+          <p:cNvPr id="19" name="TextBox 18">
+            <a:extLst>
+              <a:ext uri="{FF2B5EF4-FFF2-40B4-BE49-F238E27FC236}">
+                <a16:creationId xmlns:a16="http://schemas.microsoft.com/office/drawing/2014/main" id="{CBE83079-B19B-4394-A53C-A80BA2AE2669}"/>
+              </a:ext>
+            </a:extLst>
+          </p:cNvPr>
+          <p:cNvSpPr txBox="1"/>
+          <p:nvPr/>
+        </p:nvSpPr>
+        <p:spPr>
+          <a:xfrm>
+            <a:off x="5970285" y="3792266"/>
+            <a:ext cx="4684881" cy="1200329"/>
+          </a:xfrm>
+          <a:prstGeom prst="rect">
+            <a:avLst/>
+          </a:prstGeom>
+          <a:noFill/>
+        </p:spPr>
+        <p:txBody>
+          <a:bodyPr wrap="square" rtlCol="0">
+            <a:spAutoFit/>
+          </a:bodyPr>
+          <a:lstStyle/>
+          <a:p>
+            <a:r>
+              <a:rPr lang="en-US" sz="2400" b="1" dirty="0">
+                <a:solidFill>
+                  <a:schemeClr val="bg1"/>
+                </a:solidFill>
+                <a:latin typeface="Cascadia Mono SemiBold" panose="020B0609020000020004" pitchFamily="49" charset="0"/>
+                <a:cs typeface="Cascadia Mono SemiBold" panose="020B0609020000020004" pitchFamily="49" charset="0"/>
+              </a:rPr>
+              <a:t>Telegram </a:t>
+            </a:r>
+            <a:r>
+              <a:rPr lang="ru-RU" sz="2400" b="1" dirty="0">
+                <a:solidFill>
+                  <a:schemeClr val="bg1"/>
+                </a:solidFill>
+                <a:latin typeface="Cascadia Mono SemiBold" panose="020B0609020000020004" pitchFamily="49" charset="0"/>
+                <a:cs typeface="Cascadia Mono SemiBold" panose="020B0609020000020004" pitchFamily="49" charset="0"/>
+              </a:rPr>
+              <a:t>доступен почти на всех </a:t>
+            </a:r>
+            <a:r>
+              <a:rPr lang="en-US" sz="2400" b="1" dirty="0">
+                <a:solidFill>
+                  <a:schemeClr val="bg1"/>
+                </a:solidFill>
+                <a:latin typeface="Cascadia Mono SemiBold" panose="020B0609020000020004" pitchFamily="49" charset="0"/>
+                <a:cs typeface="Cascadia Mono SemiBold" panose="020B0609020000020004" pitchFamily="49" charset="0"/>
+              </a:rPr>
+              <a:t>OS: Android, iOS, Windows</a:t>
+            </a:r>
+            <a:endParaRPr lang="ru-RU" sz="2400" b="1" dirty="0">
+              <a:solidFill>
+                <a:schemeClr val="bg1"/>
+              </a:solidFill>
+              <a:latin typeface="Cascadia Mono SemiBold" panose="020B0609020000020004" pitchFamily="49" charset="0"/>
+              <a:cs typeface="Cascadia Mono SemiBold" panose="020B0609020000020004" pitchFamily="49" charset="0"/>
+            </a:endParaRPr>
+          </a:p>
+        </p:txBody>
+      </p:sp>
+      <p:sp>
+        <p:nvSpPr>
+          <p:cNvPr id="20" name="TextBox 19">
+            <a:extLst>
+              <a:ext uri="{FF2B5EF4-FFF2-40B4-BE49-F238E27FC236}">
+                <a16:creationId xmlns:a16="http://schemas.microsoft.com/office/drawing/2014/main" id="{B48D6B58-3EB1-44C8-A4CD-E100900227C7}"/>
+              </a:ext>
+            </a:extLst>
+          </p:cNvPr>
+          <p:cNvSpPr txBox="1"/>
+          <p:nvPr/>
+        </p:nvSpPr>
+        <p:spPr>
+          <a:xfrm>
+            <a:off x="5970285" y="5113673"/>
+            <a:ext cx="4684881" cy="1200329"/>
+          </a:xfrm>
+          <a:prstGeom prst="rect">
+            <a:avLst/>
+          </a:prstGeom>
+          <a:noFill/>
+        </p:spPr>
+        <p:txBody>
+          <a:bodyPr wrap="square" rtlCol="0">
+            <a:spAutoFit/>
+          </a:bodyPr>
+          <a:lstStyle/>
+          <a:p>
+            <a:r>
+              <a:rPr lang="en-US" sz="2400" b="1" dirty="0">
+                <a:solidFill>
+                  <a:schemeClr val="bg1"/>
+                </a:solidFill>
+                <a:latin typeface="Cascadia Mono SemiBold" panose="020B0609020000020004" pitchFamily="49" charset="0"/>
+                <a:cs typeface="Cascadia Mono SemiBold" panose="020B0609020000020004" pitchFamily="49" charset="0"/>
+              </a:rPr>
+              <a:t>Telegram </a:t>
+            </a:r>
+            <a:r>
+              <a:rPr lang="ru-RU" sz="2400" b="1" dirty="0">
+                <a:solidFill>
+                  <a:schemeClr val="bg1"/>
+                </a:solidFill>
+                <a:latin typeface="Cascadia Mono SemiBold" panose="020B0609020000020004" pitchFamily="49" charset="0"/>
+                <a:cs typeface="Cascadia Mono SemiBold" panose="020B0609020000020004" pitchFamily="49" charset="0"/>
+              </a:rPr>
+              <a:t>предоставляет мощные инструменты для разработчиков</a:t>
+            </a:r>
           </a:p>
         </p:txBody>
       </p:sp>
@@ -6482,9 +10305,25 @@
 </p:sld>
 </file>
 
-<file path=ppt/slides/slide21.xml><?xml version="1.0" encoding="utf-8"?>
+<file path=ppt/slides/slide22.xml><?xml version="1.0" encoding="utf-8"?>
 <p:sld xmlns:a="http://schemas.openxmlformats.org/drawingml/2006/main" xmlns:r="http://schemas.openxmlformats.org/officeDocument/2006/relationships" xmlns:p="http://schemas.openxmlformats.org/presentationml/2006/main">
   <p:cSld>
+    <p:bg>
+      <p:bgPr>
+        <a:gradFill>
+          <a:gsLst>
+            <a:gs pos="92000">
+              <a:srgbClr val="FFFF00"/>
+            </a:gs>
+            <a:gs pos="0">
+              <a:srgbClr val="00B050"/>
+            </a:gs>
+          </a:gsLst>
+          <a:lin ang="13500000" scaled="1"/>
+        </a:gradFill>
+        <a:effectLst/>
+      </p:bgPr>
+    </p:bg>
     <p:spTree>
       <p:nvGrpSpPr>
         <p:cNvPr id="1" name=""/>
@@ -6501,6 +10340,58 @@
       </p:grpSpPr>
       <p:sp>
         <p:nvSpPr>
+          <p:cNvPr id="8" name="Прямоугольник 7">
+            <a:extLst>
+              <a:ext uri="{FF2B5EF4-FFF2-40B4-BE49-F238E27FC236}">
+                <a16:creationId xmlns:a16="http://schemas.microsoft.com/office/drawing/2014/main" id="{58B3818E-A20F-446B-91E5-BD14E11680D0}"/>
+              </a:ext>
+            </a:extLst>
+          </p:cNvPr>
+          <p:cNvSpPr/>
+          <p:nvPr/>
+        </p:nvSpPr>
+        <p:spPr>
+          <a:xfrm>
+            <a:off x="280300" y="288911"/>
+            <a:ext cx="11631400" cy="6265826"/>
+          </a:xfrm>
+          <a:prstGeom prst="rect">
+            <a:avLst/>
+          </a:prstGeom>
+          <a:solidFill>
+            <a:srgbClr val="111111"/>
+          </a:solidFill>
+          <a:ln>
+            <a:noFill/>
+          </a:ln>
+        </p:spPr>
+        <p:style>
+          <a:lnRef idx="2">
+            <a:schemeClr val="accent1">
+              <a:shade val="50000"/>
+            </a:schemeClr>
+          </a:lnRef>
+          <a:fillRef idx="1">
+            <a:schemeClr val="accent1"/>
+          </a:fillRef>
+          <a:effectRef idx="0">
+            <a:schemeClr val="accent1"/>
+          </a:effectRef>
+          <a:fontRef idx="minor">
+            <a:schemeClr val="lt1"/>
+          </a:fontRef>
+        </p:style>
+        <p:txBody>
+          <a:bodyPr rtlCol="0" anchor="ctr"/>
+          <a:lstStyle/>
+          <a:p>
+            <a:pPr algn="ctr"/>
+            <a:endParaRPr lang="ru-RU"/>
+          </a:p>
+        </p:txBody>
+      </p:sp>
+      <p:sp>
+        <p:nvSpPr>
           <p:cNvPr id="2" name="Прямоугольник 1">
             <a:extLst>
               <a:ext uri="{FF2B5EF4-FFF2-40B4-BE49-F238E27FC236}">
@@ -6513,7 +10404,7 @@
         </p:nvSpPr>
         <p:spPr>
           <a:xfrm>
-            <a:off x="825613" y="577008"/>
+            <a:off x="-2825812" y="-1187289"/>
             <a:ext cx="2377574" cy="480581"/>
           </a:xfrm>
           <a:prstGeom prst="rect">
@@ -6558,7 +10449,7 @@
         </p:nvSpPr>
         <p:spPr>
           <a:xfrm>
-            <a:off x="825613" y="1674674"/>
+            <a:off x="1003238" y="-2941615"/>
             <a:ext cx="6096000" cy="1754326"/>
           </a:xfrm>
           <a:prstGeom prst="rect">
@@ -6603,7 +10494,7 @@
         </p:blipFill>
         <p:spPr>
           <a:xfrm>
-            <a:off x="615888" y="3833768"/>
+            <a:off x="673455" y="3973750"/>
             <a:ext cx="4946013" cy="2245168"/>
           </a:xfrm>
           <a:prstGeom prst="rect">
@@ -6633,7 +10524,7 @@
         </p:blipFill>
         <p:spPr>
           <a:xfrm>
-            <a:off x="6096000" y="4244659"/>
+            <a:off x="6096000" y="4314314"/>
             <a:ext cx="5552605" cy="1423386"/>
           </a:xfrm>
           <a:prstGeom prst="rect">
@@ -6642,6 +10533,732 @@
           <a:ln/>
         </p:spPr>
       </p:pic>
+      <p:sp>
+        <p:nvSpPr>
+          <p:cNvPr id="6" name="Прямоугольник 5">
+            <a:extLst>
+              <a:ext uri="{FF2B5EF4-FFF2-40B4-BE49-F238E27FC236}">
+                <a16:creationId xmlns:a16="http://schemas.microsoft.com/office/drawing/2014/main" id="{1B6E3E83-C475-4CB5-9102-4F31BCEA5BA3}"/>
+              </a:ext>
+            </a:extLst>
+          </p:cNvPr>
+          <p:cNvSpPr/>
+          <p:nvPr/>
+        </p:nvSpPr>
+        <p:spPr>
+          <a:xfrm>
+            <a:off x="-5438305" y="2948419"/>
+            <a:ext cx="2377574" cy="480581"/>
+          </a:xfrm>
+          <a:prstGeom prst="rect">
+            <a:avLst/>
+          </a:prstGeom>
+        </p:spPr>
+        <p:txBody>
+          <a:bodyPr wrap="none">
+            <a:spAutoFit/>
+          </a:bodyPr>
+          <a:lstStyle/>
+          <a:p>
+            <a:pPr>
+              <a:lnSpc>
+                <a:spcPct val="115000"/>
+              </a:lnSpc>
+              <a:spcAft>
+                <a:spcPts val="0"/>
+              </a:spcAft>
+            </a:pPr>
+            <a:r>
+              <a:rPr lang="ru-RU" sz="2400" b="1" dirty="0">
+                <a:solidFill>
+                  <a:schemeClr val="bg1"/>
+                </a:solidFill>
+                <a:latin typeface="Segoe UI Black" panose="020B0A02040204020203" pitchFamily="34" charset="0"/>
+                <a:ea typeface="Segoe UI Black" panose="020B0A02040204020203" pitchFamily="34" charset="0"/>
+              </a:rPr>
+              <a:t>Тестирование</a:t>
+            </a:r>
+          </a:p>
+        </p:txBody>
+      </p:sp>
+      <p:sp>
+        <p:nvSpPr>
+          <p:cNvPr id="10" name="Прямоугольник 9">
+            <a:extLst>
+              <a:ext uri="{FF2B5EF4-FFF2-40B4-BE49-F238E27FC236}">
+                <a16:creationId xmlns:a16="http://schemas.microsoft.com/office/drawing/2014/main" id="{8866EF05-4314-4192-9938-1AE4A91DF253}"/>
+              </a:ext>
+            </a:extLst>
+          </p:cNvPr>
+          <p:cNvSpPr/>
+          <p:nvPr/>
+        </p:nvSpPr>
+        <p:spPr>
+          <a:xfrm>
+            <a:off x="9366250" y="-2963914"/>
+            <a:ext cx="7213600" cy="1754326"/>
+          </a:xfrm>
+          <a:prstGeom prst="rect">
+            <a:avLst/>
+          </a:prstGeom>
+        </p:spPr>
+        <p:txBody>
+          <a:bodyPr wrap="square">
+            <a:spAutoFit/>
+          </a:bodyPr>
+          <a:lstStyle/>
+          <a:p>
+            <a:r>
+              <a:rPr lang="ru-RU" dirty="0">
+                <a:solidFill>
+                  <a:schemeClr val="bg1"/>
+                </a:solidFill>
+                <a:latin typeface="Segoe UI Black" panose="020B0A02040204020203" pitchFamily="34" charset="0"/>
+                <a:ea typeface="Segoe UI Black" panose="020B0A02040204020203" pitchFamily="34" charset="0"/>
+              </a:rPr>
+              <a:t>Тестирование кода является неотъемлемой частью разработки программного обеспечения и играет важную роль в обеспечении его качества, надежности и производительности. Оно позволяет выявлять ошибки, улучшать качество кода и повышать доверие пользователей к программному продукту</a:t>
+            </a:r>
+          </a:p>
+        </p:txBody>
+      </p:sp>
+      <p:sp>
+        <p:nvSpPr>
+          <p:cNvPr id="11" name="Прямоугольник 10">
+            <a:extLst>
+              <a:ext uri="{FF2B5EF4-FFF2-40B4-BE49-F238E27FC236}">
+                <a16:creationId xmlns:a16="http://schemas.microsoft.com/office/drawing/2014/main" id="{E1BBD404-51B8-40D9-A638-42A2B6AFC7B5}"/>
+              </a:ext>
+            </a:extLst>
+          </p:cNvPr>
+          <p:cNvSpPr/>
+          <p:nvPr/>
+        </p:nvSpPr>
+        <p:spPr>
+          <a:xfrm>
+            <a:off x="-3338316" y="0"/>
+            <a:ext cx="93466" cy="1751957"/>
+          </a:xfrm>
+          <a:prstGeom prst="rect">
+            <a:avLst/>
+          </a:prstGeom>
+          <a:solidFill>
+            <a:schemeClr val="bg1"/>
+          </a:solidFill>
+          <a:ln>
+            <a:noFill/>
+          </a:ln>
+        </p:spPr>
+        <p:style>
+          <a:lnRef idx="2">
+            <a:schemeClr val="accent1">
+              <a:shade val="50000"/>
+            </a:schemeClr>
+          </a:lnRef>
+          <a:fillRef idx="1">
+            <a:schemeClr val="accent1"/>
+          </a:fillRef>
+          <a:effectRef idx="0">
+            <a:schemeClr val="accent1"/>
+          </a:effectRef>
+          <a:fontRef idx="minor">
+            <a:schemeClr val="lt1"/>
+          </a:fontRef>
+        </p:style>
+        <p:txBody>
+          <a:bodyPr rtlCol="0" anchor="ctr"/>
+          <a:lstStyle/>
+          <a:p>
+            <a:pPr algn="ctr"/>
+            <a:endParaRPr lang="ru-RU"/>
+          </a:p>
+        </p:txBody>
+      </p:sp>
+      <p:sp>
+        <p:nvSpPr>
+          <p:cNvPr id="9" name="TextBox 8">
+            <a:extLst>
+              <a:ext uri="{FF2B5EF4-FFF2-40B4-BE49-F238E27FC236}">
+                <a16:creationId xmlns:a16="http://schemas.microsoft.com/office/drawing/2014/main" id="{8E706AFE-5C21-48A7-BED3-85D3AD8E6EE5}"/>
+              </a:ext>
+            </a:extLst>
+          </p:cNvPr>
+          <p:cNvSpPr txBox="1"/>
+          <p:nvPr/>
+        </p:nvSpPr>
+        <p:spPr>
+          <a:xfrm>
+            <a:off x="565286" y="3453265"/>
+            <a:ext cx="5162349" cy="369332"/>
+          </a:xfrm>
+          <a:prstGeom prst="rect">
+            <a:avLst/>
+          </a:prstGeom>
+          <a:noFill/>
+        </p:spPr>
+        <p:txBody>
+          <a:bodyPr wrap="square" rtlCol="0">
+            <a:spAutoFit/>
+          </a:bodyPr>
+          <a:lstStyle/>
+          <a:p>
+            <a:r>
+              <a:rPr lang="ru-RU" dirty="0">
+                <a:solidFill>
+                  <a:schemeClr val="bg1"/>
+                </a:solidFill>
+                <a:latin typeface="Arial Black" panose="020B0A04020102020204" pitchFamily="34" charset="0"/>
+              </a:rPr>
+              <a:t>Сообщение при первом запуске бота</a:t>
+            </a:r>
+            <a:r>
+              <a:rPr lang="en-US" dirty="0">
+                <a:solidFill>
+                  <a:schemeClr val="bg1"/>
+                </a:solidFill>
+                <a:latin typeface="Arial Black" panose="020B0A04020102020204" pitchFamily="34" charset="0"/>
+              </a:rPr>
+              <a:t>:</a:t>
+            </a:r>
+            <a:endParaRPr lang="ru-RU" dirty="0">
+              <a:solidFill>
+                <a:schemeClr val="bg1"/>
+              </a:solidFill>
+              <a:latin typeface="Arial Black" panose="020B0A04020102020204" pitchFamily="34" charset="0"/>
+            </a:endParaRPr>
+          </a:p>
+        </p:txBody>
+      </p:sp>
+      <p:sp>
+        <p:nvSpPr>
+          <p:cNvPr id="12" name="TextBox 11">
+            <a:extLst>
+              <a:ext uri="{FF2B5EF4-FFF2-40B4-BE49-F238E27FC236}">
+                <a16:creationId xmlns:a16="http://schemas.microsoft.com/office/drawing/2014/main" id="{5FC19F42-2833-4C29-A9C3-B61EAB48B698}"/>
+              </a:ext>
+            </a:extLst>
+          </p:cNvPr>
+          <p:cNvSpPr txBox="1"/>
+          <p:nvPr/>
+        </p:nvSpPr>
+        <p:spPr>
+          <a:xfrm>
+            <a:off x="7610689" y="3789084"/>
+            <a:ext cx="2842347" cy="369332"/>
+          </a:xfrm>
+          <a:prstGeom prst="rect">
+            <a:avLst/>
+          </a:prstGeom>
+          <a:noFill/>
+        </p:spPr>
+        <p:txBody>
+          <a:bodyPr wrap="square" rtlCol="0">
+            <a:spAutoFit/>
+          </a:bodyPr>
+          <a:lstStyle/>
+          <a:p>
+            <a:r>
+              <a:rPr lang="ru-RU" dirty="0">
+                <a:solidFill>
+                  <a:schemeClr val="bg1"/>
+                </a:solidFill>
+                <a:latin typeface="Arial Black" panose="020B0A04020102020204" pitchFamily="34" charset="0"/>
+              </a:rPr>
+              <a:t>Главное меню бота</a:t>
+            </a:r>
+            <a:r>
+              <a:rPr lang="en-US" dirty="0">
+                <a:solidFill>
+                  <a:schemeClr val="bg1"/>
+                </a:solidFill>
+                <a:latin typeface="Arial Black" panose="020B0A04020102020204" pitchFamily="34" charset="0"/>
+              </a:rPr>
+              <a:t>:</a:t>
+            </a:r>
+            <a:endParaRPr lang="ru-RU" dirty="0">
+              <a:solidFill>
+                <a:schemeClr val="bg1"/>
+              </a:solidFill>
+              <a:latin typeface="Arial Black" panose="020B0A04020102020204" pitchFamily="34" charset="0"/>
+            </a:endParaRPr>
+          </a:p>
+        </p:txBody>
+      </p:sp>
+      <p:sp>
+        <p:nvSpPr>
+          <p:cNvPr id="14" name="TextBox 13">
+            <a:extLst>
+              <a:ext uri="{FF2B5EF4-FFF2-40B4-BE49-F238E27FC236}">
+                <a16:creationId xmlns:a16="http://schemas.microsoft.com/office/drawing/2014/main" id="{14434207-C44B-4A7D-9DA0-7CCDD96936FE}"/>
+              </a:ext>
+            </a:extLst>
+          </p:cNvPr>
+          <p:cNvSpPr txBox="1"/>
+          <p:nvPr/>
+        </p:nvSpPr>
+        <p:spPr>
+          <a:xfrm>
+            <a:off x="565286" y="460479"/>
+            <a:ext cx="2743513" cy="830997"/>
+          </a:xfrm>
+          <a:prstGeom prst="rect">
+            <a:avLst/>
+          </a:prstGeom>
+          <a:noFill/>
+        </p:spPr>
+        <p:txBody>
+          <a:bodyPr wrap="square" rtlCol="0">
+            <a:spAutoFit/>
+          </a:bodyPr>
+          <a:lstStyle/>
+          <a:p>
+            <a:r>
+              <a:rPr lang="ru-RU" sz="2400" dirty="0">
+                <a:solidFill>
+                  <a:schemeClr val="bg1"/>
+                </a:solidFill>
+                <a:latin typeface="Arial Black" panose="020B0A04020102020204" pitchFamily="34" charset="0"/>
+              </a:rPr>
+              <a:t>Демонстрация работы бота</a:t>
+            </a:r>
+          </a:p>
+        </p:txBody>
+      </p:sp>
+      <p:sp>
+        <p:nvSpPr>
+          <p:cNvPr id="17" name="Прямоугольник 16">
+            <a:extLst>
+              <a:ext uri="{FF2B5EF4-FFF2-40B4-BE49-F238E27FC236}">
+                <a16:creationId xmlns:a16="http://schemas.microsoft.com/office/drawing/2014/main" id="{08B78463-66C4-4DA3-907B-3E6D025E9538}"/>
+              </a:ext>
+            </a:extLst>
+          </p:cNvPr>
+          <p:cNvSpPr/>
+          <p:nvPr/>
+        </p:nvSpPr>
+        <p:spPr>
+          <a:xfrm>
+            <a:off x="1003238" y="1578701"/>
+            <a:ext cx="606081" cy="584775"/>
+          </a:xfrm>
+          <a:prstGeom prst="rect">
+            <a:avLst/>
+          </a:prstGeom>
+          <a:gradFill flip="none" rotWithShape="1">
+            <a:gsLst>
+              <a:gs pos="0">
+                <a:srgbClr val="FFFF00"/>
+              </a:gs>
+              <a:gs pos="100000">
+                <a:schemeClr val="accent6"/>
+              </a:gs>
+            </a:gsLst>
+            <a:lin ang="2700000" scaled="1"/>
+            <a:tileRect/>
+          </a:gradFill>
+          <a:ln>
+            <a:noFill/>
+          </a:ln>
+        </p:spPr>
+        <p:style>
+          <a:lnRef idx="2">
+            <a:schemeClr val="accent1">
+              <a:shade val="50000"/>
+            </a:schemeClr>
+          </a:lnRef>
+          <a:fillRef idx="1">
+            <a:schemeClr val="accent1"/>
+          </a:fillRef>
+          <a:effectRef idx="0">
+            <a:schemeClr val="accent1"/>
+          </a:effectRef>
+          <a:fontRef idx="minor">
+            <a:schemeClr val="lt1"/>
+          </a:fontRef>
+        </p:style>
+        <p:txBody>
+          <a:bodyPr rtlCol="0" anchor="ctr"/>
+          <a:lstStyle/>
+          <a:p>
+            <a:pPr algn="ctr"/>
+            <a:r>
+              <a:rPr lang="ru-RU" sz="4400" dirty="0">
+                <a:solidFill>
+                  <a:schemeClr val="bg1"/>
+                </a:solidFill>
+                <a:latin typeface="Arial Black" panose="020B0A04020102020204" pitchFamily="34" charset="0"/>
+              </a:rPr>
+              <a:t>1</a:t>
+            </a:r>
+          </a:p>
+        </p:txBody>
+      </p:sp>
+      <p:sp>
+        <p:nvSpPr>
+          <p:cNvPr id="18" name="TextBox 17">
+            <a:extLst>
+              <a:ext uri="{FF2B5EF4-FFF2-40B4-BE49-F238E27FC236}">
+                <a16:creationId xmlns:a16="http://schemas.microsoft.com/office/drawing/2014/main" id="{D6C08D73-9CBC-4AB3-BE02-E977BF885DE4}"/>
+              </a:ext>
+            </a:extLst>
+          </p:cNvPr>
+          <p:cNvSpPr txBox="1"/>
+          <p:nvPr/>
+        </p:nvSpPr>
+        <p:spPr>
+          <a:xfrm>
+            <a:off x="1630797" y="1578701"/>
+            <a:ext cx="3988671" cy="584775"/>
+          </a:xfrm>
+          <a:prstGeom prst="rect">
+            <a:avLst/>
+          </a:prstGeom>
+          <a:noFill/>
+        </p:spPr>
+        <p:txBody>
+          <a:bodyPr wrap="square" rtlCol="0">
+            <a:spAutoFit/>
+          </a:bodyPr>
+          <a:lstStyle/>
+          <a:p>
+            <a:r>
+              <a:rPr lang="ru-RU" sz="3200" dirty="0">
+                <a:solidFill>
+                  <a:schemeClr val="bg1"/>
+                </a:solidFill>
+                <a:latin typeface="Arial Black" panose="020B0A04020102020204" pitchFamily="34" charset="0"/>
+              </a:rPr>
+              <a:t>Приветствие</a:t>
+            </a:r>
+          </a:p>
+        </p:txBody>
+      </p:sp>
+      <p:sp>
+        <p:nvSpPr>
+          <p:cNvPr id="19" name="Прямоугольник 18">
+            <a:extLst>
+              <a:ext uri="{FF2B5EF4-FFF2-40B4-BE49-F238E27FC236}">
+                <a16:creationId xmlns:a16="http://schemas.microsoft.com/office/drawing/2014/main" id="{DBF2E4B4-64A0-475D-8E43-00399D75E836}"/>
+              </a:ext>
+            </a:extLst>
+          </p:cNvPr>
+          <p:cNvSpPr/>
+          <p:nvPr/>
+        </p:nvSpPr>
+        <p:spPr>
+          <a:xfrm>
+            <a:off x="1003238" y="2450701"/>
+            <a:ext cx="606081" cy="584775"/>
+          </a:xfrm>
+          <a:prstGeom prst="rect">
+            <a:avLst/>
+          </a:prstGeom>
+          <a:gradFill flip="none" rotWithShape="1">
+            <a:gsLst>
+              <a:gs pos="0">
+                <a:srgbClr val="FFFF00"/>
+              </a:gs>
+              <a:gs pos="100000">
+                <a:schemeClr val="accent6"/>
+              </a:gs>
+            </a:gsLst>
+            <a:lin ang="2700000" scaled="1"/>
+            <a:tileRect/>
+          </a:gradFill>
+          <a:ln>
+            <a:noFill/>
+          </a:ln>
+        </p:spPr>
+        <p:style>
+          <a:lnRef idx="2">
+            <a:schemeClr val="accent1">
+              <a:shade val="50000"/>
+            </a:schemeClr>
+          </a:lnRef>
+          <a:fillRef idx="1">
+            <a:schemeClr val="accent1"/>
+          </a:fillRef>
+          <a:effectRef idx="0">
+            <a:schemeClr val="accent1"/>
+          </a:effectRef>
+          <a:fontRef idx="minor">
+            <a:schemeClr val="lt1"/>
+          </a:fontRef>
+        </p:style>
+        <p:txBody>
+          <a:bodyPr rtlCol="0" anchor="ctr"/>
+          <a:lstStyle/>
+          <a:p>
+            <a:pPr algn="ctr"/>
+            <a:r>
+              <a:rPr lang="ru-RU" sz="4400" dirty="0">
+                <a:solidFill>
+                  <a:schemeClr val="bg1"/>
+                </a:solidFill>
+                <a:latin typeface="Arial Black" panose="020B0A04020102020204" pitchFamily="34" charset="0"/>
+              </a:rPr>
+              <a:t>2</a:t>
+            </a:r>
+          </a:p>
+        </p:txBody>
+      </p:sp>
+      <p:sp>
+        <p:nvSpPr>
+          <p:cNvPr id="20" name="TextBox 19">
+            <a:extLst>
+              <a:ext uri="{FF2B5EF4-FFF2-40B4-BE49-F238E27FC236}">
+                <a16:creationId xmlns:a16="http://schemas.microsoft.com/office/drawing/2014/main" id="{543B0259-800C-4BAD-A519-2517E312C83D}"/>
+              </a:ext>
+            </a:extLst>
+          </p:cNvPr>
+          <p:cNvSpPr txBox="1"/>
+          <p:nvPr/>
+        </p:nvSpPr>
+        <p:spPr>
+          <a:xfrm>
+            <a:off x="1630797" y="2450701"/>
+            <a:ext cx="3988671" cy="584775"/>
+          </a:xfrm>
+          <a:prstGeom prst="rect">
+            <a:avLst/>
+          </a:prstGeom>
+          <a:noFill/>
+        </p:spPr>
+        <p:txBody>
+          <a:bodyPr wrap="square" rtlCol="0">
+            <a:spAutoFit/>
+          </a:bodyPr>
+          <a:lstStyle/>
+          <a:p>
+            <a:r>
+              <a:rPr lang="ru-RU" sz="3200" dirty="0">
+                <a:solidFill>
+                  <a:schemeClr val="bg1"/>
+                </a:solidFill>
+                <a:latin typeface="Arial Black" panose="020B0A04020102020204" pitchFamily="34" charset="0"/>
+              </a:rPr>
+              <a:t>Главное меню</a:t>
+            </a:r>
+          </a:p>
+        </p:txBody>
+      </p:sp>
+      <p:sp>
+        <p:nvSpPr>
+          <p:cNvPr id="23" name="Прямоугольник 22">
+            <a:extLst>
+              <a:ext uri="{FF2B5EF4-FFF2-40B4-BE49-F238E27FC236}">
+                <a16:creationId xmlns:a16="http://schemas.microsoft.com/office/drawing/2014/main" id="{7127EF3E-2E37-4807-B3BF-02EA42BE4932}"/>
+              </a:ext>
+            </a:extLst>
+          </p:cNvPr>
+          <p:cNvSpPr/>
+          <p:nvPr/>
+        </p:nvSpPr>
+        <p:spPr>
+          <a:xfrm>
+            <a:off x="5619468" y="1530107"/>
+            <a:ext cx="606081" cy="584775"/>
+          </a:xfrm>
+          <a:prstGeom prst="rect">
+            <a:avLst/>
+          </a:prstGeom>
+          <a:gradFill flip="none" rotWithShape="1">
+            <a:gsLst>
+              <a:gs pos="0">
+                <a:srgbClr val="FFFF00"/>
+              </a:gs>
+              <a:gs pos="100000">
+                <a:schemeClr val="accent6"/>
+              </a:gs>
+            </a:gsLst>
+            <a:lin ang="2700000" scaled="1"/>
+            <a:tileRect/>
+          </a:gradFill>
+          <a:ln>
+            <a:noFill/>
+          </a:ln>
+        </p:spPr>
+        <p:style>
+          <a:lnRef idx="2">
+            <a:schemeClr val="accent1">
+              <a:shade val="50000"/>
+            </a:schemeClr>
+          </a:lnRef>
+          <a:fillRef idx="1">
+            <a:schemeClr val="accent1"/>
+          </a:fillRef>
+          <a:effectRef idx="0">
+            <a:schemeClr val="accent1"/>
+          </a:effectRef>
+          <a:fontRef idx="minor">
+            <a:schemeClr val="lt1"/>
+          </a:fontRef>
+        </p:style>
+        <p:txBody>
+          <a:bodyPr rtlCol="0" anchor="ctr"/>
+          <a:lstStyle/>
+          <a:p>
+            <a:pPr algn="ctr"/>
+            <a:r>
+              <a:rPr lang="ru-RU" sz="4400" dirty="0">
+                <a:solidFill>
+                  <a:schemeClr val="bg1"/>
+                </a:solidFill>
+                <a:latin typeface="Arial Black" panose="020B0A04020102020204" pitchFamily="34" charset="0"/>
+              </a:rPr>
+              <a:t>3</a:t>
+            </a:r>
+          </a:p>
+        </p:txBody>
+      </p:sp>
+      <p:sp>
+        <p:nvSpPr>
+          <p:cNvPr id="24" name="TextBox 23">
+            <a:extLst>
+              <a:ext uri="{FF2B5EF4-FFF2-40B4-BE49-F238E27FC236}">
+                <a16:creationId xmlns:a16="http://schemas.microsoft.com/office/drawing/2014/main" id="{6AC7F171-8A29-40CA-9E23-B58623A708B4}"/>
+              </a:ext>
+            </a:extLst>
+          </p:cNvPr>
+          <p:cNvSpPr txBox="1"/>
+          <p:nvPr/>
+        </p:nvSpPr>
+        <p:spPr>
+          <a:xfrm>
+            <a:off x="6251563" y="1530107"/>
+            <a:ext cx="4711609" cy="584775"/>
+          </a:xfrm>
+          <a:prstGeom prst="rect">
+            <a:avLst/>
+          </a:prstGeom>
+          <a:noFill/>
+        </p:spPr>
+        <p:txBody>
+          <a:bodyPr wrap="square" rtlCol="0">
+            <a:spAutoFit/>
+          </a:bodyPr>
+          <a:lstStyle/>
+          <a:p>
+            <a:r>
+              <a:rPr lang="ru-RU" sz="3200" dirty="0">
+                <a:solidFill>
+                  <a:schemeClr val="bg1"/>
+                </a:solidFill>
+                <a:latin typeface="Arial Black" panose="020B0A04020102020204" pitchFamily="34" charset="0"/>
+              </a:rPr>
+              <a:t>Список предметов</a:t>
+            </a:r>
+          </a:p>
+        </p:txBody>
+      </p:sp>
+      <p:sp>
+        <p:nvSpPr>
+          <p:cNvPr id="25" name="Прямоугольник 24">
+            <a:extLst>
+              <a:ext uri="{FF2B5EF4-FFF2-40B4-BE49-F238E27FC236}">
+                <a16:creationId xmlns:a16="http://schemas.microsoft.com/office/drawing/2014/main" id="{C9C17495-05AC-4342-9BF9-A3F718DA95F8}"/>
+              </a:ext>
+            </a:extLst>
+          </p:cNvPr>
+          <p:cNvSpPr/>
+          <p:nvPr/>
+        </p:nvSpPr>
+        <p:spPr>
+          <a:xfrm>
+            <a:off x="5597990" y="2466209"/>
+            <a:ext cx="606081" cy="584775"/>
+          </a:xfrm>
+          <a:prstGeom prst="rect">
+            <a:avLst/>
+          </a:prstGeom>
+          <a:gradFill flip="none" rotWithShape="1">
+            <a:gsLst>
+              <a:gs pos="0">
+                <a:srgbClr val="FFFF00"/>
+              </a:gs>
+              <a:gs pos="100000">
+                <a:schemeClr val="accent6"/>
+              </a:gs>
+            </a:gsLst>
+            <a:lin ang="2700000" scaled="1"/>
+            <a:tileRect/>
+          </a:gradFill>
+          <a:ln>
+            <a:noFill/>
+          </a:ln>
+        </p:spPr>
+        <p:style>
+          <a:lnRef idx="2">
+            <a:schemeClr val="accent1">
+              <a:shade val="50000"/>
+            </a:schemeClr>
+          </a:lnRef>
+          <a:fillRef idx="1">
+            <a:schemeClr val="accent1"/>
+          </a:fillRef>
+          <a:effectRef idx="0">
+            <a:schemeClr val="accent1"/>
+          </a:effectRef>
+          <a:fontRef idx="minor">
+            <a:schemeClr val="lt1"/>
+          </a:fontRef>
+        </p:style>
+        <p:txBody>
+          <a:bodyPr rtlCol="0" anchor="ctr"/>
+          <a:lstStyle/>
+          <a:p>
+            <a:pPr algn="ctr"/>
+            <a:r>
+              <a:rPr lang="ru-RU" sz="4400" dirty="0">
+                <a:solidFill>
+                  <a:schemeClr val="bg1"/>
+                </a:solidFill>
+                <a:latin typeface="Arial Black" panose="020B0A04020102020204" pitchFamily="34" charset="0"/>
+              </a:rPr>
+              <a:t>4</a:t>
+            </a:r>
+          </a:p>
+        </p:txBody>
+      </p:sp>
+      <p:sp>
+        <p:nvSpPr>
+          <p:cNvPr id="26" name="TextBox 25">
+            <a:extLst>
+              <a:ext uri="{FF2B5EF4-FFF2-40B4-BE49-F238E27FC236}">
+                <a16:creationId xmlns:a16="http://schemas.microsoft.com/office/drawing/2014/main" id="{294EB527-4878-48ED-8E80-CE15D6E5C1AF}"/>
+              </a:ext>
+            </a:extLst>
+          </p:cNvPr>
+          <p:cNvSpPr txBox="1"/>
+          <p:nvPr/>
+        </p:nvSpPr>
+        <p:spPr>
+          <a:xfrm>
+            <a:off x="6225549" y="2466209"/>
+            <a:ext cx="3988671" cy="584775"/>
+          </a:xfrm>
+          <a:prstGeom prst="rect">
+            <a:avLst/>
+          </a:prstGeom>
+          <a:noFill/>
+        </p:spPr>
+        <p:txBody>
+          <a:bodyPr wrap="square" rtlCol="0">
+            <a:spAutoFit/>
+          </a:bodyPr>
+          <a:lstStyle/>
+          <a:p>
+            <a:r>
+              <a:rPr lang="ru-RU" sz="3200" dirty="0">
+                <a:solidFill>
+                  <a:schemeClr val="bg1"/>
+                </a:solidFill>
+                <a:latin typeface="Arial Black" panose="020B0A04020102020204" pitchFamily="34" charset="0"/>
+              </a:rPr>
+              <a:t>график</a:t>
+            </a:r>
+          </a:p>
+        </p:txBody>
+      </p:sp>
     </p:spTree>
     <p:extLst>
       <p:ext uri="{BB962C8B-B14F-4D97-AF65-F5344CB8AC3E}">
@@ -6655,9 +11272,25 @@
 </p:sld>
 </file>
 
-<file path=ppt/slides/slide22.xml><?xml version="1.0" encoding="utf-8"?>
+<file path=ppt/slides/slide23.xml><?xml version="1.0" encoding="utf-8"?>
 <p:sld xmlns:a="http://schemas.openxmlformats.org/drawingml/2006/main" xmlns:r="http://schemas.openxmlformats.org/officeDocument/2006/relationships" xmlns:p="http://schemas.openxmlformats.org/presentationml/2006/main">
   <p:cSld>
+    <p:bg>
+      <p:bgPr>
+        <a:gradFill>
+          <a:gsLst>
+            <a:gs pos="86000">
+              <a:srgbClr val="FF0000"/>
+            </a:gs>
+            <a:gs pos="30000">
+              <a:schemeClr val="accent1"/>
+            </a:gs>
+          </a:gsLst>
+          <a:lin ang="13500000" scaled="1"/>
+        </a:gradFill>
+        <a:effectLst/>
+      </p:bgPr>
+    </p:bg>
     <p:spTree>
       <p:nvGrpSpPr>
         <p:cNvPr id="1" name=""/>
@@ -6672,6 +11305,58 @@
           <a:chExt cx="0" cy="0"/>
         </a:xfrm>
       </p:grpSpPr>
+      <p:sp>
+        <p:nvSpPr>
+          <p:cNvPr id="5" name="Прямоугольник 4">
+            <a:extLst>
+              <a:ext uri="{FF2B5EF4-FFF2-40B4-BE49-F238E27FC236}">
+                <a16:creationId xmlns:a16="http://schemas.microsoft.com/office/drawing/2014/main" id="{E0E0A96E-AE71-47BD-BA35-9621FCA865AF}"/>
+              </a:ext>
+            </a:extLst>
+          </p:cNvPr>
+          <p:cNvSpPr/>
+          <p:nvPr/>
+        </p:nvSpPr>
+        <p:spPr>
+          <a:xfrm>
+            <a:off x="275771" y="188686"/>
+            <a:ext cx="11611429" cy="6516914"/>
+          </a:xfrm>
+          <a:prstGeom prst="rect">
+            <a:avLst/>
+          </a:prstGeom>
+          <a:solidFill>
+            <a:srgbClr val="1C1C1C"/>
+          </a:solidFill>
+          <a:ln>
+            <a:noFill/>
+          </a:ln>
+        </p:spPr>
+        <p:style>
+          <a:lnRef idx="2">
+            <a:schemeClr val="accent1">
+              <a:shade val="50000"/>
+            </a:schemeClr>
+          </a:lnRef>
+          <a:fillRef idx="1">
+            <a:schemeClr val="accent1"/>
+          </a:fillRef>
+          <a:effectRef idx="0">
+            <a:schemeClr val="accent1"/>
+          </a:effectRef>
+          <a:fontRef idx="minor">
+            <a:schemeClr val="lt1"/>
+          </a:fontRef>
+        </p:style>
+        <p:txBody>
+          <a:bodyPr rtlCol="0" anchor="ctr"/>
+          <a:lstStyle/>
+          <a:p>
+            <a:pPr algn="ctr"/>
+            <a:endParaRPr lang="ru-RU" dirty="0"/>
+          </a:p>
+        </p:txBody>
+      </p:sp>
       <p:pic>
         <p:nvPicPr>
           <p:cNvPr id="2" name="image2.png">
@@ -6693,7 +11378,7 @@
         </p:blipFill>
         <p:spPr>
           <a:xfrm>
-            <a:off x="6593745" y="472215"/>
+            <a:off x="6405059" y="472216"/>
             <a:ext cx="5164211" cy="5913567"/>
           </a:xfrm>
           <a:prstGeom prst="rect">
@@ -6753,7 +11438,7 @@
         </p:blipFill>
         <p:spPr>
           <a:xfrm>
-            <a:off x="434044" y="3738460"/>
+            <a:off x="434044" y="3606599"/>
             <a:ext cx="5560911" cy="2976927"/>
           </a:xfrm>
           <a:prstGeom prst="rect">
@@ -6775,9 +11460,17 @@
 </p:sld>
 </file>
 
-<file path=ppt/slides/slide23.xml><?xml version="1.0" encoding="utf-8"?>
+<file path=ppt/slides/slide24.xml><?xml version="1.0" encoding="utf-8"?>
 <p:sld xmlns:a="http://schemas.openxmlformats.org/drawingml/2006/main" xmlns:r="http://schemas.openxmlformats.org/officeDocument/2006/relationships" xmlns:p="http://schemas.openxmlformats.org/presentationml/2006/main">
   <p:cSld>
+    <p:bg>
+      <p:bgPr>
+        <a:solidFill>
+          <a:schemeClr val="tx1"/>
+        </a:solidFill>
+        <a:effectLst/>
+      </p:bgPr>
+    </p:bg>
     <p:spTree>
       <p:nvGrpSpPr>
         <p:cNvPr id="1" name=""/>
@@ -6792,36 +11485,6 @@
           <a:chExt cx="0" cy="0"/>
         </a:xfrm>
       </p:grpSpPr>
-    </p:spTree>
-    <p:extLst>
-      <p:ext uri="{BB962C8B-B14F-4D97-AF65-F5344CB8AC3E}">
-        <p14:creationId xmlns:p14="http://schemas.microsoft.com/office/powerpoint/2010/main" val="2537541303"/>
-      </p:ext>
-    </p:extLst>
-  </p:cSld>
-  <p:clrMapOvr>
-    <a:masterClrMapping/>
-  </p:clrMapOvr>
-</p:sld>
-</file>
-
-<file path=ppt/slides/slide24.xml><?xml version="1.0" encoding="utf-8"?>
-<p:sld xmlns:a="http://schemas.openxmlformats.org/drawingml/2006/main" xmlns:r="http://schemas.openxmlformats.org/officeDocument/2006/relationships" xmlns:p="http://schemas.openxmlformats.org/presentationml/2006/main">
-  <p:cSld>
-    <p:spTree>
-      <p:nvGrpSpPr>
-        <p:cNvPr id="1" name=""/>
-        <p:cNvGrpSpPr/>
-        <p:nvPr/>
-      </p:nvGrpSpPr>
-      <p:grpSpPr>
-        <a:xfrm>
-          <a:off x="0" y="0"/>
-          <a:ext cx="0" cy="0"/>
-          <a:chOff x="0" y="0"/>
-          <a:chExt cx="0" cy="0"/>
-        </a:xfrm>
-      </p:grpSpPr>
       <p:sp>
         <p:nvSpPr>
           <p:cNvPr id="2" name="TextBox 1">
@@ -6852,6 +11515,9 @@
           <a:p>
             <a:r>
               <a:rPr lang="ru-RU" sz="4800" dirty="0">
+                <a:solidFill>
+                  <a:schemeClr val="bg1"/>
+                </a:solidFill>
                 <a:latin typeface="Arial Black" panose="020B0A04020102020204" pitchFamily="34" charset="0"/>
               </a:rPr>
               <a:t>Спасибо за внимание!</a:t>
